--- a/media/image/心橋/心橋-平面圖.pptx
+++ b/media/image/心橋/心橋-平面圖.pptx
@@ -1,6 +1,6 @@
 
 <file path=ppt/presentation.xml><?xml version="1.0" encoding="utf-8"?>
-<p:presentation xmlns:a="http://schemas.openxmlformats.org/drawingml/2006/main" xmlns:r="http://schemas.openxmlformats.org/officeDocument/2006/relationships" xmlns:p="http://schemas.openxmlformats.org/presentationml/2006/main" saveSubsetFonts="1">
+<p:presentation xmlns:a="http://schemas.openxmlformats.org/drawingml/2006/main" xmlns:r="http://schemas.openxmlformats.org/officeDocument/2006/relationships" xmlns:p="http://schemas.openxmlformats.org/presentationml/2006/main" embedTrueTypeFonts="1" saveSubsetFonts="1">
   <p:sldMasterIdLst>
     <p:sldMasterId id="2147483648" r:id="rId1"/>
   </p:sldMasterIdLst>
@@ -15,10 +15,27 @@
     <p:sldId id="262" r:id="rId9"/>
     <p:sldId id="263" r:id="rId10"/>
     <p:sldId id="264" r:id="rId11"/>
-    <p:sldId id="265" r:id="rId12"/>
   </p:sldIdLst>
   <p:sldSz cx="12192000" cy="6858000"/>
   <p:notesSz cx="6858000" cy="9144000"/>
+  <p:embeddedFontLst>
+    <p:embeddedFont>
+      <p:font typeface="jf open 粉圓 1.1" panose="020F0500000000000000" pitchFamily="34" charset="-120"/>
+      <p:regular r:id="rId12"/>
+    </p:embeddedFont>
+    <p:embeddedFont>
+      <p:font typeface="Calibri" panose="020F0502020204030204" pitchFamily="34" charset="0"/>
+      <p:regular r:id="rId13"/>
+      <p:bold r:id="rId14"/>
+      <p:italic r:id="rId15"/>
+      <p:boldItalic r:id="rId16"/>
+    </p:embeddedFont>
+    <p:embeddedFont>
+      <p:font typeface="Calibri Light" panose="020F0302020204030204" pitchFamily="34" charset="0"/>
+      <p:regular r:id="rId17"/>
+      <p:italic r:id="rId18"/>
+    </p:embeddedFont>
+  </p:embeddedFontLst>
   <p:defaultTextStyle>
     <a:defPPr>
       <a:defRPr lang="zh-TW"/>
@@ -125,6 +142,1525 @@
 <file path=ppt/changesInfos/changesInfo1.xml><?xml version="1.0" encoding="utf-8"?>
 <pc:chgInfo xmlns:a="http://schemas.openxmlformats.org/drawingml/2006/main" xmlns:r="http://schemas.openxmlformats.org/officeDocument/2006/relationships" xmlns:ac="http://schemas.microsoft.com/office/drawing/2013/main/command" xmlns:pc="http://schemas.microsoft.com/office/powerpoint/2013/main/command">
   <pc:docChgLst>
+    <pc:chgData userId="94cdc5fa296ee6ab" providerId="LiveId" clId="{87BDBA92-0EF4-40AA-89C1-7AEC64C33B8E}"/>
+    <pc:docChg chg="undo custSel delSld modSld">
+      <pc:chgData name="" userId="94cdc5fa296ee6ab" providerId="LiveId" clId="{87BDBA92-0EF4-40AA-89C1-7AEC64C33B8E}" dt="2021-12-16T12:16:11.128" v="3392" actId="1076"/>
+      <pc:docMkLst>
+        <pc:docMk/>
+      </pc:docMkLst>
+      <pc:sldChg chg="addSp modSp">
+        <pc:chgData name="" userId="94cdc5fa296ee6ab" providerId="LiveId" clId="{87BDBA92-0EF4-40AA-89C1-7AEC64C33B8E}" dt="2021-12-13T13:40:03.284" v="2455" actId="14100"/>
+        <pc:sldMkLst>
+          <pc:docMk/>
+          <pc:sldMk cId="2839876968" sldId="257"/>
+        </pc:sldMkLst>
+        <pc:spChg chg="mod">
+          <ac:chgData name="" userId="94cdc5fa296ee6ab" providerId="LiveId" clId="{87BDBA92-0EF4-40AA-89C1-7AEC64C33B8E}" dt="2021-12-13T13:40:03.284" v="2455" actId="14100"/>
+          <ac:spMkLst>
+            <pc:docMk/>
+            <pc:sldMk cId="2839876968" sldId="257"/>
+            <ac:spMk id="2" creationId="{B8ADB29E-C186-4F6F-AB66-A1A165591124}"/>
+          </ac:spMkLst>
+        </pc:spChg>
+        <pc:spChg chg="mod">
+          <ac:chgData name="" userId="94cdc5fa296ee6ab" providerId="LiveId" clId="{87BDBA92-0EF4-40AA-89C1-7AEC64C33B8E}" dt="2021-12-13T13:27:29.160" v="2334" actId="255"/>
+          <ac:spMkLst>
+            <pc:docMk/>
+            <pc:sldMk cId="2839876968" sldId="257"/>
+            <ac:spMk id="4" creationId="{5F91CE82-4ACF-4166-B343-DB657BA55364}"/>
+          </ac:spMkLst>
+        </pc:spChg>
+        <pc:spChg chg="mod">
+          <ac:chgData name="" userId="94cdc5fa296ee6ab" providerId="LiveId" clId="{87BDBA92-0EF4-40AA-89C1-7AEC64C33B8E}" dt="2021-12-13T13:32:30.027" v="2406" actId="14100"/>
+          <ac:spMkLst>
+            <pc:docMk/>
+            <pc:sldMk cId="2839876968" sldId="257"/>
+            <ac:spMk id="5" creationId="{9488054F-E049-4B0F-99AF-F623F115C590}"/>
+          </ac:spMkLst>
+        </pc:spChg>
+        <pc:spChg chg="mod">
+          <ac:chgData name="" userId="94cdc5fa296ee6ab" providerId="LiveId" clId="{87BDBA92-0EF4-40AA-89C1-7AEC64C33B8E}" dt="2021-12-13T13:32:41.011" v="2408" actId="14100"/>
+          <ac:spMkLst>
+            <pc:docMk/>
+            <pc:sldMk cId="2839876968" sldId="257"/>
+            <ac:spMk id="6" creationId="{9C1A65B8-4B07-4DE4-ABD6-3EB40AA79172}"/>
+          </ac:spMkLst>
+        </pc:spChg>
+        <pc:spChg chg="mod">
+          <ac:chgData name="" userId="94cdc5fa296ee6ab" providerId="LiveId" clId="{87BDBA92-0EF4-40AA-89C1-7AEC64C33B8E}" dt="2021-12-13T13:27:29.160" v="2334" actId="255"/>
+          <ac:spMkLst>
+            <pc:docMk/>
+            <pc:sldMk cId="2839876968" sldId="257"/>
+            <ac:spMk id="7" creationId="{B4192D43-E7F9-4258-86FC-80AB929C0EBF}"/>
+          </ac:spMkLst>
+        </pc:spChg>
+        <pc:spChg chg="mod">
+          <ac:chgData name="" userId="94cdc5fa296ee6ab" providerId="LiveId" clId="{87BDBA92-0EF4-40AA-89C1-7AEC64C33B8E}" dt="2021-12-13T13:35:34.786" v="2428" actId="14100"/>
+          <ac:spMkLst>
+            <pc:docMk/>
+            <pc:sldMk cId="2839876968" sldId="257"/>
+            <ac:spMk id="8" creationId="{F8DF08B4-B095-4260-B8B8-FCF16CC28C21}"/>
+          </ac:spMkLst>
+        </pc:spChg>
+        <pc:spChg chg="mod">
+          <ac:chgData name="" userId="94cdc5fa296ee6ab" providerId="LiveId" clId="{87BDBA92-0EF4-40AA-89C1-7AEC64C33B8E}" dt="2021-12-13T13:28:12.083" v="2340" actId="1076"/>
+          <ac:spMkLst>
+            <pc:docMk/>
+            <pc:sldMk cId="2839876968" sldId="257"/>
+            <ac:spMk id="9" creationId="{5974B12C-8A02-4F9B-8F0E-FA74E3880997}"/>
+          </ac:spMkLst>
+        </pc:spChg>
+        <pc:spChg chg="mod">
+          <ac:chgData name="" userId="94cdc5fa296ee6ab" providerId="LiveId" clId="{87BDBA92-0EF4-40AA-89C1-7AEC64C33B8E}" dt="2021-12-13T13:27:53.235" v="2337" actId="14100"/>
+          <ac:spMkLst>
+            <pc:docMk/>
+            <pc:sldMk cId="2839876968" sldId="257"/>
+            <ac:spMk id="10" creationId="{9013ECB8-2C08-4672-8404-AA60AD7FDCA0}"/>
+          </ac:spMkLst>
+        </pc:spChg>
+        <pc:spChg chg="mod">
+          <ac:chgData name="" userId="94cdc5fa296ee6ab" providerId="LiveId" clId="{87BDBA92-0EF4-40AA-89C1-7AEC64C33B8E}" dt="2021-12-13T13:28:50.635" v="2348" actId="14100"/>
+          <ac:spMkLst>
+            <pc:docMk/>
+            <pc:sldMk cId="2839876968" sldId="257"/>
+            <ac:spMk id="11" creationId="{4990D610-177F-4B56-B497-E6ACA7FF5D1C}"/>
+          </ac:spMkLst>
+        </pc:spChg>
+        <pc:spChg chg="mod">
+          <ac:chgData name="" userId="94cdc5fa296ee6ab" providerId="LiveId" clId="{87BDBA92-0EF4-40AA-89C1-7AEC64C33B8E}" dt="2021-12-13T13:28:39.956" v="2346" actId="14100"/>
+          <ac:spMkLst>
+            <pc:docMk/>
+            <pc:sldMk cId="2839876968" sldId="257"/>
+            <ac:spMk id="12" creationId="{B7805777-BA25-49AA-9535-13792C8E016E}"/>
+          </ac:spMkLst>
+        </pc:spChg>
+        <pc:spChg chg="mod">
+          <ac:chgData name="" userId="94cdc5fa296ee6ab" providerId="LiveId" clId="{87BDBA92-0EF4-40AA-89C1-7AEC64C33B8E}" dt="2021-12-13T13:28:31.818" v="2345" actId="1076"/>
+          <ac:spMkLst>
+            <pc:docMk/>
+            <pc:sldMk cId="2839876968" sldId="257"/>
+            <ac:spMk id="13" creationId="{425F6D69-D656-4927-9765-B18D4A386118}"/>
+          </ac:spMkLst>
+        </pc:spChg>
+        <pc:spChg chg="mod">
+          <ac:chgData name="" userId="94cdc5fa296ee6ab" providerId="LiveId" clId="{87BDBA92-0EF4-40AA-89C1-7AEC64C33B8E}" dt="2021-12-13T13:28:16.362" v="2341" actId="1076"/>
+          <ac:spMkLst>
+            <pc:docMk/>
+            <pc:sldMk cId="2839876968" sldId="257"/>
+            <ac:spMk id="14" creationId="{EC8161F0-4129-4F26-8809-D54B19CB1750}"/>
+          </ac:spMkLst>
+        </pc:spChg>
+        <pc:spChg chg="mod">
+          <ac:chgData name="" userId="94cdc5fa296ee6ab" providerId="LiveId" clId="{87BDBA92-0EF4-40AA-89C1-7AEC64C33B8E}" dt="2021-12-13T13:27:29.160" v="2334" actId="255"/>
+          <ac:spMkLst>
+            <pc:docMk/>
+            <pc:sldMk cId="2839876968" sldId="257"/>
+            <ac:spMk id="15" creationId="{0C9BCBDD-F11D-41B0-B189-9BE3C2DBB751}"/>
+          </ac:spMkLst>
+        </pc:spChg>
+        <pc:spChg chg="mod">
+          <ac:chgData name="" userId="94cdc5fa296ee6ab" providerId="LiveId" clId="{87BDBA92-0EF4-40AA-89C1-7AEC64C33B8E}" dt="2021-12-13T13:28:02.066" v="2338" actId="1076"/>
+          <ac:spMkLst>
+            <pc:docMk/>
+            <pc:sldMk cId="2839876968" sldId="257"/>
+            <ac:spMk id="16" creationId="{8D34BBD5-DC6F-48BB-8F59-B669618D8A15}"/>
+          </ac:spMkLst>
+        </pc:spChg>
+        <pc:spChg chg="mod">
+          <ac:chgData name="" userId="94cdc5fa296ee6ab" providerId="LiveId" clId="{87BDBA92-0EF4-40AA-89C1-7AEC64C33B8E}" dt="2021-12-13T13:28:54.690" v="2349" actId="1076"/>
+          <ac:spMkLst>
+            <pc:docMk/>
+            <pc:sldMk cId="2839876968" sldId="257"/>
+            <ac:spMk id="17" creationId="{D2EE72EC-98A5-4134-A293-EB269534286E}"/>
+          </ac:spMkLst>
+        </pc:spChg>
+        <pc:grpChg chg="add mod">
+          <ac:chgData name="" userId="94cdc5fa296ee6ab" providerId="LiveId" clId="{87BDBA92-0EF4-40AA-89C1-7AEC64C33B8E}" dt="2021-12-13T13:32:22.893" v="2404" actId="1076"/>
+          <ac:grpSpMkLst>
+            <pc:docMk/>
+            <pc:sldMk cId="2839876968" sldId="257"/>
+            <ac:grpSpMk id="3" creationId="{33AB5494-1F82-487E-BF6F-1E4D963CE5B3}"/>
+          </ac:grpSpMkLst>
+        </pc:grpChg>
+      </pc:sldChg>
+      <pc:sldChg chg="addSp delSp modSp">
+        <pc:chgData name="" userId="94cdc5fa296ee6ab" providerId="LiveId" clId="{87BDBA92-0EF4-40AA-89C1-7AEC64C33B8E}" dt="2021-12-14T18:59:21.785" v="2650" actId="108"/>
+        <pc:sldMkLst>
+          <pc:docMk/>
+          <pc:sldMk cId="210543303" sldId="258"/>
+        </pc:sldMkLst>
+        <pc:spChg chg="add del mod">
+          <ac:chgData name="" userId="94cdc5fa296ee6ab" providerId="LiveId" clId="{87BDBA92-0EF4-40AA-89C1-7AEC64C33B8E}" dt="2021-12-14T18:58:46.304" v="2632" actId="767"/>
+          <ac:spMkLst>
+            <pc:docMk/>
+            <pc:sldMk cId="210543303" sldId="258"/>
+            <ac:spMk id="2" creationId="{123D9BE6-AE7B-477B-8AA9-CD2EFC908CD8}"/>
+          </ac:spMkLst>
+        </pc:spChg>
+        <pc:spChg chg="add del mod">
+          <ac:chgData name="" userId="94cdc5fa296ee6ab" providerId="LiveId" clId="{87BDBA92-0EF4-40AA-89C1-7AEC64C33B8E}" dt="2021-12-13T08:37:09.036" v="254" actId="478"/>
+          <ac:spMkLst>
+            <pc:docMk/>
+            <pc:sldMk cId="210543303" sldId="258"/>
+            <ac:spMk id="2" creationId="{74488D85-1914-4735-A112-E3EC8E98ABCE}"/>
+          </ac:spMkLst>
+        </pc:spChg>
+        <pc:spChg chg="add mod">
+          <ac:chgData name="" userId="94cdc5fa296ee6ab" providerId="LiveId" clId="{87BDBA92-0EF4-40AA-89C1-7AEC64C33B8E}" dt="2021-12-13T13:38:08.482" v="2443" actId="208"/>
+          <ac:spMkLst>
+            <pc:docMk/>
+            <pc:sldMk cId="210543303" sldId="258"/>
+            <ac:spMk id="3" creationId="{4C3A5EC4-3C65-4E93-BDE3-CEE66D270297}"/>
+          </ac:spMkLst>
+        </pc:spChg>
+        <pc:spChg chg="add mod">
+          <ac:chgData name="" userId="94cdc5fa296ee6ab" providerId="LiveId" clId="{87BDBA92-0EF4-40AA-89C1-7AEC64C33B8E}" dt="2021-12-13T13:38:13.596" v="2444" actId="208"/>
+          <ac:spMkLst>
+            <pc:docMk/>
+            <pc:sldMk cId="210543303" sldId="258"/>
+            <ac:spMk id="4" creationId="{89FF004E-964D-4326-8D25-A5F040070749}"/>
+          </ac:spMkLst>
+        </pc:spChg>
+        <pc:spChg chg="add mod">
+          <ac:chgData name="" userId="94cdc5fa296ee6ab" providerId="LiveId" clId="{87BDBA92-0EF4-40AA-89C1-7AEC64C33B8E}" dt="2021-12-14T18:59:05.991" v="2646" actId="1076"/>
+          <ac:spMkLst>
+            <pc:docMk/>
+            <pc:sldMk cId="210543303" sldId="258"/>
+            <ac:spMk id="5" creationId="{163E3478-031B-4C71-85AD-22CEBC51BA2A}"/>
+          </ac:spMkLst>
+        </pc:spChg>
+        <pc:spChg chg="mod">
+          <ac:chgData name="" userId="94cdc5fa296ee6ab" providerId="LiveId" clId="{87BDBA92-0EF4-40AA-89C1-7AEC64C33B8E}" dt="2021-12-13T13:31:40.684" v="2389" actId="404"/>
+          <ac:spMkLst>
+            <pc:docMk/>
+            <pc:sldMk cId="210543303" sldId="258"/>
+            <ac:spMk id="9" creationId="{D20A174E-7C09-405E-A82C-E4211EECCDEA}"/>
+          </ac:spMkLst>
+        </pc:spChg>
+        <pc:spChg chg="mod">
+          <ac:chgData name="" userId="94cdc5fa296ee6ab" providerId="LiveId" clId="{87BDBA92-0EF4-40AA-89C1-7AEC64C33B8E}" dt="2021-12-13T13:31:40.684" v="2389" actId="404"/>
+          <ac:spMkLst>
+            <pc:docMk/>
+            <pc:sldMk cId="210543303" sldId="258"/>
+            <ac:spMk id="10" creationId="{5FDC7BD5-05E0-498F-BA20-6F055A6DD8B8}"/>
+          </ac:spMkLst>
+        </pc:spChg>
+        <pc:spChg chg="mod">
+          <ac:chgData name="" userId="94cdc5fa296ee6ab" providerId="LiveId" clId="{87BDBA92-0EF4-40AA-89C1-7AEC64C33B8E}" dt="2021-12-13T13:31:40.684" v="2389" actId="404"/>
+          <ac:spMkLst>
+            <pc:docMk/>
+            <pc:sldMk cId="210543303" sldId="258"/>
+            <ac:spMk id="11" creationId="{84363E18-5B14-4DE5-9CEE-78BDFDDC7E91}"/>
+          </ac:spMkLst>
+        </pc:spChg>
+        <pc:spChg chg="mod">
+          <ac:chgData name="" userId="94cdc5fa296ee6ab" providerId="LiveId" clId="{87BDBA92-0EF4-40AA-89C1-7AEC64C33B8E}" dt="2021-12-13T13:31:40.684" v="2389" actId="404"/>
+          <ac:spMkLst>
+            <pc:docMk/>
+            <pc:sldMk cId="210543303" sldId="258"/>
+            <ac:spMk id="12" creationId="{74ADCC3C-0EDC-4748-BECF-2863E228E6DB}"/>
+          </ac:spMkLst>
+        </pc:spChg>
+        <pc:spChg chg="mod">
+          <ac:chgData name="" userId="94cdc5fa296ee6ab" providerId="LiveId" clId="{87BDBA92-0EF4-40AA-89C1-7AEC64C33B8E}" dt="2021-12-13T13:31:40.684" v="2389" actId="404"/>
+          <ac:spMkLst>
+            <pc:docMk/>
+            <pc:sldMk cId="210543303" sldId="258"/>
+            <ac:spMk id="13" creationId="{EB2245E1-2166-4DD4-9B95-91F5AAC675A0}"/>
+          </ac:spMkLst>
+        </pc:spChg>
+        <pc:spChg chg="mod">
+          <ac:chgData name="" userId="94cdc5fa296ee6ab" providerId="LiveId" clId="{87BDBA92-0EF4-40AA-89C1-7AEC64C33B8E}" dt="2021-12-13T13:31:40.684" v="2389" actId="404"/>
+          <ac:spMkLst>
+            <pc:docMk/>
+            <pc:sldMk cId="210543303" sldId="258"/>
+            <ac:spMk id="14" creationId="{FF65C9F9-319E-4414-A98D-DCDCDFF503C2}"/>
+          </ac:spMkLst>
+        </pc:spChg>
+        <pc:spChg chg="mod">
+          <ac:chgData name="" userId="94cdc5fa296ee6ab" providerId="LiveId" clId="{87BDBA92-0EF4-40AA-89C1-7AEC64C33B8E}" dt="2021-12-13T13:31:40.684" v="2389" actId="404"/>
+          <ac:spMkLst>
+            <pc:docMk/>
+            <pc:sldMk cId="210543303" sldId="258"/>
+            <ac:spMk id="15" creationId="{0DE07D49-C00C-4247-B524-CEBDA3565567}"/>
+          </ac:spMkLst>
+        </pc:spChg>
+        <pc:spChg chg="mod">
+          <ac:chgData name="" userId="94cdc5fa296ee6ab" providerId="LiveId" clId="{87BDBA92-0EF4-40AA-89C1-7AEC64C33B8E}" dt="2021-12-13T13:31:40.684" v="2389" actId="404"/>
+          <ac:spMkLst>
+            <pc:docMk/>
+            <pc:sldMk cId="210543303" sldId="258"/>
+            <ac:spMk id="16" creationId="{8A5D41E3-769F-4972-BCB0-EBC35908E52E}"/>
+          </ac:spMkLst>
+        </pc:spChg>
+        <pc:spChg chg="mod">
+          <ac:chgData name="" userId="94cdc5fa296ee6ab" providerId="LiveId" clId="{87BDBA92-0EF4-40AA-89C1-7AEC64C33B8E}" dt="2021-12-13T13:31:40.684" v="2389" actId="404"/>
+          <ac:spMkLst>
+            <pc:docMk/>
+            <pc:sldMk cId="210543303" sldId="258"/>
+            <ac:spMk id="17" creationId="{444B1B21-3878-4689-B10C-71713A84B649}"/>
+          </ac:spMkLst>
+        </pc:spChg>
+        <pc:spChg chg="mod">
+          <ac:chgData name="" userId="94cdc5fa296ee6ab" providerId="LiveId" clId="{87BDBA92-0EF4-40AA-89C1-7AEC64C33B8E}" dt="2021-12-13T13:31:40.684" v="2389" actId="404"/>
+          <ac:spMkLst>
+            <pc:docMk/>
+            <pc:sldMk cId="210543303" sldId="258"/>
+            <ac:spMk id="18" creationId="{F02C98C9-D51D-49E5-8550-B8F0E84E0587}"/>
+          </ac:spMkLst>
+        </pc:spChg>
+        <pc:spChg chg="mod">
+          <ac:chgData name="" userId="94cdc5fa296ee6ab" providerId="LiveId" clId="{87BDBA92-0EF4-40AA-89C1-7AEC64C33B8E}" dt="2021-12-13T13:31:40.684" v="2389" actId="404"/>
+          <ac:spMkLst>
+            <pc:docMk/>
+            <pc:sldMk cId="210543303" sldId="258"/>
+            <ac:spMk id="19" creationId="{8517A3F0-B0ED-40A2-929D-3B3314780751}"/>
+          </ac:spMkLst>
+        </pc:spChg>
+        <pc:spChg chg="add del mod">
+          <ac:chgData name="" userId="94cdc5fa296ee6ab" providerId="LiveId" clId="{87BDBA92-0EF4-40AA-89C1-7AEC64C33B8E}" dt="2021-12-13T13:31:41.056" v="2390" actId="478"/>
+          <ac:spMkLst>
+            <pc:docMk/>
+            <pc:sldMk cId="210543303" sldId="258"/>
+            <ac:spMk id="20" creationId="{9EE0F15C-6701-4E1B-A02C-552F89F0CA09}"/>
+          </ac:spMkLst>
+        </pc:spChg>
+        <pc:spChg chg="add del mod">
+          <ac:chgData name="" userId="94cdc5fa296ee6ab" providerId="LiveId" clId="{87BDBA92-0EF4-40AA-89C1-7AEC64C33B8E}" dt="2021-12-13T13:31:41.466" v="2391" actId="478"/>
+          <ac:spMkLst>
+            <pc:docMk/>
+            <pc:sldMk cId="210543303" sldId="258"/>
+            <ac:spMk id="21" creationId="{BEC86172-A30F-4183-A979-1BE1BBD231CF}"/>
+          </ac:spMkLst>
+        </pc:spChg>
+        <pc:spChg chg="mod">
+          <ac:chgData name="" userId="94cdc5fa296ee6ab" providerId="LiveId" clId="{87BDBA92-0EF4-40AA-89C1-7AEC64C33B8E}" dt="2021-12-13T08:37:05.860" v="253" actId="1076"/>
+          <ac:spMkLst>
+            <pc:docMk/>
+            <pc:sldMk cId="210543303" sldId="258"/>
+            <ac:spMk id="22" creationId="{A3D51F4F-5AD7-452C-B821-BF865CB57B1B}"/>
+          </ac:spMkLst>
+        </pc:spChg>
+        <pc:spChg chg="mod">
+          <ac:chgData name="" userId="94cdc5fa296ee6ab" providerId="LiveId" clId="{87BDBA92-0EF4-40AA-89C1-7AEC64C33B8E}" dt="2021-12-13T13:31:40.684" v="2389" actId="404"/>
+          <ac:spMkLst>
+            <pc:docMk/>
+            <pc:sldMk cId="210543303" sldId="258"/>
+            <ac:spMk id="23" creationId="{2631AE38-B9B3-44E4-AA89-6E912395A773}"/>
+          </ac:spMkLst>
+        </pc:spChg>
+        <pc:spChg chg="mod">
+          <ac:chgData name="" userId="94cdc5fa296ee6ab" providerId="LiveId" clId="{87BDBA92-0EF4-40AA-89C1-7AEC64C33B8E}" dt="2021-12-13T13:31:40.684" v="2389" actId="404"/>
+          <ac:spMkLst>
+            <pc:docMk/>
+            <pc:sldMk cId="210543303" sldId="258"/>
+            <ac:spMk id="24" creationId="{AB16A35B-532B-44F3-BE1E-3ABAFBFA6A6D}"/>
+          </ac:spMkLst>
+        </pc:spChg>
+        <pc:spChg chg="mod">
+          <ac:chgData name="" userId="94cdc5fa296ee6ab" providerId="LiveId" clId="{87BDBA92-0EF4-40AA-89C1-7AEC64C33B8E}" dt="2021-12-13T13:31:40.684" v="2389" actId="404"/>
+          <ac:spMkLst>
+            <pc:docMk/>
+            <pc:sldMk cId="210543303" sldId="258"/>
+            <ac:spMk id="25" creationId="{A7F958FD-8CCC-45FB-BFD1-507BA7C5AEA8}"/>
+          </ac:spMkLst>
+        </pc:spChg>
+        <pc:grpChg chg="add del mod">
+          <ac:chgData name="" userId="94cdc5fa296ee6ab" providerId="LiveId" clId="{87BDBA92-0EF4-40AA-89C1-7AEC64C33B8E}" dt="2021-12-13T13:31:42.223" v="2392"/>
+          <ac:grpSpMkLst>
+            <pc:docMk/>
+            <pc:sldMk cId="210543303" sldId="258"/>
+            <ac:grpSpMk id="8" creationId="{6B1BEAFA-5D7A-4139-9A69-5F9CA1F9D10E}"/>
+          </ac:grpSpMkLst>
+        </pc:grpChg>
+        <pc:picChg chg="mod">
+          <ac:chgData name="" userId="94cdc5fa296ee6ab" providerId="LiveId" clId="{87BDBA92-0EF4-40AA-89C1-7AEC64C33B8E}" dt="2021-12-13T08:35:03.724" v="154" actId="1076"/>
+          <ac:picMkLst>
+            <pc:docMk/>
+            <pc:sldMk cId="210543303" sldId="258"/>
+            <ac:picMk id="7" creationId="{1FF6DA63-771B-459F-949B-4424039347D1}"/>
+          </ac:picMkLst>
+        </pc:picChg>
+        <pc:cxnChg chg="add del mod">
+          <ac:chgData name="" userId="94cdc5fa296ee6ab" providerId="LiveId" clId="{87BDBA92-0EF4-40AA-89C1-7AEC64C33B8E}" dt="2021-12-13T13:37:02.280" v="2437" actId="11529"/>
+          <ac:cxnSpMkLst>
+            <pc:docMk/>
+            <pc:sldMk cId="210543303" sldId="258"/>
+            <ac:cxnSpMk id="5" creationId="{2CB3B4A5-575B-46DA-96DB-3EDCA8879A55}"/>
+          </ac:cxnSpMkLst>
+        </pc:cxnChg>
+        <pc:cxnChg chg="add del mod">
+          <ac:chgData name="" userId="94cdc5fa296ee6ab" providerId="LiveId" clId="{87BDBA92-0EF4-40AA-89C1-7AEC64C33B8E}" dt="2021-12-14T18:59:12.103" v="2648" actId="11529"/>
+          <ac:cxnSpMkLst>
+            <pc:docMk/>
+            <pc:sldMk cId="210543303" sldId="258"/>
+            <ac:cxnSpMk id="8" creationId="{AE4D1F22-4A9F-4D47-A80D-68CAB2075D11}"/>
+          </ac:cxnSpMkLst>
+        </pc:cxnChg>
+        <pc:cxnChg chg="add mod">
+          <ac:chgData name="" userId="94cdc5fa296ee6ab" providerId="LiveId" clId="{87BDBA92-0EF4-40AA-89C1-7AEC64C33B8E}" dt="2021-12-14T18:59:21.785" v="2650" actId="108"/>
+          <ac:cxnSpMkLst>
+            <pc:docMk/>
+            <pc:sldMk cId="210543303" sldId="258"/>
+            <ac:cxnSpMk id="10" creationId="{CFF65840-A8C7-4283-A209-0F663800BCD3}"/>
+          </ac:cxnSpMkLst>
+        </pc:cxnChg>
+        <pc:cxnChg chg="add mod">
+          <ac:chgData name="" userId="94cdc5fa296ee6ab" providerId="LiveId" clId="{87BDBA92-0EF4-40AA-89C1-7AEC64C33B8E}" dt="2021-12-13T13:38:06.612" v="2442" actId="208"/>
+          <ac:cxnSpMkLst>
+            <pc:docMk/>
+            <pc:sldMk cId="210543303" sldId="258"/>
+            <ac:cxnSpMk id="26" creationId="{32DB872A-D4C7-4D6D-A9E7-755ECE9C94BD}"/>
+          </ac:cxnSpMkLst>
+        </pc:cxnChg>
+        <pc:cxnChg chg="add mod">
+          <ac:chgData name="" userId="94cdc5fa296ee6ab" providerId="LiveId" clId="{87BDBA92-0EF4-40AA-89C1-7AEC64C33B8E}" dt="2021-12-13T13:38:41.763" v="2446" actId="108"/>
+          <ac:cxnSpMkLst>
+            <pc:docMk/>
+            <pc:sldMk cId="210543303" sldId="258"/>
+            <ac:cxnSpMk id="28" creationId="{DD513748-0CDA-4963-9175-3137EAF704A8}"/>
+          </ac:cxnSpMkLst>
+        </pc:cxnChg>
+      </pc:sldChg>
+      <pc:sldChg chg="addSp delSp modSp">
+        <pc:chgData name="" userId="94cdc5fa296ee6ab" providerId="LiveId" clId="{87BDBA92-0EF4-40AA-89C1-7AEC64C33B8E}" dt="2021-12-13T13:55:52.261" v="2545" actId="14100"/>
+        <pc:sldMkLst>
+          <pc:docMk/>
+          <pc:sldMk cId="4081281087" sldId="259"/>
+        </pc:sldMkLst>
+        <pc:spChg chg="mod">
+          <ac:chgData name="" userId="94cdc5fa296ee6ab" providerId="LiveId" clId="{87BDBA92-0EF4-40AA-89C1-7AEC64C33B8E}" dt="2021-12-13T13:34:21.538" v="2422" actId="1076"/>
+          <ac:spMkLst>
+            <pc:docMk/>
+            <pc:sldMk cId="4081281087" sldId="259"/>
+            <ac:spMk id="3" creationId="{297F22B1-486C-41DB-A5DF-7BF74871A746}"/>
+          </ac:spMkLst>
+        </pc:spChg>
+        <pc:spChg chg="mod">
+          <ac:chgData name="" userId="94cdc5fa296ee6ab" providerId="LiveId" clId="{87BDBA92-0EF4-40AA-89C1-7AEC64C33B8E}" dt="2021-12-13T13:34:21.538" v="2422" actId="1076"/>
+          <ac:spMkLst>
+            <pc:docMk/>
+            <pc:sldMk cId="4081281087" sldId="259"/>
+            <ac:spMk id="4" creationId="{E6CDFC1D-152A-4024-ACDA-3F6EC46C5E70}"/>
+          </ac:spMkLst>
+        </pc:spChg>
+        <pc:spChg chg="mod">
+          <ac:chgData name="" userId="94cdc5fa296ee6ab" providerId="LiveId" clId="{87BDBA92-0EF4-40AA-89C1-7AEC64C33B8E}" dt="2021-12-13T13:34:21.538" v="2422" actId="1076"/>
+          <ac:spMkLst>
+            <pc:docMk/>
+            <pc:sldMk cId="4081281087" sldId="259"/>
+            <ac:spMk id="5" creationId="{C2334E76-7DBF-4791-8A6C-554B5D1F5D82}"/>
+          </ac:spMkLst>
+        </pc:spChg>
+        <pc:spChg chg="add del mod">
+          <ac:chgData name="" userId="94cdc5fa296ee6ab" providerId="LiveId" clId="{87BDBA92-0EF4-40AA-89C1-7AEC64C33B8E}" dt="2021-12-13T08:36:51.997" v="237" actId="478"/>
+          <ac:spMkLst>
+            <pc:docMk/>
+            <pc:sldMk cId="4081281087" sldId="259"/>
+            <ac:spMk id="6" creationId="{A647A759-7D66-46C7-8444-863EC0DA6B9E}"/>
+          </ac:spMkLst>
+        </pc:spChg>
+        <pc:spChg chg="add mod">
+          <ac:chgData name="" userId="94cdc5fa296ee6ab" providerId="LiveId" clId="{87BDBA92-0EF4-40AA-89C1-7AEC64C33B8E}" dt="2021-12-13T13:55:52.261" v="2545" actId="14100"/>
+          <ac:spMkLst>
+            <pc:docMk/>
+            <pc:sldMk cId="4081281087" sldId="259"/>
+            <ac:spMk id="7" creationId="{240B98AF-C62E-45F5-8104-6E25FDD2AF90}"/>
+          </ac:spMkLst>
+        </pc:spChg>
+        <pc:spChg chg="add mod">
+          <ac:chgData name="" userId="94cdc5fa296ee6ab" providerId="LiveId" clId="{87BDBA92-0EF4-40AA-89C1-7AEC64C33B8E}" dt="2021-12-13T13:42:35.690" v="2478" actId="1076"/>
+          <ac:spMkLst>
+            <pc:docMk/>
+            <pc:sldMk cId="4081281087" sldId="259"/>
+            <ac:spMk id="8" creationId="{3DA97B17-E4DA-4A3F-A466-F9D0A57E1914}"/>
+          </ac:spMkLst>
+        </pc:spChg>
+        <pc:picChg chg="mod">
+          <ac:chgData name="" userId="94cdc5fa296ee6ab" providerId="LiveId" clId="{87BDBA92-0EF4-40AA-89C1-7AEC64C33B8E}" dt="2021-12-13T08:36:24.637" v="234" actId="1076"/>
+          <ac:picMkLst>
+            <pc:docMk/>
+            <pc:sldMk cId="4081281087" sldId="259"/>
+            <ac:picMk id="2" creationId="{51979A9B-6DDE-464D-AC82-CF23D8EF5D85}"/>
+          </ac:picMkLst>
+        </pc:picChg>
+        <pc:cxnChg chg="add mod">
+          <ac:chgData name="" userId="94cdc5fa296ee6ab" providerId="LiveId" clId="{87BDBA92-0EF4-40AA-89C1-7AEC64C33B8E}" dt="2021-12-13T13:55:52.261" v="2545" actId="14100"/>
+          <ac:cxnSpMkLst>
+            <pc:docMk/>
+            <pc:sldMk cId="4081281087" sldId="259"/>
+            <ac:cxnSpMk id="9" creationId="{F6D0AC35-0670-40BB-9080-13095FFE4A1E}"/>
+          </ac:cxnSpMkLst>
+        </pc:cxnChg>
+        <pc:cxnChg chg="add mod">
+          <ac:chgData name="" userId="94cdc5fa296ee6ab" providerId="LiveId" clId="{87BDBA92-0EF4-40AA-89C1-7AEC64C33B8E}" dt="2021-12-13T13:42:52.572" v="2482" actId="692"/>
+          <ac:cxnSpMkLst>
+            <pc:docMk/>
+            <pc:sldMk cId="4081281087" sldId="259"/>
+            <ac:cxnSpMk id="12" creationId="{299B103A-0D9C-40BB-926C-F6455D5C09FE}"/>
+          </ac:cxnSpMkLst>
+        </pc:cxnChg>
+      </pc:sldChg>
+      <pc:sldChg chg="addSp modSp">
+        <pc:chgData name="" userId="94cdc5fa296ee6ab" providerId="LiveId" clId="{87BDBA92-0EF4-40AA-89C1-7AEC64C33B8E}" dt="2021-12-16T12:10:09.352" v="3313" actId="208"/>
+        <pc:sldMkLst>
+          <pc:docMk/>
+          <pc:sldMk cId="2133106119" sldId="260"/>
+        </pc:sldMkLst>
+        <pc:spChg chg="mod">
+          <ac:chgData name="" userId="94cdc5fa296ee6ab" providerId="LiveId" clId="{87BDBA92-0EF4-40AA-89C1-7AEC64C33B8E}" dt="2021-12-13T08:43:08.701" v="666" actId="1076"/>
+          <ac:spMkLst>
+            <pc:docMk/>
+            <pc:sldMk cId="2133106119" sldId="260"/>
+            <ac:spMk id="3" creationId="{67F949FF-A054-4826-99E4-8DB1234DBCD3}"/>
+          </ac:spMkLst>
+        </pc:spChg>
+        <pc:spChg chg="mod">
+          <ac:chgData name="" userId="94cdc5fa296ee6ab" providerId="LiveId" clId="{87BDBA92-0EF4-40AA-89C1-7AEC64C33B8E}" dt="2021-12-16T12:10:09.352" v="3313" actId="208"/>
+          <ac:spMkLst>
+            <pc:docMk/>
+            <pc:sldMk cId="2133106119" sldId="260"/>
+            <ac:spMk id="4" creationId="{9CB2C8A6-3C6E-476A-8A28-858E3B1954AD}"/>
+          </ac:spMkLst>
+        </pc:spChg>
+        <pc:spChg chg="mod">
+          <ac:chgData name="" userId="94cdc5fa296ee6ab" providerId="LiveId" clId="{87BDBA92-0EF4-40AA-89C1-7AEC64C33B8E}" dt="2021-12-13T08:43:25.221" v="669" actId="1076"/>
+          <ac:spMkLst>
+            <pc:docMk/>
+            <pc:sldMk cId="2133106119" sldId="260"/>
+            <ac:spMk id="5" creationId="{5283E103-F8A3-4A4E-9461-75A443783465}"/>
+          </ac:spMkLst>
+        </pc:spChg>
+        <pc:spChg chg="add mod">
+          <ac:chgData name="" userId="94cdc5fa296ee6ab" providerId="LiveId" clId="{87BDBA92-0EF4-40AA-89C1-7AEC64C33B8E}" dt="2021-12-13T13:58:12.146" v="2618" actId="208"/>
+          <ac:spMkLst>
+            <pc:docMk/>
+            <pc:sldMk cId="2133106119" sldId="260"/>
+            <ac:spMk id="6" creationId="{21C87F4F-372E-4A28-BEFB-2A31522187D5}"/>
+          </ac:spMkLst>
+        </pc:spChg>
+        <pc:spChg chg="add mod">
+          <ac:chgData name="" userId="94cdc5fa296ee6ab" providerId="LiveId" clId="{87BDBA92-0EF4-40AA-89C1-7AEC64C33B8E}" dt="2021-12-13T13:58:15.633" v="2619" actId="208"/>
+          <ac:spMkLst>
+            <pc:docMk/>
+            <pc:sldMk cId="2133106119" sldId="260"/>
+            <ac:spMk id="7" creationId="{4880E5F7-2BDE-47E7-A321-009E98B7ED7E}"/>
+          </ac:spMkLst>
+        </pc:spChg>
+        <pc:picChg chg="mod">
+          <ac:chgData name="" userId="94cdc5fa296ee6ab" providerId="LiveId" clId="{87BDBA92-0EF4-40AA-89C1-7AEC64C33B8E}" dt="2021-12-13T13:55:10.290" v="2484" actId="1076"/>
+          <ac:picMkLst>
+            <pc:docMk/>
+            <pc:sldMk cId="2133106119" sldId="260"/>
+            <ac:picMk id="2" creationId="{B2725D83-E85D-4853-8429-D9448A6BF6F2}"/>
+          </ac:picMkLst>
+        </pc:picChg>
+        <pc:cxnChg chg="add mod">
+          <ac:chgData name="" userId="94cdc5fa296ee6ab" providerId="LiveId" clId="{87BDBA92-0EF4-40AA-89C1-7AEC64C33B8E}" dt="2021-12-13T13:58:09.932" v="2617" actId="208"/>
+          <ac:cxnSpMkLst>
+            <pc:docMk/>
+            <pc:sldMk cId="2133106119" sldId="260"/>
+            <ac:cxnSpMk id="9" creationId="{B3183691-941F-4EBA-8ABF-102BE4B42A01}"/>
+          </ac:cxnSpMkLst>
+        </pc:cxnChg>
+        <pc:cxnChg chg="add mod">
+          <ac:chgData name="" userId="94cdc5fa296ee6ab" providerId="LiveId" clId="{87BDBA92-0EF4-40AA-89C1-7AEC64C33B8E}" dt="2021-12-13T13:58:36.035" v="2623" actId="1582"/>
+          <ac:cxnSpMkLst>
+            <pc:docMk/>
+            <pc:sldMk cId="2133106119" sldId="260"/>
+            <ac:cxnSpMk id="11" creationId="{1F30F5AC-A144-458F-B223-526A1431384F}"/>
+          </ac:cxnSpMkLst>
+        </pc:cxnChg>
+      </pc:sldChg>
+      <pc:sldChg chg="addSp delSp modSp">
+        <pc:chgData name="" userId="94cdc5fa296ee6ab" providerId="LiveId" clId="{87BDBA92-0EF4-40AA-89C1-7AEC64C33B8E}" dt="2021-12-16T11:50:25.352" v="3067" actId="1076"/>
+        <pc:sldMkLst>
+          <pc:docMk/>
+          <pc:sldMk cId="4223923383" sldId="261"/>
+        </pc:sldMkLst>
+        <pc:spChg chg="add mod">
+          <ac:chgData name="" userId="94cdc5fa296ee6ab" providerId="LiveId" clId="{87BDBA92-0EF4-40AA-89C1-7AEC64C33B8E}" dt="2021-12-16T11:30:55.945" v="2879" actId="208"/>
+          <ac:spMkLst>
+            <pc:docMk/>
+            <pc:sldMk cId="4223923383" sldId="261"/>
+            <ac:spMk id="2" creationId="{3792B006-222C-44EA-9FA3-719F499FF10A}"/>
+          </ac:spMkLst>
+        </pc:spChg>
+        <pc:spChg chg="add mod">
+          <ac:chgData name="" userId="94cdc5fa296ee6ab" providerId="LiveId" clId="{87BDBA92-0EF4-40AA-89C1-7AEC64C33B8E}" dt="2021-12-16T11:30:55.945" v="2879" actId="208"/>
+          <ac:spMkLst>
+            <pc:docMk/>
+            <pc:sldMk cId="4223923383" sldId="261"/>
+            <ac:spMk id="4" creationId="{C920EC8C-8042-46B5-8E3E-D6D9A54313DC}"/>
+          </ac:spMkLst>
+        </pc:spChg>
+        <pc:spChg chg="add mod">
+          <ac:chgData name="" userId="94cdc5fa296ee6ab" providerId="LiveId" clId="{87BDBA92-0EF4-40AA-89C1-7AEC64C33B8E}" dt="2021-12-16T11:30:55.945" v="2879" actId="208"/>
+          <ac:spMkLst>
+            <pc:docMk/>
+            <pc:sldMk cId="4223923383" sldId="261"/>
+            <ac:spMk id="5" creationId="{26DCF9AC-0E0A-4C86-BD02-56CBF6C4D85E}"/>
+          </ac:spMkLst>
+        </pc:spChg>
+        <pc:spChg chg="add mod">
+          <ac:chgData name="" userId="94cdc5fa296ee6ab" providerId="LiveId" clId="{87BDBA92-0EF4-40AA-89C1-7AEC64C33B8E}" dt="2021-12-16T11:46:19.970" v="3032" actId="207"/>
+          <ac:spMkLst>
+            <pc:docMk/>
+            <pc:sldMk cId="4223923383" sldId="261"/>
+            <ac:spMk id="6" creationId="{827A41AA-9A3F-4C9F-BBD2-07D620CA98A9}"/>
+          </ac:spMkLst>
+        </pc:spChg>
+        <pc:spChg chg="add mod">
+          <ac:chgData name="" userId="94cdc5fa296ee6ab" providerId="LiveId" clId="{87BDBA92-0EF4-40AA-89C1-7AEC64C33B8E}" dt="2021-12-16T11:46:33.696" v="3035" actId="14100"/>
+          <ac:spMkLst>
+            <pc:docMk/>
+            <pc:sldMk cId="4223923383" sldId="261"/>
+            <ac:spMk id="7" creationId="{9782289C-01C3-4CA7-9BEA-354A1FA01E14}"/>
+          </ac:spMkLst>
+        </pc:spChg>
+        <pc:picChg chg="mod">
+          <ac:chgData name="" userId="94cdc5fa296ee6ab" providerId="LiveId" clId="{87BDBA92-0EF4-40AA-89C1-7AEC64C33B8E}" dt="2021-12-16T11:29:54.783" v="2872" actId="1076"/>
+          <ac:picMkLst>
+            <pc:docMk/>
+            <pc:sldMk cId="4223923383" sldId="261"/>
+            <ac:picMk id="3" creationId="{4F6D0412-7149-464D-8E03-50742A905B28}"/>
+          </ac:picMkLst>
+        </pc:picChg>
+        <pc:picChg chg="add del mod">
+          <ac:chgData name="" userId="94cdc5fa296ee6ab" providerId="LiveId" clId="{87BDBA92-0EF4-40AA-89C1-7AEC64C33B8E}" dt="2021-12-16T11:44:55.842" v="3019" actId="478"/>
+          <ac:picMkLst>
+            <pc:docMk/>
+            <pc:sldMk cId="4223923383" sldId="261"/>
+            <ac:picMk id="14" creationId="{0DADE94D-502A-4324-A6F9-CC376918EFFC}"/>
+          </ac:picMkLst>
+        </pc:picChg>
+        <pc:picChg chg="add del mod">
+          <ac:chgData name="" userId="94cdc5fa296ee6ab" providerId="LiveId" clId="{87BDBA92-0EF4-40AA-89C1-7AEC64C33B8E}" dt="2021-12-16T11:45:16.691" v="3021" actId="478"/>
+          <ac:picMkLst>
+            <pc:docMk/>
+            <pc:sldMk cId="4223923383" sldId="261"/>
+            <ac:picMk id="16" creationId="{8D14B5D1-10A4-4391-AE3E-7BC8321DF37F}"/>
+          </ac:picMkLst>
+        </pc:picChg>
+        <pc:picChg chg="add mod ord">
+          <ac:chgData name="" userId="94cdc5fa296ee6ab" providerId="LiveId" clId="{87BDBA92-0EF4-40AA-89C1-7AEC64C33B8E}" dt="2021-12-16T11:46:24.256" v="3033" actId="1076"/>
+          <ac:picMkLst>
+            <pc:docMk/>
+            <pc:sldMk cId="4223923383" sldId="261"/>
+            <ac:picMk id="18" creationId="{4C122537-5AE3-416D-BAA5-15ED0ADF2FF1}"/>
+          </ac:picMkLst>
+        </pc:picChg>
+        <pc:picChg chg="add mod ord">
+          <ac:chgData name="" userId="94cdc5fa296ee6ab" providerId="LiveId" clId="{87BDBA92-0EF4-40AA-89C1-7AEC64C33B8E}" dt="2021-12-16T11:50:25.352" v="3067" actId="1076"/>
+          <ac:picMkLst>
+            <pc:docMk/>
+            <pc:sldMk cId="4223923383" sldId="261"/>
+            <ac:picMk id="19" creationId="{710EE32D-AD46-4789-ACEE-8433EB188929}"/>
+          </ac:picMkLst>
+        </pc:picChg>
+        <pc:cxnChg chg="add mod">
+          <ac:chgData name="" userId="94cdc5fa296ee6ab" providerId="LiveId" clId="{87BDBA92-0EF4-40AA-89C1-7AEC64C33B8E}" dt="2021-12-16T11:30:55.945" v="2879" actId="208"/>
+          <ac:cxnSpMkLst>
+            <pc:docMk/>
+            <pc:sldMk cId="4223923383" sldId="261"/>
+            <ac:cxnSpMk id="9" creationId="{BF21710B-1A5E-48A3-9AB6-61242BD84D7F}"/>
+          </ac:cxnSpMkLst>
+        </pc:cxnChg>
+        <pc:cxnChg chg="add mod">
+          <ac:chgData name="" userId="94cdc5fa296ee6ab" providerId="LiveId" clId="{87BDBA92-0EF4-40AA-89C1-7AEC64C33B8E}" dt="2021-12-16T11:30:55.945" v="2879" actId="208"/>
+          <ac:cxnSpMkLst>
+            <pc:docMk/>
+            <pc:sldMk cId="4223923383" sldId="261"/>
+            <ac:cxnSpMk id="11" creationId="{AFAB9EB4-FF4E-4E6A-BAE9-082A1492FBEA}"/>
+          </ac:cxnSpMkLst>
+        </pc:cxnChg>
+        <pc:cxnChg chg="add mod">
+          <ac:chgData name="" userId="94cdc5fa296ee6ab" providerId="LiveId" clId="{87BDBA92-0EF4-40AA-89C1-7AEC64C33B8E}" dt="2021-12-16T11:30:55.945" v="2879" actId="208"/>
+          <ac:cxnSpMkLst>
+            <pc:docMk/>
+            <pc:sldMk cId="4223923383" sldId="261"/>
+            <ac:cxnSpMk id="13" creationId="{E04522EB-A064-44CC-932D-BB04B5B347CF}"/>
+          </ac:cxnSpMkLst>
+        </pc:cxnChg>
+      </pc:sldChg>
+      <pc:sldChg chg="addSp delSp modSp">
+        <pc:chgData name="" userId="94cdc5fa296ee6ab" providerId="LiveId" clId="{87BDBA92-0EF4-40AA-89C1-7AEC64C33B8E}" dt="2021-12-16T12:10:46.560" v="3316" actId="14100"/>
+        <pc:sldMkLst>
+          <pc:docMk/>
+          <pc:sldMk cId="2069076135" sldId="262"/>
+        </pc:sldMkLst>
+        <pc:spChg chg="mod">
+          <ac:chgData name="" userId="94cdc5fa296ee6ab" providerId="LiveId" clId="{87BDBA92-0EF4-40AA-89C1-7AEC64C33B8E}" dt="2021-12-13T12:09:39.412" v="1302" actId="1076"/>
+          <ac:spMkLst>
+            <pc:docMk/>
+            <pc:sldMk cId="2069076135" sldId="262"/>
+            <ac:spMk id="5" creationId="{67533C1D-4F9A-4D2C-A414-1DB9794BC68E}"/>
+          </ac:spMkLst>
+        </pc:spChg>
+        <pc:spChg chg="add mod">
+          <ac:chgData name="" userId="94cdc5fa296ee6ab" providerId="LiveId" clId="{87BDBA92-0EF4-40AA-89C1-7AEC64C33B8E}" dt="2021-12-16T12:08:58.592" v="3311" actId="1076"/>
+          <ac:spMkLst>
+            <pc:docMk/>
+            <pc:sldMk cId="2069076135" sldId="262"/>
+            <ac:spMk id="7" creationId="{D4871E17-EFD6-4E75-8496-AE65D47D9998}"/>
+          </ac:spMkLst>
+        </pc:spChg>
+        <pc:spChg chg="add mod">
+          <ac:chgData name="" userId="94cdc5fa296ee6ab" providerId="LiveId" clId="{87BDBA92-0EF4-40AA-89C1-7AEC64C33B8E}" dt="2021-12-16T11:49:17.312" v="3057" actId="14100"/>
+          <ac:spMkLst>
+            <pc:docMk/>
+            <pc:sldMk cId="2069076135" sldId="262"/>
+            <ac:spMk id="8" creationId="{4B42B5D9-8E90-4ACC-B223-207E15A86524}"/>
+          </ac:spMkLst>
+        </pc:spChg>
+        <pc:spChg chg="add mod">
+          <ac:chgData name="" userId="94cdc5fa296ee6ab" providerId="LiveId" clId="{87BDBA92-0EF4-40AA-89C1-7AEC64C33B8E}" dt="2021-12-16T11:48:24.375" v="3044" actId="1076"/>
+          <ac:spMkLst>
+            <pc:docMk/>
+            <pc:sldMk cId="2069076135" sldId="262"/>
+            <ac:spMk id="9" creationId="{4996B4DB-5296-43F4-A48E-7360ED368D26}"/>
+          </ac:spMkLst>
+        </pc:spChg>
+        <pc:spChg chg="add mod">
+          <ac:chgData name="" userId="94cdc5fa296ee6ab" providerId="LiveId" clId="{87BDBA92-0EF4-40AA-89C1-7AEC64C33B8E}" dt="2021-12-16T12:08:26.639" v="3307" actId="1076"/>
+          <ac:spMkLst>
+            <pc:docMk/>
+            <pc:sldMk cId="2069076135" sldId="262"/>
+            <ac:spMk id="10" creationId="{AD86C7D5-4812-45C7-BB21-6C9E4079D9EE}"/>
+          </ac:spMkLst>
+        </pc:spChg>
+        <pc:spChg chg="add mod">
+          <ac:chgData name="" userId="94cdc5fa296ee6ab" providerId="LiveId" clId="{87BDBA92-0EF4-40AA-89C1-7AEC64C33B8E}" dt="2021-12-16T12:10:41.039" v="3315" actId="1076"/>
+          <ac:spMkLst>
+            <pc:docMk/>
+            <pc:sldMk cId="2069076135" sldId="262"/>
+            <ac:spMk id="11" creationId="{535256B6-B2B2-4603-AE54-C3AE7B7E2F86}"/>
+          </ac:spMkLst>
+        </pc:spChg>
+        <pc:spChg chg="add mod">
+          <ac:chgData name="" userId="94cdc5fa296ee6ab" providerId="LiveId" clId="{87BDBA92-0EF4-40AA-89C1-7AEC64C33B8E}" dt="2021-12-16T11:37:00.064" v="2973" actId="1076"/>
+          <ac:spMkLst>
+            <pc:docMk/>
+            <pc:sldMk cId="2069076135" sldId="262"/>
+            <ac:spMk id="12" creationId="{D71B85D0-1188-4A89-AA06-F2455D14F78E}"/>
+          </ac:spMkLst>
+        </pc:spChg>
+        <pc:spChg chg="add mod">
+          <ac:chgData name="" userId="94cdc5fa296ee6ab" providerId="LiveId" clId="{87BDBA92-0EF4-40AA-89C1-7AEC64C33B8E}" dt="2021-12-16T12:07:43.071" v="3302" actId="1076"/>
+          <ac:spMkLst>
+            <pc:docMk/>
+            <pc:sldMk cId="2069076135" sldId="262"/>
+            <ac:spMk id="30" creationId="{D82FD937-2C14-41F2-88FE-24A840C7C222}"/>
+          </ac:spMkLst>
+        </pc:spChg>
+        <pc:picChg chg="mod modCrop">
+          <ac:chgData name="" userId="94cdc5fa296ee6ab" providerId="LiveId" clId="{87BDBA92-0EF4-40AA-89C1-7AEC64C33B8E}" dt="2021-12-16T12:08:20.032" v="3306" actId="1076"/>
+          <ac:picMkLst>
+            <pc:docMk/>
+            <pc:sldMk cId="2069076135" sldId="262"/>
+            <ac:picMk id="2" creationId="{6BC17799-9495-4FBE-BD27-91B232B77905}"/>
+          </ac:picMkLst>
+        </pc:picChg>
+        <pc:picChg chg="mod">
+          <ac:chgData name="" userId="94cdc5fa296ee6ab" providerId="LiveId" clId="{87BDBA92-0EF4-40AA-89C1-7AEC64C33B8E}" dt="2021-12-16T11:49:10.419" v="3055" actId="1076"/>
+          <ac:picMkLst>
+            <pc:docMk/>
+            <pc:sldMk cId="2069076135" sldId="262"/>
+            <ac:picMk id="6" creationId="{3FD2FDDA-1C4E-47EC-9423-5C7BB45A4318}"/>
+          </ac:picMkLst>
+        </pc:picChg>
+        <pc:picChg chg="add mod ord">
+          <ac:chgData name="" userId="94cdc5fa296ee6ab" providerId="LiveId" clId="{87BDBA92-0EF4-40AA-89C1-7AEC64C33B8E}" dt="2021-12-16T12:08:58.592" v="3311" actId="1076"/>
+          <ac:picMkLst>
+            <pc:docMk/>
+            <pc:sldMk cId="2069076135" sldId="262"/>
+            <ac:picMk id="28" creationId="{8C5F470B-343F-4EED-96E0-255AC7DC672D}"/>
+          </ac:picMkLst>
+        </pc:picChg>
+        <pc:picChg chg="add mod ord">
+          <ac:chgData name="" userId="94cdc5fa296ee6ab" providerId="LiveId" clId="{87BDBA92-0EF4-40AA-89C1-7AEC64C33B8E}" dt="2021-12-16T11:50:08.503" v="3065" actId="1076"/>
+          <ac:picMkLst>
+            <pc:docMk/>
+            <pc:sldMk cId="2069076135" sldId="262"/>
+            <ac:picMk id="29" creationId="{0020BD26-E30B-40E6-BDAF-021D398D8C81}"/>
+          </ac:picMkLst>
+        </pc:picChg>
+        <pc:cxnChg chg="add del mod">
+          <ac:chgData name="" userId="94cdc5fa296ee6ab" providerId="LiveId" clId="{87BDBA92-0EF4-40AA-89C1-7AEC64C33B8E}" dt="2021-12-16T11:31:57.075" v="2883" actId="478"/>
+          <ac:cxnSpMkLst>
+            <pc:docMk/>
+            <pc:sldMk cId="2069076135" sldId="262"/>
+            <ac:cxnSpMk id="14" creationId="{DFC22F6D-D0ED-4474-A95C-63A242492FCB}"/>
+          </ac:cxnSpMkLst>
+        </pc:cxnChg>
+        <pc:cxnChg chg="add mod">
+          <ac:chgData name="" userId="94cdc5fa296ee6ab" providerId="LiveId" clId="{87BDBA92-0EF4-40AA-89C1-7AEC64C33B8E}" dt="2021-12-16T12:08:40.424" v="3309" actId="14100"/>
+          <ac:cxnSpMkLst>
+            <pc:docMk/>
+            <pc:sldMk cId="2069076135" sldId="262"/>
+            <ac:cxnSpMk id="16" creationId="{646059FF-A413-41DD-8B52-457BD9AAA210}"/>
+          </ac:cxnSpMkLst>
+        </pc:cxnChg>
+        <pc:cxnChg chg="add mod">
+          <ac:chgData name="" userId="94cdc5fa296ee6ab" providerId="LiveId" clId="{87BDBA92-0EF4-40AA-89C1-7AEC64C33B8E}" dt="2021-12-16T12:10:41.039" v="3315" actId="1076"/>
+          <ac:cxnSpMkLst>
+            <pc:docMk/>
+            <pc:sldMk cId="2069076135" sldId="262"/>
+            <ac:cxnSpMk id="20" creationId="{2F3D7771-6C23-4CA8-B0E4-36E50C6914DA}"/>
+          </ac:cxnSpMkLst>
+        </pc:cxnChg>
+        <pc:cxnChg chg="add mod">
+          <ac:chgData name="" userId="94cdc5fa296ee6ab" providerId="LiveId" clId="{87BDBA92-0EF4-40AA-89C1-7AEC64C33B8E}" dt="2021-12-16T12:10:46.560" v="3316" actId="14100"/>
+          <ac:cxnSpMkLst>
+            <pc:docMk/>
+            <pc:sldMk cId="2069076135" sldId="262"/>
+            <ac:cxnSpMk id="22" creationId="{9FB16F42-FCF3-4EE2-8453-D0A21205B02F}"/>
+          </ac:cxnSpMkLst>
+        </pc:cxnChg>
+        <pc:cxnChg chg="add mod">
+          <ac:chgData name="" userId="94cdc5fa296ee6ab" providerId="LiveId" clId="{87BDBA92-0EF4-40AA-89C1-7AEC64C33B8E}" dt="2021-12-16T12:08:48.383" v="3310" actId="14100"/>
+          <ac:cxnSpMkLst>
+            <pc:docMk/>
+            <pc:sldMk cId="2069076135" sldId="262"/>
+            <ac:cxnSpMk id="24" creationId="{FF8A038B-1B9E-476B-B1B0-8A79BEE431B5}"/>
+          </ac:cxnSpMkLst>
+        </pc:cxnChg>
+        <pc:cxnChg chg="add mod">
+          <ac:chgData name="" userId="94cdc5fa296ee6ab" providerId="LiveId" clId="{87BDBA92-0EF4-40AA-89C1-7AEC64C33B8E}" dt="2021-12-16T12:07:46.447" v="3303" actId="14100"/>
+          <ac:cxnSpMkLst>
+            <pc:docMk/>
+            <pc:sldMk cId="2069076135" sldId="262"/>
+            <ac:cxnSpMk id="32" creationId="{9AA3CEF1-F4E5-470B-953A-5FED55C37B2D}"/>
+          </ac:cxnSpMkLst>
+        </pc:cxnChg>
+      </pc:sldChg>
+      <pc:sldChg chg="addSp delSp modSp">
+        <pc:chgData name="" userId="94cdc5fa296ee6ab" providerId="LiveId" clId="{87BDBA92-0EF4-40AA-89C1-7AEC64C33B8E}" dt="2021-12-16T12:11:23.368" v="3328" actId="1076"/>
+        <pc:sldMkLst>
+          <pc:docMk/>
+          <pc:sldMk cId="1777714717" sldId="263"/>
+        </pc:sldMkLst>
+        <pc:spChg chg="add mod">
+          <ac:chgData name="" userId="94cdc5fa296ee6ab" providerId="LiveId" clId="{87BDBA92-0EF4-40AA-89C1-7AEC64C33B8E}" dt="2021-12-16T12:05:06.011" v="3229" actId="1076"/>
+          <ac:spMkLst>
+            <pc:docMk/>
+            <pc:sldMk cId="1777714717" sldId="263"/>
+            <ac:spMk id="2" creationId="{54F0A848-E656-4CFC-A73C-126CCEE8A962}"/>
+          </ac:spMkLst>
+        </pc:spChg>
+        <pc:spChg chg="add mod">
+          <ac:chgData name="" userId="94cdc5fa296ee6ab" providerId="LiveId" clId="{87BDBA92-0EF4-40AA-89C1-7AEC64C33B8E}" dt="2021-12-16T12:09:09.365" v="3312" actId="113"/>
+          <ac:spMkLst>
+            <pc:docMk/>
+            <pc:sldMk cId="1777714717" sldId="263"/>
+            <ac:spMk id="5" creationId="{12B45662-55A3-4231-A194-9C0264E62B1C}"/>
+          </ac:spMkLst>
+        </pc:spChg>
+        <pc:spChg chg="add mod">
+          <ac:chgData name="" userId="94cdc5fa296ee6ab" providerId="LiveId" clId="{87BDBA92-0EF4-40AA-89C1-7AEC64C33B8E}" dt="2021-12-16T12:05:58.544" v="3239" actId="1076"/>
+          <ac:spMkLst>
+            <pc:docMk/>
+            <pc:sldMk cId="1777714717" sldId="263"/>
+            <ac:spMk id="6" creationId="{663B371E-FBE9-4439-9808-34E4152B1FFE}"/>
+          </ac:spMkLst>
+        </pc:spChg>
+        <pc:spChg chg="add mod">
+          <ac:chgData name="" userId="94cdc5fa296ee6ab" providerId="LiveId" clId="{87BDBA92-0EF4-40AA-89C1-7AEC64C33B8E}" dt="2021-12-16T12:05:06.011" v="3229" actId="1076"/>
+          <ac:spMkLst>
+            <pc:docMk/>
+            <pc:sldMk cId="1777714717" sldId="263"/>
+            <ac:spMk id="7" creationId="{3CCCF0CA-9B97-404B-B33C-6567EE589632}"/>
+          </ac:spMkLst>
+        </pc:spChg>
+        <pc:spChg chg="add mod">
+          <ac:chgData name="" userId="94cdc5fa296ee6ab" providerId="LiveId" clId="{87BDBA92-0EF4-40AA-89C1-7AEC64C33B8E}" dt="2021-12-16T12:11:23.368" v="3328" actId="1076"/>
+          <ac:spMkLst>
+            <pc:docMk/>
+            <pc:sldMk cId="1777714717" sldId="263"/>
+            <ac:spMk id="8" creationId="{5E92D3DB-1E74-49D6-AD6B-D32C7FA6F295}"/>
+          </ac:spMkLst>
+        </pc:spChg>
+        <pc:spChg chg="add mod">
+          <ac:chgData name="" userId="94cdc5fa296ee6ab" providerId="LiveId" clId="{87BDBA92-0EF4-40AA-89C1-7AEC64C33B8E}" dt="2021-12-16T12:05:06.011" v="3229" actId="1076"/>
+          <ac:spMkLst>
+            <pc:docMk/>
+            <pc:sldMk cId="1777714717" sldId="263"/>
+            <ac:spMk id="9" creationId="{635627FB-52C8-4D08-9864-6FB942350E3E}"/>
+          </ac:spMkLst>
+        </pc:spChg>
+        <pc:spChg chg="add mod">
+          <ac:chgData name="" userId="94cdc5fa296ee6ab" providerId="LiveId" clId="{87BDBA92-0EF4-40AA-89C1-7AEC64C33B8E}" dt="2021-12-16T12:06:05.095" v="3240" actId="1076"/>
+          <ac:spMkLst>
+            <pc:docMk/>
+            <pc:sldMk cId="1777714717" sldId="263"/>
+            <ac:spMk id="10" creationId="{B8EF18E4-6405-4D0C-84AC-36A95F4DBFF5}"/>
+          </ac:spMkLst>
+        </pc:spChg>
+        <pc:spChg chg="add mod">
+          <ac:chgData name="" userId="94cdc5fa296ee6ab" providerId="LiveId" clId="{87BDBA92-0EF4-40AA-89C1-7AEC64C33B8E}" dt="2021-12-16T12:11:13.904" v="3327" actId="14100"/>
+          <ac:spMkLst>
+            <pc:docMk/>
+            <pc:sldMk cId="1777714717" sldId="263"/>
+            <ac:spMk id="11" creationId="{BFBF30C6-88C4-44C0-BE9D-893A386B5682}"/>
+          </ac:spMkLst>
+        </pc:spChg>
+        <pc:spChg chg="add mod">
+          <ac:chgData name="" userId="94cdc5fa296ee6ab" providerId="LiveId" clId="{87BDBA92-0EF4-40AA-89C1-7AEC64C33B8E}" dt="2021-12-16T12:05:06.011" v="3229" actId="1076"/>
+          <ac:spMkLst>
+            <pc:docMk/>
+            <pc:sldMk cId="1777714717" sldId="263"/>
+            <ac:spMk id="12" creationId="{A82AC800-EFEA-40FB-AFE5-C9A6F8C0FAEF}"/>
+          </ac:spMkLst>
+        </pc:spChg>
+        <pc:spChg chg="add mod">
+          <ac:chgData name="" userId="94cdc5fa296ee6ab" providerId="LiveId" clId="{87BDBA92-0EF4-40AA-89C1-7AEC64C33B8E}" dt="2021-12-16T12:05:06.011" v="3229" actId="1076"/>
+          <ac:spMkLst>
+            <pc:docMk/>
+            <pc:sldMk cId="1777714717" sldId="263"/>
+            <ac:spMk id="13" creationId="{0DC9A92D-DC17-4008-B5BD-2C53B7A11791}"/>
+          </ac:spMkLst>
+        </pc:spChg>
+        <pc:spChg chg="add mod">
+          <ac:chgData name="" userId="94cdc5fa296ee6ab" providerId="LiveId" clId="{87BDBA92-0EF4-40AA-89C1-7AEC64C33B8E}" dt="2021-12-16T12:05:06.011" v="3229" actId="1076"/>
+          <ac:spMkLst>
+            <pc:docMk/>
+            <pc:sldMk cId="1777714717" sldId="263"/>
+            <ac:spMk id="14" creationId="{40292B44-AFBC-486F-860F-7EF3C812F09D}"/>
+          </ac:spMkLst>
+        </pc:spChg>
+        <pc:spChg chg="add mod">
+          <ac:chgData name="" userId="94cdc5fa296ee6ab" providerId="LiveId" clId="{87BDBA92-0EF4-40AA-89C1-7AEC64C33B8E}" dt="2021-12-16T12:05:06.011" v="3229" actId="1076"/>
+          <ac:spMkLst>
+            <pc:docMk/>
+            <pc:sldMk cId="1777714717" sldId="263"/>
+            <ac:spMk id="15" creationId="{B2BE35B4-CA06-4B9E-81CF-E3E60F9EEDED}"/>
+          </ac:spMkLst>
+        </pc:spChg>
+        <pc:spChg chg="add mod">
+          <ac:chgData name="" userId="94cdc5fa296ee6ab" providerId="LiveId" clId="{87BDBA92-0EF4-40AA-89C1-7AEC64C33B8E}" dt="2021-12-16T12:05:27.087" v="3233" actId="1076"/>
+          <ac:spMkLst>
+            <pc:docMk/>
+            <pc:sldMk cId="1777714717" sldId="263"/>
+            <ac:spMk id="54" creationId="{E626DF56-B096-402B-A4C9-E6EB8F6204E2}"/>
+          </ac:spMkLst>
+        </pc:spChg>
+        <pc:spChg chg="add del mod">
+          <ac:chgData name="" userId="94cdc5fa296ee6ab" providerId="LiveId" clId="{87BDBA92-0EF4-40AA-89C1-7AEC64C33B8E}" dt="2021-12-16T12:03:30.173" v="3198" actId="767"/>
+          <ac:spMkLst>
+            <pc:docMk/>
+            <pc:sldMk cId="1777714717" sldId="263"/>
+            <ac:spMk id="55" creationId="{81D79D8B-B6E0-4F0C-9A9D-1BBEB69F6624}"/>
+          </ac:spMkLst>
+        </pc:spChg>
+        <pc:spChg chg="add mod">
+          <ac:chgData name="" userId="94cdc5fa296ee6ab" providerId="LiveId" clId="{87BDBA92-0EF4-40AA-89C1-7AEC64C33B8E}" dt="2021-12-16T12:05:31.104" v="3234" actId="1076"/>
+          <ac:spMkLst>
+            <pc:docMk/>
+            <pc:sldMk cId="1777714717" sldId="263"/>
+            <ac:spMk id="56" creationId="{5E3AF327-C5D6-49D1-A6A2-23F00B34F77C}"/>
+          </ac:spMkLst>
+        </pc:spChg>
+        <pc:spChg chg="add mod">
+          <ac:chgData name="" userId="94cdc5fa296ee6ab" providerId="LiveId" clId="{87BDBA92-0EF4-40AA-89C1-7AEC64C33B8E}" dt="2021-12-16T12:05:22.608" v="3232" actId="1076"/>
+          <ac:spMkLst>
+            <pc:docMk/>
+            <pc:sldMk cId="1777714717" sldId="263"/>
+            <ac:spMk id="61" creationId="{6BF68106-5AF3-43C2-BABF-1F8456158C66}"/>
+          </ac:spMkLst>
+        </pc:spChg>
+        <pc:spChg chg="add mod">
+          <ac:chgData name="" userId="94cdc5fa296ee6ab" providerId="LiveId" clId="{87BDBA92-0EF4-40AA-89C1-7AEC64C33B8E}" dt="2021-12-16T12:05:06.011" v="3229" actId="1076"/>
+          <ac:spMkLst>
+            <pc:docMk/>
+            <pc:sldMk cId="1777714717" sldId="263"/>
+            <ac:spMk id="100" creationId="{88CFC36E-11AA-402D-9C3F-2509C3D6A082}"/>
+          </ac:spMkLst>
+        </pc:spChg>
+        <pc:spChg chg="add mod">
+          <ac:chgData name="" userId="94cdc5fa296ee6ab" providerId="LiveId" clId="{87BDBA92-0EF4-40AA-89C1-7AEC64C33B8E}" dt="2021-12-16T12:05:12.159" v="3230" actId="1076"/>
+          <ac:spMkLst>
+            <pc:docMk/>
+            <pc:sldMk cId="1777714717" sldId="263"/>
+            <ac:spMk id="116" creationId="{C763D2E4-787F-4B21-AF72-C395C9B131B3}"/>
+          </ac:spMkLst>
+        </pc:spChg>
+        <pc:spChg chg="add mod">
+          <ac:chgData name="" userId="94cdc5fa296ee6ab" providerId="LiveId" clId="{87BDBA92-0EF4-40AA-89C1-7AEC64C33B8E}" dt="2021-12-16T12:05:15.760" v="3231" actId="1076"/>
+          <ac:spMkLst>
+            <pc:docMk/>
+            <pc:sldMk cId="1777714717" sldId="263"/>
+            <ac:spMk id="117" creationId="{A10688A0-342D-409C-A1E7-B78742E903BC}"/>
+          </ac:spMkLst>
+        </pc:spChg>
+        <pc:graphicFrameChg chg="add del modGraphic">
+          <ac:chgData name="" userId="94cdc5fa296ee6ab" providerId="LiveId" clId="{87BDBA92-0EF4-40AA-89C1-7AEC64C33B8E}" dt="2021-12-16T11:50:43.998" v="3070" actId="478"/>
+          <ac:graphicFrameMkLst>
+            <pc:docMk/>
+            <pc:sldMk cId="1777714717" sldId="263"/>
+            <ac:graphicFrameMk id="21" creationId="{0421572E-A9E8-4923-8A64-DCC532062B84}"/>
+          </ac:graphicFrameMkLst>
+        </pc:graphicFrameChg>
+        <pc:picChg chg="mod">
+          <ac:chgData name="" userId="94cdc5fa296ee6ab" providerId="LiveId" clId="{87BDBA92-0EF4-40AA-89C1-7AEC64C33B8E}" dt="2021-12-16T12:05:06.011" v="3229" actId="1076"/>
+          <ac:picMkLst>
+            <pc:docMk/>
+            <pc:sldMk cId="1777714717" sldId="263"/>
+            <ac:picMk id="3" creationId="{1A142BA6-7A47-473B-A66D-C84AF33FA084}"/>
+          </ac:picMkLst>
+        </pc:picChg>
+        <pc:picChg chg="mod">
+          <ac:chgData name="" userId="94cdc5fa296ee6ab" providerId="LiveId" clId="{87BDBA92-0EF4-40AA-89C1-7AEC64C33B8E}" dt="2021-12-16T12:05:06.011" v="3229" actId="1076"/>
+          <ac:picMkLst>
+            <pc:docMk/>
+            <pc:sldMk cId="1777714717" sldId="263"/>
+            <ac:picMk id="4" creationId="{9B64513B-D7A5-4A2A-B6B0-A5EE58DA4B79}"/>
+          </ac:picMkLst>
+        </pc:picChg>
+        <pc:picChg chg="add mod ord">
+          <ac:chgData name="" userId="94cdc5fa296ee6ab" providerId="LiveId" clId="{87BDBA92-0EF4-40AA-89C1-7AEC64C33B8E}" dt="2021-12-16T12:05:06.011" v="3229" actId="1076"/>
+          <ac:picMkLst>
+            <pc:docMk/>
+            <pc:sldMk cId="1777714717" sldId="263"/>
+            <ac:picMk id="40" creationId="{9D6D0953-11E1-477A-AF25-7804DD49E3D8}"/>
+          </ac:picMkLst>
+        </pc:picChg>
+        <pc:picChg chg="add mod ord">
+          <ac:chgData name="" userId="94cdc5fa296ee6ab" providerId="LiveId" clId="{87BDBA92-0EF4-40AA-89C1-7AEC64C33B8E}" dt="2021-12-16T12:05:06.011" v="3229" actId="1076"/>
+          <ac:picMkLst>
+            <pc:docMk/>
+            <pc:sldMk cId="1777714717" sldId="263"/>
+            <ac:picMk id="42" creationId="{45D16819-8F1B-464D-A6B9-A14FE80F3D65}"/>
+          </ac:picMkLst>
+        </pc:picChg>
+        <pc:cxnChg chg="add mod">
+          <ac:chgData name="" userId="94cdc5fa296ee6ab" providerId="LiveId" clId="{87BDBA92-0EF4-40AA-89C1-7AEC64C33B8E}" dt="2021-12-16T12:05:06.011" v="3229" actId="1076"/>
+          <ac:cxnSpMkLst>
+            <pc:docMk/>
+            <pc:sldMk cId="1777714717" sldId="263"/>
+            <ac:cxnSpMk id="17" creationId="{0E4C7800-8E30-4C77-82DF-032CD41FD188}"/>
+          </ac:cxnSpMkLst>
+        </pc:cxnChg>
+        <pc:cxnChg chg="add mod">
+          <ac:chgData name="" userId="94cdc5fa296ee6ab" providerId="LiveId" clId="{87BDBA92-0EF4-40AA-89C1-7AEC64C33B8E}" dt="2021-12-16T12:05:06.011" v="3229" actId="1076"/>
+          <ac:cxnSpMkLst>
+            <pc:docMk/>
+            <pc:sldMk cId="1777714717" sldId="263"/>
+            <ac:cxnSpMk id="19" creationId="{1926248A-0DF9-4E3F-95D1-EDBB49E1279A}"/>
+          </ac:cxnSpMkLst>
+        </pc:cxnChg>
+        <pc:cxnChg chg="add del mod">
+          <ac:chgData name="" userId="94cdc5fa296ee6ab" providerId="LiveId" clId="{87BDBA92-0EF4-40AA-89C1-7AEC64C33B8E}" dt="2021-12-13T12:35:14.096" v="2218" actId="11529"/>
+          <ac:cxnSpMkLst>
+            <pc:docMk/>
+            <pc:sldMk cId="1777714717" sldId="263"/>
+            <ac:cxnSpMk id="21" creationId="{40A7F9E8-46E2-4EF9-9E94-36DFBF897F65}"/>
+          </ac:cxnSpMkLst>
+        </pc:cxnChg>
+        <pc:cxnChg chg="add mod">
+          <ac:chgData name="" userId="94cdc5fa296ee6ab" providerId="LiveId" clId="{87BDBA92-0EF4-40AA-89C1-7AEC64C33B8E}" dt="2021-12-16T12:05:06.011" v="3229" actId="1076"/>
+          <ac:cxnSpMkLst>
+            <pc:docMk/>
+            <pc:sldMk cId="1777714717" sldId="263"/>
+            <ac:cxnSpMk id="23" creationId="{CAFD69A0-A986-4F03-B568-94452ED92FBE}"/>
+          </ac:cxnSpMkLst>
+        </pc:cxnChg>
+        <pc:cxnChg chg="add mod">
+          <ac:chgData name="" userId="94cdc5fa296ee6ab" providerId="LiveId" clId="{87BDBA92-0EF4-40AA-89C1-7AEC64C33B8E}" dt="2021-12-16T12:05:58.544" v="3239" actId="1076"/>
+          <ac:cxnSpMkLst>
+            <pc:docMk/>
+            <pc:sldMk cId="1777714717" sldId="263"/>
+            <ac:cxnSpMk id="25" creationId="{5F4DB237-86E8-48F3-BB00-27AA67BF0265}"/>
+          </ac:cxnSpMkLst>
+        </pc:cxnChg>
+        <pc:cxnChg chg="add mod">
+          <ac:chgData name="" userId="94cdc5fa296ee6ab" providerId="LiveId" clId="{87BDBA92-0EF4-40AA-89C1-7AEC64C33B8E}" dt="2021-12-16T12:06:05.095" v="3240" actId="1076"/>
+          <ac:cxnSpMkLst>
+            <pc:docMk/>
+            <pc:sldMk cId="1777714717" sldId="263"/>
+            <ac:cxnSpMk id="27" creationId="{93D42244-B9B2-4657-BB4E-34DA074EDDEA}"/>
+          </ac:cxnSpMkLst>
+        </pc:cxnChg>
+        <pc:cxnChg chg="add mod">
+          <ac:chgData name="" userId="94cdc5fa296ee6ab" providerId="LiveId" clId="{87BDBA92-0EF4-40AA-89C1-7AEC64C33B8E}" dt="2021-12-16T12:06:05.095" v="3240" actId="1076"/>
+          <ac:cxnSpMkLst>
+            <pc:docMk/>
+            <pc:sldMk cId="1777714717" sldId="263"/>
+            <ac:cxnSpMk id="29" creationId="{18D720C9-A219-4CA8-8B0F-0CE9727C2347}"/>
+          </ac:cxnSpMkLst>
+        </pc:cxnChg>
+        <pc:cxnChg chg="add mod">
+          <ac:chgData name="" userId="94cdc5fa296ee6ab" providerId="LiveId" clId="{87BDBA92-0EF4-40AA-89C1-7AEC64C33B8E}" dt="2021-12-16T12:11:23.368" v="3328" actId="1076"/>
+          <ac:cxnSpMkLst>
+            <pc:docMk/>
+            <pc:sldMk cId="1777714717" sldId="263"/>
+            <ac:cxnSpMk id="31" creationId="{71035DAC-4A9E-479A-A72A-5424BB60E27C}"/>
+          </ac:cxnSpMkLst>
+        </pc:cxnChg>
+        <pc:cxnChg chg="add mod">
+          <ac:chgData name="" userId="94cdc5fa296ee6ab" providerId="LiveId" clId="{87BDBA92-0EF4-40AA-89C1-7AEC64C33B8E}" dt="2021-12-16T12:11:23.368" v="3328" actId="1076"/>
+          <ac:cxnSpMkLst>
+            <pc:docMk/>
+            <pc:sldMk cId="1777714717" sldId="263"/>
+            <ac:cxnSpMk id="33" creationId="{1485D775-1184-49C4-8E80-55B379DE89A5}"/>
+          </ac:cxnSpMkLst>
+        </pc:cxnChg>
+        <pc:cxnChg chg="add mod">
+          <ac:chgData name="" userId="94cdc5fa296ee6ab" providerId="LiveId" clId="{87BDBA92-0EF4-40AA-89C1-7AEC64C33B8E}" dt="2021-12-16T12:11:23.368" v="3328" actId="1076"/>
+          <ac:cxnSpMkLst>
+            <pc:docMk/>
+            <pc:sldMk cId="1777714717" sldId="263"/>
+            <ac:cxnSpMk id="35" creationId="{BF604639-0FB3-4DD6-AC22-6277F27EBE12}"/>
+          </ac:cxnSpMkLst>
+        </pc:cxnChg>
+        <pc:cxnChg chg="add mod">
+          <ac:chgData name="" userId="94cdc5fa296ee6ab" providerId="LiveId" clId="{87BDBA92-0EF4-40AA-89C1-7AEC64C33B8E}" dt="2021-12-16T12:11:23.368" v="3328" actId="1076"/>
+          <ac:cxnSpMkLst>
+            <pc:docMk/>
+            <pc:sldMk cId="1777714717" sldId="263"/>
+            <ac:cxnSpMk id="37" creationId="{E8C70454-37B6-430D-895C-F73628164775}"/>
+          </ac:cxnSpMkLst>
+        </pc:cxnChg>
+        <pc:cxnChg chg="add mod">
+          <ac:chgData name="" userId="94cdc5fa296ee6ab" providerId="LiveId" clId="{87BDBA92-0EF4-40AA-89C1-7AEC64C33B8E}" dt="2021-12-16T12:11:23.368" v="3328" actId="1076"/>
+          <ac:cxnSpMkLst>
+            <pc:docMk/>
+            <pc:sldMk cId="1777714717" sldId="263"/>
+            <ac:cxnSpMk id="39" creationId="{24133FC1-2F64-4594-92FA-A0590693396D}"/>
+          </ac:cxnSpMkLst>
+        </pc:cxnChg>
+        <pc:cxnChg chg="add mod">
+          <ac:chgData name="" userId="94cdc5fa296ee6ab" providerId="LiveId" clId="{87BDBA92-0EF4-40AA-89C1-7AEC64C33B8E}" dt="2021-12-16T12:11:13.904" v="3327" actId="14100"/>
+          <ac:cxnSpMkLst>
+            <pc:docMk/>
+            <pc:sldMk cId="1777714717" sldId="263"/>
+            <ac:cxnSpMk id="41" creationId="{40BD0918-F09D-4A2C-A314-D49A2D115431}"/>
+          </ac:cxnSpMkLst>
+        </pc:cxnChg>
+        <pc:cxnChg chg="add mod">
+          <ac:chgData name="" userId="94cdc5fa296ee6ab" providerId="LiveId" clId="{87BDBA92-0EF4-40AA-89C1-7AEC64C33B8E}" dt="2021-12-16T12:05:06.011" v="3229" actId="1076"/>
+          <ac:cxnSpMkLst>
+            <pc:docMk/>
+            <pc:sldMk cId="1777714717" sldId="263"/>
+            <ac:cxnSpMk id="43" creationId="{D52C6A49-FBC7-4BF0-BB15-E3ADB92C37C2}"/>
+          </ac:cxnSpMkLst>
+        </pc:cxnChg>
+        <pc:cxnChg chg="add mod">
+          <ac:chgData name="" userId="94cdc5fa296ee6ab" providerId="LiveId" clId="{87BDBA92-0EF4-40AA-89C1-7AEC64C33B8E}" dt="2021-12-16T12:05:06.011" v="3229" actId="1076"/>
+          <ac:cxnSpMkLst>
+            <pc:docMk/>
+            <pc:sldMk cId="1777714717" sldId="263"/>
+            <ac:cxnSpMk id="45" creationId="{19A58DCF-519D-465E-B1B2-0C6B2486B6E3}"/>
+          </ac:cxnSpMkLst>
+        </pc:cxnChg>
+        <pc:cxnChg chg="add mod">
+          <ac:chgData name="" userId="94cdc5fa296ee6ab" providerId="LiveId" clId="{87BDBA92-0EF4-40AA-89C1-7AEC64C33B8E}" dt="2021-12-16T12:05:36.408" v="3235" actId="11529"/>
+          <ac:cxnSpMkLst>
+            <pc:docMk/>
+            <pc:sldMk cId="1777714717" sldId="263"/>
+            <ac:cxnSpMk id="67" creationId="{86FF15C9-F99A-4583-ADFC-D7554B51C693}"/>
+          </ac:cxnSpMkLst>
+        </pc:cxnChg>
+        <pc:cxnChg chg="add mod">
+          <ac:chgData name="" userId="94cdc5fa296ee6ab" providerId="LiveId" clId="{87BDBA92-0EF4-40AA-89C1-7AEC64C33B8E}" dt="2021-12-16T12:05:40.351" v="3236" actId="11529"/>
+          <ac:cxnSpMkLst>
+            <pc:docMk/>
+            <pc:sldMk cId="1777714717" sldId="263"/>
+            <ac:cxnSpMk id="69" creationId="{455BD628-0488-403F-9E21-97EECD960E07}"/>
+          </ac:cxnSpMkLst>
+        </pc:cxnChg>
+        <pc:cxnChg chg="add mod">
+          <ac:chgData name="" userId="94cdc5fa296ee6ab" providerId="LiveId" clId="{87BDBA92-0EF4-40AA-89C1-7AEC64C33B8E}" dt="2021-12-16T12:05:44.727" v="3237" actId="11529"/>
+          <ac:cxnSpMkLst>
+            <pc:docMk/>
+            <pc:sldMk cId="1777714717" sldId="263"/>
+            <ac:cxnSpMk id="71" creationId="{2DEF734D-0D19-4D9D-B022-C36AB3397326}"/>
+          </ac:cxnSpMkLst>
+        </pc:cxnChg>
+        <pc:cxnChg chg="add mod">
+          <ac:chgData name="" userId="94cdc5fa296ee6ab" providerId="LiveId" clId="{87BDBA92-0EF4-40AA-89C1-7AEC64C33B8E}" dt="2021-12-16T12:05:49.288" v="3238" actId="11529"/>
+          <ac:cxnSpMkLst>
+            <pc:docMk/>
+            <pc:sldMk cId="1777714717" sldId="263"/>
+            <ac:cxnSpMk id="73" creationId="{D44E9798-4BD9-44B2-A58A-17C14AFEEC47}"/>
+          </ac:cxnSpMkLst>
+        </pc:cxnChg>
+        <pc:cxnChg chg="add mod">
+          <ac:chgData name="" userId="94cdc5fa296ee6ab" providerId="LiveId" clId="{87BDBA92-0EF4-40AA-89C1-7AEC64C33B8E}" dt="2021-12-16T12:05:06.011" v="3229" actId="1076"/>
+          <ac:cxnSpMkLst>
+            <pc:docMk/>
+            <pc:sldMk cId="1777714717" sldId="263"/>
+            <ac:cxnSpMk id="103" creationId="{38066C1F-F0EF-4630-81D8-3FF2866333BB}"/>
+          </ac:cxnSpMkLst>
+        </pc:cxnChg>
+        <pc:cxnChg chg="add del mod">
+          <ac:chgData name="" userId="94cdc5fa296ee6ab" providerId="LiveId" clId="{87BDBA92-0EF4-40AA-89C1-7AEC64C33B8E}" dt="2021-12-13T12:45:40.520" v="2324" actId="478"/>
+          <ac:cxnSpMkLst>
+            <pc:docMk/>
+            <pc:sldMk cId="1777714717" sldId="263"/>
+            <ac:cxnSpMk id="105" creationId="{45AAE999-120A-4DA1-8E19-65361FDDB4AD}"/>
+          </ac:cxnSpMkLst>
+        </pc:cxnChg>
+        <pc:cxnChg chg="add mod">
+          <ac:chgData name="" userId="94cdc5fa296ee6ab" providerId="LiveId" clId="{87BDBA92-0EF4-40AA-89C1-7AEC64C33B8E}" dt="2021-12-16T12:05:58.544" v="3239" actId="1076"/>
+          <ac:cxnSpMkLst>
+            <pc:docMk/>
+            <pc:sldMk cId="1777714717" sldId="263"/>
+            <ac:cxnSpMk id="107" creationId="{199EEB09-6F37-41F6-82F5-D111FC18C22B}"/>
+          </ac:cxnSpMkLst>
+        </pc:cxnChg>
+      </pc:sldChg>
+      <pc:sldChg chg="addSp modSp">
+        <pc:chgData name="" userId="94cdc5fa296ee6ab" providerId="LiveId" clId="{87BDBA92-0EF4-40AA-89C1-7AEC64C33B8E}" dt="2021-12-16T12:16:11.128" v="3392" actId="1076"/>
+        <pc:sldMkLst>
+          <pc:docMk/>
+          <pc:sldMk cId="1628178475" sldId="264"/>
+        </pc:sldMkLst>
+        <pc:spChg chg="add mod">
+          <ac:chgData name="" userId="94cdc5fa296ee6ab" providerId="LiveId" clId="{87BDBA92-0EF4-40AA-89C1-7AEC64C33B8E}" dt="2021-12-16T12:13:05.449" v="3341" actId="207"/>
+          <ac:spMkLst>
+            <pc:docMk/>
+            <pc:sldMk cId="1628178475" sldId="264"/>
+            <ac:spMk id="3" creationId="{23204856-4C81-41DE-BCD1-E251497B8CD7}"/>
+          </ac:spMkLst>
+        </pc:spChg>
+        <pc:spChg chg="add mod">
+          <ac:chgData name="" userId="94cdc5fa296ee6ab" providerId="LiveId" clId="{87BDBA92-0EF4-40AA-89C1-7AEC64C33B8E}" dt="2021-12-16T11:43:18.297" v="3009" actId="208"/>
+          <ac:spMkLst>
+            <pc:docMk/>
+            <pc:sldMk cId="1628178475" sldId="264"/>
+            <ac:spMk id="4" creationId="{675D7C05-82EA-4B9E-A9EB-F793FFCFDCBA}"/>
+          </ac:spMkLst>
+        </pc:spChg>
+        <pc:spChg chg="add mod">
+          <ac:chgData name="" userId="94cdc5fa296ee6ab" providerId="LiveId" clId="{87BDBA92-0EF4-40AA-89C1-7AEC64C33B8E}" dt="2021-12-16T12:12:30.596" v="3334"/>
+          <ac:spMkLst>
+            <pc:docMk/>
+            <pc:sldMk cId="1628178475" sldId="264"/>
+            <ac:spMk id="5" creationId="{77466135-8066-4527-9C73-13067071A617}"/>
+          </ac:spMkLst>
+        </pc:spChg>
+        <pc:spChg chg="add mod">
+          <ac:chgData name="" userId="94cdc5fa296ee6ab" providerId="LiveId" clId="{87BDBA92-0EF4-40AA-89C1-7AEC64C33B8E}" dt="2021-12-16T12:12:24.622" v="3332"/>
+          <ac:spMkLst>
+            <pc:docMk/>
+            <pc:sldMk cId="1628178475" sldId="264"/>
+            <ac:spMk id="6" creationId="{E8A9CF19-5628-4A23-B553-C4F0DD29A207}"/>
+          </ac:spMkLst>
+        </pc:spChg>
+        <pc:spChg chg="add mod ord">
+          <ac:chgData name="" userId="94cdc5fa296ee6ab" providerId="LiveId" clId="{87BDBA92-0EF4-40AA-89C1-7AEC64C33B8E}" dt="2021-12-16T12:15:15.104" v="3374" actId="1076"/>
+          <ac:spMkLst>
+            <pc:docMk/>
+            <pc:sldMk cId="1628178475" sldId="264"/>
+            <ac:spMk id="7" creationId="{B9B74B5A-4C48-47FB-A7E4-58FABF2F526E}"/>
+          </ac:spMkLst>
+        </pc:spChg>
+        <pc:spChg chg="add mod ord">
+          <ac:chgData name="" userId="94cdc5fa296ee6ab" providerId="LiveId" clId="{87BDBA92-0EF4-40AA-89C1-7AEC64C33B8E}" dt="2021-12-16T12:15:45.138" v="3384" actId="122"/>
+          <ac:spMkLst>
+            <pc:docMk/>
+            <pc:sldMk cId="1628178475" sldId="264"/>
+            <ac:spMk id="8" creationId="{3A99E881-D5BA-42F7-BE8F-7B38AF03B204}"/>
+          </ac:spMkLst>
+        </pc:spChg>
+        <pc:picChg chg="ord">
+          <ac:chgData name="" userId="94cdc5fa296ee6ab" providerId="LiveId" clId="{87BDBA92-0EF4-40AA-89C1-7AEC64C33B8E}" dt="2021-12-16T12:13:14.764" v="3345" actId="166"/>
+          <ac:picMkLst>
+            <pc:docMk/>
+            <pc:sldMk cId="1628178475" sldId="264"/>
+            <ac:picMk id="2" creationId="{4FC636D9-2D4D-4F2E-93F8-7ADFC6DDDC9E}"/>
+          </ac:picMkLst>
+        </pc:picChg>
+        <pc:picChg chg="add mod ord">
+          <ac:chgData name="" userId="94cdc5fa296ee6ab" providerId="LiveId" clId="{87BDBA92-0EF4-40AA-89C1-7AEC64C33B8E}" dt="2021-12-16T12:14:03.831" v="3359" actId="1076"/>
+          <ac:picMkLst>
+            <pc:docMk/>
+            <pc:sldMk cId="1628178475" sldId="264"/>
+            <ac:picMk id="17" creationId="{574E59E5-08EB-454F-A05A-46CA7D03B669}"/>
+          </ac:picMkLst>
+        </pc:picChg>
+        <pc:picChg chg="add mod ord">
+          <ac:chgData name="" userId="94cdc5fa296ee6ab" providerId="LiveId" clId="{87BDBA92-0EF4-40AA-89C1-7AEC64C33B8E}" dt="2021-12-16T12:15:11.527" v="3373" actId="1076"/>
+          <ac:picMkLst>
+            <pc:docMk/>
+            <pc:sldMk cId="1628178475" sldId="264"/>
+            <ac:picMk id="18" creationId="{FDE45464-2AA2-404B-9E0A-F96E48B591F1}"/>
+          </ac:picMkLst>
+        </pc:picChg>
+        <pc:picChg chg="add mod ord">
+          <ac:chgData name="" userId="94cdc5fa296ee6ab" providerId="LiveId" clId="{87BDBA92-0EF4-40AA-89C1-7AEC64C33B8E}" dt="2021-12-16T12:16:11.128" v="3392" actId="1076"/>
+          <ac:picMkLst>
+            <pc:docMk/>
+            <pc:sldMk cId="1628178475" sldId="264"/>
+            <ac:picMk id="19" creationId="{9F014704-EF11-4F23-AC51-2A5AABD5CD1E}"/>
+          </ac:picMkLst>
+        </pc:picChg>
+        <pc:cxnChg chg="add mod">
+          <ac:chgData name="" userId="94cdc5fa296ee6ab" providerId="LiveId" clId="{87BDBA92-0EF4-40AA-89C1-7AEC64C33B8E}" dt="2021-12-16T11:43:28.185" v="3012" actId="692"/>
+          <ac:cxnSpMkLst>
+            <pc:docMk/>
+            <pc:sldMk cId="1628178475" sldId="264"/>
+            <ac:cxnSpMk id="10" creationId="{B23E36DA-0E50-4600-9FD0-D84721874CBD}"/>
+          </ac:cxnSpMkLst>
+        </pc:cxnChg>
+        <pc:cxnChg chg="add mod">
+          <ac:chgData name="" userId="94cdc5fa296ee6ab" providerId="LiveId" clId="{87BDBA92-0EF4-40AA-89C1-7AEC64C33B8E}" dt="2021-12-16T12:12:13.137" v="3329" actId="14100"/>
+          <ac:cxnSpMkLst>
+            <pc:docMk/>
+            <pc:sldMk cId="1628178475" sldId="264"/>
+            <ac:cxnSpMk id="12" creationId="{AF95D086-CC85-4768-96FC-60C4CD817E57}"/>
+          </ac:cxnSpMkLst>
+        </pc:cxnChg>
+        <pc:cxnChg chg="add mod">
+          <ac:chgData name="" userId="94cdc5fa296ee6ab" providerId="LiveId" clId="{87BDBA92-0EF4-40AA-89C1-7AEC64C33B8E}" dt="2021-12-16T12:12:18.537" v="3330" actId="14100"/>
+          <ac:cxnSpMkLst>
+            <pc:docMk/>
+            <pc:sldMk cId="1628178475" sldId="264"/>
+            <ac:cxnSpMk id="14" creationId="{C110AC2E-0F87-4E45-B0DB-E113A1CF7738}"/>
+          </ac:cxnSpMkLst>
+        </pc:cxnChg>
+      </pc:sldChg>
+      <pc:sldChg chg="del">
+        <pc:chgData name="" userId="94cdc5fa296ee6ab" providerId="LiveId" clId="{87BDBA92-0EF4-40AA-89C1-7AEC64C33B8E}" dt="2021-12-16T06:29:23.829" v="2863" actId="2696"/>
+        <pc:sldMkLst>
+          <pc:docMk/>
+          <pc:sldMk cId="3447459511" sldId="265"/>
+        </pc:sldMkLst>
+      </pc:sldChg>
+      <pc:sldChg chg="addSp delSp modSp">
+        <pc:chgData name="" userId="94cdc5fa296ee6ab" providerId="LiveId" clId="{87BDBA92-0EF4-40AA-89C1-7AEC64C33B8E}" dt="2021-12-13T13:39:54.801" v="2453" actId="2711"/>
+        <pc:sldMkLst>
+          <pc:docMk/>
+          <pc:sldMk cId="1486702828" sldId="266"/>
+        </pc:sldMkLst>
+        <pc:spChg chg="del">
+          <ac:chgData name="" userId="94cdc5fa296ee6ab" providerId="LiveId" clId="{87BDBA92-0EF4-40AA-89C1-7AEC64C33B8E}" dt="2021-12-13T13:29:38.768" v="2353" actId="478"/>
+          <ac:spMkLst>
+            <pc:docMk/>
+            <pc:sldMk cId="1486702828" sldId="266"/>
+            <ac:spMk id="3" creationId="{F13AB150-33B4-44F2-B2C7-1D7DEC97C37A}"/>
+          </ac:spMkLst>
+        </pc:spChg>
+        <pc:spChg chg="del">
+          <ac:chgData name="" userId="94cdc5fa296ee6ab" providerId="LiveId" clId="{87BDBA92-0EF4-40AA-89C1-7AEC64C33B8E}" dt="2021-12-13T13:29:39.552" v="2354" actId="478"/>
+          <ac:spMkLst>
+            <pc:docMk/>
+            <pc:sldMk cId="1486702828" sldId="266"/>
+            <ac:spMk id="4" creationId="{4B105942-2481-4290-93CB-00CB3087EE33}"/>
+          </ac:spMkLst>
+        </pc:spChg>
+        <pc:spChg chg="del">
+          <ac:chgData name="" userId="94cdc5fa296ee6ab" providerId="LiveId" clId="{87BDBA92-0EF4-40AA-89C1-7AEC64C33B8E}" dt="2021-12-13T13:29:40.852" v="2356" actId="478"/>
+          <ac:spMkLst>
+            <pc:docMk/>
+            <pc:sldMk cId="1486702828" sldId="266"/>
+            <ac:spMk id="5" creationId="{89390ADB-113B-47D7-8327-F0FE35C04586}"/>
+          </ac:spMkLst>
+        </pc:spChg>
+        <pc:spChg chg="del">
+          <ac:chgData name="" userId="94cdc5fa296ee6ab" providerId="LiveId" clId="{87BDBA92-0EF4-40AA-89C1-7AEC64C33B8E}" dt="2021-12-13T13:29:40.168" v="2355" actId="478"/>
+          <ac:spMkLst>
+            <pc:docMk/>
+            <pc:sldMk cId="1486702828" sldId="266"/>
+            <ac:spMk id="6" creationId="{77A03D43-72A7-4276-A48C-0F5BE2F2A624}"/>
+          </ac:spMkLst>
+        </pc:spChg>
+        <pc:spChg chg="del">
+          <ac:chgData name="" userId="94cdc5fa296ee6ab" providerId="LiveId" clId="{87BDBA92-0EF4-40AA-89C1-7AEC64C33B8E}" dt="2021-12-13T13:29:41.416" v="2357" actId="478"/>
+          <ac:spMkLst>
+            <pc:docMk/>
+            <pc:sldMk cId="1486702828" sldId="266"/>
+            <ac:spMk id="7" creationId="{04BBC25F-A4C9-4EAC-A53D-60E1EB531B5E}"/>
+          </ac:spMkLst>
+        </pc:spChg>
+        <pc:spChg chg="mod">
+          <ac:chgData name="" userId="94cdc5fa296ee6ab" providerId="LiveId" clId="{87BDBA92-0EF4-40AA-89C1-7AEC64C33B8E}" dt="2021-12-13T13:39:54.801" v="2453" actId="2711"/>
+          <ac:spMkLst>
+            <pc:docMk/>
+            <pc:sldMk cId="1486702828" sldId="266"/>
+            <ac:spMk id="9" creationId="{B26C85E7-4088-4B9F-9ECC-0E7775557AE1}"/>
+          </ac:spMkLst>
+        </pc:spChg>
+        <pc:spChg chg="mod">
+          <ac:chgData name="" userId="94cdc5fa296ee6ab" providerId="LiveId" clId="{87BDBA92-0EF4-40AA-89C1-7AEC64C33B8E}" dt="2021-12-13T13:29:46.572" v="2360" actId="404"/>
+          <ac:spMkLst>
+            <pc:docMk/>
+            <pc:sldMk cId="1486702828" sldId="266"/>
+            <ac:spMk id="11" creationId="{09E4D59E-7B91-45B8-AC6D-22271983F4FC}"/>
+          </ac:spMkLst>
+        </pc:spChg>
+        <pc:spChg chg="mod">
+          <ac:chgData name="" userId="94cdc5fa296ee6ab" providerId="LiveId" clId="{87BDBA92-0EF4-40AA-89C1-7AEC64C33B8E}" dt="2021-12-13T13:29:46.572" v="2360" actId="404"/>
+          <ac:spMkLst>
+            <pc:docMk/>
+            <pc:sldMk cId="1486702828" sldId="266"/>
+            <ac:spMk id="12" creationId="{CF190BF3-7CEF-413B-9B99-10E2080B1CCC}"/>
+          </ac:spMkLst>
+        </pc:spChg>
+        <pc:spChg chg="mod">
+          <ac:chgData name="" userId="94cdc5fa296ee6ab" providerId="LiveId" clId="{87BDBA92-0EF4-40AA-89C1-7AEC64C33B8E}" dt="2021-12-13T13:29:46.572" v="2360" actId="404"/>
+          <ac:spMkLst>
+            <pc:docMk/>
+            <pc:sldMk cId="1486702828" sldId="266"/>
+            <ac:spMk id="13" creationId="{B8630D22-8963-4D36-A0F9-89B0A344463F}"/>
+          </ac:spMkLst>
+        </pc:spChg>
+        <pc:spChg chg="mod">
+          <ac:chgData name="" userId="94cdc5fa296ee6ab" providerId="LiveId" clId="{87BDBA92-0EF4-40AA-89C1-7AEC64C33B8E}" dt="2021-12-13T13:29:46.572" v="2360" actId="404"/>
+          <ac:spMkLst>
+            <pc:docMk/>
+            <pc:sldMk cId="1486702828" sldId="266"/>
+            <ac:spMk id="14" creationId="{0E114F2D-0574-4E42-B1C8-30C4BC13F01C}"/>
+          </ac:spMkLst>
+        </pc:spChg>
+        <pc:spChg chg="mod">
+          <ac:chgData name="" userId="94cdc5fa296ee6ab" providerId="LiveId" clId="{87BDBA92-0EF4-40AA-89C1-7AEC64C33B8E}" dt="2021-12-13T13:29:46.572" v="2360" actId="404"/>
+          <ac:spMkLst>
+            <pc:docMk/>
+            <pc:sldMk cId="1486702828" sldId="266"/>
+            <ac:spMk id="15" creationId="{E5F8D737-7753-4E47-8505-A35420CC76DA}"/>
+          </ac:spMkLst>
+        </pc:spChg>
+        <pc:spChg chg="del mod">
+          <ac:chgData name="" userId="94cdc5fa296ee6ab" providerId="LiveId" clId="{87BDBA92-0EF4-40AA-89C1-7AEC64C33B8E}" dt="2021-12-13T13:31:52.564" v="2399" actId="478"/>
+          <ac:spMkLst>
+            <pc:docMk/>
+            <pc:sldMk cId="1486702828" sldId="266"/>
+            <ac:spMk id="16" creationId="{AF36DBB7-C222-4377-BF08-9116A09065A7}"/>
+          </ac:spMkLst>
+        </pc:spChg>
+        <pc:spChg chg="mod">
+          <ac:chgData name="" userId="94cdc5fa296ee6ab" providerId="LiveId" clId="{87BDBA92-0EF4-40AA-89C1-7AEC64C33B8E}" dt="2021-12-13T13:30:48.563" v="2374" actId="207"/>
+          <ac:spMkLst>
+            <pc:docMk/>
+            <pc:sldMk cId="1486702828" sldId="266"/>
+            <ac:spMk id="17" creationId="{DB446678-558B-4EC5-B273-037088344B64}"/>
+          </ac:spMkLst>
+        </pc:spChg>
+        <pc:spChg chg="mod">
+          <ac:chgData name="" userId="94cdc5fa296ee6ab" providerId="LiveId" clId="{87BDBA92-0EF4-40AA-89C1-7AEC64C33B8E}" dt="2021-12-13T13:30:45.482" v="2373" actId="207"/>
+          <ac:spMkLst>
+            <pc:docMk/>
+            <pc:sldMk cId="1486702828" sldId="266"/>
+            <ac:spMk id="18" creationId="{21B3A1AE-C6BD-472D-973B-F1457C17F838}"/>
+          </ac:spMkLst>
+        </pc:spChg>
+        <pc:spChg chg="mod">
+          <ac:chgData name="" userId="94cdc5fa296ee6ab" providerId="LiveId" clId="{87BDBA92-0EF4-40AA-89C1-7AEC64C33B8E}" dt="2021-12-13T13:30:41.123" v="2372" actId="207"/>
+          <ac:spMkLst>
+            <pc:docMk/>
+            <pc:sldMk cId="1486702828" sldId="266"/>
+            <ac:spMk id="19" creationId="{D9E947C4-AF6C-4DAD-B0F5-B96AEC20CE6B}"/>
+          </ac:spMkLst>
+        </pc:spChg>
+        <pc:spChg chg="mod">
+          <ac:chgData name="" userId="94cdc5fa296ee6ab" providerId="LiveId" clId="{87BDBA92-0EF4-40AA-89C1-7AEC64C33B8E}" dt="2021-12-13T13:31:45.349" v="2393" actId="207"/>
+          <ac:spMkLst>
+            <pc:docMk/>
+            <pc:sldMk cId="1486702828" sldId="266"/>
+            <ac:spMk id="20" creationId="{6F57B3F3-AB98-47BE-B6C7-3F47F5604CD9}"/>
+          </ac:spMkLst>
+        </pc:spChg>
+        <pc:spChg chg="mod">
+          <ac:chgData name="" userId="94cdc5fa296ee6ab" providerId="LiveId" clId="{87BDBA92-0EF4-40AA-89C1-7AEC64C33B8E}" dt="2021-12-13T13:31:46.201" v="2396" actId="207"/>
+          <ac:spMkLst>
+            <pc:docMk/>
+            <pc:sldMk cId="1486702828" sldId="266"/>
+            <ac:spMk id="21" creationId="{43DA3050-FA00-478C-A915-664BC59B41AC}"/>
+          </ac:spMkLst>
+        </pc:spChg>
+        <pc:spChg chg="mod">
+          <ac:chgData name="" userId="94cdc5fa296ee6ab" providerId="LiveId" clId="{87BDBA92-0EF4-40AA-89C1-7AEC64C33B8E}" dt="2021-12-13T13:29:46.572" v="2360" actId="404"/>
+          <ac:spMkLst>
+            <pc:docMk/>
+            <pc:sldMk cId="1486702828" sldId="266"/>
+            <ac:spMk id="22" creationId="{AF0958A1-3D5C-47FA-8E1D-08C06D6D3BB4}"/>
+          </ac:spMkLst>
+        </pc:spChg>
+        <pc:spChg chg="mod">
+          <ac:chgData name="" userId="94cdc5fa296ee6ab" providerId="LiveId" clId="{87BDBA92-0EF4-40AA-89C1-7AEC64C33B8E}" dt="2021-12-13T13:31:45.915" v="2395" actId="207"/>
+          <ac:spMkLst>
+            <pc:docMk/>
+            <pc:sldMk cId="1486702828" sldId="266"/>
+            <ac:spMk id="23" creationId="{FA5C6034-5B8D-47B5-B056-11E443E1E601}"/>
+          </ac:spMkLst>
+        </pc:spChg>
+        <pc:spChg chg="mod">
+          <ac:chgData name="" userId="94cdc5fa296ee6ab" providerId="LiveId" clId="{87BDBA92-0EF4-40AA-89C1-7AEC64C33B8E}" dt="2021-12-13T13:31:45.625" v="2394" actId="207"/>
+          <ac:spMkLst>
+            <pc:docMk/>
+            <pc:sldMk cId="1486702828" sldId="266"/>
+            <ac:spMk id="24" creationId="{4100CFBE-BF5A-4466-9755-FD2702102AF2}"/>
+          </ac:spMkLst>
+        </pc:spChg>
+        <pc:spChg chg="add mod">
+          <ac:chgData name="" userId="94cdc5fa296ee6ab" providerId="LiveId" clId="{87BDBA92-0EF4-40AA-89C1-7AEC64C33B8E}" dt="2021-12-13T13:35:45.050" v="2429" actId="1076"/>
+          <ac:spMkLst>
+            <pc:docMk/>
+            <pc:sldMk cId="1486702828" sldId="266"/>
+            <ac:spMk id="25" creationId="{EEE28014-F139-43EF-8093-C8E0BCFB38ED}"/>
+          </ac:spMkLst>
+        </pc:spChg>
+        <pc:spChg chg="add mod">
+          <ac:chgData name="" userId="94cdc5fa296ee6ab" providerId="LiveId" clId="{87BDBA92-0EF4-40AA-89C1-7AEC64C33B8E}" dt="2021-12-13T13:32:58.747" v="2411" actId="14100"/>
+          <ac:spMkLst>
+            <pc:docMk/>
+            <pc:sldMk cId="1486702828" sldId="266"/>
+            <ac:spMk id="26" creationId="{F97807A2-4595-42F1-88E2-C9492B833D9A}"/>
+          </ac:spMkLst>
+        </pc:spChg>
+        <pc:spChg chg="add mod">
+          <ac:chgData name="" userId="94cdc5fa296ee6ab" providerId="LiveId" clId="{87BDBA92-0EF4-40AA-89C1-7AEC64C33B8E}" dt="2021-12-13T13:32:54.546" v="2410" actId="14100"/>
+          <ac:spMkLst>
+            <pc:docMk/>
+            <pc:sldMk cId="1486702828" sldId="266"/>
+            <ac:spMk id="27" creationId="{42DB0B02-D789-4830-9FCF-EC72E10710AD}"/>
+          </ac:spMkLst>
+        </pc:spChg>
+        <pc:spChg chg="add mod">
+          <ac:chgData name="" userId="94cdc5fa296ee6ab" providerId="LiveId" clId="{87BDBA92-0EF4-40AA-89C1-7AEC64C33B8E}" dt="2021-12-13T13:33:02.090" v="2412" actId="1076"/>
+          <ac:spMkLst>
+            <pc:docMk/>
+            <pc:sldMk cId="1486702828" sldId="266"/>
+            <ac:spMk id="28" creationId="{F21DDD8C-FED9-4DDE-9CFA-A7E8EB466FEE}"/>
+          </ac:spMkLst>
+        </pc:spChg>
+        <pc:spChg chg="add mod">
+          <ac:chgData name="" userId="94cdc5fa296ee6ab" providerId="LiveId" clId="{87BDBA92-0EF4-40AA-89C1-7AEC64C33B8E}" dt="2021-12-13T13:33:07.610" v="2413" actId="1076"/>
+          <ac:spMkLst>
+            <pc:docMk/>
+            <pc:sldMk cId="1486702828" sldId="266"/>
+            <ac:spMk id="29" creationId="{C685CA9D-DAE7-4CB0-BB39-B6BCA5F89C4C}"/>
+          </ac:spMkLst>
+        </pc:spChg>
+        <pc:spChg chg="add mod">
+          <ac:chgData name="" userId="94cdc5fa296ee6ab" providerId="LiveId" clId="{87BDBA92-0EF4-40AA-89C1-7AEC64C33B8E}" dt="2021-12-13T13:35:55.786" v="2430" actId="1076"/>
+          <ac:spMkLst>
+            <pc:docMk/>
+            <pc:sldMk cId="1486702828" sldId="266"/>
+            <ac:spMk id="30" creationId="{98F87F90-8821-42DD-B91E-57C5722A3049}"/>
+          </ac:spMkLst>
+        </pc:spChg>
+        <pc:grpChg chg="add del mod">
+          <ac:chgData name="" userId="94cdc5fa296ee6ab" providerId="LiveId" clId="{87BDBA92-0EF4-40AA-89C1-7AEC64C33B8E}" dt="2021-12-13T13:31:54.061" v="2400" actId="478"/>
+          <ac:grpSpMkLst>
+            <pc:docMk/>
+            <pc:sldMk cId="1486702828" sldId="266"/>
+            <ac:grpSpMk id="10" creationId="{F07EC414-2A54-4D16-ACD0-B9A755662627}"/>
+          </ac:grpSpMkLst>
+        </pc:grpChg>
+        <pc:cxnChg chg="add mod">
+          <ac:chgData name="" userId="94cdc5fa296ee6ab" providerId="LiveId" clId="{87BDBA92-0EF4-40AA-89C1-7AEC64C33B8E}" dt="2021-12-13T13:39:46.749" v="2452" actId="692"/>
+          <ac:cxnSpMkLst>
+            <pc:docMk/>
+            <pc:sldMk cId="1486702828" sldId="266"/>
+            <ac:cxnSpMk id="32" creationId="{3C3AC96E-788C-43B1-A038-EFBDA4250F15}"/>
+          </ac:cxnSpMkLst>
+        </pc:cxnChg>
+      </pc:sldChg>
+    </pc:docChg>
+  </pc:docChgLst>
+  <pc:docChgLst>
     <pc:chgData userId="94cdc5fa296ee6ab" providerId="LiveId" clId="{D3C131F7-609B-426C-AFCF-3E9B841043DE}"/>
     <pc:docChg chg="undo custSel addSld delSld modSld">
       <pc:chgData name="" userId="94cdc5fa296ee6ab" providerId="LiveId" clId="{D3C131F7-609B-426C-AFCF-3E9B841043DE}" dt="2021-12-13T08:24:15.189" v="287" actId="1076"/>
@@ -594,13 +2130,6 @@
           </ac:picMkLst>
         </pc:picChg>
       </pc:sldChg>
-      <pc:sldChg chg="add">
-        <pc:chgData name="" userId="94cdc5fa296ee6ab" providerId="LiveId" clId="{D3C131F7-609B-426C-AFCF-3E9B841043DE}" dt="2021-12-13T08:00:27.221" v="14"/>
-        <pc:sldMkLst>
-          <pc:docMk/>
-          <pc:sldMk cId="3447459511" sldId="265"/>
-        </pc:sldMkLst>
-      </pc:sldChg>
       <pc:sldChg chg="addSp modSp add">
         <pc:chgData name="" userId="94cdc5fa296ee6ab" providerId="LiveId" clId="{D3C131F7-609B-426C-AFCF-3E9B841043DE}" dt="2021-12-13T08:24:15.189" v="287" actId="1076"/>
         <pc:sldMkLst>
@@ -671,13 +2200,6 @@
             <ac:picMk id="2" creationId="{186BC629-3AD8-4406-A128-D2F8D533473B}"/>
           </ac:picMkLst>
         </pc:picChg>
-      </pc:sldChg>
-      <pc:sldChg chg="add del">
-        <pc:chgData name="" userId="94cdc5fa296ee6ab" providerId="LiveId" clId="{D3C131F7-609B-426C-AFCF-3E9B841043DE}" dt="2021-12-13T08:02:06.720" v="53"/>
-        <pc:sldMkLst>
-          <pc:docMk/>
-          <pc:sldMk cId="3154373079" sldId="266"/>
-        </pc:sldMkLst>
       </pc:sldChg>
     </pc:docChg>
   </pc:docChgLst>
@@ -831,7 +2353,7 @@
           <a:p>
             <a:fld id="{27533797-2D94-41C2-B84E-B7C29C8C4A40}" type="datetimeFigureOut">
               <a:rPr lang="zh-TW" altLang="en-US" smtClean="0"/>
-              <a:t>2021/12/13</a:t>
+              <a:t>2021/12/16</a:t>
             </a:fld>
             <a:endParaRPr lang="zh-TW" altLang="en-US"/>
           </a:p>
@@ -1029,7 +2551,7 @@
           <a:p>
             <a:fld id="{27533797-2D94-41C2-B84E-B7C29C8C4A40}" type="datetimeFigureOut">
               <a:rPr lang="zh-TW" altLang="en-US" smtClean="0"/>
-              <a:t>2021/12/13</a:t>
+              <a:t>2021/12/16</a:t>
             </a:fld>
             <a:endParaRPr lang="zh-TW" altLang="en-US"/>
           </a:p>
@@ -1237,7 +2759,7 @@
           <a:p>
             <a:fld id="{27533797-2D94-41C2-B84E-B7C29C8C4A40}" type="datetimeFigureOut">
               <a:rPr lang="zh-TW" altLang="en-US" smtClean="0"/>
-              <a:t>2021/12/13</a:t>
+              <a:t>2021/12/16</a:t>
             </a:fld>
             <a:endParaRPr lang="zh-TW" altLang="en-US"/>
           </a:p>
@@ -1435,7 +2957,7 @@
           <a:p>
             <a:fld id="{27533797-2D94-41C2-B84E-B7C29C8C4A40}" type="datetimeFigureOut">
               <a:rPr lang="zh-TW" altLang="en-US" smtClean="0"/>
-              <a:t>2021/12/13</a:t>
+              <a:t>2021/12/16</a:t>
             </a:fld>
             <a:endParaRPr lang="zh-TW" altLang="en-US"/>
           </a:p>
@@ -1710,7 +3232,7 @@
           <a:p>
             <a:fld id="{27533797-2D94-41C2-B84E-B7C29C8C4A40}" type="datetimeFigureOut">
               <a:rPr lang="zh-TW" altLang="en-US" smtClean="0"/>
-              <a:t>2021/12/13</a:t>
+              <a:t>2021/12/16</a:t>
             </a:fld>
             <a:endParaRPr lang="zh-TW" altLang="en-US"/>
           </a:p>
@@ -1975,7 +3497,7 @@
           <a:p>
             <a:fld id="{27533797-2D94-41C2-B84E-B7C29C8C4A40}" type="datetimeFigureOut">
               <a:rPr lang="zh-TW" altLang="en-US" smtClean="0"/>
-              <a:t>2021/12/13</a:t>
+              <a:t>2021/12/16</a:t>
             </a:fld>
             <a:endParaRPr lang="zh-TW" altLang="en-US"/>
           </a:p>
@@ -2387,7 +3909,7 @@
           <a:p>
             <a:fld id="{27533797-2D94-41C2-B84E-B7C29C8C4A40}" type="datetimeFigureOut">
               <a:rPr lang="zh-TW" altLang="en-US" smtClean="0"/>
-              <a:t>2021/12/13</a:t>
+              <a:t>2021/12/16</a:t>
             </a:fld>
             <a:endParaRPr lang="zh-TW" altLang="en-US"/>
           </a:p>
@@ -2528,7 +4050,7 @@
           <a:p>
             <a:fld id="{27533797-2D94-41C2-B84E-B7C29C8C4A40}" type="datetimeFigureOut">
               <a:rPr lang="zh-TW" altLang="en-US" smtClean="0"/>
-              <a:t>2021/12/13</a:t>
+              <a:t>2021/12/16</a:t>
             </a:fld>
             <a:endParaRPr lang="zh-TW" altLang="en-US"/>
           </a:p>
@@ -2641,7 +4163,7 @@
           <a:p>
             <a:fld id="{27533797-2D94-41C2-B84E-B7C29C8C4A40}" type="datetimeFigureOut">
               <a:rPr lang="zh-TW" altLang="en-US" smtClean="0"/>
-              <a:t>2021/12/13</a:t>
+              <a:t>2021/12/16</a:t>
             </a:fld>
             <a:endParaRPr lang="zh-TW" altLang="en-US"/>
           </a:p>
@@ -2952,7 +4474,7 @@
           <a:p>
             <a:fld id="{27533797-2D94-41C2-B84E-B7C29C8C4A40}" type="datetimeFigureOut">
               <a:rPr lang="zh-TW" altLang="en-US" smtClean="0"/>
-              <a:t>2021/12/13</a:t>
+              <a:t>2021/12/16</a:t>
             </a:fld>
             <a:endParaRPr lang="zh-TW" altLang="en-US"/>
           </a:p>
@@ -3240,7 +4762,7 @@
           <a:p>
             <a:fld id="{27533797-2D94-41C2-B84E-B7C29C8C4A40}" type="datetimeFigureOut">
               <a:rPr lang="zh-TW" altLang="en-US" smtClean="0"/>
-              <a:t>2021/12/13</a:t>
+              <a:t>2021/12/16</a:t>
             </a:fld>
             <a:endParaRPr lang="zh-TW" altLang="en-US"/>
           </a:p>
@@ -3481,7 +5003,7 @@
           <a:p>
             <a:fld id="{27533797-2D94-41C2-B84E-B7C29C8C4A40}" type="datetimeFigureOut">
               <a:rPr lang="zh-TW" altLang="en-US" smtClean="0"/>
-              <a:t>2021/12/13</a:t>
+              <a:t>2021/12/16</a:t>
             </a:fld>
             <a:endParaRPr lang="zh-TW" altLang="en-US"/>
           </a:p>
@@ -4016,40 +5538,683 @@
           </a:prstGeom>
         </p:spPr>
       </p:pic>
+      <p:pic>
+        <p:nvPicPr>
+          <p:cNvPr id="17" name="圖片 16">
+            <a:extLst>
+              <a:ext uri="{FF2B5EF4-FFF2-40B4-BE49-F238E27FC236}">
+                <a16:creationId xmlns:a16="http://schemas.microsoft.com/office/drawing/2014/main" id="{574E59E5-08EB-454F-A05A-46CA7D03B669}"/>
+              </a:ext>
+            </a:extLst>
+          </p:cNvPr>
+          <p:cNvPicPr>
+            <a:picLocks noChangeAspect="1"/>
+          </p:cNvPicPr>
+          <p:nvPr/>
+        </p:nvPicPr>
+        <p:blipFill>
+          <a:blip r:embed="rId3">
+            <a:extLst>
+              <a:ext uri="{BEBA8EAE-BF5A-486C-A8C5-ECC9F3942E4B}">
+                <a14:imgProps xmlns:a14="http://schemas.microsoft.com/office/drawing/2010/main">
+                  <a14:imgLayer r:embed="rId4">
+                    <a14:imgEffect>
+                      <a14:backgroundRemoval t="10000" b="90000" l="10000" r="90000"/>
+                    </a14:imgEffect>
+                  </a14:imgLayer>
+                </a14:imgProps>
+              </a:ext>
+              <a:ext uri="{28A0092B-C50C-407E-A947-70E740481C1C}">
+                <a14:useLocalDpi xmlns:a14="http://schemas.microsoft.com/office/drawing/2010/main" val="0"/>
+              </a:ext>
+            </a:extLst>
+          </a:blip>
+          <a:stretch>
+            <a:fillRect/>
+          </a:stretch>
+        </p:blipFill>
+        <p:spPr>
+          <a:xfrm>
+            <a:off x="2680237" y="-85062"/>
+            <a:ext cx="2784559" cy="2476500"/>
+          </a:xfrm>
+          <a:prstGeom prst="rect">
+            <a:avLst/>
+          </a:prstGeom>
+        </p:spPr>
+      </p:pic>
+      <p:sp>
+        <p:nvSpPr>
+          <p:cNvPr id="3" name="文字方塊 2">
+            <a:extLst>
+              <a:ext uri="{FF2B5EF4-FFF2-40B4-BE49-F238E27FC236}">
+                <a16:creationId xmlns:a16="http://schemas.microsoft.com/office/drawing/2014/main" id="{23204856-4C81-41DE-BCD1-E251497B8CD7}"/>
+              </a:ext>
+            </a:extLst>
+          </p:cNvPr>
+          <p:cNvSpPr txBox="1"/>
+          <p:nvPr/>
+        </p:nvSpPr>
+        <p:spPr>
+          <a:xfrm>
+            <a:off x="2952565" y="968522"/>
+            <a:ext cx="1743260" cy="400110"/>
+          </a:xfrm>
+          <a:prstGeom prst="rect">
+            <a:avLst/>
+          </a:prstGeom>
+          <a:noFill/>
+        </p:spPr>
+        <p:txBody>
+          <a:bodyPr wrap="square" rtlCol="0">
+            <a:spAutoFit/>
+          </a:bodyPr>
+          <a:lstStyle/>
+          <a:p>
+            <a:r>
+              <a:rPr lang="zh-TW" altLang="en-US" sz="2000" dirty="0">
+                <a:solidFill>
+                  <a:schemeClr val="bg1"/>
+                </a:solidFill>
+                <a:latin typeface="jf open 粉圓 1.1" panose="020F0500000000000000" pitchFamily="34" charset="-120"/>
+                <a:ea typeface="jf open 粉圓 1.1" panose="020F0500000000000000" pitchFamily="34" charset="-120"/>
+              </a:rPr>
+              <a:t>感測器示意圖</a:t>
+            </a:r>
+          </a:p>
+        </p:txBody>
+      </p:sp>
+      <p:sp>
+        <p:nvSpPr>
+          <p:cNvPr id="4" name="文字方塊 3">
+            <a:extLst>
+              <a:ext uri="{FF2B5EF4-FFF2-40B4-BE49-F238E27FC236}">
+                <a16:creationId xmlns:a16="http://schemas.microsoft.com/office/drawing/2014/main" id="{675D7C05-82EA-4B9E-A9EB-F793FFCFDCBA}"/>
+              </a:ext>
+            </a:extLst>
+          </p:cNvPr>
+          <p:cNvSpPr txBox="1"/>
+          <p:nvPr/>
+        </p:nvSpPr>
+        <p:spPr>
+          <a:xfrm>
+            <a:off x="8450062" y="548787"/>
+            <a:ext cx="1160663" cy="369332"/>
+          </a:xfrm>
+          <a:prstGeom prst="rect">
+            <a:avLst/>
+          </a:prstGeom>
+          <a:noFill/>
+          <a:ln w="19050">
+            <a:solidFill>
+              <a:srgbClr val="FF0000"/>
+            </a:solidFill>
+          </a:ln>
+        </p:spPr>
+        <p:txBody>
+          <a:bodyPr wrap="square" rtlCol="0">
+            <a:spAutoFit/>
+          </a:bodyPr>
+          <a:lstStyle>
+            <a:defPPr>
+              <a:defRPr lang="zh-TW"/>
+            </a:defPPr>
+            <a:lvl1pPr>
+              <a:defRPr>
+                <a:latin typeface="jf open 粉圓 1.1" panose="020F0500000000000000" pitchFamily="34" charset="-120"/>
+                <a:ea typeface="jf open 粉圓 1.1" panose="020F0500000000000000" pitchFamily="34" charset="-120"/>
+              </a:defRPr>
+            </a:lvl1pPr>
+          </a:lstStyle>
+          <a:p>
+            <a:r>
+              <a:rPr lang="en-US" altLang="zh-TW" dirty="0"/>
+              <a:t>USB</a:t>
+            </a:r>
+            <a:r>
+              <a:rPr lang="zh-TW" altLang="en-US" dirty="0"/>
+              <a:t>插頭</a:t>
+            </a:r>
+          </a:p>
+        </p:txBody>
+      </p:sp>
+      <p:sp>
+        <p:nvSpPr>
+          <p:cNvPr id="5" name="文字方塊 4">
+            <a:extLst>
+              <a:ext uri="{FF2B5EF4-FFF2-40B4-BE49-F238E27FC236}">
+                <a16:creationId xmlns:a16="http://schemas.microsoft.com/office/drawing/2014/main" id="{77466135-8066-4527-9C73-13067071A617}"/>
+              </a:ext>
+            </a:extLst>
+          </p:cNvPr>
+          <p:cNvSpPr txBox="1"/>
+          <p:nvPr/>
+        </p:nvSpPr>
+        <p:spPr>
+          <a:xfrm>
+            <a:off x="7741975" y="2174770"/>
+            <a:ext cx="3213717" cy="923330"/>
+          </a:xfrm>
+          <a:prstGeom prst="rect">
+            <a:avLst/>
+          </a:prstGeom>
+          <a:noFill/>
+          <a:ln w="19050">
+            <a:solidFill>
+              <a:srgbClr val="FF0000"/>
+            </a:solidFill>
+          </a:ln>
+        </p:spPr>
+        <p:txBody>
+          <a:bodyPr wrap="square" rtlCol="0">
+            <a:spAutoFit/>
+          </a:bodyPr>
+          <a:lstStyle>
+            <a:defPPr>
+              <a:defRPr lang="zh-TW"/>
+            </a:defPPr>
+            <a:lvl1pPr>
+              <a:defRPr>
+                <a:latin typeface="jf open 粉圓 1.1" panose="020F0500000000000000" pitchFamily="34" charset="-120"/>
+                <a:ea typeface="jf open 粉圓 1.1" panose="020F0500000000000000" pitchFamily="34" charset="-120"/>
+              </a:defRPr>
+            </a:lvl1pPr>
+          </a:lstStyle>
+          <a:p>
+            <a:r>
+              <a:rPr lang="zh-TW" altLang="en-US" b="1" dirty="0">
+                <a:effectLst>
+                  <a:outerShdw blurRad="38100" dist="38100" dir="2700000" algn="tl">
+                    <a:srgbClr val="000000">
+                      <a:alpha val="43137"/>
+                    </a:srgbClr>
+                  </a:outerShdw>
+                </a:effectLst>
+              </a:rPr>
+              <a:t>指套</a:t>
+            </a:r>
+            <a:r>
+              <a:rPr lang="en-US" altLang="zh-TW" b="1" dirty="0">
+                <a:effectLst>
+                  <a:outerShdw blurRad="38100" dist="38100" dir="2700000" algn="tl">
+                    <a:srgbClr val="000000">
+                      <a:alpha val="43137"/>
+                    </a:srgbClr>
+                  </a:outerShdw>
+                </a:effectLst>
+              </a:rPr>
+              <a:t>:</a:t>
+            </a:r>
+          </a:p>
+          <a:p>
+            <a:r>
+              <a:rPr lang="zh-TW" altLang="en-US" dirty="0"/>
+              <a:t>透過偵測手指末端的血液流動</a:t>
+            </a:r>
+            <a:endParaRPr lang="en-US" altLang="zh-TW" dirty="0"/>
+          </a:p>
+          <a:p>
+            <a:r>
+              <a:rPr lang="zh-TW" altLang="en-US" dirty="0"/>
+              <a:t>測量心跳。</a:t>
+            </a:r>
+          </a:p>
+        </p:txBody>
+      </p:sp>
+      <p:sp>
+        <p:nvSpPr>
+          <p:cNvPr id="6" name="文字方塊 5">
+            <a:extLst>
+              <a:ext uri="{FF2B5EF4-FFF2-40B4-BE49-F238E27FC236}">
+                <a16:creationId xmlns:a16="http://schemas.microsoft.com/office/drawing/2014/main" id="{E8A9CF19-5628-4A23-B553-C4F0DD29A207}"/>
+              </a:ext>
+            </a:extLst>
+          </p:cNvPr>
+          <p:cNvSpPr txBox="1"/>
+          <p:nvPr/>
+        </p:nvSpPr>
+        <p:spPr>
+          <a:xfrm>
+            <a:off x="7381782" y="4459535"/>
+            <a:ext cx="2905218" cy="1200329"/>
+          </a:xfrm>
+          <a:prstGeom prst="rect">
+            <a:avLst/>
+          </a:prstGeom>
+          <a:noFill/>
+          <a:ln w="19050">
+            <a:solidFill>
+              <a:srgbClr val="FF0000"/>
+            </a:solidFill>
+          </a:ln>
+        </p:spPr>
+        <p:txBody>
+          <a:bodyPr wrap="square" rtlCol="0">
+            <a:spAutoFit/>
+          </a:bodyPr>
+          <a:lstStyle>
+            <a:defPPr>
+              <a:defRPr lang="zh-TW"/>
+            </a:defPPr>
+            <a:lvl1pPr>
+              <a:defRPr>
+                <a:latin typeface="jf open 粉圓 1.1" panose="020F0500000000000000" pitchFamily="34" charset="-120"/>
+                <a:ea typeface="jf open 粉圓 1.1" panose="020F0500000000000000" pitchFamily="34" charset="-120"/>
+              </a:defRPr>
+            </a:lvl1pPr>
+          </a:lstStyle>
+          <a:p>
+            <a:r>
+              <a:rPr lang="zh-TW" altLang="en-US" b="1" dirty="0">
+                <a:effectLst>
+                  <a:outerShdw blurRad="38100" dist="38100" dir="2700000" algn="tl">
+                    <a:srgbClr val="000000">
+                      <a:alpha val="43137"/>
+                    </a:srgbClr>
+                  </a:outerShdw>
+                </a:effectLst>
+              </a:rPr>
+              <a:t>溫溼度感測器</a:t>
+            </a:r>
+            <a:r>
+              <a:rPr lang="en-US" altLang="zh-TW" b="1" dirty="0">
+                <a:effectLst>
+                  <a:outerShdw blurRad="38100" dist="38100" dir="2700000" algn="tl">
+                    <a:srgbClr val="000000">
+                      <a:alpha val="43137"/>
+                    </a:srgbClr>
+                  </a:outerShdw>
+                </a:effectLst>
+              </a:rPr>
+              <a:t>:</a:t>
+            </a:r>
+          </a:p>
+          <a:p>
+            <a:r>
+              <a:rPr lang="zh-TW" altLang="en-US" dirty="0"/>
+              <a:t>讓使用者握著，</a:t>
+            </a:r>
+            <a:endParaRPr lang="en-US" altLang="zh-TW" dirty="0"/>
+          </a:p>
+          <a:p>
+            <a:r>
+              <a:rPr lang="zh-TW" altLang="en-US" dirty="0"/>
+              <a:t>偵測手掌溫度與出汗程度，</a:t>
+            </a:r>
+            <a:endParaRPr lang="en-US" altLang="zh-TW" dirty="0"/>
+          </a:p>
+          <a:p>
+            <a:r>
+              <a:rPr lang="zh-TW" altLang="en-US" dirty="0"/>
+              <a:t>確認使用者的身理狀況。</a:t>
+            </a:r>
+            <a:endParaRPr lang="en-US" altLang="zh-TW" dirty="0"/>
+          </a:p>
+        </p:txBody>
+      </p:sp>
+      <p:cxnSp>
+        <p:nvCxnSpPr>
+          <p:cNvPr id="10" name="接點: 肘形 9">
+            <a:extLst>
+              <a:ext uri="{FF2B5EF4-FFF2-40B4-BE49-F238E27FC236}">
+                <a16:creationId xmlns:a16="http://schemas.microsoft.com/office/drawing/2014/main" id="{B23E36DA-0E50-4600-9FD0-D84721874CBD}"/>
+              </a:ext>
+            </a:extLst>
+          </p:cNvPr>
+          <p:cNvCxnSpPr>
+            <a:stCxn id="4" idx="2"/>
+          </p:cNvCxnSpPr>
+          <p:nvPr/>
+        </p:nvCxnSpPr>
+        <p:spPr>
+          <a:xfrm rot="16200000" flipH="1">
+            <a:off x="8841406" y="1107106"/>
+            <a:ext cx="501106" cy="123131"/>
+          </a:xfrm>
+          <a:prstGeom prst="bentConnector3">
+            <a:avLst/>
+          </a:prstGeom>
+          <a:ln w="28575">
+            <a:solidFill>
+              <a:srgbClr val="FF0000"/>
+            </a:solidFill>
+            <a:tailEnd type="oval"/>
+          </a:ln>
+        </p:spPr>
+        <p:style>
+          <a:lnRef idx="1">
+            <a:schemeClr val="accent1"/>
+          </a:lnRef>
+          <a:fillRef idx="0">
+            <a:schemeClr val="accent1"/>
+          </a:fillRef>
+          <a:effectRef idx="0">
+            <a:schemeClr val="accent1"/>
+          </a:effectRef>
+          <a:fontRef idx="minor">
+            <a:schemeClr val="tx1"/>
+          </a:fontRef>
+        </p:style>
+      </p:cxnSp>
+      <p:cxnSp>
+        <p:nvCxnSpPr>
+          <p:cNvPr id="12" name="接點: 肘形 11">
+            <a:extLst>
+              <a:ext uri="{FF2B5EF4-FFF2-40B4-BE49-F238E27FC236}">
+                <a16:creationId xmlns:a16="http://schemas.microsoft.com/office/drawing/2014/main" id="{AF95D086-CC85-4768-96FC-60C4CD817E57}"/>
+              </a:ext>
+            </a:extLst>
+          </p:cNvPr>
+          <p:cNvCxnSpPr>
+            <a:cxnSpLocks/>
+            <a:stCxn id="5" idx="1"/>
+          </p:cNvCxnSpPr>
+          <p:nvPr/>
+        </p:nvCxnSpPr>
+        <p:spPr>
+          <a:xfrm rot="10800000">
+            <a:off x="5972175" y="2314575"/>
+            <a:ext cx="1769800" cy="321860"/>
+          </a:xfrm>
+          <a:prstGeom prst="bentConnector3">
+            <a:avLst/>
+          </a:prstGeom>
+          <a:ln w="28575">
+            <a:solidFill>
+              <a:srgbClr val="FF0000"/>
+            </a:solidFill>
+            <a:tailEnd type="oval"/>
+          </a:ln>
+        </p:spPr>
+        <p:style>
+          <a:lnRef idx="1">
+            <a:schemeClr val="accent1"/>
+          </a:lnRef>
+          <a:fillRef idx="0">
+            <a:schemeClr val="accent1"/>
+          </a:fillRef>
+          <a:effectRef idx="0">
+            <a:schemeClr val="accent1"/>
+          </a:effectRef>
+          <a:fontRef idx="minor">
+            <a:schemeClr val="tx1"/>
+          </a:fontRef>
+        </p:style>
+      </p:cxnSp>
+      <p:cxnSp>
+        <p:nvCxnSpPr>
+          <p:cNvPr id="14" name="接點: 肘形 13">
+            <a:extLst>
+              <a:ext uri="{FF2B5EF4-FFF2-40B4-BE49-F238E27FC236}">
+                <a16:creationId xmlns:a16="http://schemas.microsoft.com/office/drawing/2014/main" id="{C110AC2E-0F87-4E45-B0DB-E113A1CF7738}"/>
+              </a:ext>
+            </a:extLst>
+          </p:cNvPr>
+          <p:cNvCxnSpPr>
+            <a:cxnSpLocks/>
+            <a:stCxn id="6" idx="1"/>
+          </p:cNvCxnSpPr>
+          <p:nvPr/>
+        </p:nvCxnSpPr>
+        <p:spPr>
+          <a:xfrm rot="10800000">
+            <a:off x="6238880" y="3905250"/>
+            <a:ext cx="1142903" cy="1154450"/>
+          </a:xfrm>
+          <a:prstGeom prst="bentConnector2">
+            <a:avLst/>
+          </a:prstGeom>
+          <a:ln w="28575">
+            <a:solidFill>
+              <a:srgbClr val="FF0000"/>
+            </a:solidFill>
+            <a:tailEnd type="oval"/>
+          </a:ln>
+        </p:spPr>
+        <p:style>
+          <a:lnRef idx="1">
+            <a:schemeClr val="accent1"/>
+          </a:lnRef>
+          <a:fillRef idx="0">
+            <a:schemeClr val="accent1"/>
+          </a:fillRef>
+          <a:effectRef idx="0">
+            <a:schemeClr val="accent1"/>
+          </a:effectRef>
+          <a:fontRef idx="minor">
+            <a:schemeClr val="tx1"/>
+          </a:fontRef>
+        </p:style>
+      </p:cxnSp>
+      <p:pic>
+        <p:nvPicPr>
+          <p:cNvPr id="19" name="圖片 18">
+            <a:extLst>
+              <a:ext uri="{FF2B5EF4-FFF2-40B4-BE49-F238E27FC236}">
+                <a16:creationId xmlns:a16="http://schemas.microsoft.com/office/drawing/2014/main" id="{9F014704-EF11-4F23-AC51-2A5AABD5CD1E}"/>
+              </a:ext>
+            </a:extLst>
+          </p:cNvPr>
+          <p:cNvPicPr>
+            <a:picLocks noChangeAspect="1"/>
+          </p:cNvPicPr>
+          <p:nvPr/>
+        </p:nvPicPr>
+        <p:blipFill>
+          <a:blip r:embed="rId3">
+            <a:extLst>
+              <a:ext uri="{BEBA8EAE-BF5A-486C-A8C5-ECC9F3942E4B}">
+                <a14:imgProps xmlns:a14="http://schemas.microsoft.com/office/drawing/2010/main">
+                  <a14:imgLayer r:embed="rId4">
+                    <a14:imgEffect>
+                      <a14:backgroundRemoval t="10000" b="90000" l="10000" r="90000"/>
+                    </a14:imgEffect>
+                  </a14:imgLayer>
+                </a14:imgProps>
+              </a:ext>
+              <a:ext uri="{28A0092B-C50C-407E-A947-70E740481C1C}">
+                <a14:useLocalDpi xmlns:a14="http://schemas.microsoft.com/office/drawing/2010/main" val="0"/>
+              </a:ext>
+            </a:extLst>
+          </a:blip>
+          <a:stretch>
+            <a:fillRect/>
+          </a:stretch>
+        </p:blipFill>
+        <p:spPr>
+          <a:xfrm>
+            <a:off x="817860" y="4307654"/>
+            <a:ext cx="4656608" cy="3535577"/>
+          </a:xfrm>
+          <a:prstGeom prst="rect">
+            <a:avLst/>
+          </a:prstGeom>
+        </p:spPr>
+      </p:pic>
+      <p:sp>
+        <p:nvSpPr>
+          <p:cNvPr id="8" name="文字方塊 7">
+            <a:extLst>
+              <a:ext uri="{FF2B5EF4-FFF2-40B4-BE49-F238E27FC236}">
+                <a16:creationId xmlns:a16="http://schemas.microsoft.com/office/drawing/2014/main" id="{3A99E881-D5BA-42F7-BE8F-7B38AF03B204}"/>
+              </a:ext>
+            </a:extLst>
+          </p:cNvPr>
+          <p:cNvSpPr txBox="1"/>
+          <p:nvPr/>
+        </p:nvSpPr>
+        <p:spPr>
+          <a:xfrm>
+            <a:off x="1287261" y="5721500"/>
+            <a:ext cx="2598939" cy="707886"/>
+          </a:xfrm>
+          <a:prstGeom prst="rect">
+            <a:avLst/>
+          </a:prstGeom>
+          <a:noFill/>
+        </p:spPr>
+        <p:txBody>
+          <a:bodyPr wrap="square" rtlCol="0">
+            <a:spAutoFit/>
+          </a:bodyPr>
+          <a:lstStyle>
+            <a:defPPr>
+              <a:defRPr lang="zh-TW"/>
+            </a:defPPr>
+            <a:lvl1pPr>
+              <a:defRPr sz="2000">
+                <a:solidFill>
+                  <a:schemeClr val="bg1"/>
+                </a:solidFill>
+                <a:latin typeface="jf open 粉圓 1.1" panose="020F0500000000000000" pitchFamily="34" charset="-120"/>
+                <a:ea typeface="jf open 粉圓 1.1" panose="020F0500000000000000" pitchFamily="34" charset="-120"/>
+              </a:defRPr>
+            </a:lvl1pPr>
+          </a:lstStyle>
+          <a:p>
+            <a:pPr algn="ctr"/>
+            <a:r>
+              <a:rPr lang="zh-TW" altLang="en-US" dirty="0"/>
+              <a:t>側面</a:t>
+            </a:r>
+            <a:endParaRPr lang="en-US" altLang="zh-TW" dirty="0"/>
+          </a:p>
+          <a:p>
+            <a:pPr algn="ctr"/>
+            <a:r>
+              <a:rPr lang="en-US" altLang="zh-TW" dirty="0"/>
+              <a:t>(“←</a:t>
+            </a:r>
+            <a:r>
+              <a:rPr lang="zh-TW" altLang="en-US" dirty="0"/>
+              <a:t>手背</a:t>
+            </a:r>
+            <a:r>
+              <a:rPr lang="en-US" altLang="zh-TW" dirty="0"/>
+              <a:t>”   ”</a:t>
+            </a:r>
+            <a:r>
+              <a:rPr lang="zh-TW" altLang="en-US" dirty="0"/>
+              <a:t>→手心</a:t>
+            </a:r>
+            <a:r>
+              <a:rPr lang="en-US" altLang="zh-TW" dirty="0"/>
+              <a:t>”)</a:t>
+            </a:r>
+            <a:endParaRPr lang="zh-TW" altLang="en-US" dirty="0"/>
+          </a:p>
+        </p:txBody>
+      </p:sp>
+      <p:pic>
+        <p:nvPicPr>
+          <p:cNvPr id="18" name="圖片 17">
+            <a:extLst>
+              <a:ext uri="{FF2B5EF4-FFF2-40B4-BE49-F238E27FC236}">
+                <a16:creationId xmlns:a16="http://schemas.microsoft.com/office/drawing/2014/main" id="{FDE45464-2AA2-404B-9E0A-F96E48B591F1}"/>
+              </a:ext>
+            </a:extLst>
+          </p:cNvPr>
+          <p:cNvPicPr>
+            <a:picLocks noChangeAspect="1"/>
+          </p:cNvPicPr>
+          <p:nvPr/>
+        </p:nvPicPr>
+        <p:blipFill>
+          <a:blip r:embed="rId3">
+            <a:extLst>
+              <a:ext uri="{BEBA8EAE-BF5A-486C-A8C5-ECC9F3942E4B}">
+                <a14:imgProps xmlns:a14="http://schemas.microsoft.com/office/drawing/2010/main">
+                  <a14:imgLayer r:embed="rId4">
+                    <a14:imgEffect>
+                      <a14:backgroundRemoval t="10000" b="90000" l="10000" r="90000"/>
+                    </a14:imgEffect>
+                  </a14:imgLayer>
+                </a14:imgProps>
+              </a:ext>
+              <a:ext uri="{28A0092B-C50C-407E-A947-70E740481C1C}">
+                <a14:useLocalDpi xmlns:a14="http://schemas.microsoft.com/office/drawing/2010/main" val="0"/>
+              </a:ext>
+            </a:extLst>
+          </a:blip>
+          <a:stretch>
+            <a:fillRect/>
+          </a:stretch>
+        </p:blipFill>
+        <p:spPr>
+          <a:xfrm>
+            <a:off x="4810219" y="4260663"/>
+            <a:ext cx="2784559" cy="2476500"/>
+          </a:xfrm>
+          <a:prstGeom prst="rect">
+            <a:avLst/>
+          </a:prstGeom>
+        </p:spPr>
+      </p:pic>
+      <p:sp>
+        <p:nvSpPr>
+          <p:cNvPr id="7" name="文字方塊 6">
+            <a:extLst>
+              <a:ext uri="{FF2B5EF4-FFF2-40B4-BE49-F238E27FC236}">
+                <a16:creationId xmlns:a16="http://schemas.microsoft.com/office/drawing/2014/main" id="{B9B74B5A-4C48-47FB-A7E4-58FABF2F526E}"/>
+              </a:ext>
+            </a:extLst>
+          </p:cNvPr>
+          <p:cNvSpPr txBox="1"/>
+          <p:nvPr/>
+        </p:nvSpPr>
+        <p:spPr>
+          <a:xfrm>
+            <a:off x="5163842" y="5335283"/>
+            <a:ext cx="1757778" cy="400110"/>
+          </a:xfrm>
+          <a:prstGeom prst="rect">
+            <a:avLst/>
+          </a:prstGeom>
+          <a:noFill/>
+        </p:spPr>
+        <p:txBody>
+          <a:bodyPr wrap="square" rtlCol="0">
+            <a:spAutoFit/>
+          </a:bodyPr>
+          <a:lstStyle>
+            <a:defPPr>
+              <a:defRPr lang="zh-TW"/>
+            </a:defPPr>
+            <a:lvl1pPr>
+              <a:defRPr sz="2000">
+                <a:solidFill>
+                  <a:schemeClr val="bg1"/>
+                </a:solidFill>
+                <a:latin typeface="jf open 粉圓 1.1" panose="020F0500000000000000" pitchFamily="34" charset="-120"/>
+                <a:ea typeface="jf open 粉圓 1.1" panose="020F0500000000000000" pitchFamily="34" charset="-120"/>
+              </a:defRPr>
+            </a:lvl1pPr>
+          </a:lstStyle>
+          <a:p>
+            <a:r>
+              <a:rPr lang="zh-TW" altLang="en-US" dirty="0"/>
+              <a:t>正面</a:t>
+            </a:r>
+            <a:r>
+              <a:rPr lang="en-US" altLang="zh-TW" dirty="0"/>
+              <a:t>(</a:t>
+            </a:r>
+            <a:r>
+              <a:rPr lang="zh-TW" altLang="en-US" dirty="0"/>
+              <a:t>手心</a:t>
+            </a:r>
+            <a:r>
+              <a:rPr lang="en-US" altLang="zh-TW" dirty="0"/>
+              <a:t>)</a:t>
+            </a:r>
+            <a:endParaRPr lang="zh-TW" altLang="en-US" dirty="0"/>
+          </a:p>
+        </p:txBody>
+      </p:sp>
     </p:spTree>
     <p:extLst>
       <p:ext uri="{BB962C8B-B14F-4D97-AF65-F5344CB8AC3E}">
         <p14:creationId xmlns:p14="http://schemas.microsoft.com/office/powerpoint/2010/main" val="1628178475"/>
-      </p:ext>
-    </p:extLst>
-  </p:cSld>
-  <p:clrMapOvr>
-    <a:masterClrMapping/>
-  </p:clrMapOvr>
-</p:sld>
-</file>
-
-<file path=ppt/slides/slide11.xml><?xml version="1.0" encoding="utf-8"?>
-<p:sld xmlns:a="http://schemas.openxmlformats.org/drawingml/2006/main" xmlns:r="http://schemas.openxmlformats.org/officeDocument/2006/relationships" xmlns:p="http://schemas.openxmlformats.org/presentationml/2006/main">
-  <p:cSld>
-    <p:spTree>
-      <p:nvGrpSpPr>
-        <p:cNvPr id="1" name=""/>
-        <p:cNvGrpSpPr/>
-        <p:nvPr/>
-      </p:nvGrpSpPr>
-      <p:grpSpPr>
-        <a:xfrm>
-          <a:off x="0" y="0"/>
-          <a:ext cx="0" cy="0"/>
-          <a:chOff x="0" y="0"/>
-          <a:chExt cx="0" cy="0"/>
-        </a:xfrm>
-      </p:grpSpPr>
-    </p:spTree>
-    <p:extLst>
-      <p:ext uri="{BB962C8B-B14F-4D97-AF65-F5344CB8AC3E}">
-        <p14:creationId xmlns:p14="http://schemas.microsoft.com/office/powerpoint/2010/main" val="3447459511"/>
       </p:ext>
     </p:extLst>
   </p:cSld>
@@ -4076,514 +6241,857 @@
           <a:chExt cx="0" cy="0"/>
         </a:xfrm>
       </p:grpSpPr>
-      <p:sp>
-        <p:nvSpPr>
-          <p:cNvPr id="4" name="八邊形 3">
-            <a:extLst>
-              <a:ext uri="{FF2B5EF4-FFF2-40B4-BE49-F238E27FC236}">
-                <a16:creationId xmlns:a16="http://schemas.microsoft.com/office/drawing/2014/main" id="{5F91CE82-4ACF-4166-B343-DB657BA55364}"/>
-              </a:ext>
-            </a:extLst>
-          </p:cNvPr>
-          <p:cNvSpPr/>
+      <p:grpSp>
+        <p:nvGrpSpPr>
+          <p:cNvPr id="3" name="群組 2">
+            <a:extLst>
+              <a:ext uri="{FF2B5EF4-FFF2-40B4-BE49-F238E27FC236}">
+                <a16:creationId xmlns:a16="http://schemas.microsoft.com/office/drawing/2014/main" id="{33AB5494-1F82-487E-BF6F-1E4D963CE5B3}"/>
+              </a:ext>
+            </a:extLst>
+          </p:cNvPr>
+          <p:cNvGrpSpPr/>
           <p:nvPr/>
-        </p:nvSpPr>
-        <p:spPr>
+        </p:nvGrpSpPr>
+        <p:grpSpPr>
           <a:xfrm>
-            <a:off x="4488402" y="2068496"/>
-            <a:ext cx="3215196" cy="3051699"/>
-          </a:xfrm>
-          <a:prstGeom prst="octagon">
-            <a:avLst/>
-          </a:prstGeom>
-        </p:spPr>
-        <p:style>
-          <a:lnRef idx="2">
-            <a:schemeClr val="accent1">
-              <a:shade val="50000"/>
-            </a:schemeClr>
-          </a:lnRef>
-          <a:fillRef idx="1">
-            <a:schemeClr val="accent1"/>
-          </a:fillRef>
-          <a:effectRef idx="0">
-            <a:schemeClr val="accent1"/>
-          </a:effectRef>
-          <a:fontRef idx="minor">
-            <a:schemeClr val="lt1"/>
-          </a:fontRef>
-        </p:style>
-        <p:txBody>
-          <a:bodyPr rtlCol="0" anchor="ctr"/>
-          <a:lstStyle/>
-          <a:p>
-            <a:pPr algn="ctr"/>
-            <a:endParaRPr lang="zh-TW" altLang="en-US">
-              <a:solidFill>
-                <a:schemeClr val="bg1"/>
-              </a:solidFill>
-            </a:endParaRPr>
-          </a:p>
-        </p:txBody>
-      </p:sp>
-      <p:sp>
-        <p:nvSpPr>
-          <p:cNvPr id="5" name="矩形 4">
-            <a:extLst>
-              <a:ext uri="{FF2B5EF4-FFF2-40B4-BE49-F238E27FC236}">
-                <a16:creationId xmlns:a16="http://schemas.microsoft.com/office/drawing/2014/main" id="{9488054F-E049-4B0F-99AF-F623F115C590}"/>
-              </a:ext>
-            </a:extLst>
-          </p:cNvPr>
-          <p:cNvSpPr/>
-          <p:nvPr/>
-        </p:nvSpPr>
-        <p:spPr>
-          <a:xfrm>
-            <a:off x="5379868" y="2068496"/>
-            <a:ext cx="1447060" cy="301842"/>
-          </a:xfrm>
-          <a:prstGeom prst="rect">
-            <a:avLst/>
-          </a:prstGeom>
-          <a:solidFill>
-            <a:schemeClr val="accent2"/>
-          </a:solidFill>
-          <a:ln>
+            <a:off x="2707688" y="1047565"/>
+            <a:ext cx="7018479" cy="4572003"/>
+            <a:chOff x="1973031" y="427243"/>
+            <a:chExt cx="8415320" cy="6345303"/>
+          </a:xfrm>
+        </p:grpSpPr>
+        <p:sp>
+          <p:nvSpPr>
+            <p:cNvPr id="4" name="八邊形 3">
+              <a:extLst>
+                <a:ext uri="{FF2B5EF4-FFF2-40B4-BE49-F238E27FC236}">
+                  <a16:creationId xmlns:a16="http://schemas.microsoft.com/office/drawing/2014/main" id="{5F91CE82-4ACF-4166-B343-DB657BA55364}"/>
+                </a:ext>
+              </a:extLst>
+            </p:cNvPr>
+            <p:cNvSpPr/>
+            <p:nvPr/>
+          </p:nvSpPr>
+          <p:spPr>
+            <a:xfrm>
+              <a:off x="4488402" y="2068496"/>
+              <a:ext cx="3215196" cy="3051699"/>
+            </a:xfrm>
+            <a:prstGeom prst="octagon">
+              <a:avLst/>
+            </a:prstGeom>
+          </p:spPr>
+          <p:style>
+            <a:lnRef idx="2">
+              <a:schemeClr val="accent1">
+                <a:shade val="50000"/>
+              </a:schemeClr>
+            </a:lnRef>
+            <a:fillRef idx="1">
+              <a:schemeClr val="accent1"/>
+            </a:fillRef>
+            <a:effectRef idx="0">
+              <a:schemeClr val="accent1"/>
+            </a:effectRef>
+            <a:fontRef idx="minor">
+              <a:schemeClr val="lt1"/>
+            </a:fontRef>
+          </p:style>
+          <p:txBody>
+            <a:bodyPr rtlCol="0" anchor="ctr"/>
+            <a:lstStyle/>
+            <a:p>
+              <a:pPr algn="ctr"/>
+              <a:endParaRPr lang="zh-TW" altLang="en-US" sz="2400">
+                <a:solidFill>
+                  <a:schemeClr val="bg1"/>
+                </a:solidFill>
+              </a:endParaRPr>
+            </a:p>
+          </p:txBody>
+        </p:sp>
+        <p:sp>
+          <p:nvSpPr>
+            <p:cNvPr id="5" name="矩形 4">
+              <a:extLst>
+                <a:ext uri="{FF2B5EF4-FFF2-40B4-BE49-F238E27FC236}">
+                  <a16:creationId xmlns:a16="http://schemas.microsoft.com/office/drawing/2014/main" id="{9488054F-E049-4B0F-99AF-F623F115C590}"/>
+                </a:ext>
+              </a:extLst>
+            </p:cNvPr>
+            <p:cNvSpPr/>
+            <p:nvPr/>
+          </p:nvSpPr>
+          <p:spPr>
+            <a:xfrm>
+              <a:off x="5199540" y="2068498"/>
+              <a:ext cx="1792919" cy="312938"/>
+            </a:xfrm>
+            <a:prstGeom prst="rect">
+              <a:avLst/>
+            </a:prstGeom>
             <a:solidFill>
               <a:schemeClr val="accent2"/>
             </a:solidFill>
-          </a:ln>
-        </p:spPr>
-        <p:style>
-          <a:lnRef idx="2">
-            <a:schemeClr val="accent1">
-              <a:shade val="50000"/>
-            </a:schemeClr>
-          </a:lnRef>
-          <a:fillRef idx="1">
-            <a:schemeClr val="accent1"/>
-          </a:fillRef>
-          <a:effectRef idx="0">
-            <a:schemeClr val="accent1"/>
-          </a:effectRef>
-          <a:fontRef idx="minor">
-            <a:schemeClr val="lt1"/>
-          </a:fontRef>
-        </p:style>
-        <p:txBody>
-          <a:bodyPr rtlCol="0" anchor="ctr"/>
-          <a:lstStyle/>
-          <a:p>
-            <a:pPr algn="ctr"/>
-            <a:endParaRPr lang="zh-TW" altLang="en-US">
+            <a:ln>
               <a:solidFill>
-                <a:schemeClr val="bg1"/>
+                <a:schemeClr val="accent2"/>
               </a:solidFill>
-            </a:endParaRPr>
-          </a:p>
-        </p:txBody>
-      </p:sp>
-      <p:sp>
-        <p:nvSpPr>
-          <p:cNvPr id="6" name="矩形 5">
-            <a:extLst>
-              <a:ext uri="{FF2B5EF4-FFF2-40B4-BE49-F238E27FC236}">
-                <a16:creationId xmlns:a16="http://schemas.microsoft.com/office/drawing/2014/main" id="{9C1A65B8-4B07-4DE4-ABD6-3EB40AA79172}"/>
-              </a:ext>
-            </a:extLst>
-          </p:cNvPr>
-          <p:cNvSpPr/>
-          <p:nvPr/>
-        </p:nvSpPr>
-        <p:spPr>
-          <a:xfrm>
-            <a:off x="5379868" y="4818353"/>
-            <a:ext cx="1447060" cy="301842"/>
-          </a:xfrm>
-          <a:prstGeom prst="rect">
-            <a:avLst/>
-          </a:prstGeom>
-          <a:solidFill>
-            <a:schemeClr val="accent2"/>
-          </a:solidFill>
-          <a:ln>
+            </a:ln>
+          </p:spPr>
+          <p:style>
+            <a:lnRef idx="2">
+              <a:schemeClr val="accent1">
+                <a:shade val="50000"/>
+              </a:schemeClr>
+            </a:lnRef>
+            <a:fillRef idx="1">
+              <a:schemeClr val="accent1"/>
+            </a:fillRef>
+            <a:effectRef idx="0">
+              <a:schemeClr val="accent1"/>
+            </a:effectRef>
+            <a:fontRef idx="minor">
+              <a:schemeClr val="lt1"/>
+            </a:fontRef>
+          </p:style>
+          <p:txBody>
+            <a:bodyPr rtlCol="0" anchor="ctr"/>
+            <a:lstStyle/>
+            <a:p>
+              <a:pPr algn="ctr"/>
+              <a:endParaRPr lang="zh-TW" altLang="en-US" sz="2400">
+                <a:solidFill>
+                  <a:schemeClr val="bg1"/>
+                </a:solidFill>
+              </a:endParaRPr>
+            </a:p>
+          </p:txBody>
+        </p:sp>
+        <p:sp>
+          <p:nvSpPr>
+            <p:cNvPr id="6" name="矩形 5">
+              <a:extLst>
+                <a:ext uri="{FF2B5EF4-FFF2-40B4-BE49-F238E27FC236}">
+                  <a16:creationId xmlns:a16="http://schemas.microsoft.com/office/drawing/2014/main" id="{9C1A65B8-4B07-4DE4-ABD6-3EB40AA79172}"/>
+                </a:ext>
+              </a:extLst>
+            </p:cNvPr>
+            <p:cNvSpPr/>
+            <p:nvPr/>
+          </p:nvSpPr>
+          <p:spPr>
+            <a:xfrm>
+              <a:off x="5283482" y="4818355"/>
+              <a:ext cx="1708976" cy="294070"/>
+            </a:xfrm>
+            <a:prstGeom prst="rect">
+              <a:avLst/>
+            </a:prstGeom>
             <a:solidFill>
               <a:schemeClr val="accent2"/>
             </a:solidFill>
-          </a:ln>
-        </p:spPr>
-        <p:style>
-          <a:lnRef idx="2">
-            <a:schemeClr val="accent1">
-              <a:shade val="50000"/>
-            </a:schemeClr>
-          </a:lnRef>
-          <a:fillRef idx="1">
-            <a:schemeClr val="accent1"/>
-          </a:fillRef>
-          <a:effectRef idx="0">
-            <a:schemeClr val="accent1"/>
-          </a:effectRef>
-          <a:fontRef idx="minor">
-            <a:schemeClr val="lt1"/>
-          </a:fontRef>
-        </p:style>
-        <p:txBody>
-          <a:bodyPr rtlCol="0" anchor="ctr"/>
-          <a:lstStyle/>
-          <a:p>
-            <a:pPr algn="ctr"/>
-            <a:endParaRPr lang="zh-TW" altLang="en-US">
+            <a:ln>
               <a:solidFill>
-                <a:schemeClr val="bg1"/>
+                <a:schemeClr val="accent2"/>
               </a:solidFill>
-            </a:endParaRPr>
-          </a:p>
-        </p:txBody>
-      </p:sp>
-      <p:sp>
-        <p:nvSpPr>
-          <p:cNvPr id="7" name="矩形 6">
-            <a:extLst>
-              <a:ext uri="{FF2B5EF4-FFF2-40B4-BE49-F238E27FC236}">
-                <a16:creationId xmlns:a16="http://schemas.microsoft.com/office/drawing/2014/main" id="{B4192D43-E7F9-4258-86FC-80AB929C0EBF}"/>
-              </a:ext>
-            </a:extLst>
-          </p:cNvPr>
-          <p:cNvSpPr/>
-          <p:nvPr/>
-        </p:nvSpPr>
-        <p:spPr>
-          <a:xfrm rot="5400000">
-            <a:off x="6926801" y="3448974"/>
-            <a:ext cx="1251752" cy="301842"/>
-          </a:xfrm>
-          <a:prstGeom prst="rect">
-            <a:avLst/>
-          </a:prstGeom>
-          <a:solidFill>
-            <a:schemeClr val="accent2"/>
-          </a:solidFill>
-          <a:ln>
+            </a:ln>
+          </p:spPr>
+          <p:style>
+            <a:lnRef idx="2">
+              <a:schemeClr val="accent1">
+                <a:shade val="50000"/>
+              </a:schemeClr>
+            </a:lnRef>
+            <a:fillRef idx="1">
+              <a:schemeClr val="accent1"/>
+            </a:fillRef>
+            <a:effectRef idx="0">
+              <a:schemeClr val="accent1"/>
+            </a:effectRef>
+            <a:fontRef idx="minor">
+              <a:schemeClr val="lt1"/>
+            </a:fontRef>
+          </p:style>
+          <p:txBody>
+            <a:bodyPr rtlCol="0" anchor="ctr"/>
+            <a:lstStyle/>
+            <a:p>
+              <a:pPr algn="ctr"/>
+              <a:endParaRPr lang="zh-TW" altLang="en-US" sz="2400">
+                <a:solidFill>
+                  <a:schemeClr val="bg1"/>
+                </a:solidFill>
+              </a:endParaRPr>
+            </a:p>
+          </p:txBody>
+        </p:sp>
+        <p:sp>
+          <p:nvSpPr>
+            <p:cNvPr id="7" name="矩形 6">
+              <a:extLst>
+                <a:ext uri="{FF2B5EF4-FFF2-40B4-BE49-F238E27FC236}">
+                  <a16:creationId xmlns:a16="http://schemas.microsoft.com/office/drawing/2014/main" id="{B4192D43-E7F9-4258-86FC-80AB929C0EBF}"/>
+                </a:ext>
+              </a:extLst>
+            </p:cNvPr>
+            <p:cNvSpPr/>
+            <p:nvPr/>
+          </p:nvSpPr>
+          <p:spPr>
+            <a:xfrm rot="5400000">
+              <a:off x="6926801" y="3448974"/>
+              <a:ext cx="1251752" cy="301842"/>
+            </a:xfrm>
+            <a:prstGeom prst="rect">
+              <a:avLst/>
+            </a:prstGeom>
             <a:solidFill>
               <a:schemeClr val="accent2"/>
             </a:solidFill>
-          </a:ln>
-        </p:spPr>
-        <p:style>
-          <a:lnRef idx="2">
-            <a:schemeClr val="accent1">
-              <a:shade val="50000"/>
-            </a:schemeClr>
-          </a:lnRef>
-          <a:fillRef idx="1">
-            <a:schemeClr val="accent1"/>
-          </a:fillRef>
-          <a:effectRef idx="0">
-            <a:schemeClr val="accent1"/>
-          </a:effectRef>
-          <a:fontRef idx="minor">
-            <a:schemeClr val="lt1"/>
-          </a:fontRef>
-        </p:style>
-        <p:txBody>
-          <a:bodyPr rtlCol="0" anchor="ctr"/>
-          <a:lstStyle/>
-          <a:p>
-            <a:pPr algn="ctr"/>
-            <a:endParaRPr lang="zh-TW" altLang="en-US">
+            <a:ln>
               <a:solidFill>
-                <a:schemeClr val="bg1"/>
+                <a:schemeClr val="accent2"/>
               </a:solidFill>
-            </a:endParaRPr>
-          </a:p>
-        </p:txBody>
-      </p:sp>
-      <p:sp>
-        <p:nvSpPr>
-          <p:cNvPr id="8" name="矩形 7">
-            <a:extLst>
-              <a:ext uri="{FF2B5EF4-FFF2-40B4-BE49-F238E27FC236}">
-                <a16:creationId xmlns:a16="http://schemas.microsoft.com/office/drawing/2014/main" id="{F8DF08B4-B095-4260-B8B8-FCF16CC28C21}"/>
-              </a:ext>
-            </a:extLst>
-          </p:cNvPr>
-          <p:cNvSpPr/>
-          <p:nvPr/>
-        </p:nvSpPr>
-        <p:spPr>
-          <a:xfrm rot="5400000">
-            <a:off x="4013448" y="3443424"/>
-            <a:ext cx="1251752" cy="301842"/>
-          </a:xfrm>
-          <a:prstGeom prst="rect">
-            <a:avLst/>
-          </a:prstGeom>
-          <a:solidFill>
-            <a:schemeClr val="accent2"/>
-          </a:solidFill>
-          <a:ln>
+            </a:ln>
+          </p:spPr>
+          <p:style>
+            <a:lnRef idx="2">
+              <a:schemeClr val="accent1">
+                <a:shade val="50000"/>
+              </a:schemeClr>
+            </a:lnRef>
+            <a:fillRef idx="1">
+              <a:schemeClr val="accent1"/>
+            </a:fillRef>
+            <a:effectRef idx="0">
+              <a:schemeClr val="accent1"/>
+            </a:effectRef>
+            <a:fontRef idx="minor">
+              <a:schemeClr val="lt1"/>
+            </a:fontRef>
+          </p:style>
+          <p:txBody>
+            <a:bodyPr rtlCol="0" anchor="ctr"/>
+            <a:lstStyle/>
+            <a:p>
+              <a:pPr algn="ctr"/>
+              <a:endParaRPr lang="zh-TW" altLang="en-US" sz="2400">
+                <a:solidFill>
+                  <a:schemeClr val="bg1"/>
+                </a:solidFill>
+              </a:endParaRPr>
+            </a:p>
+          </p:txBody>
+        </p:sp>
+        <p:sp>
+          <p:nvSpPr>
+            <p:cNvPr id="8" name="矩形 7">
+              <a:extLst>
+                <a:ext uri="{FF2B5EF4-FFF2-40B4-BE49-F238E27FC236}">
+                  <a16:creationId xmlns:a16="http://schemas.microsoft.com/office/drawing/2014/main" id="{F8DF08B4-B095-4260-B8B8-FCF16CC28C21}"/>
+                </a:ext>
+              </a:extLst>
+            </p:cNvPr>
+            <p:cNvSpPr/>
+            <p:nvPr/>
+          </p:nvSpPr>
+          <p:spPr>
+            <a:xfrm rot="5400000">
+              <a:off x="4023709" y="3433163"/>
+              <a:ext cx="1251755" cy="322368"/>
+            </a:xfrm>
+            <a:prstGeom prst="rect">
+              <a:avLst/>
+            </a:prstGeom>
             <a:solidFill>
               <a:schemeClr val="accent2"/>
             </a:solidFill>
-          </a:ln>
-        </p:spPr>
-        <p:style>
-          <a:lnRef idx="2">
-            <a:schemeClr val="accent1">
-              <a:shade val="50000"/>
-            </a:schemeClr>
-          </a:lnRef>
-          <a:fillRef idx="1">
-            <a:schemeClr val="accent1"/>
-          </a:fillRef>
-          <a:effectRef idx="0">
-            <a:schemeClr val="accent1"/>
-          </a:effectRef>
-          <a:fontRef idx="minor">
-            <a:schemeClr val="lt1"/>
-          </a:fontRef>
-        </p:style>
-        <p:txBody>
-          <a:bodyPr rtlCol="0" anchor="ctr"/>
-          <a:lstStyle/>
-          <a:p>
-            <a:pPr algn="ctr"/>
-            <a:endParaRPr lang="zh-TW" altLang="en-US">
+            <a:ln>
               <a:solidFill>
-                <a:schemeClr val="bg1"/>
+                <a:schemeClr val="accent2"/>
               </a:solidFill>
-            </a:endParaRPr>
-          </a:p>
-        </p:txBody>
-      </p:sp>
+            </a:ln>
+          </p:spPr>
+          <p:style>
+            <a:lnRef idx="2">
+              <a:schemeClr val="accent1">
+                <a:shade val="50000"/>
+              </a:schemeClr>
+            </a:lnRef>
+            <a:fillRef idx="1">
+              <a:schemeClr val="accent1"/>
+            </a:fillRef>
+            <a:effectRef idx="0">
+              <a:schemeClr val="accent1"/>
+            </a:effectRef>
+            <a:fontRef idx="minor">
+              <a:schemeClr val="lt1"/>
+            </a:fontRef>
+          </p:style>
+          <p:txBody>
+            <a:bodyPr rtlCol="0" anchor="ctr"/>
+            <a:lstStyle/>
+            <a:p>
+              <a:pPr algn="ctr"/>
+              <a:endParaRPr lang="zh-TW" altLang="en-US" sz="2400">
+                <a:solidFill>
+                  <a:schemeClr val="bg1"/>
+                </a:solidFill>
+              </a:endParaRPr>
+            </a:p>
+          </p:txBody>
+        </p:sp>
+        <p:sp>
+          <p:nvSpPr>
+            <p:cNvPr id="9" name="矩形 8">
+              <a:extLst>
+                <a:ext uri="{FF2B5EF4-FFF2-40B4-BE49-F238E27FC236}">
+                  <a16:creationId xmlns:a16="http://schemas.microsoft.com/office/drawing/2014/main" id="{5974B12C-8A02-4F9B-8F0E-FA74E3880997}"/>
+                </a:ext>
+              </a:extLst>
+            </p:cNvPr>
+            <p:cNvSpPr/>
+            <p:nvPr/>
+          </p:nvSpPr>
+          <p:spPr>
+            <a:xfrm>
+              <a:off x="4810773" y="427243"/>
+              <a:ext cx="2590983" cy="1660122"/>
+            </a:xfrm>
+            <a:prstGeom prst="rect">
+              <a:avLst/>
+            </a:prstGeom>
+            <a:solidFill>
+              <a:srgbClr val="00B050"/>
+            </a:solidFill>
+            <a:ln>
+              <a:solidFill>
+                <a:schemeClr val="tx1"/>
+              </a:solidFill>
+            </a:ln>
+          </p:spPr>
+          <p:style>
+            <a:lnRef idx="2">
+              <a:schemeClr val="accent1">
+                <a:shade val="50000"/>
+              </a:schemeClr>
+            </a:lnRef>
+            <a:fillRef idx="1">
+              <a:schemeClr val="accent1"/>
+            </a:fillRef>
+            <a:effectRef idx="0">
+              <a:schemeClr val="accent1"/>
+            </a:effectRef>
+            <a:fontRef idx="minor">
+              <a:schemeClr val="lt1"/>
+            </a:fontRef>
+          </p:style>
+          <p:txBody>
+            <a:bodyPr rtlCol="0" anchor="ctr"/>
+            <a:lstStyle/>
+            <a:p>
+              <a:pPr algn="ctr"/>
+              <a:endParaRPr lang="zh-TW" altLang="en-US" sz="2400">
+                <a:solidFill>
+                  <a:schemeClr val="bg1"/>
+                </a:solidFill>
+              </a:endParaRPr>
+            </a:p>
+          </p:txBody>
+        </p:sp>
+        <p:sp>
+          <p:nvSpPr>
+            <p:cNvPr id="10" name="矩形 9">
+              <a:extLst>
+                <a:ext uri="{FF2B5EF4-FFF2-40B4-BE49-F238E27FC236}">
+                  <a16:creationId xmlns:a16="http://schemas.microsoft.com/office/drawing/2014/main" id="{9013ECB8-2C08-4672-8404-AA60AD7FDCA0}"/>
+                </a:ext>
+              </a:extLst>
+            </p:cNvPr>
+            <p:cNvSpPr/>
+            <p:nvPr/>
+          </p:nvSpPr>
+          <p:spPr>
+            <a:xfrm>
+              <a:off x="7710996" y="2764284"/>
+              <a:ext cx="2677355" cy="1660122"/>
+            </a:xfrm>
+            <a:prstGeom prst="rect">
+              <a:avLst/>
+            </a:prstGeom>
+            <a:solidFill>
+              <a:srgbClr val="FF7171"/>
+            </a:solidFill>
+          </p:spPr>
+          <p:style>
+            <a:lnRef idx="2">
+              <a:schemeClr val="accent1">
+                <a:shade val="50000"/>
+              </a:schemeClr>
+            </a:lnRef>
+            <a:fillRef idx="1">
+              <a:schemeClr val="accent1"/>
+            </a:fillRef>
+            <a:effectRef idx="0">
+              <a:schemeClr val="accent1"/>
+            </a:effectRef>
+            <a:fontRef idx="minor">
+              <a:schemeClr val="lt1"/>
+            </a:fontRef>
+          </p:style>
+          <p:txBody>
+            <a:bodyPr rtlCol="0" anchor="ctr"/>
+            <a:lstStyle/>
+            <a:p>
+              <a:pPr algn="ctr"/>
+              <a:endParaRPr lang="zh-TW" altLang="en-US" sz="2400">
+                <a:solidFill>
+                  <a:schemeClr val="bg1"/>
+                </a:solidFill>
+              </a:endParaRPr>
+            </a:p>
+          </p:txBody>
+        </p:sp>
+        <p:sp>
+          <p:nvSpPr>
+            <p:cNvPr id="11" name="矩形 10">
+              <a:extLst>
+                <a:ext uri="{FF2B5EF4-FFF2-40B4-BE49-F238E27FC236}">
+                  <a16:creationId xmlns:a16="http://schemas.microsoft.com/office/drawing/2014/main" id="{4990D610-177F-4B56-B497-E6ACA7FF5D1C}"/>
+                </a:ext>
+              </a:extLst>
+            </p:cNvPr>
+            <p:cNvSpPr/>
+            <p:nvPr/>
+          </p:nvSpPr>
+          <p:spPr>
+            <a:xfrm>
+              <a:off x="4810772" y="5112424"/>
+              <a:ext cx="2590983" cy="1660122"/>
+            </a:xfrm>
+            <a:prstGeom prst="rect">
+              <a:avLst/>
+            </a:prstGeom>
+            <a:solidFill>
+              <a:schemeClr val="tx1">
+                <a:lumMod val="75000"/>
+                <a:lumOff val="25000"/>
+              </a:schemeClr>
+            </a:solidFill>
+          </p:spPr>
+          <p:style>
+            <a:lnRef idx="2">
+              <a:schemeClr val="accent1">
+                <a:shade val="50000"/>
+              </a:schemeClr>
+            </a:lnRef>
+            <a:fillRef idx="1">
+              <a:schemeClr val="accent1"/>
+            </a:fillRef>
+            <a:effectRef idx="0">
+              <a:schemeClr val="accent1"/>
+            </a:effectRef>
+            <a:fontRef idx="minor">
+              <a:schemeClr val="lt1"/>
+            </a:fontRef>
+          </p:style>
+          <p:txBody>
+            <a:bodyPr rtlCol="0" anchor="ctr"/>
+            <a:lstStyle/>
+            <a:p>
+              <a:pPr algn="ctr"/>
+              <a:endParaRPr lang="zh-TW" altLang="en-US" sz="2400">
+                <a:solidFill>
+                  <a:schemeClr val="bg1"/>
+                </a:solidFill>
+              </a:endParaRPr>
+            </a:p>
+          </p:txBody>
+        </p:sp>
+        <p:sp>
+          <p:nvSpPr>
+            <p:cNvPr id="12" name="矩形 11">
+              <a:extLst>
+                <a:ext uri="{FF2B5EF4-FFF2-40B4-BE49-F238E27FC236}">
+                  <a16:creationId xmlns:a16="http://schemas.microsoft.com/office/drawing/2014/main" id="{B7805777-BA25-49AA-9535-13792C8E016E}"/>
+                </a:ext>
+              </a:extLst>
+            </p:cNvPr>
+            <p:cNvSpPr/>
+            <p:nvPr/>
+          </p:nvSpPr>
+          <p:spPr>
+            <a:xfrm>
+              <a:off x="1973031" y="2764284"/>
+              <a:ext cx="2507972" cy="1660122"/>
+            </a:xfrm>
+            <a:prstGeom prst="rect">
+              <a:avLst/>
+            </a:prstGeom>
+            <a:solidFill>
+              <a:srgbClr val="00B0F0"/>
+            </a:solidFill>
+          </p:spPr>
+          <p:style>
+            <a:lnRef idx="2">
+              <a:schemeClr val="accent1">
+                <a:shade val="50000"/>
+              </a:schemeClr>
+            </a:lnRef>
+            <a:fillRef idx="1">
+              <a:schemeClr val="accent1"/>
+            </a:fillRef>
+            <a:effectRef idx="0">
+              <a:schemeClr val="accent1"/>
+            </a:effectRef>
+            <a:fontRef idx="minor">
+              <a:schemeClr val="lt1"/>
+            </a:fontRef>
+          </p:style>
+          <p:txBody>
+            <a:bodyPr rtlCol="0" anchor="ctr"/>
+            <a:lstStyle/>
+            <a:p>
+              <a:pPr algn="ctr"/>
+              <a:endParaRPr lang="zh-TW" altLang="en-US" sz="2400">
+                <a:solidFill>
+                  <a:schemeClr val="bg1"/>
+                </a:solidFill>
+              </a:endParaRPr>
+            </a:p>
+          </p:txBody>
+        </p:sp>
+        <p:sp>
+          <p:nvSpPr>
+            <p:cNvPr id="13" name="文字方塊 12">
+              <a:extLst>
+                <a:ext uri="{FF2B5EF4-FFF2-40B4-BE49-F238E27FC236}">
+                  <a16:creationId xmlns:a16="http://schemas.microsoft.com/office/drawing/2014/main" id="{425F6D69-D656-4927-9765-B18D4A386118}"/>
+                </a:ext>
+              </a:extLst>
+            </p:cNvPr>
+            <p:cNvSpPr txBox="1"/>
+            <p:nvPr/>
+          </p:nvSpPr>
+          <p:spPr>
+            <a:xfrm>
+              <a:off x="2521630" y="2990875"/>
+              <a:ext cx="1322034" cy="906902"/>
+            </a:xfrm>
+            <a:prstGeom prst="rect">
+              <a:avLst/>
+            </a:prstGeom>
+            <a:noFill/>
+          </p:spPr>
+          <p:txBody>
+            <a:bodyPr wrap="square" rtlCol="0">
+              <a:spAutoFit/>
+            </a:bodyPr>
+            <a:lstStyle/>
+            <a:p>
+              <a:pPr algn="ctr"/>
+              <a:r>
+                <a:rPr lang="zh-TW" altLang="en-US" sz="2400" dirty="0">
+                  <a:solidFill>
+                    <a:schemeClr val="bg1"/>
+                  </a:solidFill>
+                  <a:latin typeface="jf open 粉圓 1.1" panose="020F0500000000000000" pitchFamily="34" charset="-120"/>
+                  <a:ea typeface="jf open 粉圓 1.1" panose="020F0500000000000000" pitchFamily="34" charset="-120"/>
+                </a:rPr>
+                <a:t>場景</a:t>
+              </a:r>
+              <a:r>
+                <a:rPr lang="en-US" altLang="zh-TW" sz="2400" dirty="0">
+                  <a:solidFill>
+                    <a:schemeClr val="bg1"/>
+                  </a:solidFill>
+                  <a:latin typeface="jf open 粉圓 1.1" panose="020F0500000000000000" pitchFamily="34" charset="-120"/>
+                  <a:ea typeface="jf open 粉圓 1.1" panose="020F0500000000000000" pitchFamily="34" charset="-120"/>
+                </a:rPr>
+                <a:t>2:</a:t>
+              </a:r>
+            </a:p>
+            <a:p>
+              <a:pPr algn="ctr"/>
+              <a:r>
+                <a:rPr lang="zh-TW" altLang="en-US" sz="2400" dirty="0">
+                  <a:solidFill>
+                    <a:schemeClr val="bg1"/>
+                  </a:solidFill>
+                  <a:latin typeface="jf open 粉圓 1.1" panose="020F0500000000000000" pitchFamily="34" charset="-120"/>
+                  <a:ea typeface="jf open 粉圓 1.1" panose="020F0500000000000000" pitchFamily="34" charset="-120"/>
+                </a:rPr>
+                <a:t>資料牆</a:t>
+              </a:r>
+            </a:p>
+          </p:txBody>
+        </p:sp>
+        <p:sp>
+          <p:nvSpPr>
+            <p:cNvPr id="14" name="文字方塊 13">
+              <a:extLst>
+                <a:ext uri="{FF2B5EF4-FFF2-40B4-BE49-F238E27FC236}">
+                  <a16:creationId xmlns:a16="http://schemas.microsoft.com/office/drawing/2014/main" id="{EC8161F0-4129-4F26-8809-D54B19CB1750}"/>
+                </a:ext>
+              </a:extLst>
+            </p:cNvPr>
+            <p:cNvSpPr txBox="1"/>
+            <p:nvPr/>
+          </p:nvSpPr>
+          <p:spPr>
+            <a:xfrm>
+              <a:off x="5122876" y="680395"/>
+              <a:ext cx="1966773" cy="906902"/>
+            </a:xfrm>
+            <a:prstGeom prst="rect">
+              <a:avLst/>
+            </a:prstGeom>
+            <a:noFill/>
+          </p:spPr>
+          <p:txBody>
+            <a:bodyPr wrap="square" rtlCol="0">
+              <a:spAutoFit/>
+            </a:bodyPr>
+            <a:lstStyle/>
+            <a:p>
+              <a:pPr algn="ctr"/>
+              <a:r>
+                <a:rPr lang="zh-TW" altLang="en-US" sz="2400" dirty="0">
+                  <a:solidFill>
+                    <a:schemeClr val="bg1"/>
+                  </a:solidFill>
+                  <a:latin typeface="jf open 粉圓 1.1" panose="020F0500000000000000" pitchFamily="34" charset="-120"/>
+                  <a:ea typeface="jf open 粉圓 1.1" panose="020F0500000000000000" pitchFamily="34" charset="-120"/>
+                </a:rPr>
+                <a:t>場景</a:t>
+              </a:r>
+              <a:r>
+                <a:rPr lang="en-US" altLang="zh-TW" sz="2400" dirty="0">
+                  <a:solidFill>
+                    <a:schemeClr val="bg1"/>
+                  </a:solidFill>
+                  <a:latin typeface="jf open 粉圓 1.1" panose="020F0500000000000000" pitchFamily="34" charset="-120"/>
+                  <a:ea typeface="jf open 粉圓 1.1" panose="020F0500000000000000" pitchFamily="34" charset="-120"/>
+                </a:rPr>
+                <a:t>1:</a:t>
+              </a:r>
+            </a:p>
+            <a:p>
+              <a:pPr algn="ctr"/>
+              <a:r>
+                <a:rPr lang="zh-TW" altLang="en-US" sz="2400" dirty="0">
+                  <a:solidFill>
+                    <a:schemeClr val="bg1"/>
+                  </a:solidFill>
+                  <a:latin typeface="jf open 粉圓 1.1" panose="020F0500000000000000" pitchFamily="34" charset="-120"/>
+                  <a:ea typeface="jf open 粉圓 1.1" panose="020F0500000000000000" pitchFamily="34" charset="-120"/>
+                </a:rPr>
+                <a:t>聲音日記</a:t>
+              </a:r>
+            </a:p>
+          </p:txBody>
+        </p:sp>
+        <p:sp>
+          <p:nvSpPr>
+            <p:cNvPr id="15" name="文字方塊 14">
+              <a:extLst>
+                <a:ext uri="{FF2B5EF4-FFF2-40B4-BE49-F238E27FC236}">
+                  <a16:creationId xmlns:a16="http://schemas.microsoft.com/office/drawing/2014/main" id="{0C9BCBDD-F11D-41B0-B189-9BE3C2DBB751}"/>
+                </a:ext>
+              </a:extLst>
+            </p:cNvPr>
+            <p:cNvSpPr txBox="1"/>
+            <p:nvPr/>
+          </p:nvSpPr>
+          <p:spPr>
+            <a:xfrm>
+              <a:off x="5434983" y="3332734"/>
+              <a:ext cx="1322034" cy="523220"/>
+            </a:xfrm>
+            <a:prstGeom prst="rect">
+              <a:avLst/>
+            </a:prstGeom>
+            <a:noFill/>
+          </p:spPr>
+          <p:txBody>
+            <a:bodyPr wrap="square" rtlCol="0">
+              <a:spAutoFit/>
+            </a:bodyPr>
+            <a:lstStyle/>
+            <a:p>
+              <a:pPr algn="ctr"/>
+              <a:r>
+                <a:rPr lang="zh-TW" altLang="en-US" sz="2400" dirty="0">
+                  <a:solidFill>
+                    <a:schemeClr val="bg1"/>
+                  </a:solidFill>
+                  <a:latin typeface="jf open 粉圓 1.1" panose="020F0500000000000000" pitchFamily="34" charset="-120"/>
+                  <a:ea typeface="jf open 粉圓 1.1" panose="020F0500000000000000" pitchFamily="34" charset="-120"/>
+                </a:rPr>
+                <a:t>主畫面</a:t>
+              </a:r>
+            </a:p>
+          </p:txBody>
+        </p:sp>
+        <p:sp>
+          <p:nvSpPr>
+            <p:cNvPr id="16" name="文字方塊 15">
+              <a:extLst>
+                <a:ext uri="{FF2B5EF4-FFF2-40B4-BE49-F238E27FC236}">
+                  <a16:creationId xmlns:a16="http://schemas.microsoft.com/office/drawing/2014/main" id="{8D34BBD5-DC6F-48BB-8F59-B669618D8A15}"/>
+                </a:ext>
+              </a:extLst>
+            </p:cNvPr>
+            <p:cNvSpPr txBox="1"/>
+            <p:nvPr/>
+          </p:nvSpPr>
+          <p:spPr>
+            <a:xfrm>
+              <a:off x="8029665" y="2789342"/>
+              <a:ext cx="2040015" cy="1309969"/>
+            </a:xfrm>
+            <a:prstGeom prst="rect">
+              <a:avLst/>
+            </a:prstGeom>
+            <a:noFill/>
+          </p:spPr>
+          <p:txBody>
+            <a:bodyPr wrap="square" rtlCol="0">
+              <a:spAutoFit/>
+            </a:bodyPr>
+            <a:lstStyle/>
+            <a:p>
+              <a:pPr algn="ctr"/>
+              <a:r>
+                <a:rPr lang="zh-TW" altLang="en-US" sz="2400" dirty="0">
+                  <a:solidFill>
+                    <a:schemeClr val="bg1"/>
+                  </a:solidFill>
+                  <a:latin typeface="jf open 粉圓 1.1" panose="020F0500000000000000" pitchFamily="34" charset="-120"/>
+                  <a:ea typeface="jf open 粉圓 1.1" panose="020F0500000000000000" pitchFamily="34" charset="-120"/>
+                </a:rPr>
+                <a:t>場景</a:t>
+              </a:r>
+              <a:r>
+                <a:rPr lang="en-US" altLang="zh-TW" sz="2400" dirty="0">
+                  <a:solidFill>
+                    <a:schemeClr val="bg1"/>
+                  </a:solidFill>
+                  <a:latin typeface="jf open 粉圓 1.1" panose="020F0500000000000000" pitchFamily="34" charset="-120"/>
+                  <a:ea typeface="jf open 粉圓 1.1" panose="020F0500000000000000" pitchFamily="34" charset="-120"/>
+                </a:rPr>
+                <a:t>3:</a:t>
+              </a:r>
+            </a:p>
+            <a:p>
+              <a:pPr algn="ctr"/>
+              <a:r>
+                <a:rPr lang="zh-TW" altLang="en-US" sz="2400" dirty="0">
+                  <a:solidFill>
+                    <a:schemeClr val="bg1"/>
+                  </a:solidFill>
+                  <a:latin typeface="jf open 粉圓 1.1" panose="020F0500000000000000" pitchFamily="34" charset="-120"/>
+                  <a:ea typeface="jf open 粉圓 1.1" panose="020F0500000000000000" pitchFamily="34" charset="-120"/>
+                </a:rPr>
+                <a:t>心理量表</a:t>
+              </a:r>
+              <a:r>
+                <a:rPr lang="en-US" altLang="zh-TW" sz="2400" dirty="0">
+                  <a:solidFill>
+                    <a:schemeClr val="bg1"/>
+                  </a:solidFill>
+                  <a:latin typeface="jf open 粉圓 1.1" panose="020F0500000000000000" pitchFamily="34" charset="-120"/>
+                  <a:ea typeface="jf open 粉圓 1.1" panose="020F0500000000000000" pitchFamily="34" charset="-120"/>
+                </a:rPr>
+                <a:t>&amp;</a:t>
+              </a:r>
+              <a:r>
+                <a:rPr lang="zh-TW" altLang="en-US" sz="2400" dirty="0">
+                  <a:solidFill>
+                    <a:schemeClr val="bg1"/>
+                  </a:solidFill>
+                  <a:latin typeface="jf open 粉圓 1.1" panose="020F0500000000000000" pitchFamily="34" charset="-120"/>
+                  <a:ea typeface="jf open 粉圓 1.1" panose="020F0500000000000000" pitchFamily="34" charset="-120"/>
+                </a:rPr>
+                <a:t>身體檢測</a:t>
+              </a:r>
+            </a:p>
+          </p:txBody>
+        </p:sp>
+        <p:sp>
+          <p:nvSpPr>
+            <p:cNvPr id="17" name="文字方塊 16">
+              <a:extLst>
+                <a:ext uri="{FF2B5EF4-FFF2-40B4-BE49-F238E27FC236}">
+                  <a16:creationId xmlns:a16="http://schemas.microsoft.com/office/drawing/2014/main" id="{D2EE72EC-98A5-4134-A293-EB269534286E}"/>
+                </a:ext>
+              </a:extLst>
+            </p:cNvPr>
+            <p:cNvSpPr txBox="1"/>
+            <p:nvPr/>
+          </p:nvSpPr>
+          <p:spPr>
+            <a:xfrm>
+              <a:off x="5199540" y="5395399"/>
+              <a:ext cx="1792919" cy="906902"/>
+            </a:xfrm>
+            <a:prstGeom prst="rect">
+              <a:avLst/>
+            </a:prstGeom>
+            <a:noFill/>
+          </p:spPr>
+          <p:txBody>
+            <a:bodyPr wrap="square" rtlCol="0">
+              <a:spAutoFit/>
+            </a:bodyPr>
+            <a:lstStyle/>
+            <a:p>
+              <a:pPr algn="ctr"/>
+              <a:r>
+                <a:rPr lang="zh-TW" altLang="en-US" sz="2400" dirty="0">
+                  <a:solidFill>
+                    <a:schemeClr val="bg1"/>
+                  </a:solidFill>
+                  <a:latin typeface="jf open 粉圓 1.1" panose="020F0500000000000000" pitchFamily="34" charset="-120"/>
+                  <a:ea typeface="jf open 粉圓 1.1" panose="020F0500000000000000" pitchFamily="34" charset="-120"/>
+                </a:rPr>
+                <a:t>場景</a:t>
+              </a:r>
+              <a:r>
+                <a:rPr lang="en-US" altLang="zh-TW" sz="2400" dirty="0">
+                  <a:solidFill>
+                    <a:schemeClr val="bg1"/>
+                  </a:solidFill>
+                  <a:latin typeface="jf open 粉圓 1.1" panose="020F0500000000000000" pitchFamily="34" charset="-120"/>
+                  <a:ea typeface="jf open 粉圓 1.1" panose="020F0500000000000000" pitchFamily="34" charset="-120"/>
+                </a:rPr>
+                <a:t>4:</a:t>
+              </a:r>
+            </a:p>
+            <a:p>
+              <a:pPr algn="ctr"/>
+              <a:r>
+                <a:rPr lang="zh-TW" altLang="en-US" sz="2400" dirty="0">
+                  <a:solidFill>
+                    <a:schemeClr val="bg1"/>
+                  </a:solidFill>
+                  <a:latin typeface="jf open 粉圓 1.1" panose="020F0500000000000000" pitchFamily="34" charset="-120"/>
+                  <a:ea typeface="jf open 粉圓 1.1" panose="020F0500000000000000" pitchFamily="34" charset="-120"/>
+                </a:rPr>
+                <a:t>預約諮商</a:t>
+              </a:r>
+            </a:p>
+          </p:txBody>
+        </p:sp>
+      </p:grpSp>
       <p:sp>
         <p:nvSpPr>
-          <p:cNvPr id="9" name="矩形 8">
-            <a:extLst>
-              <a:ext uri="{FF2B5EF4-FFF2-40B4-BE49-F238E27FC236}">
-                <a16:creationId xmlns:a16="http://schemas.microsoft.com/office/drawing/2014/main" id="{5974B12C-8A02-4F9B-8F0E-FA74E3880997}"/>
-              </a:ext>
-            </a:extLst>
-          </p:cNvPr>
-          <p:cNvSpPr/>
-          <p:nvPr/>
-        </p:nvSpPr>
-        <p:spPr>
-          <a:xfrm>
-            <a:off x="4495800" y="408372"/>
-            <a:ext cx="3215196" cy="1660122"/>
-          </a:xfrm>
-          <a:prstGeom prst="rect">
-            <a:avLst/>
-          </a:prstGeom>
-          <a:solidFill>
-            <a:srgbClr val="00B050"/>
-          </a:solidFill>
-          <a:ln>
-            <a:solidFill>
-              <a:schemeClr val="tx1"/>
-            </a:solidFill>
-          </a:ln>
-        </p:spPr>
-        <p:style>
-          <a:lnRef idx="2">
-            <a:schemeClr val="accent1">
-              <a:shade val="50000"/>
-            </a:schemeClr>
-          </a:lnRef>
-          <a:fillRef idx="1">
-            <a:schemeClr val="accent1"/>
-          </a:fillRef>
-          <a:effectRef idx="0">
-            <a:schemeClr val="accent1"/>
-          </a:effectRef>
-          <a:fontRef idx="minor">
-            <a:schemeClr val="lt1"/>
-          </a:fontRef>
-        </p:style>
-        <p:txBody>
-          <a:bodyPr rtlCol="0" anchor="ctr"/>
-          <a:lstStyle/>
-          <a:p>
-            <a:pPr algn="ctr"/>
-            <a:endParaRPr lang="zh-TW" altLang="en-US">
-              <a:solidFill>
-                <a:schemeClr val="bg1"/>
-              </a:solidFill>
-            </a:endParaRPr>
-          </a:p>
-        </p:txBody>
-      </p:sp>
-      <p:sp>
-        <p:nvSpPr>
-          <p:cNvPr id="10" name="矩形 9">
-            <a:extLst>
-              <a:ext uri="{FF2B5EF4-FFF2-40B4-BE49-F238E27FC236}">
-                <a16:creationId xmlns:a16="http://schemas.microsoft.com/office/drawing/2014/main" id="{9013ECB8-2C08-4672-8404-AA60AD7FDCA0}"/>
-              </a:ext>
-            </a:extLst>
-          </p:cNvPr>
-          <p:cNvSpPr/>
-          <p:nvPr/>
-        </p:nvSpPr>
-        <p:spPr>
-          <a:xfrm>
-            <a:off x="7710996" y="2764284"/>
-            <a:ext cx="3215196" cy="1660122"/>
-          </a:xfrm>
-          <a:prstGeom prst="rect">
-            <a:avLst/>
-          </a:prstGeom>
-          <a:solidFill>
-            <a:srgbClr val="FF7171"/>
-          </a:solidFill>
-        </p:spPr>
-        <p:style>
-          <a:lnRef idx="2">
-            <a:schemeClr val="accent1">
-              <a:shade val="50000"/>
-            </a:schemeClr>
-          </a:lnRef>
-          <a:fillRef idx="1">
-            <a:schemeClr val="accent1"/>
-          </a:fillRef>
-          <a:effectRef idx="0">
-            <a:schemeClr val="accent1"/>
-          </a:effectRef>
-          <a:fontRef idx="minor">
-            <a:schemeClr val="lt1"/>
-          </a:fontRef>
-        </p:style>
-        <p:txBody>
-          <a:bodyPr rtlCol="0" anchor="ctr"/>
-          <a:lstStyle/>
-          <a:p>
-            <a:pPr algn="ctr"/>
-            <a:endParaRPr lang="zh-TW" altLang="en-US">
-              <a:solidFill>
-                <a:schemeClr val="bg1"/>
-              </a:solidFill>
-            </a:endParaRPr>
-          </a:p>
-        </p:txBody>
-      </p:sp>
-      <p:sp>
-        <p:nvSpPr>
-          <p:cNvPr id="11" name="矩形 10">
-            <a:extLst>
-              <a:ext uri="{FF2B5EF4-FFF2-40B4-BE49-F238E27FC236}">
-                <a16:creationId xmlns:a16="http://schemas.microsoft.com/office/drawing/2014/main" id="{4990D610-177F-4B56-B497-E6ACA7FF5D1C}"/>
-              </a:ext>
-            </a:extLst>
-          </p:cNvPr>
-          <p:cNvSpPr/>
-          <p:nvPr/>
-        </p:nvSpPr>
-        <p:spPr>
-          <a:xfrm>
-            <a:off x="4495800" y="5112424"/>
-            <a:ext cx="3215196" cy="1660122"/>
-          </a:xfrm>
-          <a:prstGeom prst="rect">
-            <a:avLst/>
-          </a:prstGeom>
-          <a:solidFill>
-            <a:schemeClr val="tx1">
-              <a:lumMod val="75000"/>
-              <a:lumOff val="25000"/>
-            </a:schemeClr>
-          </a:solidFill>
-        </p:spPr>
-        <p:style>
-          <a:lnRef idx="2">
-            <a:schemeClr val="accent1">
-              <a:shade val="50000"/>
-            </a:schemeClr>
-          </a:lnRef>
-          <a:fillRef idx="1">
-            <a:schemeClr val="accent1"/>
-          </a:fillRef>
-          <a:effectRef idx="0">
-            <a:schemeClr val="accent1"/>
-          </a:effectRef>
-          <a:fontRef idx="minor">
-            <a:schemeClr val="lt1"/>
-          </a:fontRef>
-        </p:style>
-        <p:txBody>
-          <a:bodyPr rtlCol="0" anchor="ctr"/>
-          <a:lstStyle/>
-          <a:p>
-            <a:pPr algn="ctr"/>
-            <a:endParaRPr lang="zh-TW" altLang="en-US">
-              <a:solidFill>
-                <a:schemeClr val="bg1"/>
-              </a:solidFill>
-            </a:endParaRPr>
-          </a:p>
-        </p:txBody>
-      </p:sp>
-      <p:sp>
-        <p:nvSpPr>
-          <p:cNvPr id="12" name="矩形 11">
-            <a:extLst>
-              <a:ext uri="{FF2B5EF4-FFF2-40B4-BE49-F238E27FC236}">
-                <a16:creationId xmlns:a16="http://schemas.microsoft.com/office/drawing/2014/main" id="{B7805777-BA25-49AA-9535-13792C8E016E}"/>
-              </a:ext>
-            </a:extLst>
-          </p:cNvPr>
-          <p:cNvSpPr/>
-          <p:nvPr/>
-        </p:nvSpPr>
-        <p:spPr>
-          <a:xfrm>
-            <a:off x="1265808" y="2764284"/>
-            <a:ext cx="3215196" cy="1660122"/>
-          </a:xfrm>
-          <a:prstGeom prst="rect">
-            <a:avLst/>
-          </a:prstGeom>
-          <a:solidFill>
-            <a:srgbClr val="00B0F0"/>
-          </a:solidFill>
-        </p:spPr>
-        <p:style>
-          <a:lnRef idx="2">
-            <a:schemeClr val="accent1">
-              <a:shade val="50000"/>
-            </a:schemeClr>
-          </a:lnRef>
-          <a:fillRef idx="1">
-            <a:schemeClr val="accent1"/>
-          </a:fillRef>
-          <a:effectRef idx="0">
-            <a:schemeClr val="accent1"/>
-          </a:effectRef>
-          <a:fontRef idx="minor">
-            <a:schemeClr val="lt1"/>
-          </a:fontRef>
-        </p:style>
-        <p:txBody>
-          <a:bodyPr rtlCol="0" anchor="ctr"/>
-          <a:lstStyle/>
-          <a:p>
-            <a:pPr algn="ctr"/>
-            <a:endParaRPr lang="zh-TW" altLang="en-US">
-              <a:solidFill>
-                <a:schemeClr val="bg1"/>
-              </a:solidFill>
-            </a:endParaRPr>
-          </a:p>
-        </p:txBody>
-      </p:sp>
-      <p:sp>
-        <p:nvSpPr>
-          <p:cNvPr id="13" name="文字方塊 12">
-            <a:extLst>
-              <a:ext uri="{FF2B5EF4-FFF2-40B4-BE49-F238E27FC236}">
-                <a16:creationId xmlns:a16="http://schemas.microsoft.com/office/drawing/2014/main" id="{425F6D69-D656-4927-9765-B18D4A386118}"/>
+          <p:cNvPr id="2" name="文字方塊 1">
+            <a:extLst>
+              <a:ext uri="{FF2B5EF4-FFF2-40B4-BE49-F238E27FC236}">
+                <a16:creationId xmlns:a16="http://schemas.microsoft.com/office/drawing/2014/main" id="{B8ADB29E-C186-4F6F-AB66-A1A165591124}"/>
               </a:ext>
             </a:extLst>
           </p:cNvPr>
@@ -4592,8 +7100,8 @@
         </p:nvSpPr>
         <p:spPr>
           <a:xfrm>
-            <a:off x="2212389" y="3332735"/>
-            <a:ext cx="1322034" cy="523220"/>
+            <a:off x="783007" y="706749"/>
+            <a:ext cx="3293693" cy="584775"/>
           </a:xfrm>
           <a:prstGeom prst="rect">
             <a:avLst/>
@@ -4606,290 +7114,18 @@
           </a:bodyPr>
           <a:lstStyle/>
           <a:p>
-            <a:pPr algn="ctr"/>
-            <a:r>
-              <a:rPr lang="zh-TW" altLang="en-US" sz="2800" dirty="0">
-                <a:solidFill>
-                  <a:schemeClr val="bg1"/>
-                </a:solidFill>
+            <a:r>
+              <a:rPr lang="en-US" altLang="zh-TW" sz="3200" dirty="0">
                 <a:latin typeface="jf open 粉圓 1.1" panose="020F0500000000000000" pitchFamily="34" charset="-120"/>
                 <a:ea typeface="jf open 粉圓 1.1" panose="020F0500000000000000" pitchFamily="34" charset="-120"/>
               </a:rPr>
-              <a:t>場景</a:t>
-            </a:r>
-            <a:r>
-              <a:rPr lang="en-US" altLang="zh-TW" sz="2800" dirty="0">
-                <a:solidFill>
-                  <a:schemeClr val="bg1"/>
-                </a:solidFill>
+              <a:t>VR</a:t>
+            </a:r>
+            <a:r>
+              <a:rPr lang="zh-TW" altLang="en-US" sz="3200" dirty="0">
                 <a:latin typeface="jf open 粉圓 1.1" panose="020F0500000000000000" pitchFamily="34" charset="-120"/>
                 <a:ea typeface="jf open 粉圓 1.1" panose="020F0500000000000000" pitchFamily="34" charset="-120"/>
               </a:rPr>
-              <a:t>2</a:t>
-            </a:r>
-            <a:endParaRPr lang="zh-TW" altLang="en-US" sz="2800" dirty="0">
-              <a:solidFill>
-                <a:schemeClr val="bg1"/>
-              </a:solidFill>
-              <a:latin typeface="jf open 粉圓 1.1" panose="020F0500000000000000" pitchFamily="34" charset="-120"/>
-              <a:ea typeface="jf open 粉圓 1.1" panose="020F0500000000000000" pitchFamily="34" charset="-120"/>
-            </a:endParaRPr>
-          </a:p>
-        </p:txBody>
-      </p:sp>
-      <p:sp>
-        <p:nvSpPr>
-          <p:cNvPr id="14" name="文字方塊 13">
-            <a:extLst>
-              <a:ext uri="{FF2B5EF4-FFF2-40B4-BE49-F238E27FC236}">
-                <a16:creationId xmlns:a16="http://schemas.microsoft.com/office/drawing/2014/main" id="{EC8161F0-4129-4F26-8809-D54B19CB1750}"/>
-              </a:ext>
-            </a:extLst>
-          </p:cNvPr>
-          <p:cNvSpPr txBox="1"/>
-          <p:nvPr/>
-        </p:nvSpPr>
-        <p:spPr>
-          <a:xfrm>
-            <a:off x="5434983" y="976823"/>
-            <a:ext cx="1322034" cy="523220"/>
-          </a:xfrm>
-          <a:prstGeom prst="rect">
-            <a:avLst/>
-          </a:prstGeom>
-          <a:noFill/>
-        </p:spPr>
-        <p:txBody>
-          <a:bodyPr wrap="square" rtlCol="0">
-            <a:spAutoFit/>
-          </a:bodyPr>
-          <a:lstStyle/>
-          <a:p>
-            <a:pPr algn="ctr"/>
-            <a:r>
-              <a:rPr lang="zh-TW" altLang="en-US" sz="2800" dirty="0">
-                <a:solidFill>
-                  <a:schemeClr val="bg1"/>
-                </a:solidFill>
-                <a:latin typeface="jf open 粉圓 1.1" panose="020F0500000000000000" pitchFamily="34" charset="-120"/>
-                <a:ea typeface="jf open 粉圓 1.1" panose="020F0500000000000000" pitchFamily="34" charset="-120"/>
-              </a:rPr>
-              <a:t>場景</a:t>
-            </a:r>
-            <a:r>
-              <a:rPr lang="en-US" altLang="zh-TW" sz="2800" dirty="0">
-                <a:solidFill>
-                  <a:schemeClr val="bg1"/>
-                </a:solidFill>
-                <a:latin typeface="jf open 粉圓 1.1" panose="020F0500000000000000" pitchFamily="34" charset="-120"/>
-                <a:ea typeface="jf open 粉圓 1.1" panose="020F0500000000000000" pitchFamily="34" charset="-120"/>
-              </a:rPr>
-              <a:t>1</a:t>
-            </a:r>
-            <a:endParaRPr lang="zh-TW" altLang="en-US" sz="2800" dirty="0">
-              <a:solidFill>
-                <a:schemeClr val="bg1"/>
-              </a:solidFill>
-              <a:latin typeface="jf open 粉圓 1.1" panose="020F0500000000000000" pitchFamily="34" charset="-120"/>
-              <a:ea typeface="jf open 粉圓 1.1" panose="020F0500000000000000" pitchFamily="34" charset="-120"/>
-            </a:endParaRPr>
-          </a:p>
-        </p:txBody>
-      </p:sp>
-      <p:sp>
-        <p:nvSpPr>
-          <p:cNvPr id="15" name="文字方塊 14">
-            <a:extLst>
-              <a:ext uri="{FF2B5EF4-FFF2-40B4-BE49-F238E27FC236}">
-                <a16:creationId xmlns:a16="http://schemas.microsoft.com/office/drawing/2014/main" id="{0C9BCBDD-F11D-41B0-B189-9BE3C2DBB751}"/>
-              </a:ext>
-            </a:extLst>
-          </p:cNvPr>
-          <p:cNvSpPr txBox="1"/>
-          <p:nvPr/>
-        </p:nvSpPr>
-        <p:spPr>
-          <a:xfrm>
-            <a:off x="5434983" y="3332734"/>
-            <a:ext cx="1322034" cy="523220"/>
-          </a:xfrm>
-          <a:prstGeom prst="rect">
-            <a:avLst/>
-          </a:prstGeom>
-          <a:noFill/>
-        </p:spPr>
-        <p:txBody>
-          <a:bodyPr wrap="square" rtlCol="0">
-            <a:spAutoFit/>
-          </a:bodyPr>
-          <a:lstStyle/>
-          <a:p>
-            <a:pPr algn="ctr"/>
-            <a:r>
-              <a:rPr lang="zh-TW" altLang="en-US" sz="2800" dirty="0">
-                <a:solidFill>
-                  <a:schemeClr val="bg1"/>
-                </a:solidFill>
-                <a:latin typeface="jf open 粉圓 1.1" panose="020F0500000000000000" pitchFamily="34" charset="-120"/>
-                <a:ea typeface="jf open 粉圓 1.1" panose="020F0500000000000000" pitchFamily="34" charset="-120"/>
-              </a:rPr>
-              <a:t>主畫面</a:t>
-            </a:r>
-          </a:p>
-        </p:txBody>
-      </p:sp>
-      <p:sp>
-        <p:nvSpPr>
-          <p:cNvPr id="16" name="文字方塊 15">
-            <a:extLst>
-              <a:ext uri="{FF2B5EF4-FFF2-40B4-BE49-F238E27FC236}">
-                <a16:creationId xmlns:a16="http://schemas.microsoft.com/office/drawing/2014/main" id="{8D34BBD5-DC6F-48BB-8F59-B669618D8A15}"/>
-              </a:ext>
-            </a:extLst>
-          </p:cNvPr>
-          <p:cNvSpPr txBox="1"/>
-          <p:nvPr/>
-        </p:nvSpPr>
-        <p:spPr>
-          <a:xfrm>
-            <a:off x="8657577" y="3349841"/>
-            <a:ext cx="1322034" cy="523220"/>
-          </a:xfrm>
-          <a:prstGeom prst="rect">
-            <a:avLst/>
-          </a:prstGeom>
-          <a:noFill/>
-        </p:spPr>
-        <p:txBody>
-          <a:bodyPr wrap="square" rtlCol="0">
-            <a:spAutoFit/>
-          </a:bodyPr>
-          <a:lstStyle/>
-          <a:p>
-            <a:pPr algn="ctr"/>
-            <a:r>
-              <a:rPr lang="zh-TW" altLang="en-US" sz="2800" dirty="0">
-                <a:solidFill>
-                  <a:schemeClr val="bg1"/>
-                </a:solidFill>
-                <a:latin typeface="jf open 粉圓 1.1" panose="020F0500000000000000" pitchFamily="34" charset="-120"/>
-                <a:ea typeface="jf open 粉圓 1.1" panose="020F0500000000000000" pitchFamily="34" charset="-120"/>
-              </a:rPr>
-              <a:t>場景</a:t>
-            </a:r>
-            <a:r>
-              <a:rPr lang="en-US" altLang="zh-TW" sz="2800" dirty="0">
-                <a:solidFill>
-                  <a:schemeClr val="bg1"/>
-                </a:solidFill>
-                <a:latin typeface="jf open 粉圓 1.1" panose="020F0500000000000000" pitchFamily="34" charset="-120"/>
-                <a:ea typeface="jf open 粉圓 1.1" panose="020F0500000000000000" pitchFamily="34" charset="-120"/>
-              </a:rPr>
-              <a:t>3</a:t>
-            </a:r>
-            <a:endParaRPr lang="zh-TW" altLang="en-US" sz="2800" dirty="0">
-              <a:solidFill>
-                <a:schemeClr val="bg1"/>
-              </a:solidFill>
-              <a:latin typeface="jf open 粉圓 1.1" panose="020F0500000000000000" pitchFamily="34" charset="-120"/>
-              <a:ea typeface="jf open 粉圓 1.1" panose="020F0500000000000000" pitchFamily="34" charset="-120"/>
-            </a:endParaRPr>
-          </a:p>
-        </p:txBody>
-      </p:sp>
-      <p:sp>
-        <p:nvSpPr>
-          <p:cNvPr id="17" name="文字方塊 16">
-            <a:extLst>
-              <a:ext uri="{FF2B5EF4-FFF2-40B4-BE49-F238E27FC236}">
-                <a16:creationId xmlns:a16="http://schemas.microsoft.com/office/drawing/2014/main" id="{D2EE72EC-98A5-4134-A293-EB269534286E}"/>
-              </a:ext>
-            </a:extLst>
-          </p:cNvPr>
-          <p:cNvSpPr txBox="1"/>
-          <p:nvPr/>
-        </p:nvSpPr>
-        <p:spPr>
-          <a:xfrm>
-            <a:off x="5442381" y="5684760"/>
-            <a:ext cx="1322034" cy="523220"/>
-          </a:xfrm>
-          <a:prstGeom prst="rect">
-            <a:avLst/>
-          </a:prstGeom>
-          <a:noFill/>
-        </p:spPr>
-        <p:txBody>
-          <a:bodyPr wrap="square" rtlCol="0">
-            <a:spAutoFit/>
-          </a:bodyPr>
-          <a:lstStyle/>
-          <a:p>
-            <a:pPr algn="ctr"/>
-            <a:r>
-              <a:rPr lang="zh-TW" altLang="en-US" sz="2800" dirty="0">
-                <a:solidFill>
-                  <a:schemeClr val="bg1"/>
-                </a:solidFill>
-                <a:latin typeface="jf open 粉圓 1.1" panose="020F0500000000000000" pitchFamily="34" charset="-120"/>
-                <a:ea typeface="jf open 粉圓 1.1" panose="020F0500000000000000" pitchFamily="34" charset="-120"/>
-              </a:rPr>
-              <a:t>場景</a:t>
-            </a:r>
-            <a:r>
-              <a:rPr lang="en-US" altLang="zh-TW" sz="2800" dirty="0">
-                <a:solidFill>
-                  <a:schemeClr val="bg1"/>
-                </a:solidFill>
-                <a:latin typeface="jf open 粉圓 1.1" panose="020F0500000000000000" pitchFamily="34" charset="-120"/>
-                <a:ea typeface="jf open 粉圓 1.1" panose="020F0500000000000000" pitchFamily="34" charset="-120"/>
-              </a:rPr>
-              <a:t>4</a:t>
-            </a:r>
-            <a:endParaRPr lang="zh-TW" altLang="en-US" sz="2800" dirty="0">
-              <a:solidFill>
-                <a:schemeClr val="bg1"/>
-              </a:solidFill>
-              <a:latin typeface="jf open 粉圓 1.1" panose="020F0500000000000000" pitchFamily="34" charset="-120"/>
-              <a:ea typeface="jf open 粉圓 1.1" panose="020F0500000000000000" pitchFamily="34" charset="-120"/>
-            </a:endParaRPr>
-          </a:p>
-        </p:txBody>
-      </p:sp>
-      <p:sp>
-        <p:nvSpPr>
-          <p:cNvPr id="2" name="文字方塊 1">
-            <a:extLst>
-              <a:ext uri="{FF2B5EF4-FFF2-40B4-BE49-F238E27FC236}">
-                <a16:creationId xmlns:a16="http://schemas.microsoft.com/office/drawing/2014/main" id="{B8ADB29E-C186-4F6F-AB66-A1A165591124}"/>
-              </a:ext>
-            </a:extLst>
-          </p:cNvPr>
-          <p:cNvSpPr txBox="1"/>
-          <p:nvPr/>
-        </p:nvSpPr>
-        <p:spPr>
-          <a:xfrm>
-            <a:off x="1118586" y="674703"/>
-            <a:ext cx="2095131" cy="369332"/>
-          </a:xfrm>
-          <a:prstGeom prst="rect">
-            <a:avLst/>
-          </a:prstGeom>
-          <a:noFill/>
-        </p:spPr>
-        <p:txBody>
-          <a:bodyPr wrap="square" rtlCol="0">
-            <a:spAutoFit/>
-          </a:bodyPr>
-          <a:lstStyle/>
-          <a:p>
-            <a:r>
-              <a:rPr lang="en-US" altLang="zh-TW" dirty="0"/>
-              <a:t>VR</a:t>
-            </a:r>
-            <a:r>
-              <a:rPr lang="zh-TW" altLang="en-US" dirty="0"/>
               <a:t>內的平面地圖</a:t>
             </a:r>
           </a:p>
@@ -4976,10 +7212,121 @@
       </p:pic>
       <p:sp>
         <p:nvSpPr>
-          <p:cNvPr id="3" name="八邊形 2">
-            <a:extLst>
-              <a:ext uri="{FF2B5EF4-FFF2-40B4-BE49-F238E27FC236}">
-                <a16:creationId xmlns:a16="http://schemas.microsoft.com/office/drawing/2014/main" id="{F13AB150-33B4-44F2-B2C7-1D7DEC97C37A}"/>
+          <p:cNvPr id="8" name="文字方塊 7">
+            <a:extLst>
+              <a:ext uri="{FF2B5EF4-FFF2-40B4-BE49-F238E27FC236}">
+                <a16:creationId xmlns:a16="http://schemas.microsoft.com/office/drawing/2014/main" id="{AE54F235-487E-43B8-ACF0-2418E012E2E1}"/>
+              </a:ext>
+            </a:extLst>
+          </p:cNvPr>
+          <p:cNvSpPr txBox="1"/>
+          <p:nvPr/>
+        </p:nvSpPr>
+        <p:spPr>
+          <a:xfrm>
+            <a:off x="3153422" y="3443135"/>
+            <a:ext cx="1322034" cy="523220"/>
+          </a:xfrm>
+          <a:prstGeom prst="rect">
+            <a:avLst/>
+          </a:prstGeom>
+          <a:noFill/>
+        </p:spPr>
+        <p:txBody>
+          <a:bodyPr wrap="square" rtlCol="0">
+            <a:spAutoFit/>
+          </a:bodyPr>
+          <a:lstStyle/>
+          <a:p>
+            <a:pPr algn="ctr"/>
+            <a:r>
+              <a:rPr lang="zh-TW" altLang="en-US" sz="2800" dirty="0">
+                <a:solidFill>
+                  <a:schemeClr val="bg1"/>
+                </a:solidFill>
+                <a:latin typeface="jf open 粉圓 1.1" panose="020F0500000000000000" pitchFamily="34" charset="-120"/>
+                <a:ea typeface="jf open 粉圓 1.1" panose="020F0500000000000000" pitchFamily="34" charset="-120"/>
+              </a:rPr>
+              <a:t>主畫面</a:t>
+            </a:r>
+          </a:p>
+        </p:txBody>
+      </p:sp>
+      <p:sp>
+        <p:nvSpPr>
+          <p:cNvPr id="9" name="文字方塊 8">
+            <a:extLst>
+              <a:ext uri="{FF2B5EF4-FFF2-40B4-BE49-F238E27FC236}">
+                <a16:creationId xmlns:a16="http://schemas.microsoft.com/office/drawing/2014/main" id="{B26C85E7-4088-4B9F-9ECC-0E7775557AE1}"/>
+              </a:ext>
+            </a:extLst>
+          </p:cNvPr>
+          <p:cNvSpPr txBox="1"/>
+          <p:nvPr/>
+        </p:nvSpPr>
+        <p:spPr>
+          <a:xfrm>
+            <a:off x="4092606" y="606017"/>
+            <a:ext cx="4006788" cy="923330"/>
+          </a:xfrm>
+          <a:prstGeom prst="rect">
+            <a:avLst/>
+          </a:prstGeom>
+          <a:noFill/>
+          <a:ln w="19050">
+            <a:solidFill>
+              <a:srgbClr val="7030A0"/>
+            </a:solidFill>
+          </a:ln>
+        </p:spPr>
+        <p:txBody>
+          <a:bodyPr wrap="square" rtlCol="0">
+            <a:spAutoFit/>
+          </a:bodyPr>
+          <a:lstStyle/>
+          <a:p>
+            <a:r>
+              <a:rPr lang="zh-TW" altLang="en-US" dirty="0">
+                <a:latin typeface="jf open 粉圓 1.1" panose="020F0500000000000000" pitchFamily="34" charset="-120"/>
+                <a:ea typeface="jf open 粉圓 1.1" panose="020F0500000000000000" pitchFamily="34" charset="-120"/>
+              </a:rPr>
+              <a:t>穿梭到各個場景的地方，</a:t>
+            </a:r>
+            <a:endParaRPr lang="en-US" altLang="zh-TW" dirty="0">
+              <a:latin typeface="jf open 粉圓 1.1" panose="020F0500000000000000" pitchFamily="34" charset="-120"/>
+              <a:ea typeface="jf open 粉圓 1.1" panose="020F0500000000000000" pitchFamily="34" charset="-120"/>
+            </a:endParaRPr>
+          </a:p>
+          <a:p>
+            <a:r>
+              <a:rPr lang="zh-TW" altLang="en-US" dirty="0">
+                <a:latin typeface="jf open 粉圓 1.1" panose="020F0500000000000000" pitchFamily="34" charset="-120"/>
+                <a:ea typeface="jf open 粉圓 1.1" panose="020F0500000000000000" pitchFamily="34" charset="-120"/>
+              </a:rPr>
+              <a:t>也是使用者進入系統後的起始點，</a:t>
+            </a:r>
+            <a:endParaRPr lang="en-US" altLang="zh-TW" dirty="0">
+              <a:latin typeface="jf open 粉圓 1.1" panose="020F0500000000000000" pitchFamily="34" charset="-120"/>
+              <a:ea typeface="jf open 粉圓 1.1" panose="020F0500000000000000" pitchFamily="34" charset="-120"/>
+            </a:endParaRPr>
+          </a:p>
+          <a:p>
+            <a:r>
+              <a:rPr lang="zh-TW" altLang="en-US" dirty="0">
+                <a:latin typeface="jf open 粉圓 1.1" panose="020F0500000000000000" pitchFamily="34" charset="-120"/>
+                <a:ea typeface="jf open 粉圓 1.1" panose="020F0500000000000000" pitchFamily="34" charset="-120"/>
+              </a:rPr>
+              <a:t>類似目錄頁的存在。</a:t>
+            </a:r>
+          </a:p>
+        </p:txBody>
+      </p:sp>
+      <p:sp>
+        <p:nvSpPr>
+          <p:cNvPr id="25" name="八邊形 24">
+            <a:extLst>
+              <a:ext uri="{FF2B5EF4-FFF2-40B4-BE49-F238E27FC236}">
+                <a16:creationId xmlns:a16="http://schemas.microsoft.com/office/drawing/2014/main" id="{EEE28014-F139-43EF-8093-C8E0BCFB38ED}"/>
               </a:ext>
             </a:extLst>
           </p:cNvPr>
@@ -4988,8 +7335,8 @@
         </p:nvSpPr>
         <p:spPr>
           <a:xfrm>
-            <a:off x="2206841" y="2178897"/>
-            <a:ext cx="3215196" cy="3051699"/>
+            <a:off x="1842621" y="2567493"/>
+            <a:ext cx="2794845" cy="2466145"/>
           </a:xfrm>
           <a:prstGeom prst="octagon">
             <a:avLst/>
@@ -5016,16 +7363,20 @@
           <a:lstStyle/>
           <a:p>
             <a:pPr algn="ctr"/>
-            <a:endParaRPr lang="zh-TW" altLang="en-US"/>
+            <a:endParaRPr lang="zh-TW" altLang="en-US" sz="2400">
+              <a:solidFill>
+                <a:schemeClr val="bg1"/>
+              </a:solidFill>
+            </a:endParaRPr>
           </a:p>
         </p:txBody>
       </p:sp>
       <p:sp>
         <p:nvSpPr>
-          <p:cNvPr id="4" name="矩形 3">
-            <a:extLst>
-              <a:ext uri="{FF2B5EF4-FFF2-40B4-BE49-F238E27FC236}">
-                <a16:creationId xmlns:a16="http://schemas.microsoft.com/office/drawing/2014/main" id="{4B105942-2481-4290-93CB-00CB3087EE33}"/>
+          <p:cNvPr id="26" name="矩形 25">
+            <a:extLst>
+              <a:ext uri="{FF2B5EF4-FFF2-40B4-BE49-F238E27FC236}">
+                <a16:creationId xmlns:a16="http://schemas.microsoft.com/office/drawing/2014/main" id="{F97807A2-4595-42F1-88E2-C9492B833D9A}"/>
               </a:ext>
             </a:extLst>
           </p:cNvPr>
@@ -5034,8 +7385,8 @@
         </p:nvSpPr>
         <p:spPr>
           <a:xfrm>
-            <a:off x="3098307" y="2178897"/>
-            <a:ext cx="1447060" cy="301842"/>
+            <a:off x="2556159" y="2567494"/>
+            <a:ext cx="1367770" cy="243925"/>
           </a:xfrm>
           <a:prstGeom prst="rect">
             <a:avLst/>
@@ -5070,16 +7421,20 @@
           <a:lstStyle/>
           <a:p>
             <a:pPr algn="ctr"/>
-            <a:endParaRPr lang="zh-TW" altLang="en-US"/>
+            <a:endParaRPr lang="zh-TW" altLang="en-US" sz="2400">
+              <a:solidFill>
+                <a:schemeClr val="bg1"/>
+              </a:solidFill>
+            </a:endParaRPr>
           </a:p>
         </p:txBody>
       </p:sp>
       <p:sp>
         <p:nvSpPr>
-          <p:cNvPr id="5" name="矩形 4">
-            <a:extLst>
-              <a:ext uri="{FF2B5EF4-FFF2-40B4-BE49-F238E27FC236}">
-                <a16:creationId xmlns:a16="http://schemas.microsoft.com/office/drawing/2014/main" id="{89390ADB-113B-47D7-8327-F0FE35C04586}"/>
+          <p:cNvPr id="27" name="矩形 26">
+            <a:extLst>
+              <a:ext uri="{FF2B5EF4-FFF2-40B4-BE49-F238E27FC236}">
+                <a16:creationId xmlns:a16="http://schemas.microsoft.com/office/drawing/2014/main" id="{42DB0B02-D789-4830-9FCF-EC72E10710AD}"/>
               </a:ext>
             </a:extLst>
           </p:cNvPr>
@@ -5088,8 +7443,8 @@
         </p:nvSpPr>
         <p:spPr>
           <a:xfrm>
-            <a:off x="3098307" y="4928754"/>
-            <a:ext cx="1447060" cy="301842"/>
+            <a:off x="2524484" y="4789714"/>
+            <a:ext cx="1399445" cy="243925"/>
           </a:xfrm>
           <a:prstGeom prst="rect">
             <a:avLst/>
@@ -5124,16 +7479,20 @@
           <a:lstStyle/>
           <a:p>
             <a:pPr algn="ctr"/>
-            <a:endParaRPr lang="zh-TW" altLang="en-US"/>
+            <a:endParaRPr lang="zh-TW" altLang="en-US" sz="2400" dirty="0">
+              <a:solidFill>
+                <a:schemeClr val="bg1"/>
+              </a:solidFill>
+            </a:endParaRPr>
           </a:p>
         </p:txBody>
       </p:sp>
       <p:sp>
         <p:nvSpPr>
-          <p:cNvPr id="6" name="矩形 5">
-            <a:extLst>
-              <a:ext uri="{FF2B5EF4-FFF2-40B4-BE49-F238E27FC236}">
-                <a16:creationId xmlns:a16="http://schemas.microsoft.com/office/drawing/2014/main" id="{77A03D43-72A7-4276-A48C-0F5BE2F2A624}"/>
+          <p:cNvPr id="28" name="矩形 27">
+            <a:extLst>
+              <a:ext uri="{FF2B5EF4-FFF2-40B4-BE49-F238E27FC236}">
+                <a16:creationId xmlns:a16="http://schemas.microsoft.com/office/drawing/2014/main" id="{F21DDD8C-FED9-4DDE-9CFA-A7E8EB466FEE}"/>
               </a:ext>
             </a:extLst>
           </p:cNvPr>
@@ -5142,8 +7501,8 @@
         </p:nvSpPr>
         <p:spPr>
           <a:xfrm rot="5400000">
-            <a:off x="4645240" y="3559375"/>
-            <a:ext cx="1251752" cy="301842"/>
+            <a:off x="3973519" y="3669376"/>
+            <a:ext cx="1011570" cy="262380"/>
           </a:xfrm>
           <a:prstGeom prst="rect">
             <a:avLst/>
@@ -5178,16 +7537,20 @@
           <a:lstStyle/>
           <a:p>
             <a:pPr algn="ctr"/>
-            <a:endParaRPr lang="zh-TW" altLang="en-US"/>
+            <a:endParaRPr lang="zh-TW" altLang="en-US" sz="2400">
+              <a:solidFill>
+                <a:schemeClr val="bg1"/>
+              </a:solidFill>
+            </a:endParaRPr>
           </a:p>
         </p:txBody>
       </p:sp>
       <p:sp>
         <p:nvSpPr>
-          <p:cNvPr id="7" name="矩形 6">
-            <a:extLst>
-              <a:ext uri="{FF2B5EF4-FFF2-40B4-BE49-F238E27FC236}">
-                <a16:creationId xmlns:a16="http://schemas.microsoft.com/office/drawing/2014/main" id="{04BBC25F-A4C9-4EAC-A53D-60E1EB531B5E}"/>
+          <p:cNvPr id="29" name="矩形 28">
+            <a:extLst>
+              <a:ext uri="{FF2B5EF4-FFF2-40B4-BE49-F238E27FC236}">
+                <a16:creationId xmlns:a16="http://schemas.microsoft.com/office/drawing/2014/main" id="{C685CA9D-DAE7-4CB0-BB39-B6BCA5F89C4C}"/>
               </a:ext>
             </a:extLst>
           </p:cNvPr>
@@ -5196,8 +7559,8 @@
         </p:nvSpPr>
         <p:spPr>
           <a:xfrm rot="5400000">
-            <a:off x="1731887" y="3553825"/>
-            <a:ext cx="1251752" cy="301842"/>
+            <a:off x="1425864" y="3669376"/>
+            <a:ext cx="1011570" cy="262380"/>
           </a:xfrm>
           <a:prstGeom prst="rect">
             <a:avLst/>
@@ -5232,16 +7595,20 @@
           <a:lstStyle/>
           <a:p>
             <a:pPr algn="ctr"/>
-            <a:endParaRPr lang="zh-TW" altLang="en-US"/>
+            <a:endParaRPr lang="zh-TW" altLang="en-US" sz="2400">
+              <a:solidFill>
+                <a:schemeClr val="bg1"/>
+              </a:solidFill>
+            </a:endParaRPr>
           </a:p>
         </p:txBody>
       </p:sp>
       <p:sp>
         <p:nvSpPr>
-          <p:cNvPr id="8" name="文字方塊 7">
-            <a:extLst>
-              <a:ext uri="{FF2B5EF4-FFF2-40B4-BE49-F238E27FC236}">
-                <a16:creationId xmlns:a16="http://schemas.microsoft.com/office/drawing/2014/main" id="{AE54F235-487E-43B8-ACF0-2418E012E2E1}"/>
+          <p:cNvPr id="30" name="文字方塊 29">
+            <a:extLst>
+              <a:ext uri="{FF2B5EF4-FFF2-40B4-BE49-F238E27FC236}">
+                <a16:creationId xmlns:a16="http://schemas.microsoft.com/office/drawing/2014/main" id="{98F87F90-8821-42DD-B91E-57C5722A3049}"/>
               </a:ext>
             </a:extLst>
           </p:cNvPr>
@@ -5250,8 +7617,8 @@
         </p:nvSpPr>
         <p:spPr>
           <a:xfrm>
-            <a:off x="3153422" y="3443135"/>
-            <a:ext cx="1322034" cy="523220"/>
+            <a:off x="2682934" y="3569732"/>
+            <a:ext cx="1149193" cy="461665"/>
           </a:xfrm>
           <a:prstGeom prst="rect">
             <a:avLst/>
@@ -5266,7 +7633,7 @@
           <a:p>
             <a:pPr algn="ctr"/>
             <a:r>
-              <a:rPr lang="zh-TW" altLang="en-US" sz="2800" dirty="0">
+              <a:rPr lang="zh-TW" altLang="en-US" sz="2400" dirty="0">
                 <a:solidFill>
                   <a:schemeClr val="bg1"/>
                 </a:solidFill>
@@ -5278,93 +7645,51 @@
           </a:p>
         </p:txBody>
       </p:sp>
-      <p:sp>
-        <p:nvSpPr>
-          <p:cNvPr id="9" name="文字方塊 8">
-            <a:extLst>
-              <a:ext uri="{FF2B5EF4-FFF2-40B4-BE49-F238E27FC236}">
-                <a16:creationId xmlns:a16="http://schemas.microsoft.com/office/drawing/2014/main" id="{B26C85E7-4088-4B9F-9ECC-0E7775557AE1}"/>
-              </a:ext>
-            </a:extLst>
-          </p:cNvPr>
-          <p:cNvSpPr txBox="1"/>
+      <p:cxnSp>
+        <p:nvCxnSpPr>
+          <p:cNvPr id="32" name="接點: 肘形 31">
+            <a:extLst>
+              <a:ext uri="{FF2B5EF4-FFF2-40B4-BE49-F238E27FC236}">
+                <a16:creationId xmlns:a16="http://schemas.microsoft.com/office/drawing/2014/main" id="{3C3AC96E-788C-43B1-A038-EFBDA4250F15}"/>
+              </a:ext>
+            </a:extLst>
+          </p:cNvPr>
+          <p:cNvCxnSpPr>
+            <a:stCxn id="9" idx="3"/>
+            <a:endCxn id="2" idx="0"/>
+          </p:cNvCxnSpPr>
           <p:nvPr/>
-        </p:nvSpPr>
+        </p:nvCxnSpPr>
         <p:spPr>
           <a:xfrm>
-            <a:off x="4310109" y="259788"/>
-            <a:ext cx="4006788" cy="1477328"/>
-          </a:xfrm>
-          <a:prstGeom prst="rect">
+            <a:off x="8099394" y="1067682"/>
+            <a:ext cx="362505" cy="825194"/>
+          </a:xfrm>
+          <a:prstGeom prst="bentConnector2">
             <a:avLst/>
           </a:prstGeom>
-          <a:noFill/>
-        </p:spPr>
-        <p:txBody>
-          <a:bodyPr wrap="square" rtlCol="0">
-            <a:spAutoFit/>
-          </a:bodyPr>
-          <a:lstStyle/>
-          <a:p>
-            <a:r>
-              <a:rPr lang="zh-TW" altLang="en-US" dirty="0"/>
-              <a:t>四個主要的功能：</a:t>
-            </a:r>
-            <a:endParaRPr lang="en-US" altLang="zh-TW" dirty="0"/>
-          </a:p>
-          <a:p>
-            <a:pPr marL="285750" indent="-285750">
-              <a:buFont typeface="Arial" panose="020B0604020202020204" pitchFamily="34" charset="0"/>
-              <a:buChar char="•"/>
-            </a:pPr>
-            <a:r>
-              <a:rPr lang="zh-TW" altLang="en-US" dirty="0"/>
-              <a:t>聲音日記</a:t>
-            </a:r>
-            <a:endParaRPr lang="en-US" altLang="zh-TW" dirty="0"/>
-          </a:p>
-          <a:p>
-            <a:pPr marL="285750" indent="-285750">
-              <a:buFont typeface="Arial" panose="020B0604020202020204" pitchFamily="34" charset="0"/>
-              <a:buChar char="•"/>
-            </a:pPr>
-            <a:r>
-              <a:rPr lang="zh-TW" altLang="en-US" dirty="0"/>
-              <a:t>資訊牆</a:t>
-            </a:r>
-            <a:endParaRPr lang="en-US" altLang="zh-TW" dirty="0"/>
-          </a:p>
-          <a:p>
-            <a:pPr marL="285750" indent="-285750">
-              <a:buFont typeface="Arial" panose="020B0604020202020204" pitchFamily="34" charset="0"/>
-              <a:buChar char="•"/>
-            </a:pPr>
-            <a:r>
-              <a:rPr lang="zh-TW" altLang="en-US" dirty="0"/>
-              <a:t>心理量表</a:t>
-            </a:r>
-            <a:r>
-              <a:rPr lang="en-US" altLang="zh-TW" dirty="0"/>
-              <a:t>&amp;</a:t>
-            </a:r>
-            <a:r>
-              <a:rPr lang="zh-TW" altLang="en-US" dirty="0"/>
-              <a:t>身體數據測量</a:t>
-            </a:r>
-            <a:endParaRPr lang="en-US" altLang="zh-TW" dirty="0"/>
-          </a:p>
-          <a:p>
-            <a:pPr marL="285750" indent="-285750">
-              <a:buFont typeface="Arial" panose="020B0604020202020204" pitchFamily="34" charset="0"/>
-              <a:buChar char="•"/>
-            </a:pPr>
-            <a:r>
-              <a:rPr lang="zh-TW" altLang="en-US" dirty="0"/>
-              <a:t>諮商服務</a:t>
-            </a:r>
-          </a:p>
-        </p:txBody>
-      </p:sp>
+          <a:ln w="38100">
+            <a:solidFill>
+              <a:srgbClr val="7030A0"/>
+            </a:solidFill>
+            <a:tailEnd type="oval"/>
+          </a:ln>
+        </p:spPr>
+        <p:style>
+          <a:lnRef idx="1">
+            <a:schemeClr val="accent1"/>
+          </a:lnRef>
+          <a:fillRef idx="0">
+            <a:schemeClr val="accent1"/>
+          </a:fillRef>
+          <a:effectRef idx="0">
+            <a:schemeClr val="accent1"/>
+          </a:effectRef>
+          <a:fontRef idx="minor">
+            <a:schemeClr val="tx1"/>
+          </a:fontRef>
+        </p:style>
+      </p:cxnSp>
     </p:spTree>
     <p:extLst>
       <p:ext uri="{BB962C8B-B14F-4D97-AF65-F5344CB8AC3E}">
@@ -5423,7 +7748,7 @@
         </p:blipFill>
         <p:spPr>
           <a:xfrm>
-            <a:off x="274300" y="550417"/>
+            <a:off x="1041647" y="1917578"/>
             <a:ext cx="6952123" cy="3239174"/>
           </a:xfrm>
           <a:prstGeom prst="rect">
@@ -5459,7 +7784,7 @@
         </p:nvSpPr>
         <p:spPr>
           <a:xfrm>
-            <a:off x="8948691" y="3127158"/>
+            <a:off x="9330431" y="4259063"/>
             <a:ext cx="1447060" cy="301842"/>
           </a:xfrm>
           <a:prstGeom prst="rect">
@@ -5517,7 +7842,7 @@
         </p:nvSpPr>
         <p:spPr>
           <a:xfrm>
-            <a:off x="8064623" y="1467034"/>
+            <a:off x="8446363" y="2598939"/>
             <a:ext cx="3215196" cy="1660122"/>
           </a:xfrm>
           <a:prstGeom prst="rect">
@@ -5548,7 +7873,7 @@
           <a:lstStyle/>
           <a:p>
             <a:pPr algn="ctr"/>
-            <a:endParaRPr lang="zh-TW" altLang="en-US">
+            <a:endParaRPr lang="zh-TW" altLang="en-US" dirty="0">
               <a:solidFill>
                 <a:schemeClr val="bg1"/>
               </a:solidFill>
@@ -5570,8 +7895,8 @@
         </p:nvSpPr>
         <p:spPr>
           <a:xfrm>
-            <a:off x="9003806" y="2035485"/>
-            <a:ext cx="1322034" cy="523220"/>
+            <a:off x="9171557" y="2951946"/>
+            <a:ext cx="1764807" cy="954107"/>
           </a:xfrm>
           <a:prstGeom prst="rect">
             <a:avLst/>
@@ -5603,18 +7928,369 @@
                 <a:latin typeface="jf open 粉圓 1.1" panose="020F0500000000000000" pitchFamily="34" charset="-120"/>
                 <a:ea typeface="jf open 粉圓 1.1" panose="020F0500000000000000" pitchFamily="34" charset="-120"/>
               </a:rPr>
-              <a:t>1</a:t>
-            </a:r>
-            <a:endParaRPr lang="zh-TW" altLang="en-US" sz="2800" dirty="0">
-              <a:solidFill>
-                <a:schemeClr val="bg1"/>
-              </a:solidFill>
+              <a:t>1:</a:t>
+            </a:r>
+          </a:p>
+          <a:p>
+            <a:pPr algn="ctr"/>
+            <a:r>
+              <a:rPr lang="zh-TW" altLang="en-US" sz="2800" dirty="0">
+                <a:solidFill>
+                  <a:schemeClr val="bg1"/>
+                </a:solidFill>
+                <a:latin typeface="jf open 粉圓 1.1" panose="020F0500000000000000" pitchFamily="34" charset="-120"/>
+                <a:ea typeface="jf open 粉圓 1.1" panose="020F0500000000000000" pitchFamily="34" charset="-120"/>
+              </a:rPr>
+              <a:t>聲音日記</a:t>
+            </a:r>
+          </a:p>
+        </p:txBody>
+      </p:sp>
+      <p:sp>
+        <p:nvSpPr>
+          <p:cNvPr id="3" name="文字方塊 2">
+            <a:extLst>
+              <a:ext uri="{FF2B5EF4-FFF2-40B4-BE49-F238E27FC236}">
+                <a16:creationId xmlns:a16="http://schemas.microsoft.com/office/drawing/2014/main" id="{4C3A5EC4-3C65-4E93-BDE3-CEE66D270297}"/>
+              </a:ext>
+            </a:extLst>
+          </p:cNvPr>
+          <p:cNvSpPr txBox="1"/>
+          <p:nvPr/>
+        </p:nvSpPr>
+        <p:spPr>
+          <a:xfrm>
+            <a:off x="4864962" y="364242"/>
+            <a:ext cx="3435659" cy="1200329"/>
+          </a:xfrm>
+          <a:prstGeom prst="rect">
+            <a:avLst/>
+          </a:prstGeom>
+          <a:noFill/>
+          <a:ln w="19050">
+            <a:solidFill>
+              <a:srgbClr val="0070C0"/>
+            </a:solidFill>
+            <a:prstDash val="solid"/>
+          </a:ln>
+        </p:spPr>
+        <p:txBody>
+          <a:bodyPr wrap="square" rtlCol="0">
+            <a:spAutoFit/>
+          </a:bodyPr>
+          <a:lstStyle/>
+          <a:p>
+            <a:r>
+              <a:rPr lang="zh-TW" altLang="en-US" dirty="0">
+                <a:latin typeface="jf open 粉圓 1.1" panose="020F0500000000000000" pitchFamily="34" charset="-120"/>
+                <a:ea typeface="jf open 粉圓 1.1" panose="020F0500000000000000" pitchFamily="34" charset="-120"/>
+              </a:rPr>
+              <a:t>靠近樹洞後，</a:t>
+            </a:r>
+            <a:endParaRPr lang="en-US" altLang="zh-TW" dirty="0">
               <a:latin typeface="jf open 粉圓 1.1" panose="020F0500000000000000" pitchFamily="34" charset="-120"/>
               <a:ea typeface="jf open 粉圓 1.1" panose="020F0500000000000000" pitchFamily="34" charset="-120"/>
             </a:endParaRPr>
           </a:p>
+          <a:p>
+            <a:r>
+              <a:rPr lang="zh-TW" altLang="en-US" dirty="0">
+                <a:latin typeface="jf open 粉圓 1.1" panose="020F0500000000000000" pitchFamily="34" charset="-120"/>
+                <a:ea typeface="jf open 粉圓 1.1" panose="020F0500000000000000" pitchFamily="34" charset="-120"/>
+              </a:rPr>
+              <a:t>透過</a:t>
+            </a:r>
+            <a:r>
+              <a:rPr lang="en-US" altLang="zh-TW" dirty="0">
+                <a:latin typeface="jf open 粉圓 1.1" panose="020F0500000000000000" pitchFamily="34" charset="-120"/>
+                <a:ea typeface="jf open 粉圓 1.1" panose="020F0500000000000000" pitchFamily="34" charset="-120"/>
+              </a:rPr>
+              <a:t>VR</a:t>
+            </a:r>
+            <a:r>
+              <a:rPr lang="zh-TW" altLang="en-US" dirty="0">
+                <a:latin typeface="jf open 粉圓 1.1" panose="020F0500000000000000" pitchFamily="34" charset="-120"/>
+                <a:ea typeface="jf open 粉圓 1.1" panose="020F0500000000000000" pitchFamily="34" charset="-120"/>
+              </a:rPr>
+              <a:t>的指示打開手機錄音，</a:t>
+            </a:r>
+            <a:endParaRPr lang="en-US" altLang="zh-TW" dirty="0">
+              <a:latin typeface="jf open 粉圓 1.1" panose="020F0500000000000000" pitchFamily="34" charset="-120"/>
+              <a:ea typeface="jf open 粉圓 1.1" panose="020F0500000000000000" pitchFamily="34" charset="-120"/>
+            </a:endParaRPr>
+          </a:p>
+          <a:p>
+            <a:r>
+              <a:rPr lang="zh-TW" altLang="en-US" dirty="0">
+                <a:latin typeface="jf open 粉圓 1.1" panose="020F0500000000000000" pitchFamily="34" charset="-120"/>
+                <a:ea typeface="jf open 粉圓 1.1" panose="020F0500000000000000" pitchFamily="34" charset="-120"/>
+              </a:rPr>
+              <a:t>將想說的話錄下，</a:t>
+            </a:r>
+            <a:endParaRPr lang="en-US" altLang="zh-TW" dirty="0">
+              <a:latin typeface="jf open 粉圓 1.1" panose="020F0500000000000000" pitchFamily="34" charset="-120"/>
+              <a:ea typeface="jf open 粉圓 1.1" panose="020F0500000000000000" pitchFamily="34" charset="-120"/>
+            </a:endParaRPr>
+          </a:p>
+          <a:p>
+            <a:r>
+              <a:rPr lang="zh-TW" altLang="en-US" dirty="0">
+                <a:latin typeface="jf open 粉圓 1.1" panose="020F0500000000000000" pitchFamily="34" charset="-120"/>
+                <a:ea typeface="jf open 粉圓 1.1" panose="020F0500000000000000" pitchFamily="34" charset="-120"/>
+              </a:rPr>
+              <a:t>手機再將音檔上傳到</a:t>
+            </a:r>
+            <a:r>
+              <a:rPr lang="en-US" altLang="zh-TW" dirty="0">
+                <a:latin typeface="jf open 粉圓 1.1" panose="020F0500000000000000" pitchFamily="34" charset="-120"/>
+                <a:ea typeface="jf open 粉圓 1.1" panose="020F0500000000000000" pitchFamily="34" charset="-120"/>
+              </a:rPr>
+              <a:t>VR</a:t>
+            </a:r>
+            <a:r>
+              <a:rPr lang="zh-TW" altLang="en-US" dirty="0">
+                <a:latin typeface="jf open 粉圓 1.1" panose="020F0500000000000000" pitchFamily="34" charset="-120"/>
+                <a:ea typeface="jf open 粉圓 1.1" panose="020F0500000000000000" pitchFamily="34" charset="-120"/>
+              </a:rPr>
+              <a:t>裡。</a:t>
+            </a:r>
+          </a:p>
         </p:txBody>
       </p:sp>
+      <p:sp>
+        <p:nvSpPr>
+          <p:cNvPr id="4" name="文字方塊 3">
+            <a:extLst>
+              <a:ext uri="{FF2B5EF4-FFF2-40B4-BE49-F238E27FC236}">
+                <a16:creationId xmlns:a16="http://schemas.microsoft.com/office/drawing/2014/main" id="{89FF004E-964D-4326-8D25-A5F040070749}"/>
+              </a:ext>
+            </a:extLst>
+          </p:cNvPr>
+          <p:cNvSpPr txBox="1"/>
+          <p:nvPr/>
+        </p:nvSpPr>
+        <p:spPr>
+          <a:xfrm>
+            <a:off x="6955653" y="5509759"/>
+            <a:ext cx="2565647" cy="369332"/>
+          </a:xfrm>
+          <a:prstGeom prst="rect">
+            <a:avLst/>
+          </a:prstGeom>
+          <a:noFill/>
+          <a:ln w="19050">
+            <a:solidFill>
+              <a:srgbClr val="0070C0"/>
+            </a:solidFill>
+            <a:prstDash val="solid"/>
+          </a:ln>
+        </p:spPr>
+        <p:txBody>
+          <a:bodyPr wrap="square" rtlCol="0">
+            <a:spAutoFit/>
+          </a:bodyPr>
+          <a:lstStyle>
+            <a:defPPr>
+              <a:defRPr lang="zh-TW"/>
+            </a:defPPr>
+            <a:lvl1pPr>
+              <a:defRPr>
+                <a:latin typeface="jf open 粉圓 1.1" panose="020F0500000000000000" pitchFamily="34" charset="-120"/>
+                <a:ea typeface="jf open 粉圓 1.1" panose="020F0500000000000000" pitchFamily="34" charset="-120"/>
+              </a:defRPr>
+            </a:lvl1pPr>
+          </a:lstStyle>
+          <a:p>
+            <a:r>
+              <a:rPr lang="zh-TW" altLang="en-US" dirty="0"/>
+              <a:t>選取門可以回到主畫面。</a:t>
+            </a:r>
+          </a:p>
+        </p:txBody>
+      </p:sp>
+      <p:cxnSp>
+        <p:nvCxnSpPr>
+          <p:cNvPr id="26" name="接點: 肘形 25">
+            <a:extLst>
+              <a:ext uri="{FF2B5EF4-FFF2-40B4-BE49-F238E27FC236}">
+                <a16:creationId xmlns:a16="http://schemas.microsoft.com/office/drawing/2014/main" id="{32DB872A-D4C7-4D6D-A9E7-755ECE9C94BD}"/>
+              </a:ext>
+            </a:extLst>
+          </p:cNvPr>
+          <p:cNvCxnSpPr>
+            <a:stCxn id="3" idx="1"/>
+          </p:cNvCxnSpPr>
+          <p:nvPr/>
+        </p:nvCxnSpPr>
+        <p:spPr>
+          <a:xfrm rot="10800000" flipV="1">
+            <a:off x="4172506" y="964406"/>
+            <a:ext cx="692457" cy="1823181"/>
+          </a:xfrm>
+          <a:prstGeom prst="bentConnector2">
+            <a:avLst/>
+          </a:prstGeom>
+          <a:ln w="38100">
+            <a:solidFill>
+              <a:srgbClr val="0070C0"/>
+            </a:solidFill>
+            <a:tailEnd type="oval"/>
+          </a:ln>
+        </p:spPr>
+        <p:style>
+          <a:lnRef idx="1">
+            <a:schemeClr val="accent1"/>
+          </a:lnRef>
+          <a:fillRef idx="0">
+            <a:schemeClr val="accent1"/>
+          </a:fillRef>
+          <a:effectRef idx="0">
+            <a:schemeClr val="accent1"/>
+          </a:effectRef>
+          <a:fontRef idx="minor">
+            <a:schemeClr val="tx1"/>
+          </a:fontRef>
+        </p:style>
+      </p:cxnSp>
+      <p:cxnSp>
+        <p:nvCxnSpPr>
+          <p:cNvPr id="28" name="接點: 肘形 27">
+            <a:extLst>
+              <a:ext uri="{FF2B5EF4-FFF2-40B4-BE49-F238E27FC236}">
+                <a16:creationId xmlns:a16="http://schemas.microsoft.com/office/drawing/2014/main" id="{DD513748-0CDA-4963-9175-3137EAF704A8}"/>
+              </a:ext>
+            </a:extLst>
+          </p:cNvPr>
+          <p:cNvCxnSpPr>
+            <a:stCxn id="4" idx="1"/>
+          </p:cNvCxnSpPr>
+          <p:nvPr/>
+        </p:nvCxnSpPr>
+        <p:spPr>
+          <a:xfrm rot="10800000">
+            <a:off x="6229351" y="3537165"/>
+            <a:ext cx="726303" cy="2157260"/>
+          </a:xfrm>
+          <a:prstGeom prst="bentConnector2">
+            <a:avLst/>
+          </a:prstGeom>
+          <a:ln w="38100">
+            <a:solidFill>
+              <a:srgbClr val="0070C0"/>
+            </a:solidFill>
+            <a:tailEnd type="oval"/>
+          </a:ln>
+        </p:spPr>
+        <p:style>
+          <a:lnRef idx="1">
+            <a:schemeClr val="accent1"/>
+          </a:lnRef>
+          <a:fillRef idx="0">
+            <a:schemeClr val="accent1"/>
+          </a:fillRef>
+          <a:effectRef idx="0">
+            <a:schemeClr val="accent1"/>
+          </a:effectRef>
+          <a:fontRef idx="minor">
+            <a:schemeClr val="tx1"/>
+          </a:fontRef>
+        </p:style>
+      </p:cxnSp>
+      <p:sp>
+        <p:nvSpPr>
+          <p:cNvPr id="5" name="文字方塊 4">
+            <a:extLst>
+              <a:ext uri="{FF2B5EF4-FFF2-40B4-BE49-F238E27FC236}">
+                <a16:creationId xmlns:a16="http://schemas.microsoft.com/office/drawing/2014/main" id="{163E3478-031B-4C71-85AD-22CEBC51BA2A}"/>
+              </a:ext>
+            </a:extLst>
+          </p:cNvPr>
+          <p:cNvSpPr txBox="1"/>
+          <p:nvPr/>
+        </p:nvSpPr>
+        <p:spPr>
+          <a:xfrm>
+            <a:off x="3923929" y="5392585"/>
+            <a:ext cx="941033" cy="369332"/>
+          </a:xfrm>
+          <a:prstGeom prst="rect">
+            <a:avLst/>
+          </a:prstGeom>
+          <a:noFill/>
+          <a:ln w="19050">
+            <a:solidFill>
+              <a:srgbClr val="0070C0"/>
+            </a:solidFill>
+            <a:prstDash val="solid"/>
+          </a:ln>
+        </p:spPr>
+        <p:txBody>
+          <a:bodyPr wrap="square" rtlCol="0">
+            <a:spAutoFit/>
+          </a:bodyPr>
+          <a:lstStyle>
+            <a:defPPr>
+              <a:defRPr lang="zh-TW"/>
+            </a:defPPr>
+            <a:lvl1pPr>
+              <a:defRPr>
+                <a:latin typeface="jf open 粉圓 1.1" panose="020F0500000000000000" pitchFamily="34" charset="-120"/>
+                <a:ea typeface="jf open 粉圓 1.1" panose="020F0500000000000000" pitchFamily="34" charset="-120"/>
+              </a:defRPr>
+            </a:lvl1pPr>
+          </a:lstStyle>
+          <a:p>
+            <a:r>
+              <a:rPr lang="zh-TW" altLang="en-US" dirty="0"/>
+              <a:t>使用者</a:t>
+            </a:r>
+          </a:p>
+        </p:txBody>
+      </p:sp>
+      <p:cxnSp>
+        <p:nvCxnSpPr>
+          <p:cNvPr id="10" name="接點: 肘形 9">
+            <a:extLst>
+              <a:ext uri="{FF2B5EF4-FFF2-40B4-BE49-F238E27FC236}">
+                <a16:creationId xmlns:a16="http://schemas.microsoft.com/office/drawing/2014/main" id="{CFF65840-A8C7-4283-A209-0F663800BCD3}"/>
+              </a:ext>
+            </a:extLst>
+          </p:cNvPr>
+          <p:cNvCxnSpPr>
+            <a:stCxn id="5" idx="3"/>
+          </p:cNvCxnSpPr>
+          <p:nvPr/>
+        </p:nvCxnSpPr>
+        <p:spPr>
+          <a:xfrm flipV="1">
+            <a:off x="4864962" y="3537165"/>
+            <a:ext cx="568172" cy="2040086"/>
+          </a:xfrm>
+          <a:prstGeom prst="bentConnector2">
+            <a:avLst/>
+          </a:prstGeom>
+          <a:ln w="38100">
+            <a:solidFill>
+              <a:srgbClr val="0070C0"/>
+            </a:solidFill>
+            <a:tailEnd type="oval"/>
+          </a:ln>
+        </p:spPr>
+        <p:style>
+          <a:lnRef idx="1">
+            <a:schemeClr val="accent1"/>
+          </a:lnRef>
+          <a:fillRef idx="0">
+            <a:schemeClr val="accent1"/>
+          </a:fillRef>
+          <a:effectRef idx="0">
+            <a:schemeClr val="accent1"/>
+          </a:effectRef>
+          <a:fontRef idx="minor">
+            <a:schemeClr val="tx1"/>
+          </a:fontRef>
+        </p:style>
+      </p:cxnSp>
     </p:spTree>
     <p:extLst>
       <p:ext uri="{BB962C8B-B14F-4D97-AF65-F5344CB8AC3E}">
@@ -5673,7 +8349,7 @@
         </p:blipFill>
         <p:spPr>
           <a:xfrm>
-            <a:off x="965825" y="791061"/>
+            <a:off x="1018936" y="2143127"/>
             <a:ext cx="6209511" cy="2893172"/>
           </a:xfrm>
           <a:prstGeom prst="rect">
@@ -5709,7 +8385,7 @@
         </p:nvSpPr>
         <p:spPr>
           <a:xfrm rot="5400000">
-            <a:off x="10449378" y="2253816"/>
+            <a:off x="10705508" y="3438792"/>
             <a:ext cx="1251752" cy="301842"/>
           </a:xfrm>
           <a:prstGeom prst="rect">
@@ -5767,7 +8443,7 @@
         </p:nvSpPr>
         <p:spPr>
           <a:xfrm>
-            <a:off x="7701738" y="1574676"/>
+            <a:off x="7957868" y="2759652"/>
             <a:ext cx="3215196" cy="1660122"/>
           </a:xfrm>
           <a:prstGeom prst="rect">
@@ -5820,8 +8496,8 @@
         </p:nvSpPr>
         <p:spPr>
           <a:xfrm>
-            <a:off x="8648319" y="2143127"/>
-            <a:ext cx="1322034" cy="523220"/>
+            <a:off x="8904449" y="3112659"/>
+            <a:ext cx="1322034" cy="954107"/>
           </a:xfrm>
           <a:prstGeom prst="rect">
             <a:avLst/>
@@ -5853,18 +8529,245 @@
                 <a:latin typeface="jf open 粉圓 1.1" panose="020F0500000000000000" pitchFamily="34" charset="-120"/>
                 <a:ea typeface="jf open 粉圓 1.1" panose="020F0500000000000000" pitchFamily="34" charset="-120"/>
               </a:rPr>
-              <a:t>2</a:t>
-            </a:r>
-            <a:endParaRPr lang="zh-TW" altLang="en-US" sz="2800" dirty="0">
-              <a:solidFill>
-                <a:schemeClr val="bg1"/>
-              </a:solidFill>
-              <a:latin typeface="jf open 粉圓 1.1" panose="020F0500000000000000" pitchFamily="34" charset="-120"/>
-              <a:ea typeface="jf open 粉圓 1.1" panose="020F0500000000000000" pitchFamily="34" charset="-120"/>
-            </a:endParaRPr>
+              <a:t>2:</a:t>
+            </a:r>
+          </a:p>
+          <a:p>
+            <a:pPr algn="ctr"/>
+            <a:r>
+              <a:rPr lang="zh-TW" altLang="en-US" sz="2800" dirty="0">
+                <a:solidFill>
+                  <a:schemeClr val="bg1"/>
+                </a:solidFill>
+                <a:latin typeface="jf open 粉圓 1.1" panose="020F0500000000000000" pitchFamily="34" charset="-120"/>
+                <a:ea typeface="jf open 粉圓 1.1" panose="020F0500000000000000" pitchFamily="34" charset="-120"/>
+              </a:rPr>
+              <a:t>資料牆</a:t>
+            </a:r>
           </a:p>
         </p:txBody>
       </p:sp>
+      <p:sp>
+        <p:nvSpPr>
+          <p:cNvPr id="7" name="文字方塊 6">
+            <a:extLst>
+              <a:ext uri="{FF2B5EF4-FFF2-40B4-BE49-F238E27FC236}">
+                <a16:creationId xmlns:a16="http://schemas.microsoft.com/office/drawing/2014/main" id="{240B98AF-C62E-45F5-8104-6E25FDD2AF90}"/>
+              </a:ext>
+            </a:extLst>
+          </p:cNvPr>
+          <p:cNvSpPr txBox="1"/>
+          <p:nvPr/>
+        </p:nvSpPr>
+        <p:spPr>
+          <a:xfrm>
+            <a:off x="4350057" y="541538"/>
+            <a:ext cx="5089218" cy="1200329"/>
+          </a:xfrm>
+          <a:prstGeom prst="rect">
+            <a:avLst/>
+          </a:prstGeom>
+          <a:noFill/>
+          <a:ln w="19050">
+            <a:solidFill>
+              <a:srgbClr val="C00000"/>
+            </a:solidFill>
+          </a:ln>
+        </p:spPr>
+        <p:txBody>
+          <a:bodyPr wrap="square" rtlCol="0">
+            <a:spAutoFit/>
+          </a:bodyPr>
+          <a:lstStyle>
+            <a:defPPr>
+              <a:defRPr lang="zh-TW"/>
+            </a:defPPr>
+            <a:lvl1pPr>
+              <a:defRPr>
+                <a:latin typeface="jf open 粉圓 1.1" panose="020F0500000000000000" pitchFamily="34" charset="-120"/>
+                <a:ea typeface="jf open 粉圓 1.1" panose="020F0500000000000000" pitchFamily="34" charset="-120"/>
+              </a:defRPr>
+            </a:lvl1pPr>
+          </a:lstStyle>
+          <a:p>
+            <a:r>
+              <a:rPr lang="zh-TW" altLang="en-US" dirty="0"/>
+              <a:t>一個湖面的場景，</a:t>
+            </a:r>
+            <a:endParaRPr lang="en-US" altLang="zh-TW" dirty="0"/>
+          </a:p>
+          <a:p>
+            <a:r>
+              <a:rPr lang="zh-TW" altLang="en-US" dirty="0"/>
+              <a:t>讓使用者選擇文章類別</a:t>
+            </a:r>
+            <a:r>
+              <a:rPr lang="en-US" altLang="zh-TW" dirty="0"/>
+              <a:t>(</a:t>
+            </a:r>
+            <a:r>
+              <a:rPr lang="zh-TW" altLang="en-US" dirty="0"/>
+              <a:t>憂鬱、身心障礙、信心</a:t>
+            </a:r>
+            <a:r>
+              <a:rPr lang="en-US" altLang="zh-TW" dirty="0"/>
+              <a:t>…)</a:t>
+            </a:r>
+          </a:p>
+          <a:p>
+            <a:r>
+              <a:rPr lang="zh-TW" altLang="en-US" dirty="0"/>
+              <a:t>搜索需要的文章，</a:t>
+            </a:r>
+            <a:endParaRPr lang="en-US" altLang="zh-TW" dirty="0"/>
+          </a:p>
+          <a:p>
+            <a:r>
+              <a:rPr lang="zh-TW" altLang="en-US" dirty="0"/>
+              <a:t>也可以將喜歡的文章收藏起來。</a:t>
+            </a:r>
+          </a:p>
+        </p:txBody>
+      </p:sp>
+      <p:sp>
+        <p:nvSpPr>
+          <p:cNvPr id="8" name="文字方塊 7">
+            <a:extLst>
+              <a:ext uri="{FF2B5EF4-FFF2-40B4-BE49-F238E27FC236}">
+                <a16:creationId xmlns:a16="http://schemas.microsoft.com/office/drawing/2014/main" id="{3DA97B17-E4DA-4A3F-A466-F9D0A57E1914}"/>
+              </a:ext>
+            </a:extLst>
+          </p:cNvPr>
+          <p:cNvSpPr txBox="1"/>
+          <p:nvPr/>
+        </p:nvSpPr>
+        <p:spPr>
+          <a:xfrm>
+            <a:off x="2216456" y="5668392"/>
+            <a:ext cx="4687411" cy="369332"/>
+          </a:xfrm>
+          <a:prstGeom prst="rect">
+            <a:avLst/>
+          </a:prstGeom>
+          <a:noFill/>
+          <a:ln w="19050">
+            <a:solidFill>
+              <a:srgbClr val="C00000"/>
+            </a:solidFill>
+          </a:ln>
+        </p:spPr>
+        <p:txBody>
+          <a:bodyPr wrap="square" rtlCol="0">
+            <a:spAutoFit/>
+          </a:bodyPr>
+          <a:lstStyle>
+            <a:defPPr>
+              <a:defRPr lang="zh-TW"/>
+            </a:defPPr>
+            <a:lvl1pPr>
+              <a:defRPr>
+                <a:latin typeface="jf open 粉圓 1.1" panose="020F0500000000000000" pitchFamily="34" charset="-120"/>
+                <a:ea typeface="jf open 粉圓 1.1" panose="020F0500000000000000" pitchFamily="34" charset="-120"/>
+              </a:defRPr>
+            </a:lvl1pPr>
+          </a:lstStyle>
+          <a:p>
+            <a:r>
+              <a:rPr lang="zh-TW" altLang="en-US" dirty="0"/>
+              <a:t>泡泡上會顯示較常被點閱或收藏的熱門文章。</a:t>
+            </a:r>
+          </a:p>
+        </p:txBody>
+      </p:sp>
+      <p:cxnSp>
+        <p:nvCxnSpPr>
+          <p:cNvPr id="9" name="接點: 肘形 8">
+            <a:extLst>
+              <a:ext uri="{FF2B5EF4-FFF2-40B4-BE49-F238E27FC236}">
+                <a16:creationId xmlns:a16="http://schemas.microsoft.com/office/drawing/2014/main" id="{F6D0AC35-0670-40BB-9080-13095FFE4A1E}"/>
+              </a:ext>
+            </a:extLst>
+          </p:cNvPr>
+          <p:cNvCxnSpPr>
+            <a:cxnSpLocks/>
+            <a:stCxn id="7" idx="1"/>
+          </p:cNvCxnSpPr>
+          <p:nvPr/>
+        </p:nvCxnSpPr>
+        <p:spPr>
+          <a:xfrm rot="10800000" flipV="1">
+            <a:off x="3886213" y="1141703"/>
+            <a:ext cx="463845" cy="2172992"/>
+          </a:xfrm>
+          <a:prstGeom prst="bentConnector2">
+            <a:avLst/>
+          </a:prstGeom>
+          <a:ln w="38100">
+            <a:solidFill>
+              <a:srgbClr val="C00000"/>
+            </a:solidFill>
+            <a:tailEnd type="oval"/>
+          </a:ln>
+        </p:spPr>
+        <p:style>
+          <a:lnRef idx="1">
+            <a:schemeClr val="accent1"/>
+          </a:lnRef>
+          <a:fillRef idx="0">
+            <a:schemeClr val="accent1"/>
+          </a:fillRef>
+          <a:effectRef idx="0">
+            <a:schemeClr val="accent1"/>
+          </a:effectRef>
+          <a:fontRef idx="minor">
+            <a:schemeClr val="tx1"/>
+          </a:fontRef>
+        </p:style>
+      </p:cxnSp>
+      <p:cxnSp>
+        <p:nvCxnSpPr>
+          <p:cNvPr id="12" name="接點: 肘形 11">
+            <a:extLst>
+              <a:ext uri="{FF2B5EF4-FFF2-40B4-BE49-F238E27FC236}">
+                <a16:creationId xmlns:a16="http://schemas.microsoft.com/office/drawing/2014/main" id="{299B103A-0D9C-40BB-926C-F6455D5C09FE}"/>
+              </a:ext>
+            </a:extLst>
+          </p:cNvPr>
+          <p:cNvCxnSpPr>
+            <a:stCxn id="8" idx="1"/>
+          </p:cNvCxnSpPr>
+          <p:nvPr/>
+        </p:nvCxnSpPr>
+        <p:spPr>
+          <a:xfrm rot="10800000">
+            <a:off x="1838326" y="4781550"/>
+            <a:ext cx="378131" cy="1071508"/>
+          </a:xfrm>
+          <a:prstGeom prst="bentConnector2">
+            <a:avLst/>
+          </a:prstGeom>
+          <a:ln w="38100">
+            <a:solidFill>
+              <a:srgbClr val="C00000"/>
+            </a:solidFill>
+            <a:tailEnd type="oval"/>
+          </a:ln>
+        </p:spPr>
+        <p:style>
+          <a:lnRef idx="1">
+            <a:schemeClr val="accent1"/>
+          </a:lnRef>
+          <a:fillRef idx="0">
+            <a:schemeClr val="accent1"/>
+          </a:fillRef>
+          <a:effectRef idx="0">
+            <a:schemeClr val="accent1"/>
+          </a:effectRef>
+          <a:fontRef idx="minor">
+            <a:schemeClr val="tx1"/>
+          </a:fontRef>
+        </p:style>
+      </p:cxnSp>
     </p:spTree>
     <p:extLst>
       <p:ext uri="{BB962C8B-B14F-4D97-AF65-F5344CB8AC3E}">
@@ -5923,8 +8826,8 @@
         </p:blipFill>
         <p:spPr>
           <a:xfrm>
-            <a:off x="1044804" y="641439"/>
-            <a:ext cx="6263886" cy="2918507"/>
+            <a:off x="889834" y="1827836"/>
+            <a:ext cx="6873041" cy="3202328"/>
           </a:xfrm>
           <a:prstGeom prst="rect">
             <a:avLst/>
@@ -5959,7 +8862,7 @@
         </p:nvSpPr>
         <p:spPr>
           <a:xfrm rot="5400000">
-            <a:off x="7370685" y="2117324"/>
+            <a:off x="7530483" y="3369075"/>
             <a:ext cx="1251752" cy="301842"/>
           </a:xfrm>
           <a:prstGeom prst="rect">
@@ -6017,7 +8920,7 @@
         </p:nvSpPr>
         <p:spPr>
           <a:xfrm>
-            <a:off x="8154880" y="1432634"/>
+            <a:off x="8314678" y="2684385"/>
             <a:ext cx="3215196" cy="1660122"/>
           </a:xfrm>
           <a:prstGeom prst="rect">
@@ -6026,6 +8929,11 @@
           <a:solidFill>
             <a:srgbClr val="FF7171"/>
           </a:solidFill>
+          <a:ln>
+            <a:solidFill>
+              <a:srgbClr val="FF7171"/>
+            </a:solidFill>
+          </a:ln>
         </p:spPr>
         <p:style>
           <a:lnRef idx="2">
@@ -6070,8 +8978,8 @@
         </p:nvSpPr>
         <p:spPr>
           <a:xfrm>
-            <a:off x="9101461" y="2018191"/>
-            <a:ext cx="1322034" cy="523220"/>
+            <a:off x="8964412" y="2821948"/>
+            <a:ext cx="1915727" cy="1384995"/>
           </a:xfrm>
           <a:prstGeom prst="rect">
             <a:avLst/>
@@ -6103,18 +9011,267 @@
                 <a:latin typeface="jf open 粉圓 1.1" panose="020F0500000000000000" pitchFamily="34" charset="-120"/>
                 <a:ea typeface="jf open 粉圓 1.1" panose="020F0500000000000000" pitchFamily="34" charset="-120"/>
               </a:rPr>
-              <a:t>3</a:t>
-            </a:r>
-            <a:endParaRPr lang="zh-TW" altLang="en-US" sz="2800" dirty="0">
-              <a:solidFill>
-                <a:schemeClr val="bg1"/>
-              </a:solidFill>
-              <a:latin typeface="jf open 粉圓 1.1" panose="020F0500000000000000" pitchFamily="34" charset="-120"/>
-              <a:ea typeface="jf open 粉圓 1.1" panose="020F0500000000000000" pitchFamily="34" charset="-120"/>
-            </a:endParaRPr>
+              <a:t>3:</a:t>
+            </a:r>
+          </a:p>
+          <a:p>
+            <a:pPr algn="ctr"/>
+            <a:r>
+              <a:rPr lang="zh-TW" altLang="en-US" sz="2800" dirty="0">
+                <a:solidFill>
+                  <a:schemeClr val="bg1"/>
+                </a:solidFill>
+                <a:latin typeface="jf open 粉圓 1.1" panose="020F0500000000000000" pitchFamily="34" charset="-120"/>
+                <a:ea typeface="jf open 粉圓 1.1" panose="020F0500000000000000" pitchFamily="34" charset="-120"/>
+              </a:rPr>
+              <a:t>心理量表</a:t>
+            </a:r>
+            <a:r>
+              <a:rPr lang="en-US" altLang="zh-TW" sz="2800" dirty="0">
+                <a:solidFill>
+                  <a:schemeClr val="bg1"/>
+                </a:solidFill>
+                <a:latin typeface="jf open 粉圓 1.1" panose="020F0500000000000000" pitchFamily="34" charset="-120"/>
+                <a:ea typeface="jf open 粉圓 1.1" panose="020F0500000000000000" pitchFamily="34" charset="-120"/>
+              </a:rPr>
+              <a:t>&amp;</a:t>
+            </a:r>
+            <a:r>
+              <a:rPr lang="zh-TW" altLang="en-US" sz="2800" dirty="0">
+                <a:solidFill>
+                  <a:schemeClr val="bg1"/>
+                </a:solidFill>
+                <a:latin typeface="jf open 粉圓 1.1" panose="020F0500000000000000" pitchFamily="34" charset="-120"/>
+                <a:ea typeface="jf open 粉圓 1.1" panose="020F0500000000000000" pitchFamily="34" charset="-120"/>
+              </a:rPr>
+              <a:t>身體檢測</a:t>
+            </a:r>
           </a:p>
         </p:txBody>
       </p:sp>
+      <p:sp>
+        <p:nvSpPr>
+          <p:cNvPr id="6" name="文字方塊 5">
+            <a:extLst>
+              <a:ext uri="{FF2B5EF4-FFF2-40B4-BE49-F238E27FC236}">
+                <a16:creationId xmlns:a16="http://schemas.microsoft.com/office/drawing/2014/main" id="{21C87F4F-372E-4A28-BEFB-2A31522187D5}"/>
+              </a:ext>
+            </a:extLst>
+          </p:cNvPr>
+          <p:cNvSpPr txBox="1"/>
+          <p:nvPr/>
+        </p:nvSpPr>
+        <p:spPr>
+          <a:xfrm>
+            <a:off x="3644190" y="705682"/>
+            <a:ext cx="7309560" cy="646331"/>
+          </a:xfrm>
+          <a:prstGeom prst="rect">
+            <a:avLst/>
+          </a:prstGeom>
+          <a:noFill/>
+          <a:ln w="19050">
+            <a:solidFill>
+              <a:srgbClr val="92D050"/>
+            </a:solidFill>
+          </a:ln>
+        </p:spPr>
+        <p:txBody>
+          <a:bodyPr wrap="square" rtlCol="0">
+            <a:spAutoFit/>
+          </a:bodyPr>
+          <a:lstStyle>
+            <a:defPPr>
+              <a:defRPr lang="zh-TW"/>
+            </a:defPPr>
+            <a:lvl1pPr>
+              <a:defRPr>
+                <a:latin typeface="jf open 粉圓 1.1" panose="020F0500000000000000" pitchFamily="34" charset="-120"/>
+                <a:ea typeface="jf open 粉圓 1.1" panose="020F0500000000000000" pitchFamily="34" charset="-120"/>
+              </a:defRPr>
+            </a:lvl1pPr>
+          </a:lstStyle>
+          <a:p>
+            <a:r>
+              <a:rPr lang="en-US" altLang="zh-TW" dirty="0"/>
+              <a:t>1.</a:t>
+            </a:r>
+            <a:r>
+              <a:rPr lang="zh-TW" altLang="en-US" dirty="0"/>
+              <a:t>根據使用者所選標籤</a:t>
+            </a:r>
+            <a:r>
+              <a:rPr lang="en-US" altLang="zh-TW" dirty="0"/>
+              <a:t>(</a:t>
+            </a:r>
+            <a:r>
+              <a:rPr lang="zh-TW" altLang="en-US" dirty="0"/>
+              <a:t>失眠、壓力大、焦慮、麻木</a:t>
+            </a:r>
+            <a:r>
+              <a:rPr lang="en-US" altLang="zh-TW" dirty="0"/>
+              <a:t>…)</a:t>
+            </a:r>
+            <a:r>
+              <a:rPr lang="zh-TW" altLang="en-US" dirty="0"/>
+              <a:t>推薦心理量表，</a:t>
+            </a:r>
+            <a:endParaRPr lang="en-US" altLang="zh-TW" dirty="0"/>
+          </a:p>
+          <a:p>
+            <a:r>
+              <a:rPr lang="zh-TW" altLang="en-US" dirty="0"/>
+              <a:t>並透過浮動面板顯示心理量表的題目，</a:t>
+            </a:r>
+            <a:endParaRPr lang="en-US" altLang="zh-TW" dirty="0"/>
+          </a:p>
+        </p:txBody>
+      </p:sp>
+      <p:sp>
+        <p:nvSpPr>
+          <p:cNvPr id="7" name="文字方塊 6">
+            <a:extLst>
+              <a:ext uri="{FF2B5EF4-FFF2-40B4-BE49-F238E27FC236}">
+                <a16:creationId xmlns:a16="http://schemas.microsoft.com/office/drawing/2014/main" id="{4880E5F7-2BDE-47E7-A321-009E98B7ED7E}"/>
+              </a:ext>
+            </a:extLst>
+          </p:cNvPr>
+          <p:cNvSpPr txBox="1"/>
+          <p:nvPr/>
+        </p:nvSpPr>
+        <p:spPr>
+          <a:xfrm>
+            <a:off x="2951824" y="5335480"/>
+            <a:ext cx="3706428" cy="923330"/>
+          </a:xfrm>
+          <a:prstGeom prst="rect">
+            <a:avLst/>
+          </a:prstGeom>
+          <a:noFill/>
+          <a:ln w="19050">
+            <a:solidFill>
+              <a:srgbClr val="92D050"/>
+            </a:solidFill>
+          </a:ln>
+        </p:spPr>
+        <p:txBody>
+          <a:bodyPr wrap="square" rtlCol="0">
+            <a:spAutoFit/>
+          </a:bodyPr>
+          <a:lstStyle>
+            <a:defPPr>
+              <a:defRPr lang="zh-TW"/>
+            </a:defPPr>
+            <a:lvl1pPr>
+              <a:defRPr>
+                <a:latin typeface="jf open 粉圓 1.1" panose="020F0500000000000000" pitchFamily="34" charset="-120"/>
+                <a:ea typeface="jf open 粉圓 1.1" panose="020F0500000000000000" pitchFamily="34" charset="-120"/>
+              </a:defRPr>
+            </a:lvl1pPr>
+          </a:lstStyle>
+          <a:p>
+            <a:r>
+              <a:rPr lang="zh-TW" altLang="en-US" dirty="0"/>
+              <a:t>參考「烏鴉喝水」的童話故事，</a:t>
+            </a:r>
+            <a:endParaRPr lang="en-US" altLang="zh-TW" dirty="0"/>
+          </a:p>
+          <a:p>
+            <a:r>
+              <a:rPr lang="zh-TW" altLang="en-US" dirty="0"/>
+              <a:t>在盡可能不造成填寫複雜的情況下，增加填寫的趣味性。</a:t>
+            </a:r>
+          </a:p>
+        </p:txBody>
+      </p:sp>
+      <p:cxnSp>
+        <p:nvCxnSpPr>
+          <p:cNvPr id="9" name="接點: 肘形 8">
+            <a:extLst>
+              <a:ext uri="{FF2B5EF4-FFF2-40B4-BE49-F238E27FC236}">
+                <a16:creationId xmlns:a16="http://schemas.microsoft.com/office/drawing/2014/main" id="{B3183691-941F-4EBA-8ABF-102BE4B42A01}"/>
+              </a:ext>
+            </a:extLst>
+          </p:cNvPr>
+          <p:cNvCxnSpPr>
+            <a:stCxn id="6" idx="1"/>
+          </p:cNvCxnSpPr>
+          <p:nvPr/>
+        </p:nvCxnSpPr>
+        <p:spPr>
+          <a:xfrm rot="10800000" flipV="1">
+            <a:off x="3228976" y="1028848"/>
+            <a:ext cx="415215" cy="1047602"/>
+          </a:xfrm>
+          <a:prstGeom prst="bentConnector2">
+            <a:avLst/>
+          </a:prstGeom>
+          <a:ln w="38100">
+            <a:solidFill>
+              <a:srgbClr val="92D050"/>
+            </a:solidFill>
+            <a:tailEnd type="oval"/>
+          </a:ln>
+        </p:spPr>
+        <p:style>
+          <a:lnRef idx="1">
+            <a:schemeClr val="accent1"/>
+          </a:lnRef>
+          <a:fillRef idx="0">
+            <a:schemeClr val="accent1"/>
+          </a:fillRef>
+          <a:effectRef idx="0">
+            <a:schemeClr val="accent1"/>
+          </a:effectRef>
+          <a:fontRef idx="minor">
+            <a:schemeClr val="tx1"/>
+          </a:fontRef>
+        </p:style>
+      </p:cxnSp>
+      <p:cxnSp>
+        <p:nvCxnSpPr>
+          <p:cNvPr id="11" name="接點: 肘形 10">
+            <a:extLst>
+              <a:ext uri="{FF2B5EF4-FFF2-40B4-BE49-F238E27FC236}">
+                <a16:creationId xmlns:a16="http://schemas.microsoft.com/office/drawing/2014/main" id="{1F30F5AC-A144-458F-B223-526A1431384F}"/>
+              </a:ext>
+            </a:extLst>
+          </p:cNvPr>
+          <p:cNvCxnSpPr>
+            <a:stCxn id="7" idx="1"/>
+          </p:cNvCxnSpPr>
+          <p:nvPr/>
+        </p:nvCxnSpPr>
+        <p:spPr>
+          <a:xfrm rot="10800000">
+            <a:off x="2390776" y="4206943"/>
+            <a:ext cx="561049" cy="1590202"/>
+          </a:xfrm>
+          <a:prstGeom prst="bentConnector2">
+            <a:avLst/>
+          </a:prstGeom>
+          <a:ln w="38100">
+            <a:solidFill>
+              <a:srgbClr val="92D050"/>
+            </a:solidFill>
+            <a:tailEnd type="oval"/>
+          </a:ln>
+        </p:spPr>
+        <p:style>
+          <a:lnRef idx="1">
+            <a:schemeClr val="accent1"/>
+          </a:lnRef>
+          <a:fillRef idx="0">
+            <a:schemeClr val="accent1"/>
+          </a:fillRef>
+          <a:effectRef idx="0">
+            <a:schemeClr val="accent1"/>
+          </a:effectRef>
+          <a:fontRef idx="minor">
+            <a:schemeClr val="tx1"/>
+          </a:fontRef>
+        </p:style>
+      </p:cxnSp>
     </p:spTree>
     <p:extLst>
       <p:ext uri="{BB962C8B-B14F-4D97-AF65-F5344CB8AC3E}">
@@ -6147,10 +9304,10 @@
       </p:grpSpPr>
       <p:pic>
         <p:nvPicPr>
-          <p:cNvPr id="3" name="圖片 2">
-            <a:extLst>
-              <a:ext uri="{FF2B5EF4-FFF2-40B4-BE49-F238E27FC236}">
-                <a16:creationId xmlns:a16="http://schemas.microsoft.com/office/drawing/2014/main" id="{4F6D0412-7149-464D-8E03-50742A905B28}"/>
+          <p:cNvPr id="19" name="圖片 18">
+            <a:extLst>
+              <a:ext uri="{FF2B5EF4-FFF2-40B4-BE49-F238E27FC236}">
+                <a16:creationId xmlns:a16="http://schemas.microsoft.com/office/drawing/2014/main" id="{710EE32D-AD46-4789-ACEE-8433EB188929}"/>
               </a:ext>
             </a:extLst>
           </p:cNvPr>
@@ -6162,6 +9319,15 @@
         <p:blipFill>
           <a:blip r:embed="rId2">
             <a:extLst>
+              <a:ext uri="{BEBA8EAE-BF5A-486C-A8C5-ECC9F3942E4B}">
+                <a14:imgProps xmlns:a14="http://schemas.microsoft.com/office/drawing/2010/main">
+                  <a14:imgLayer r:embed="rId3">
+                    <a14:imgEffect>
+                      <a14:backgroundRemoval t="10000" b="90000" l="10000" r="90000"/>
+                    </a14:imgEffect>
+                  </a14:imgLayer>
+                </a14:imgProps>
+              </a:ext>
               <a:ext uri="{28A0092B-C50C-407E-A947-70E740481C1C}">
                 <a14:useLocalDpi xmlns:a14="http://schemas.microsoft.com/office/drawing/2010/main" val="0"/>
               </a:ext>
@@ -6173,7 +9339,88 @@
         </p:blipFill>
         <p:spPr>
           <a:xfrm>
-            <a:off x="1970651" y="2112886"/>
+            <a:off x="6206555" y="4871450"/>
+            <a:ext cx="2023045" cy="2476500"/>
+          </a:xfrm>
+          <a:prstGeom prst="rect">
+            <a:avLst/>
+          </a:prstGeom>
+        </p:spPr>
+      </p:pic>
+      <p:pic>
+        <p:nvPicPr>
+          <p:cNvPr id="18" name="圖片 17">
+            <a:extLst>
+              <a:ext uri="{FF2B5EF4-FFF2-40B4-BE49-F238E27FC236}">
+                <a16:creationId xmlns:a16="http://schemas.microsoft.com/office/drawing/2014/main" id="{4C122537-5AE3-416D-BAA5-15ED0ADF2FF1}"/>
+              </a:ext>
+            </a:extLst>
+          </p:cNvPr>
+          <p:cNvPicPr>
+            <a:picLocks noChangeAspect="1"/>
+          </p:cNvPicPr>
+          <p:nvPr/>
+        </p:nvPicPr>
+        <p:blipFill>
+          <a:blip r:embed="rId2">
+            <a:extLst>
+              <a:ext uri="{BEBA8EAE-BF5A-486C-A8C5-ECC9F3942E4B}">
+                <a14:imgProps xmlns:a14="http://schemas.microsoft.com/office/drawing/2010/main">
+                  <a14:imgLayer r:embed="rId3">
+                    <a14:imgEffect>
+                      <a14:backgroundRemoval t="10000" b="90000" l="10000" r="90000"/>
+                    </a14:imgEffect>
+                  </a14:imgLayer>
+                </a14:imgProps>
+              </a:ext>
+              <a:ext uri="{28A0092B-C50C-407E-A947-70E740481C1C}">
+                <a14:useLocalDpi xmlns:a14="http://schemas.microsoft.com/office/drawing/2010/main" val="0"/>
+              </a:ext>
+            </a:extLst>
+          </a:blip>
+          <a:stretch>
+            <a:fillRect/>
+          </a:stretch>
+        </p:blipFill>
+        <p:spPr>
+          <a:xfrm>
+            <a:off x="1876425" y="4860161"/>
+            <a:ext cx="2476500" cy="2476500"/>
+          </a:xfrm>
+          <a:prstGeom prst="rect">
+            <a:avLst/>
+          </a:prstGeom>
+        </p:spPr>
+      </p:pic>
+      <p:pic>
+        <p:nvPicPr>
+          <p:cNvPr id="3" name="圖片 2">
+            <a:extLst>
+              <a:ext uri="{FF2B5EF4-FFF2-40B4-BE49-F238E27FC236}">
+                <a16:creationId xmlns:a16="http://schemas.microsoft.com/office/drawing/2014/main" id="{4F6D0412-7149-464D-8E03-50742A905B28}"/>
+              </a:ext>
+            </a:extLst>
+          </p:cNvPr>
+          <p:cNvPicPr>
+            <a:picLocks noChangeAspect="1"/>
+          </p:cNvPicPr>
+          <p:nvPr/>
+        </p:nvPicPr>
+        <p:blipFill>
+          <a:blip r:embed="rId4">
+            <a:extLst>
+              <a:ext uri="{28A0092B-C50C-407E-A947-70E740481C1C}">
+                <a14:useLocalDpi xmlns:a14="http://schemas.microsoft.com/office/drawing/2010/main" val="0"/>
+              </a:ext>
+            </a:extLst>
+          </a:blip>
+          <a:stretch>
+            <a:fillRect/>
+          </a:stretch>
+        </p:blipFill>
+        <p:spPr>
+          <a:xfrm>
+            <a:off x="894326" y="1841287"/>
             <a:ext cx="8250698" cy="3844215"/>
           </a:xfrm>
           <a:prstGeom prst="rect">
@@ -6195,6 +9442,511 @@
           </a:effectLst>
         </p:spPr>
       </p:pic>
+      <p:sp>
+        <p:nvSpPr>
+          <p:cNvPr id="2" name="文字方塊 1">
+            <a:extLst>
+              <a:ext uri="{FF2B5EF4-FFF2-40B4-BE49-F238E27FC236}">
+                <a16:creationId xmlns:a16="http://schemas.microsoft.com/office/drawing/2014/main" id="{3792B006-222C-44EA-9FA3-719F499FF10A}"/>
+              </a:ext>
+            </a:extLst>
+          </p:cNvPr>
+          <p:cNvSpPr txBox="1"/>
+          <p:nvPr/>
+        </p:nvSpPr>
+        <p:spPr>
+          <a:xfrm>
+            <a:off x="311968" y="360668"/>
+            <a:ext cx="3471169" cy="1200329"/>
+          </a:xfrm>
+          <a:prstGeom prst="rect">
+            <a:avLst/>
+          </a:prstGeom>
+          <a:noFill/>
+          <a:ln w="19050">
+            <a:solidFill>
+              <a:schemeClr val="accent6">
+                <a:lumMod val="75000"/>
+              </a:schemeClr>
+            </a:solidFill>
+          </a:ln>
+        </p:spPr>
+        <p:txBody>
+          <a:bodyPr wrap="square" rtlCol="0">
+            <a:spAutoFit/>
+          </a:bodyPr>
+          <a:lstStyle>
+            <a:defPPr>
+              <a:defRPr lang="zh-TW"/>
+            </a:defPPr>
+            <a:lvl1pPr>
+              <a:defRPr>
+                <a:latin typeface="jf open 粉圓 1.1" panose="020F0500000000000000" pitchFamily="34" charset="-120"/>
+                <a:ea typeface="jf open 粉圓 1.1" panose="020F0500000000000000" pitchFamily="34" charset="-120"/>
+              </a:defRPr>
+            </a:lvl1pPr>
+          </a:lstStyle>
+          <a:p>
+            <a:r>
+              <a:rPr lang="en-US" altLang="zh-TW" dirty="0"/>
+              <a:t>2.</a:t>
+            </a:r>
+            <a:r>
+              <a:rPr lang="zh-TW" altLang="en-US" dirty="0"/>
+              <a:t>透過外接的手部偵測器，</a:t>
+            </a:r>
+            <a:endParaRPr lang="en-US" altLang="zh-TW" dirty="0"/>
+          </a:p>
+          <a:p>
+            <a:r>
+              <a:rPr lang="zh-TW" altLang="en-US" dirty="0"/>
+              <a:t>與</a:t>
+            </a:r>
+            <a:r>
+              <a:rPr lang="en-US" altLang="zh-TW" dirty="0"/>
+              <a:t>VIVE</a:t>
+            </a:r>
+            <a:r>
+              <a:rPr lang="zh-TW" altLang="en-US" dirty="0"/>
+              <a:t>的臉部偵測裝置，</a:t>
+            </a:r>
+            <a:endParaRPr lang="en-US" altLang="zh-TW" dirty="0"/>
+          </a:p>
+          <a:p>
+            <a:r>
+              <a:rPr lang="zh-TW" altLang="en-US" dirty="0"/>
+              <a:t>進行一些細部的偵測，</a:t>
+            </a:r>
+            <a:endParaRPr lang="en-US" altLang="zh-TW" dirty="0"/>
+          </a:p>
+          <a:p>
+            <a:r>
+              <a:rPr lang="zh-TW" altLang="en-US" dirty="0"/>
+              <a:t>藉此簡易評估使用者的身心狀況。</a:t>
+            </a:r>
+          </a:p>
+        </p:txBody>
+      </p:sp>
+      <p:sp>
+        <p:nvSpPr>
+          <p:cNvPr id="4" name="文字方塊 3">
+            <a:extLst>
+              <a:ext uri="{FF2B5EF4-FFF2-40B4-BE49-F238E27FC236}">
+                <a16:creationId xmlns:a16="http://schemas.microsoft.com/office/drawing/2014/main" id="{C920EC8C-8042-46B5-8E3E-D6D9A54313DC}"/>
+              </a:ext>
+            </a:extLst>
+          </p:cNvPr>
+          <p:cNvSpPr txBox="1"/>
+          <p:nvPr/>
+        </p:nvSpPr>
+        <p:spPr>
+          <a:xfrm>
+            <a:off x="5878267" y="360667"/>
+            <a:ext cx="2752078" cy="1200329"/>
+          </a:xfrm>
+          <a:prstGeom prst="rect">
+            <a:avLst/>
+          </a:prstGeom>
+          <a:noFill/>
+          <a:ln w="19050">
+            <a:solidFill>
+              <a:schemeClr val="accent6">
+                <a:lumMod val="75000"/>
+              </a:schemeClr>
+            </a:solidFill>
+          </a:ln>
+        </p:spPr>
+        <p:txBody>
+          <a:bodyPr wrap="square" rtlCol="0">
+            <a:spAutoFit/>
+          </a:bodyPr>
+          <a:lstStyle>
+            <a:defPPr>
+              <a:defRPr lang="zh-TW"/>
+            </a:defPPr>
+            <a:lvl1pPr>
+              <a:defRPr>
+                <a:latin typeface="jf open 粉圓 1.1" panose="020F0500000000000000" pitchFamily="34" charset="-120"/>
+                <a:ea typeface="jf open 粉圓 1.1" panose="020F0500000000000000" pitchFamily="34" charset="-120"/>
+              </a:defRPr>
+            </a:lvl1pPr>
+          </a:lstStyle>
+          <a:p>
+            <a:r>
+              <a:rPr lang="zh-TW" altLang="en-US" dirty="0"/>
+              <a:t>手部偵測器</a:t>
+            </a:r>
+            <a:r>
+              <a:rPr lang="en-US" altLang="zh-TW" dirty="0"/>
+              <a:t>:</a:t>
+            </a:r>
+          </a:p>
+          <a:p>
+            <a:r>
+              <a:rPr lang="zh-TW" altLang="en-US" dirty="0"/>
+              <a:t>從手指偵測心跳，</a:t>
+            </a:r>
+            <a:endParaRPr lang="en-US" altLang="zh-TW" dirty="0"/>
+          </a:p>
+          <a:p>
+            <a:r>
+              <a:rPr lang="zh-TW" altLang="en-US" dirty="0"/>
+              <a:t>再用手掌的溫溼度感應器偵測手溫與手汗。</a:t>
+            </a:r>
+          </a:p>
+        </p:txBody>
+      </p:sp>
+      <p:sp>
+        <p:nvSpPr>
+          <p:cNvPr id="5" name="文字方塊 4">
+            <a:extLst>
+              <a:ext uri="{FF2B5EF4-FFF2-40B4-BE49-F238E27FC236}">
+                <a16:creationId xmlns:a16="http://schemas.microsoft.com/office/drawing/2014/main" id="{26DCF9AC-0E0A-4C86-BD02-56CBF6C4D85E}"/>
+              </a:ext>
+            </a:extLst>
+          </p:cNvPr>
+          <p:cNvSpPr txBox="1"/>
+          <p:nvPr/>
+        </p:nvSpPr>
+        <p:spPr>
+          <a:xfrm>
+            <a:off x="9715091" y="1997839"/>
+            <a:ext cx="2121763" cy="2862322"/>
+          </a:xfrm>
+          <a:prstGeom prst="rect">
+            <a:avLst/>
+          </a:prstGeom>
+          <a:noFill/>
+          <a:ln w="19050">
+            <a:solidFill>
+              <a:schemeClr val="accent6">
+                <a:lumMod val="75000"/>
+              </a:schemeClr>
+            </a:solidFill>
+          </a:ln>
+        </p:spPr>
+        <p:txBody>
+          <a:bodyPr wrap="square" rtlCol="0">
+            <a:spAutoFit/>
+          </a:bodyPr>
+          <a:lstStyle>
+            <a:defPPr>
+              <a:defRPr lang="zh-TW"/>
+            </a:defPPr>
+            <a:lvl1pPr>
+              <a:defRPr>
+                <a:latin typeface="jf open 粉圓 1.1" panose="020F0500000000000000" pitchFamily="34" charset="-120"/>
+                <a:ea typeface="jf open 粉圓 1.1" panose="020F0500000000000000" pitchFamily="34" charset="-120"/>
+              </a:defRPr>
+            </a:lvl1pPr>
+          </a:lstStyle>
+          <a:p>
+            <a:r>
+              <a:rPr lang="zh-TW" altLang="en-US" dirty="0"/>
+              <a:t>臉部偵測裝置</a:t>
+            </a:r>
+            <a:r>
+              <a:rPr lang="en-US" altLang="zh-TW" dirty="0"/>
+              <a:t>:</a:t>
+            </a:r>
+          </a:p>
+          <a:p>
+            <a:r>
+              <a:rPr lang="zh-TW" altLang="en-US" dirty="0"/>
+              <a:t>偵測一些細部表情或皮膚狀況</a:t>
+            </a:r>
+            <a:br>
+              <a:rPr lang="en-US" altLang="zh-TW" dirty="0"/>
+            </a:br>
+            <a:r>
+              <a:rPr lang="en-US" altLang="zh-TW" dirty="0"/>
+              <a:t>(</a:t>
+            </a:r>
+            <a:r>
+              <a:rPr lang="zh-TW" altLang="en-US" dirty="0"/>
+              <a:t>脫皮、紅疹</a:t>
+            </a:r>
+            <a:r>
+              <a:rPr lang="en-US" altLang="zh-TW" dirty="0"/>
+              <a:t>…)</a:t>
+            </a:r>
+          </a:p>
+          <a:p>
+            <a:endParaRPr lang="en-US" altLang="zh-TW" dirty="0"/>
+          </a:p>
+          <a:p>
+            <a:r>
+              <a:rPr lang="en-US" altLang="zh-TW" dirty="0"/>
+              <a:t>※</a:t>
+            </a:r>
+            <a:r>
+              <a:rPr lang="zh-TW" altLang="en-US" dirty="0"/>
+              <a:t>如果</a:t>
+            </a:r>
+            <a:r>
+              <a:rPr lang="en-US" altLang="zh-TW" dirty="0"/>
+              <a:t>VIVE Flow</a:t>
+            </a:r>
+            <a:r>
+              <a:rPr lang="zh-TW" altLang="en-US" dirty="0"/>
+              <a:t>沒辦法使用</a:t>
+            </a:r>
+            <a:r>
+              <a:rPr lang="en-US" altLang="zh-TW" dirty="0"/>
+              <a:t>VIVE</a:t>
+            </a:r>
+            <a:r>
+              <a:rPr lang="zh-TW" altLang="en-US" dirty="0"/>
+              <a:t> </a:t>
+            </a:r>
+            <a:r>
+              <a:rPr lang="en-US" altLang="zh-TW" dirty="0"/>
+              <a:t>Facial</a:t>
+            </a:r>
+            <a:r>
+              <a:rPr lang="zh-TW" altLang="en-US" dirty="0"/>
+              <a:t>，那就考慮改成上傳照片偵測臉部情緒。</a:t>
+            </a:r>
+          </a:p>
+        </p:txBody>
+      </p:sp>
+      <p:sp>
+        <p:nvSpPr>
+          <p:cNvPr id="6" name="文字方塊 5">
+            <a:extLst>
+              <a:ext uri="{FF2B5EF4-FFF2-40B4-BE49-F238E27FC236}">
+                <a16:creationId xmlns:a16="http://schemas.microsoft.com/office/drawing/2014/main" id="{827A41AA-9A3F-4C9F-BBD2-07D620CA98A9}"/>
+              </a:ext>
+            </a:extLst>
+          </p:cNvPr>
+          <p:cNvSpPr txBox="1"/>
+          <p:nvPr/>
+        </p:nvSpPr>
+        <p:spPr>
+          <a:xfrm>
+            <a:off x="2308472" y="5909645"/>
+            <a:ext cx="1139577" cy="400110"/>
+          </a:xfrm>
+          <a:prstGeom prst="rect">
+            <a:avLst/>
+          </a:prstGeom>
+          <a:noFill/>
+        </p:spPr>
+        <p:txBody>
+          <a:bodyPr wrap="square" rtlCol="0">
+            <a:spAutoFit/>
+          </a:bodyPr>
+          <a:lstStyle/>
+          <a:p>
+            <a:r>
+              <a:rPr lang="en-US" altLang="zh-TW" sz="2000" dirty="0">
+                <a:solidFill>
+                  <a:schemeClr val="bg1"/>
+                </a:solidFill>
+                <a:latin typeface="jf open 粉圓 1.1" panose="020F0500000000000000" pitchFamily="34" charset="-120"/>
+                <a:ea typeface="jf open 粉圓 1.1" panose="020F0500000000000000" pitchFamily="34" charset="-120"/>
+              </a:rPr>
+              <a:t>VR</a:t>
+            </a:r>
+            <a:r>
+              <a:rPr lang="zh-TW" altLang="en-US" sz="2000" dirty="0">
+                <a:solidFill>
+                  <a:schemeClr val="bg1"/>
+                </a:solidFill>
+                <a:latin typeface="jf open 粉圓 1.1" panose="020F0500000000000000" pitchFamily="34" charset="-120"/>
+                <a:ea typeface="jf open 粉圓 1.1" panose="020F0500000000000000" pitchFamily="34" charset="-120"/>
+              </a:rPr>
+              <a:t>畫面</a:t>
+            </a:r>
+          </a:p>
+        </p:txBody>
+      </p:sp>
+      <p:sp>
+        <p:nvSpPr>
+          <p:cNvPr id="7" name="文字方塊 6">
+            <a:extLst>
+              <a:ext uri="{FF2B5EF4-FFF2-40B4-BE49-F238E27FC236}">
+                <a16:creationId xmlns:a16="http://schemas.microsoft.com/office/drawing/2014/main" id="{9782289C-01C3-4CA7-9BEA-354A1FA01E14}"/>
+              </a:ext>
+            </a:extLst>
+          </p:cNvPr>
+          <p:cNvSpPr txBox="1"/>
+          <p:nvPr/>
+        </p:nvSpPr>
+        <p:spPr>
+          <a:xfrm>
+            <a:off x="6577568" y="5948744"/>
+            <a:ext cx="870982" cy="400110"/>
+          </a:xfrm>
+          <a:prstGeom prst="rect">
+            <a:avLst/>
+          </a:prstGeom>
+          <a:noFill/>
+        </p:spPr>
+        <p:txBody>
+          <a:bodyPr wrap="square" rtlCol="0">
+            <a:spAutoFit/>
+          </a:bodyPr>
+          <a:lstStyle>
+            <a:defPPr>
+              <a:defRPr lang="zh-TW"/>
+            </a:defPPr>
+            <a:lvl1pPr>
+              <a:defRPr sz="2000">
+                <a:solidFill>
+                  <a:schemeClr val="bg1"/>
+                </a:solidFill>
+                <a:latin typeface="jf open 粉圓 1.1" panose="020F0500000000000000" pitchFamily="34" charset="-120"/>
+                <a:ea typeface="jf open 粉圓 1.1" panose="020F0500000000000000" pitchFamily="34" charset="-120"/>
+              </a:defRPr>
+            </a:lvl1pPr>
+          </a:lstStyle>
+          <a:p>
+            <a:r>
+              <a:rPr lang="zh-TW" altLang="en-US" dirty="0"/>
+              <a:t>現實</a:t>
+            </a:r>
+          </a:p>
+        </p:txBody>
+      </p:sp>
+      <p:cxnSp>
+        <p:nvCxnSpPr>
+          <p:cNvPr id="9" name="接點: 肘形 8">
+            <a:extLst>
+              <a:ext uri="{FF2B5EF4-FFF2-40B4-BE49-F238E27FC236}">
+                <a16:creationId xmlns:a16="http://schemas.microsoft.com/office/drawing/2014/main" id="{BF21710B-1A5E-48A3-9AB6-61242BD84D7F}"/>
+              </a:ext>
+            </a:extLst>
+          </p:cNvPr>
+          <p:cNvCxnSpPr>
+            <a:stCxn id="2" idx="3"/>
+          </p:cNvCxnSpPr>
+          <p:nvPr/>
+        </p:nvCxnSpPr>
+        <p:spPr>
+          <a:xfrm>
+            <a:off x="3783137" y="960833"/>
+            <a:ext cx="930906" cy="1285217"/>
+          </a:xfrm>
+          <a:prstGeom prst="bentConnector2">
+            <a:avLst/>
+          </a:prstGeom>
+          <a:ln w="28575">
+            <a:solidFill>
+              <a:schemeClr val="accent6">
+                <a:lumMod val="75000"/>
+              </a:schemeClr>
+            </a:solidFill>
+            <a:tailEnd type="oval"/>
+          </a:ln>
+        </p:spPr>
+        <p:style>
+          <a:lnRef idx="1">
+            <a:schemeClr val="accent1"/>
+          </a:lnRef>
+          <a:fillRef idx="0">
+            <a:schemeClr val="accent1"/>
+          </a:fillRef>
+          <a:effectRef idx="0">
+            <a:schemeClr val="accent1"/>
+          </a:effectRef>
+          <a:fontRef idx="minor">
+            <a:schemeClr val="tx1"/>
+          </a:fontRef>
+        </p:style>
+      </p:cxnSp>
+      <p:cxnSp>
+        <p:nvCxnSpPr>
+          <p:cNvPr id="11" name="接點: 肘形 10">
+            <a:extLst>
+              <a:ext uri="{FF2B5EF4-FFF2-40B4-BE49-F238E27FC236}">
+                <a16:creationId xmlns:a16="http://schemas.microsoft.com/office/drawing/2014/main" id="{AFAB9EB4-FF4E-4E6A-BAE9-082A1492FBEA}"/>
+              </a:ext>
+            </a:extLst>
+          </p:cNvPr>
+          <p:cNvCxnSpPr>
+            <a:stCxn id="4" idx="2"/>
+          </p:cNvCxnSpPr>
+          <p:nvPr/>
+        </p:nvCxnSpPr>
+        <p:spPr>
+          <a:xfrm rot="16200000" flipH="1">
+            <a:off x="6003088" y="2812213"/>
+            <a:ext cx="2820504" cy="318069"/>
+          </a:xfrm>
+          <a:prstGeom prst="bentConnector3">
+            <a:avLst/>
+          </a:prstGeom>
+          <a:ln w="28575">
+            <a:solidFill>
+              <a:schemeClr val="accent6">
+                <a:lumMod val="75000"/>
+              </a:schemeClr>
+            </a:solidFill>
+            <a:tailEnd type="oval"/>
+          </a:ln>
+        </p:spPr>
+        <p:style>
+          <a:lnRef idx="1">
+            <a:schemeClr val="accent1"/>
+          </a:lnRef>
+          <a:fillRef idx="0">
+            <a:schemeClr val="accent1"/>
+          </a:fillRef>
+          <a:effectRef idx="0">
+            <a:schemeClr val="accent1"/>
+          </a:effectRef>
+          <a:fontRef idx="minor">
+            <a:schemeClr val="tx1"/>
+          </a:fontRef>
+        </p:style>
+      </p:cxnSp>
+      <p:cxnSp>
+        <p:nvCxnSpPr>
+          <p:cNvPr id="13" name="接點: 肘形 12">
+            <a:extLst>
+              <a:ext uri="{FF2B5EF4-FFF2-40B4-BE49-F238E27FC236}">
+                <a16:creationId xmlns:a16="http://schemas.microsoft.com/office/drawing/2014/main" id="{E04522EB-A064-44CC-932D-BB04B5B347CF}"/>
+              </a:ext>
+            </a:extLst>
+          </p:cNvPr>
+          <p:cNvCxnSpPr>
+            <a:stCxn id="5" idx="1"/>
+          </p:cNvCxnSpPr>
+          <p:nvPr/>
+        </p:nvCxnSpPr>
+        <p:spPr>
+          <a:xfrm rot="10800000" flipV="1">
+            <a:off x="7181851" y="3429000"/>
+            <a:ext cx="2533241" cy="209550"/>
+          </a:xfrm>
+          <a:prstGeom prst="bentConnector3">
+            <a:avLst/>
+          </a:prstGeom>
+          <a:ln w="28575">
+            <a:solidFill>
+              <a:schemeClr val="accent6">
+                <a:lumMod val="75000"/>
+              </a:schemeClr>
+            </a:solidFill>
+            <a:tailEnd type="oval"/>
+          </a:ln>
+        </p:spPr>
+        <p:style>
+          <a:lnRef idx="1">
+            <a:schemeClr val="accent1"/>
+          </a:lnRef>
+          <a:fillRef idx="0">
+            <a:schemeClr val="accent1"/>
+          </a:fillRef>
+          <a:effectRef idx="0">
+            <a:schemeClr val="accent1"/>
+          </a:effectRef>
+          <a:fontRef idx="minor">
+            <a:schemeClr val="tx1"/>
+          </a:fontRef>
+        </p:style>
+      </p:cxnSp>
     </p:spTree>
     <p:extLst>
       <p:ext uri="{BB962C8B-B14F-4D97-AF65-F5344CB8AC3E}">
@@ -6227,10 +9979,10 @@
       </p:grpSpPr>
       <p:pic>
         <p:nvPicPr>
-          <p:cNvPr id="2" name="圖片 1">
-            <a:extLst>
-              <a:ext uri="{FF2B5EF4-FFF2-40B4-BE49-F238E27FC236}">
-                <a16:creationId xmlns:a16="http://schemas.microsoft.com/office/drawing/2014/main" id="{6BC17799-9495-4FBE-BD27-91B232B77905}"/>
+          <p:cNvPr id="29" name="圖片 28">
+            <a:extLst>
+              <a:ext uri="{FF2B5EF4-FFF2-40B4-BE49-F238E27FC236}">
+                <a16:creationId xmlns:a16="http://schemas.microsoft.com/office/drawing/2014/main" id="{0020BD26-E30B-40E6-BDAF-021D398D8C81}"/>
               </a:ext>
             </a:extLst>
           </p:cNvPr>
@@ -6242,6 +9994,15 @@
         <p:blipFill>
           <a:blip r:embed="rId2">
             <a:extLst>
+              <a:ext uri="{BEBA8EAE-BF5A-486C-A8C5-ECC9F3942E4B}">
+                <a14:imgProps xmlns:a14="http://schemas.microsoft.com/office/drawing/2010/main">
+                  <a14:imgLayer r:embed="rId3">
+                    <a14:imgEffect>
+                      <a14:backgroundRemoval t="10000" b="90000" l="10000" r="90000"/>
+                    </a14:imgEffect>
+                  </a14:imgLayer>
+                </a14:imgProps>
+              </a:ext>
               <a:ext uri="{28A0092B-C50C-407E-A947-70E740481C1C}">
                 <a14:useLocalDpi xmlns:a14="http://schemas.microsoft.com/office/drawing/2010/main" val="0"/>
               </a:ext>
@@ -6253,8 +10014,88 @@
         </p:blipFill>
         <p:spPr>
           <a:xfrm>
-            <a:off x="705612" y="690645"/>
-            <a:ext cx="6724998" cy="3133351"/>
+            <a:off x="6096000" y="5193024"/>
+            <a:ext cx="3633187" cy="2558837"/>
+          </a:xfrm>
+          <a:prstGeom prst="rect">
+            <a:avLst/>
+          </a:prstGeom>
+        </p:spPr>
+      </p:pic>
+      <p:pic>
+        <p:nvPicPr>
+          <p:cNvPr id="28" name="圖片 27">
+            <a:extLst>
+              <a:ext uri="{FF2B5EF4-FFF2-40B4-BE49-F238E27FC236}">
+                <a16:creationId xmlns:a16="http://schemas.microsoft.com/office/drawing/2014/main" id="{8C5F470B-343F-4EED-96E0-255AC7DC672D}"/>
+              </a:ext>
+            </a:extLst>
+          </p:cNvPr>
+          <p:cNvPicPr>
+            <a:picLocks noChangeAspect="1"/>
+          </p:cNvPicPr>
+          <p:nvPr/>
+        </p:nvPicPr>
+        <p:blipFill>
+          <a:blip r:embed="rId2">
+            <a:extLst>
+              <a:ext uri="{BEBA8EAE-BF5A-486C-A8C5-ECC9F3942E4B}">
+                <a14:imgProps xmlns:a14="http://schemas.microsoft.com/office/drawing/2010/main">
+                  <a14:imgLayer r:embed="rId3">
+                    <a14:imgEffect>
+                      <a14:backgroundRemoval t="10000" b="90000" l="10000" r="90000"/>
+                    </a14:imgEffect>
+                  </a14:imgLayer>
+                </a14:imgProps>
+              </a:ext>
+              <a:ext uri="{28A0092B-C50C-407E-A947-70E740481C1C}">
+                <a14:useLocalDpi xmlns:a14="http://schemas.microsoft.com/office/drawing/2010/main" val="0"/>
+              </a:ext>
+            </a:extLst>
+          </a:blip>
+          <a:stretch>
+            <a:fillRect/>
+          </a:stretch>
+        </p:blipFill>
+        <p:spPr>
+          <a:xfrm>
+            <a:off x="6644431" y="2451810"/>
+            <a:ext cx="2543998" cy="2476500"/>
+          </a:xfrm>
+          <a:prstGeom prst="rect">
+            <a:avLst/>
+          </a:prstGeom>
+        </p:spPr>
+      </p:pic>
+      <p:pic>
+        <p:nvPicPr>
+          <p:cNvPr id="2" name="圖片 1">
+            <a:extLst>
+              <a:ext uri="{FF2B5EF4-FFF2-40B4-BE49-F238E27FC236}">
+                <a16:creationId xmlns:a16="http://schemas.microsoft.com/office/drawing/2014/main" id="{6BC17799-9495-4FBE-BD27-91B232B77905}"/>
+              </a:ext>
+            </a:extLst>
+          </p:cNvPr>
+          <p:cNvPicPr>
+            <a:picLocks noChangeAspect="1"/>
+          </p:cNvPicPr>
+          <p:nvPr/>
+        </p:nvPicPr>
+        <p:blipFill rotWithShape="1">
+          <a:blip r:embed="rId4">
+            <a:extLst>
+              <a:ext uri="{28A0092B-C50C-407E-A947-70E740481C1C}">
+                <a14:useLocalDpi xmlns:a14="http://schemas.microsoft.com/office/drawing/2010/main" val="0"/>
+              </a:ext>
+            </a:extLst>
+          </a:blip>
+          <a:srcRect l="11036"/>
+          <a:stretch/>
+        </p:blipFill>
+        <p:spPr>
+          <a:xfrm>
+            <a:off x="722400" y="723830"/>
+            <a:ext cx="5982810" cy="3133351"/>
           </a:xfrm>
           <a:prstGeom prst="rect">
             <a:avLst/>
@@ -6403,8 +10244,8 @@
         </p:nvSpPr>
         <p:spPr>
           <a:xfrm>
-            <a:off x="9135491" y="1991649"/>
-            <a:ext cx="1322034" cy="523220"/>
+            <a:off x="8979946" y="1780266"/>
+            <a:ext cx="1633123" cy="954107"/>
           </a:xfrm>
           <a:prstGeom prst="rect">
             <a:avLst/>
@@ -6436,15 +10277,21 @@
                 <a:latin typeface="jf open 粉圓 1.1" panose="020F0500000000000000" pitchFamily="34" charset="-120"/>
                 <a:ea typeface="jf open 粉圓 1.1" panose="020F0500000000000000" pitchFamily="34" charset="-120"/>
               </a:rPr>
-              <a:t>4</a:t>
-            </a:r>
-            <a:endParaRPr lang="zh-TW" altLang="en-US" sz="2800" dirty="0">
-              <a:solidFill>
-                <a:schemeClr val="bg1"/>
-              </a:solidFill>
-              <a:latin typeface="jf open 粉圓 1.1" panose="020F0500000000000000" pitchFamily="34" charset="-120"/>
-              <a:ea typeface="jf open 粉圓 1.1" panose="020F0500000000000000" pitchFamily="34" charset="-120"/>
-            </a:endParaRPr>
+              <a:t>4:</a:t>
+            </a:r>
+          </a:p>
+          <a:p>
+            <a:pPr algn="ctr"/>
+            <a:r>
+              <a:rPr lang="zh-TW" altLang="en-US" sz="2800" dirty="0">
+                <a:solidFill>
+                  <a:schemeClr val="bg1"/>
+                </a:solidFill>
+                <a:latin typeface="jf open 粉圓 1.1" panose="020F0500000000000000" pitchFamily="34" charset="-120"/>
+                <a:ea typeface="jf open 粉圓 1.1" panose="020F0500000000000000" pitchFamily="34" charset="-120"/>
+              </a:rPr>
+              <a:t>預約諮商</a:t>
+            </a:r>
           </a:p>
         </p:txBody>
       </p:sp>
@@ -6463,7 +10310,7 @@
           <p:nvPr/>
         </p:nvPicPr>
         <p:blipFill>
-          <a:blip r:embed="rId3">
+          <a:blip r:embed="rId5">
             <a:extLst>
               <a:ext uri="{28A0092B-C50C-407E-A947-70E740481C1C}">
                 <a14:useLocalDpi xmlns:a14="http://schemas.microsoft.com/office/drawing/2010/main" val="0"/>
@@ -6498,6 +10345,652 @@
           </a:effectLst>
         </p:spPr>
       </p:pic>
+      <p:sp>
+        <p:nvSpPr>
+          <p:cNvPr id="7" name="文字方塊 6">
+            <a:extLst>
+              <a:ext uri="{FF2B5EF4-FFF2-40B4-BE49-F238E27FC236}">
+                <a16:creationId xmlns:a16="http://schemas.microsoft.com/office/drawing/2014/main" id="{D4871E17-EFD6-4E75-8496-AE65D47D9998}"/>
+              </a:ext>
+            </a:extLst>
+          </p:cNvPr>
+          <p:cNvSpPr txBox="1"/>
+          <p:nvPr/>
+        </p:nvSpPr>
+        <p:spPr>
+          <a:xfrm>
+            <a:off x="6951952" y="3519835"/>
+            <a:ext cx="1740023" cy="400110"/>
+          </a:xfrm>
+          <a:prstGeom prst="rect">
+            <a:avLst/>
+          </a:prstGeom>
+          <a:noFill/>
+        </p:spPr>
+        <p:txBody>
+          <a:bodyPr wrap="square" rtlCol="0">
+            <a:spAutoFit/>
+          </a:bodyPr>
+          <a:lstStyle>
+            <a:defPPr>
+              <a:defRPr lang="zh-TW"/>
+            </a:defPPr>
+            <a:lvl1pPr>
+              <a:defRPr sz="2000">
+                <a:solidFill>
+                  <a:schemeClr val="bg1"/>
+                </a:solidFill>
+                <a:latin typeface="jf open 粉圓 1.1" panose="020F0500000000000000" pitchFamily="34" charset="-120"/>
+                <a:ea typeface="jf open 粉圓 1.1" panose="020F0500000000000000" pitchFamily="34" charset="-120"/>
+              </a:defRPr>
+            </a:lvl1pPr>
+          </a:lstStyle>
+          <a:p>
+            <a:r>
+              <a:rPr lang="zh-TW" altLang="en-US" dirty="0"/>
+              <a:t>使用者視角</a:t>
+            </a:r>
+          </a:p>
+        </p:txBody>
+      </p:sp>
+      <p:sp>
+        <p:nvSpPr>
+          <p:cNvPr id="8" name="文字方塊 7">
+            <a:extLst>
+              <a:ext uri="{FF2B5EF4-FFF2-40B4-BE49-F238E27FC236}">
+                <a16:creationId xmlns:a16="http://schemas.microsoft.com/office/drawing/2014/main" id="{4B42B5D9-8E90-4ACC-B223-207E15A86524}"/>
+              </a:ext>
+            </a:extLst>
+          </p:cNvPr>
+          <p:cNvSpPr txBox="1"/>
+          <p:nvPr/>
+        </p:nvSpPr>
+        <p:spPr>
+          <a:xfrm>
+            <a:off x="6451755" y="6329778"/>
+            <a:ext cx="2476500" cy="400110"/>
+          </a:xfrm>
+          <a:prstGeom prst="rect">
+            <a:avLst/>
+          </a:prstGeom>
+          <a:noFill/>
+        </p:spPr>
+        <p:txBody>
+          <a:bodyPr wrap="square" rtlCol="0">
+            <a:spAutoFit/>
+          </a:bodyPr>
+          <a:lstStyle>
+            <a:defPPr>
+              <a:defRPr lang="zh-TW"/>
+            </a:defPPr>
+            <a:lvl1pPr>
+              <a:defRPr sz="2000">
+                <a:solidFill>
+                  <a:schemeClr val="bg1"/>
+                </a:solidFill>
+                <a:latin typeface="jf open 粉圓 1.1" panose="020F0500000000000000" pitchFamily="34" charset="-120"/>
+                <a:ea typeface="jf open 粉圓 1.1" panose="020F0500000000000000" pitchFamily="34" charset="-120"/>
+              </a:defRPr>
+            </a:lvl1pPr>
+          </a:lstStyle>
+          <a:p>
+            <a:r>
+              <a:rPr lang="zh-TW" altLang="en-US" dirty="0"/>
+              <a:t>診所</a:t>
+            </a:r>
+            <a:r>
+              <a:rPr lang="en-US" altLang="zh-TW" dirty="0"/>
+              <a:t>/</a:t>
+            </a:r>
+            <a:r>
+              <a:rPr lang="zh-TW" altLang="en-US" dirty="0"/>
+              <a:t>諮商師視角</a:t>
+            </a:r>
+          </a:p>
+        </p:txBody>
+      </p:sp>
+      <p:sp>
+        <p:nvSpPr>
+          <p:cNvPr id="9" name="文字方塊 8">
+            <a:extLst>
+              <a:ext uri="{FF2B5EF4-FFF2-40B4-BE49-F238E27FC236}">
+                <a16:creationId xmlns:a16="http://schemas.microsoft.com/office/drawing/2014/main" id="{4996B4DB-5296-43F4-A48E-7360ED368D26}"/>
+              </a:ext>
+            </a:extLst>
+          </p:cNvPr>
+          <p:cNvSpPr txBox="1"/>
+          <p:nvPr/>
+        </p:nvSpPr>
+        <p:spPr>
+          <a:xfrm>
+            <a:off x="8025646" y="108126"/>
+            <a:ext cx="3059098" cy="646331"/>
+          </a:xfrm>
+          <a:prstGeom prst="rect">
+            <a:avLst/>
+          </a:prstGeom>
+          <a:noFill/>
+          <a:ln w="19050">
+            <a:solidFill>
+              <a:srgbClr val="00B0F0"/>
+            </a:solidFill>
+          </a:ln>
+        </p:spPr>
+        <p:txBody>
+          <a:bodyPr wrap="square" rtlCol="0">
+            <a:spAutoFit/>
+          </a:bodyPr>
+          <a:lstStyle>
+            <a:defPPr>
+              <a:defRPr lang="zh-TW"/>
+            </a:defPPr>
+            <a:lvl1pPr algn="ctr">
+              <a:defRPr>
+                <a:latin typeface="jf open 粉圓 1.1" panose="020F0500000000000000" pitchFamily="34" charset="-120"/>
+                <a:ea typeface="jf open 粉圓 1.1" panose="020F0500000000000000" pitchFamily="34" charset="-120"/>
+              </a:defRPr>
+            </a:lvl1pPr>
+          </a:lstStyle>
+          <a:p>
+            <a:pPr algn="l"/>
+            <a:r>
+              <a:rPr lang="zh-TW" altLang="en-US" dirty="0"/>
+              <a:t>瀏覽聲音日記、檢測結果表、資料牆的閱覽紀錄與收藏。</a:t>
+            </a:r>
+          </a:p>
+        </p:txBody>
+      </p:sp>
+      <p:sp>
+        <p:nvSpPr>
+          <p:cNvPr id="10" name="文字方塊 9">
+            <a:extLst>
+              <a:ext uri="{FF2B5EF4-FFF2-40B4-BE49-F238E27FC236}">
+                <a16:creationId xmlns:a16="http://schemas.microsoft.com/office/drawing/2014/main" id="{AD86C7D5-4812-45C7-BB21-6C9E4079D9EE}"/>
+              </a:ext>
+            </a:extLst>
+          </p:cNvPr>
+          <p:cNvSpPr txBox="1"/>
+          <p:nvPr/>
+        </p:nvSpPr>
+        <p:spPr>
+          <a:xfrm>
+            <a:off x="728318" y="210128"/>
+            <a:ext cx="1179436" cy="369332"/>
+          </a:xfrm>
+          <a:prstGeom prst="rect">
+            <a:avLst/>
+          </a:prstGeom>
+          <a:noFill/>
+          <a:ln w="19050">
+            <a:solidFill>
+              <a:srgbClr val="00B0F0"/>
+            </a:solidFill>
+          </a:ln>
+        </p:spPr>
+        <p:txBody>
+          <a:bodyPr wrap="square" rtlCol="0">
+            <a:spAutoFit/>
+          </a:bodyPr>
+          <a:lstStyle>
+            <a:defPPr>
+              <a:defRPr lang="zh-TW"/>
+            </a:defPPr>
+            <a:lvl1pPr>
+              <a:defRPr>
+                <a:latin typeface="jf open 粉圓 1.1" panose="020F0500000000000000" pitchFamily="34" charset="-120"/>
+                <a:ea typeface="jf open 粉圓 1.1" panose="020F0500000000000000" pitchFamily="34" charset="-120"/>
+              </a:defRPr>
+            </a:lvl1pPr>
+          </a:lstStyle>
+          <a:p>
+            <a:pPr algn="ctr"/>
+            <a:r>
+              <a:rPr lang="zh-TW" altLang="en-US" dirty="0"/>
+              <a:t>預約時段</a:t>
+            </a:r>
+          </a:p>
+        </p:txBody>
+      </p:sp>
+      <p:sp>
+        <p:nvSpPr>
+          <p:cNvPr id="11" name="文字方塊 10">
+            <a:extLst>
+              <a:ext uri="{FF2B5EF4-FFF2-40B4-BE49-F238E27FC236}">
+                <a16:creationId xmlns:a16="http://schemas.microsoft.com/office/drawing/2014/main" id="{535256B6-B2B2-4603-AE54-C3AE7B7E2F86}"/>
+              </a:ext>
+            </a:extLst>
+          </p:cNvPr>
+          <p:cNvSpPr txBox="1"/>
+          <p:nvPr/>
+        </p:nvSpPr>
+        <p:spPr>
+          <a:xfrm>
+            <a:off x="1490940" y="3059668"/>
+            <a:ext cx="1190071" cy="369332"/>
+          </a:xfrm>
+          <a:prstGeom prst="rect">
+            <a:avLst/>
+          </a:prstGeom>
+          <a:noFill/>
+          <a:ln w="19050">
+            <a:solidFill>
+              <a:srgbClr val="00B0F0"/>
+            </a:solidFill>
+          </a:ln>
+        </p:spPr>
+        <p:txBody>
+          <a:bodyPr wrap="square" rtlCol="0">
+            <a:spAutoFit/>
+          </a:bodyPr>
+          <a:lstStyle>
+            <a:defPPr>
+              <a:defRPr lang="zh-TW"/>
+            </a:defPPr>
+            <a:lvl1pPr>
+              <a:defRPr>
+                <a:latin typeface="jf open 粉圓 1.1" panose="020F0500000000000000" pitchFamily="34" charset="-120"/>
+                <a:ea typeface="jf open 粉圓 1.1" panose="020F0500000000000000" pitchFamily="34" charset="-120"/>
+              </a:defRPr>
+            </a:lvl1pPr>
+          </a:lstStyle>
+          <a:p>
+            <a:pPr algn="ctr"/>
+            <a:r>
+              <a:rPr lang="zh-TW" altLang="en-US" dirty="0"/>
+              <a:t>視訊畫面</a:t>
+            </a:r>
+          </a:p>
+        </p:txBody>
+      </p:sp>
+      <p:sp>
+        <p:nvSpPr>
+          <p:cNvPr id="12" name="文字方塊 11">
+            <a:extLst>
+              <a:ext uri="{FF2B5EF4-FFF2-40B4-BE49-F238E27FC236}">
+                <a16:creationId xmlns:a16="http://schemas.microsoft.com/office/drawing/2014/main" id="{D71B85D0-1188-4A89-AA06-F2455D14F78E}"/>
+              </a:ext>
+            </a:extLst>
+          </p:cNvPr>
+          <p:cNvSpPr txBox="1"/>
+          <p:nvPr/>
+        </p:nvSpPr>
+        <p:spPr>
+          <a:xfrm>
+            <a:off x="4339314" y="4176791"/>
+            <a:ext cx="1844244" cy="923330"/>
+          </a:xfrm>
+          <a:prstGeom prst="rect">
+            <a:avLst/>
+          </a:prstGeom>
+          <a:noFill/>
+          <a:ln w="19050">
+            <a:solidFill>
+              <a:srgbClr val="00B0F0"/>
+            </a:solidFill>
+          </a:ln>
+        </p:spPr>
+        <p:txBody>
+          <a:bodyPr wrap="square" rtlCol="0">
+            <a:spAutoFit/>
+          </a:bodyPr>
+          <a:lstStyle>
+            <a:defPPr>
+              <a:defRPr lang="zh-TW"/>
+            </a:defPPr>
+            <a:lvl1pPr>
+              <a:defRPr>
+                <a:latin typeface="jf open 粉圓 1.1" panose="020F0500000000000000" pitchFamily="34" charset="-120"/>
+                <a:ea typeface="jf open 粉圓 1.1" panose="020F0500000000000000" pitchFamily="34" charset="-120"/>
+              </a:defRPr>
+            </a:lvl1pPr>
+          </a:lstStyle>
+          <a:p>
+            <a:pPr marL="285750" indent="-285750">
+              <a:buFont typeface="Wingdings" panose="05000000000000000000" pitchFamily="2" charset="2"/>
+              <a:buChar char="Ø"/>
+            </a:pPr>
+            <a:r>
+              <a:rPr lang="zh-TW" altLang="en-US" dirty="0"/>
+              <a:t>整理病人資訊</a:t>
+            </a:r>
+            <a:endParaRPr lang="en-US" altLang="zh-TW" dirty="0"/>
+          </a:p>
+          <a:p>
+            <a:pPr marL="285750" indent="-285750">
+              <a:buFont typeface="Wingdings" panose="05000000000000000000" pitchFamily="2" charset="2"/>
+              <a:buChar char="Ø"/>
+            </a:pPr>
+            <a:r>
+              <a:rPr lang="zh-TW" altLang="en-US" dirty="0"/>
+              <a:t>上傳諮詢時段</a:t>
+            </a:r>
+            <a:endParaRPr lang="en-US" altLang="zh-TW" dirty="0"/>
+          </a:p>
+          <a:p>
+            <a:pPr marL="285750" indent="-285750">
+              <a:buFont typeface="Wingdings" panose="05000000000000000000" pitchFamily="2" charset="2"/>
+              <a:buChar char="Ø"/>
+            </a:pPr>
+            <a:r>
+              <a:rPr lang="zh-TW" altLang="en-US" dirty="0"/>
+              <a:t>發表文章</a:t>
+            </a:r>
+          </a:p>
+        </p:txBody>
+      </p:sp>
+      <p:cxnSp>
+        <p:nvCxnSpPr>
+          <p:cNvPr id="16" name="接點: 肘形 15">
+            <a:extLst>
+              <a:ext uri="{FF2B5EF4-FFF2-40B4-BE49-F238E27FC236}">
+                <a16:creationId xmlns:a16="http://schemas.microsoft.com/office/drawing/2014/main" id="{646059FF-A413-41DD-8B52-457BD9AAA210}"/>
+              </a:ext>
+            </a:extLst>
+          </p:cNvPr>
+          <p:cNvCxnSpPr>
+            <a:cxnSpLocks/>
+          </p:cNvCxnSpPr>
+          <p:nvPr/>
+        </p:nvCxnSpPr>
+        <p:spPr>
+          <a:xfrm rot="16200000" flipH="1">
+            <a:off x="715113" y="1172312"/>
+            <a:ext cx="1373711" cy="167864"/>
+          </a:xfrm>
+          <a:prstGeom prst="bentConnector3">
+            <a:avLst>
+              <a:gd name="adj1" fmla="val 50000"/>
+            </a:avLst>
+          </a:prstGeom>
+          <a:ln w="28575">
+            <a:solidFill>
+              <a:srgbClr val="00B0F0"/>
+            </a:solidFill>
+            <a:tailEnd type="oval"/>
+          </a:ln>
+        </p:spPr>
+        <p:style>
+          <a:lnRef idx="1">
+            <a:schemeClr val="accent1"/>
+          </a:lnRef>
+          <a:fillRef idx="0">
+            <a:schemeClr val="accent1"/>
+          </a:fillRef>
+          <a:effectRef idx="0">
+            <a:schemeClr val="accent1"/>
+          </a:effectRef>
+          <a:fontRef idx="minor">
+            <a:schemeClr val="tx1"/>
+          </a:fontRef>
+        </p:style>
+      </p:cxnSp>
+      <p:cxnSp>
+        <p:nvCxnSpPr>
+          <p:cNvPr id="20" name="直線單箭頭接點 19">
+            <a:extLst>
+              <a:ext uri="{FF2B5EF4-FFF2-40B4-BE49-F238E27FC236}">
+                <a16:creationId xmlns:a16="http://schemas.microsoft.com/office/drawing/2014/main" id="{2F3D7771-6C23-4CA8-B0E4-36E50C6914DA}"/>
+              </a:ext>
+            </a:extLst>
+          </p:cNvPr>
+          <p:cNvCxnSpPr>
+            <a:stCxn id="11" idx="0"/>
+          </p:cNvCxnSpPr>
+          <p:nvPr/>
+        </p:nvCxnSpPr>
+        <p:spPr>
+          <a:xfrm flipV="1">
+            <a:off x="2085976" y="1581315"/>
+            <a:ext cx="788704" cy="1478353"/>
+          </a:xfrm>
+          <a:prstGeom prst="straightConnector1">
+            <a:avLst/>
+          </a:prstGeom>
+          <a:ln w="28575">
+            <a:solidFill>
+              <a:srgbClr val="00B0F0"/>
+            </a:solidFill>
+            <a:tailEnd type="triangle"/>
+          </a:ln>
+        </p:spPr>
+        <p:style>
+          <a:lnRef idx="1">
+            <a:schemeClr val="accent1"/>
+          </a:lnRef>
+          <a:fillRef idx="0">
+            <a:schemeClr val="accent1"/>
+          </a:fillRef>
+          <a:effectRef idx="0">
+            <a:schemeClr val="accent1"/>
+          </a:effectRef>
+          <a:fontRef idx="minor">
+            <a:schemeClr val="tx1"/>
+          </a:fontRef>
+        </p:style>
+      </p:cxnSp>
+      <p:cxnSp>
+        <p:nvCxnSpPr>
+          <p:cNvPr id="22" name="直線單箭頭接點 21">
+            <a:extLst>
+              <a:ext uri="{FF2B5EF4-FFF2-40B4-BE49-F238E27FC236}">
+                <a16:creationId xmlns:a16="http://schemas.microsoft.com/office/drawing/2014/main" id="{9FB16F42-FCF3-4EE2-8453-D0A21205B02F}"/>
+              </a:ext>
+            </a:extLst>
+          </p:cNvPr>
+          <p:cNvCxnSpPr>
+            <a:cxnSpLocks/>
+            <a:stCxn id="11" idx="2"/>
+          </p:cNvCxnSpPr>
+          <p:nvPr/>
+        </p:nvCxnSpPr>
+        <p:spPr>
+          <a:xfrm>
+            <a:off x="2085976" y="3429000"/>
+            <a:ext cx="1054979" cy="1285666"/>
+          </a:xfrm>
+          <a:prstGeom prst="straightConnector1">
+            <a:avLst/>
+          </a:prstGeom>
+          <a:ln w="28575">
+            <a:solidFill>
+              <a:srgbClr val="00B0F0"/>
+            </a:solidFill>
+            <a:tailEnd type="triangle"/>
+          </a:ln>
+        </p:spPr>
+        <p:style>
+          <a:lnRef idx="1">
+            <a:schemeClr val="accent1"/>
+          </a:lnRef>
+          <a:fillRef idx="0">
+            <a:schemeClr val="accent1"/>
+          </a:fillRef>
+          <a:effectRef idx="0">
+            <a:schemeClr val="accent1"/>
+          </a:effectRef>
+          <a:fontRef idx="minor">
+            <a:schemeClr val="tx1"/>
+          </a:fontRef>
+        </p:style>
+      </p:cxnSp>
+      <p:cxnSp>
+        <p:nvCxnSpPr>
+          <p:cNvPr id="24" name="接點: 肘形 23">
+            <a:extLst>
+              <a:ext uri="{FF2B5EF4-FFF2-40B4-BE49-F238E27FC236}">
+                <a16:creationId xmlns:a16="http://schemas.microsoft.com/office/drawing/2014/main" id="{FF8A038B-1B9E-476B-B1B0-8A79BEE431B5}"/>
+              </a:ext>
+            </a:extLst>
+          </p:cNvPr>
+          <p:cNvCxnSpPr>
+            <a:cxnSpLocks/>
+            <a:endCxn id="9" idx="1"/>
+          </p:cNvCxnSpPr>
+          <p:nvPr/>
+        </p:nvCxnSpPr>
+        <p:spPr>
+          <a:xfrm rot="5400000" flipH="1" flipV="1">
+            <a:off x="6066897" y="547956"/>
+            <a:ext cx="2075413" cy="1842086"/>
+          </a:xfrm>
+          <a:prstGeom prst="bentConnector2">
+            <a:avLst/>
+          </a:prstGeom>
+          <a:ln w="28575">
+            <a:solidFill>
+              <a:srgbClr val="00B0F0"/>
+            </a:solidFill>
+            <a:headEnd type="oval"/>
+            <a:tailEnd type="none"/>
+          </a:ln>
+        </p:spPr>
+        <p:style>
+          <a:lnRef idx="1">
+            <a:schemeClr val="accent1"/>
+          </a:lnRef>
+          <a:fillRef idx="0">
+            <a:schemeClr val="accent1"/>
+          </a:fillRef>
+          <a:effectRef idx="0">
+            <a:schemeClr val="accent1"/>
+          </a:effectRef>
+          <a:fontRef idx="minor">
+            <a:schemeClr val="tx1"/>
+          </a:fontRef>
+        </p:style>
+      </p:cxnSp>
+      <p:sp>
+        <p:nvSpPr>
+          <p:cNvPr id="30" name="文字方塊 29">
+            <a:extLst>
+              <a:ext uri="{FF2B5EF4-FFF2-40B4-BE49-F238E27FC236}">
+                <a16:creationId xmlns:a16="http://schemas.microsoft.com/office/drawing/2014/main" id="{D82FD937-2C14-41F2-88FE-24A840C7C222}"/>
+              </a:ext>
+            </a:extLst>
+          </p:cNvPr>
+          <p:cNvSpPr txBox="1"/>
+          <p:nvPr/>
+        </p:nvSpPr>
+        <p:spPr>
+          <a:xfrm>
+            <a:off x="6800849" y="4553804"/>
+            <a:ext cx="3305175" cy="923330"/>
+          </a:xfrm>
+          <a:prstGeom prst="rect">
+            <a:avLst/>
+          </a:prstGeom>
+          <a:noFill/>
+          <a:ln w="19050">
+            <a:solidFill>
+              <a:srgbClr val="00B0F0"/>
+            </a:solidFill>
+          </a:ln>
+        </p:spPr>
+        <p:txBody>
+          <a:bodyPr wrap="square" rtlCol="0">
+            <a:spAutoFit/>
+          </a:bodyPr>
+          <a:lstStyle>
+            <a:defPPr>
+              <a:defRPr lang="zh-TW"/>
+            </a:defPPr>
+            <a:lvl1pPr marL="285750" indent="-285750">
+              <a:buFont typeface="Wingdings" panose="05000000000000000000" pitchFamily="2" charset="2"/>
+              <a:buChar char="Ø"/>
+              <a:defRPr>
+                <a:latin typeface="jf open 粉圓 1.1" panose="020F0500000000000000" pitchFamily="34" charset="-120"/>
+                <a:ea typeface="jf open 粉圓 1.1" panose="020F0500000000000000" pitchFamily="34" charset="-120"/>
+              </a:defRPr>
+            </a:lvl1pPr>
+          </a:lstStyle>
+          <a:p>
+            <a:pPr marL="0" indent="0">
+              <a:buNone/>
+            </a:pPr>
+            <a:r>
+              <a:rPr lang="zh-TW" altLang="en-US" dirty="0"/>
+              <a:t>為了方便商家操作，</a:t>
+            </a:r>
+            <a:endParaRPr lang="en-US" altLang="zh-TW" dirty="0"/>
+          </a:p>
+          <a:p>
+            <a:pPr marL="0" indent="0">
+              <a:buNone/>
+            </a:pPr>
+            <a:r>
+              <a:rPr lang="zh-TW" altLang="en-US" dirty="0"/>
+              <a:t>這三項功能預計會讓商家</a:t>
+            </a:r>
+            <a:r>
+              <a:rPr lang="en-US" altLang="zh-TW" dirty="0"/>
+              <a:t>(</a:t>
+            </a:r>
+            <a:r>
+              <a:rPr lang="zh-TW" altLang="en-US" dirty="0"/>
+              <a:t>診所</a:t>
+            </a:r>
+            <a:r>
+              <a:rPr lang="en-US" altLang="zh-TW" dirty="0"/>
+              <a:t>)</a:t>
+            </a:r>
+          </a:p>
+          <a:p>
+            <a:pPr marL="0" indent="0">
+              <a:buNone/>
+            </a:pPr>
+            <a:r>
+              <a:rPr lang="zh-TW" altLang="en-US" dirty="0"/>
+              <a:t>用網頁操作。</a:t>
+            </a:r>
+          </a:p>
+        </p:txBody>
+      </p:sp>
+      <p:cxnSp>
+        <p:nvCxnSpPr>
+          <p:cNvPr id="32" name="直線接點 31">
+            <a:extLst>
+              <a:ext uri="{FF2B5EF4-FFF2-40B4-BE49-F238E27FC236}">
+                <a16:creationId xmlns:a16="http://schemas.microsoft.com/office/drawing/2014/main" id="{9AA3CEF1-F4E5-470B-953A-5FED55C37B2D}"/>
+              </a:ext>
+            </a:extLst>
+          </p:cNvPr>
+          <p:cNvCxnSpPr>
+            <a:cxnSpLocks/>
+            <a:stCxn id="12" idx="3"/>
+            <a:endCxn id="30" idx="1"/>
+          </p:cNvCxnSpPr>
+          <p:nvPr/>
+        </p:nvCxnSpPr>
+        <p:spPr>
+          <a:xfrm>
+            <a:off x="6183558" y="4638456"/>
+            <a:ext cx="617291" cy="377013"/>
+          </a:xfrm>
+          <a:prstGeom prst="line">
+            <a:avLst/>
+          </a:prstGeom>
+          <a:ln w="28575">
+            <a:solidFill>
+              <a:srgbClr val="00B0F0"/>
+            </a:solidFill>
+            <a:tailEnd type="none"/>
+          </a:ln>
+        </p:spPr>
+        <p:style>
+          <a:lnRef idx="1">
+            <a:schemeClr val="accent1"/>
+          </a:lnRef>
+          <a:fillRef idx="0">
+            <a:schemeClr val="accent1"/>
+          </a:fillRef>
+          <a:effectRef idx="0">
+            <a:schemeClr val="accent1"/>
+          </a:effectRef>
+          <a:fontRef idx="minor">
+            <a:schemeClr val="tx1"/>
+          </a:fontRef>
+        </p:style>
+      </p:cxnSp>
     </p:spTree>
     <p:extLst>
       <p:ext uri="{BB962C8B-B14F-4D97-AF65-F5344CB8AC3E}">
@@ -6530,10 +11023,10 @@
       </p:grpSpPr>
       <p:pic>
         <p:nvPicPr>
-          <p:cNvPr id="3" name="圖片 2">
-            <a:extLst>
-              <a:ext uri="{FF2B5EF4-FFF2-40B4-BE49-F238E27FC236}">
-                <a16:creationId xmlns:a16="http://schemas.microsoft.com/office/drawing/2014/main" id="{1A142BA6-7A47-473B-A66D-C84AF33FA084}"/>
+          <p:cNvPr id="42" name="圖片 41">
+            <a:extLst>
+              <a:ext uri="{FF2B5EF4-FFF2-40B4-BE49-F238E27FC236}">
+                <a16:creationId xmlns:a16="http://schemas.microsoft.com/office/drawing/2014/main" id="{45D16819-8F1B-464D-A6B9-A14FE80F3D65}"/>
               </a:ext>
             </a:extLst>
           </p:cNvPr>
@@ -6545,6 +11038,15 @@
         <p:blipFill>
           <a:blip r:embed="rId2">
             <a:extLst>
+              <a:ext uri="{BEBA8EAE-BF5A-486C-A8C5-ECC9F3942E4B}">
+                <a14:imgProps xmlns:a14="http://schemas.microsoft.com/office/drawing/2010/main">
+                  <a14:imgLayer r:embed="rId3">
+                    <a14:imgEffect>
+                      <a14:backgroundRemoval t="10000" b="90000" l="10000" r="90000"/>
+                    </a14:imgEffect>
+                  </a14:imgLayer>
+                </a14:imgProps>
+              </a:ext>
               <a:ext uri="{28A0092B-C50C-407E-A947-70E740481C1C}">
                 <a14:useLocalDpi xmlns:a14="http://schemas.microsoft.com/office/drawing/2010/main" val="0"/>
               </a:ext>
@@ -6556,7 +11058,88 @@
         </p:blipFill>
         <p:spPr>
           <a:xfrm>
-            <a:off x="545814" y="2598593"/>
+            <a:off x="10182156" y="3886705"/>
+            <a:ext cx="1703188" cy="2558837"/>
+          </a:xfrm>
+          <a:prstGeom prst="rect">
+            <a:avLst/>
+          </a:prstGeom>
+        </p:spPr>
+      </p:pic>
+      <p:pic>
+        <p:nvPicPr>
+          <p:cNvPr id="40" name="圖片 39">
+            <a:extLst>
+              <a:ext uri="{FF2B5EF4-FFF2-40B4-BE49-F238E27FC236}">
+                <a16:creationId xmlns:a16="http://schemas.microsoft.com/office/drawing/2014/main" id="{9D6D0953-11E1-477A-AF25-7804DD49E3D8}"/>
+              </a:ext>
+            </a:extLst>
+          </p:cNvPr>
+          <p:cNvPicPr>
+            <a:picLocks noChangeAspect="1"/>
+          </p:cNvPicPr>
+          <p:nvPr/>
+        </p:nvPicPr>
+        <p:blipFill>
+          <a:blip r:embed="rId2">
+            <a:extLst>
+              <a:ext uri="{BEBA8EAE-BF5A-486C-A8C5-ECC9F3942E4B}">
+                <a14:imgProps xmlns:a14="http://schemas.microsoft.com/office/drawing/2010/main">
+                  <a14:imgLayer r:embed="rId3">
+                    <a14:imgEffect>
+                      <a14:backgroundRemoval t="10000" b="90000" l="10000" r="90000"/>
+                    </a14:imgEffect>
+                  </a14:imgLayer>
+                </a14:imgProps>
+              </a:ext>
+              <a:ext uri="{28A0092B-C50C-407E-A947-70E740481C1C}">
+                <a14:useLocalDpi xmlns:a14="http://schemas.microsoft.com/office/drawing/2010/main" val="0"/>
+              </a:ext>
+            </a:extLst>
+          </a:blip>
+          <a:stretch>
+            <a:fillRect/>
+          </a:stretch>
+        </p:blipFill>
+        <p:spPr>
+          <a:xfrm>
+            <a:off x="563450" y="3860523"/>
+            <a:ext cx="1978739" cy="2558837"/>
+          </a:xfrm>
+          <a:prstGeom prst="rect">
+            <a:avLst/>
+          </a:prstGeom>
+        </p:spPr>
+      </p:pic>
+      <p:pic>
+        <p:nvPicPr>
+          <p:cNvPr id="3" name="圖片 2">
+            <a:extLst>
+              <a:ext uri="{FF2B5EF4-FFF2-40B4-BE49-F238E27FC236}">
+                <a16:creationId xmlns:a16="http://schemas.microsoft.com/office/drawing/2014/main" id="{1A142BA6-7A47-473B-A66D-C84AF33FA084}"/>
+              </a:ext>
+            </a:extLst>
+          </p:cNvPr>
+          <p:cNvPicPr>
+            <a:picLocks noChangeAspect="1"/>
+          </p:cNvPicPr>
+          <p:nvPr/>
+        </p:nvPicPr>
+        <p:blipFill>
+          <a:blip r:embed="rId4">
+            <a:extLst>
+              <a:ext uri="{28A0092B-C50C-407E-A947-70E740481C1C}">
+                <a14:useLocalDpi xmlns:a14="http://schemas.microsoft.com/office/drawing/2010/main" val="0"/>
+              </a:ext>
+            </a:extLst>
+          </a:blip>
+          <a:stretch>
+            <a:fillRect/>
+          </a:stretch>
+        </p:blipFill>
+        <p:spPr>
+          <a:xfrm>
+            <a:off x="613893" y="3608498"/>
             <a:ext cx="2224019" cy="1036228"/>
           </a:xfrm>
           <a:prstGeom prst="rect">
@@ -6593,7 +11176,7 @@
           <p:nvPr/>
         </p:nvPicPr>
         <p:blipFill>
-          <a:blip r:embed="rId3">
+          <a:blip r:embed="rId5">
             <a:extLst>
               <a:ext uri="{28A0092B-C50C-407E-A947-70E740481C1C}">
                 <a14:useLocalDpi xmlns:a14="http://schemas.microsoft.com/office/drawing/2010/main" val="0"/>
@@ -6606,7 +11189,7 @@
         </p:blipFill>
         <p:spPr>
           <a:xfrm>
-            <a:off x="9201544" y="2598593"/>
+            <a:off x="9661324" y="3639140"/>
             <a:ext cx="2224020" cy="1036229"/>
           </a:xfrm>
           <a:prstGeom prst="rect">
@@ -6628,6 +11211,1724 @@
           </a:effectLst>
         </p:spPr>
       </p:pic>
+      <p:sp>
+        <p:nvSpPr>
+          <p:cNvPr id="2" name="橢圓 1">
+            <a:extLst>
+              <a:ext uri="{FF2B5EF4-FFF2-40B4-BE49-F238E27FC236}">
+                <a16:creationId xmlns:a16="http://schemas.microsoft.com/office/drawing/2014/main" id="{54F0A848-E656-4CFC-A73C-126CCEE8A962}"/>
+              </a:ext>
+            </a:extLst>
+          </p:cNvPr>
+          <p:cNvSpPr/>
+          <p:nvPr/>
+        </p:nvSpPr>
+        <p:spPr>
+          <a:xfrm>
+            <a:off x="2712966" y="5128760"/>
+            <a:ext cx="1670207" cy="723935"/>
+          </a:xfrm>
+          <a:prstGeom prst="ellipse">
+            <a:avLst/>
+          </a:prstGeom>
+        </p:spPr>
+        <p:style>
+          <a:lnRef idx="2">
+            <a:schemeClr val="accent1">
+              <a:shade val="50000"/>
+            </a:schemeClr>
+          </a:lnRef>
+          <a:fillRef idx="1">
+            <a:schemeClr val="accent1"/>
+          </a:fillRef>
+          <a:effectRef idx="0">
+            <a:schemeClr val="accent1"/>
+          </a:effectRef>
+          <a:fontRef idx="minor">
+            <a:schemeClr val="lt1"/>
+          </a:fontRef>
+        </p:style>
+        <p:txBody>
+          <a:bodyPr rtlCol="0" anchor="ctr"/>
+          <a:lstStyle/>
+          <a:p>
+            <a:pPr algn="ctr"/>
+            <a:r>
+              <a:rPr lang="zh-TW" altLang="en-US" dirty="0"/>
+              <a:t>選擇</a:t>
+            </a:r>
+            <a:br>
+              <a:rPr lang="en-US" altLang="zh-TW" dirty="0"/>
+            </a:br>
+            <a:r>
+              <a:rPr lang="zh-TW" altLang="en-US" dirty="0"/>
+              <a:t>諮詢時段</a:t>
+            </a:r>
+          </a:p>
+        </p:txBody>
+      </p:sp>
+      <p:sp>
+        <p:nvSpPr>
+          <p:cNvPr id="5" name="橢圓 4">
+            <a:extLst>
+              <a:ext uri="{FF2B5EF4-FFF2-40B4-BE49-F238E27FC236}">
+                <a16:creationId xmlns:a16="http://schemas.microsoft.com/office/drawing/2014/main" id="{12B45662-55A3-4231-A194-9C0264E62B1C}"/>
+              </a:ext>
+            </a:extLst>
+          </p:cNvPr>
+          <p:cNvSpPr/>
+          <p:nvPr/>
+        </p:nvSpPr>
+        <p:spPr>
+          <a:xfrm>
+            <a:off x="5426591" y="3429000"/>
+            <a:ext cx="1581744" cy="343332"/>
+          </a:xfrm>
+          <a:prstGeom prst="ellipse">
+            <a:avLst/>
+          </a:prstGeom>
+          <a:solidFill>
+            <a:schemeClr val="accent2"/>
+          </a:solidFill>
+          <a:ln>
+            <a:solidFill>
+              <a:srgbClr val="FF0000"/>
+            </a:solidFill>
+          </a:ln>
+        </p:spPr>
+        <p:style>
+          <a:lnRef idx="2">
+            <a:schemeClr val="accent1">
+              <a:shade val="50000"/>
+            </a:schemeClr>
+          </a:lnRef>
+          <a:fillRef idx="1">
+            <a:schemeClr val="accent1"/>
+          </a:fillRef>
+          <a:effectRef idx="0">
+            <a:schemeClr val="accent1"/>
+          </a:effectRef>
+          <a:fontRef idx="minor">
+            <a:schemeClr val="lt1"/>
+          </a:fontRef>
+        </p:style>
+        <p:txBody>
+          <a:bodyPr rtlCol="0" anchor="ctr"/>
+          <a:lstStyle/>
+          <a:p>
+            <a:pPr algn="ctr"/>
+            <a:r>
+              <a:rPr lang="zh-TW" altLang="en-US" b="1" dirty="0"/>
+              <a:t>視訊面談</a:t>
+            </a:r>
+          </a:p>
+        </p:txBody>
+      </p:sp>
+      <p:sp>
+        <p:nvSpPr>
+          <p:cNvPr id="6" name="橢圓 5">
+            <a:extLst>
+              <a:ext uri="{FF2B5EF4-FFF2-40B4-BE49-F238E27FC236}">
+                <a16:creationId xmlns:a16="http://schemas.microsoft.com/office/drawing/2014/main" id="{663B371E-FBE9-4439-9808-34E4152B1FFE}"/>
+              </a:ext>
+            </a:extLst>
+          </p:cNvPr>
+          <p:cNvSpPr/>
+          <p:nvPr/>
+        </p:nvSpPr>
+        <p:spPr>
+          <a:xfrm>
+            <a:off x="3993861" y="4600126"/>
+            <a:ext cx="1581743" cy="387049"/>
+          </a:xfrm>
+          <a:prstGeom prst="ellipse">
+            <a:avLst/>
+          </a:prstGeom>
+        </p:spPr>
+        <p:style>
+          <a:lnRef idx="2">
+            <a:schemeClr val="accent1">
+              <a:shade val="50000"/>
+            </a:schemeClr>
+          </a:lnRef>
+          <a:fillRef idx="1">
+            <a:schemeClr val="accent1"/>
+          </a:fillRef>
+          <a:effectRef idx="0">
+            <a:schemeClr val="accent1"/>
+          </a:effectRef>
+          <a:fontRef idx="minor">
+            <a:schemeClr val="lt1"/>
+          </a:fontRef>
+        </p:style>
+        <p:txBody>
+          <a:bodyPr rtlCol="0" anchor="ctr"/>
+          <a:lstStyle/>
+          <a:p>
+            <a:pPr algn="ctr"/>
+            <a:r>
+              <a:rPr lang="zh-TW" altLang="en-US" dirty="0"/>
+              <a:t>發送預約</a:t>
+            </a:r>
+          </a:p>
+        </p:txBody>
+      </p:sp>
+      <p:sp>
+        <p:nvSpPr>
+          <p:cNvPr id="7" name="橢圓 6">
+            <a:extLst>
+              <a:ext uri="{FF2B5EF4-FFF2-40B4-BE49-F238E27FC236}">
+                <a16:creationId xmlns:a16="http://schemas.microsoft.com/office/drawing/2014/main" id="{3CCCF0CA-9B97-404B-B33C-6567EE589632}"/>
+              </a:ext>
+            </a:extLst>
+          </p:cNvPr>
+          <p:cNvSpPr/>
+          <p:nvPr/>
+        </p:nvSpPr>
+        <p:spPr>
+          <a:xfrm>
+            <a:off x="2770037" y="2767574"/>
+            <a:ext cx="1552708" cy="723936"/>
+          </a:xfrm>
+          <a:prstGeom prst="ellipse">
+            <a:avLst/>
+          </a:prstGeom>
+        </p:spPr>
+        <p:style>
+          <a:lnRef idx="2">
+            <a:schemeClr val="accent1">
+              <a:shade val="50000"/>
+            </a:schemeClr>
+          </a:lnRef>
+          <a:fillRef idx="1">
+            <a:schemeClr val="accent1"/>
+          </a:fillRef>
+          <a:effectRef idx="0">
+            <a:schemeClr val="accent1"/>
+          </a:effectRef>
+          <a:fontRef idx="minor">
+            <a:schemeClr val="lt1"/>
+          </a:fontRef>
+        </p:style>
+        <p:txBody>
+          <a:bodyPr rtlCol="0" anchor="ctr"/>
+          <a:lstStyle/>
+          <a:p>
+            <a:pPr algn="ctr"/>
+            <a:r>
+              <a:rPr lang="zh-TW" altLang="en-US" dirty="0"/>
+              <a:t>輸入</a:t>
+            </a:r>
+            <a:br>
+              <a:rPr lang="en-US" altLang="zh-TW" dirty="0"/>
+            </a:br>
+            <a:r>
+              <a:rPr lang="zh-TW" altLang="en-US" dirty="0"/>
+              <a:t>個人資訊</a:t>
+            </a:r>
+          </a:p>
+        </p:txBody>
+      </p:sp>
+      <p:sp>
+        <p:nvSpPr>
+          <p:cNvPr id="8" name="橢圓 7">
+            <a:extLst>
+              <a:ext uri="{FF2B5EF4-FFF2-40B4-BE49-F238E27FC236}">
+                <a16:creationId xmlns:a16="http://schemas.microsoft.com/office/drawing/2014/main" id="{5E92D3DB-1E74-49D6-AD6B-D32C7FA6F295}"/>
+              </a:ext>
+            </a:extLst>
+          </p:cNvPr>
+          <p:cNvSpPr/>
+          <p:nvPr/>
+        </p:nvSpPr>
+        <p:spPr>
+          <a:xfrm>
+            <a:off x="5162431" y="2164966"/>
+            <a:ext cx="1624031" cy="593728"/>
+          </a:xfrm>
+          <a:prstGeom prst="ellipse">
+            <a:avLst/>
+          </a:prstGeom>
+        </p:spPr>
+        <p:style>
+          <a:lnRef idx="2">
+            <a:schemeClr val="accent1">
+              <a:shade val="50000"/>
+            </a:schemeClr>
+          </a:lnRef>
+          <a:fillRef idx="1">
+            <a:schemeClr val="accent1"/>
+          </a:fillRef>
+          <a:effectRef idx="0">
+            <a:schemeClr val="accent1"/>
+          </a:effectRef>
+          <a:fontRef idx="minor">
+            <a:schemeClr val="lt1"/>
+          </a:fontRef>
+        </p:style>
+        <p:txBody>
+          <a:bodyPr rtlCol="0" anchor="ctr"/>
+          <a:lstStyle/>
+          <a:p>
+            <a:pPr algn="ctr"/>
+            <a:r>
+              <a:rPr lang="zh-TW" altLang="en-US" dirty="0"/>
+              <a:t>個人資訊</a:t>
+            </a:r>
+          </a:p>
+        </p:txBody>
+      </p:sp>
+      <p:sp>
+        <p:nvSpPr>
+          <p:cNvPr id="9" name="橢圓 8">
+            <a:extLst>
+              <a:ext uri="{FF2B5EF4-FFF2-40B4-BE49-F238E27FC236}">
+                <a16:creationId xmlns:a16="http://schemas.microsoft.com/office/drawing/2014/main" id="{635627FB-52C8-4D08-9864-6FB942350E3E}"/>
+              </a:ext>
+            </a:extLst>
+          </p:cNvPr>
+          <p:cNvSpPr/>
+          <p:nvPr/>
+        </p:nvSpPr>
+        <p:spPr>
+          <a:xfrm>
+            <a:off x="8017131" y="5490727"/>
+            <a:ext cx="1892824" cy="622141"/>
+          </a:xfrm>
+          <a:prstGeom prst="ellipse">
+            <a:avLst/>
+          </a:prstGeom>
+        </p:spPr>
+        <p:style>
+          <a:lnRef idx="2">
+            <a:schemeClr val="accent1">
+              <a:shade val="50000"/>
+            </a:schemeClr>
+          </a:lnRef>
+          <a:fillRef idx="1">
+            <a:schemeClr val="accent1"/>
+          </a:fillRef>
+          <a:effectRef idx="0">
+            <a:schemeClr val="accent1"/>
+          </a:effectRef>
+          <a:fontRef idx="minor">
+            <a:schemeClr val="lt1"/>
+          </a:fontRef>
+        </p:style>
+        <p:txBody>
+          <a:bodyPr rtlCol="0" anchor="ctr"/>
+          <a:lstStyle/>
+          <a:p>
+            <a:pPr algn="ctr"/>
+            <a:r>
+              <a:rPr lang="zh-TW" altLang="en-US" dirty="0"/>
+              <a:t>上傳</a:t>
+            </a:r>
+            <a:br>
+              <a:rPr lang="en-US" altLang="zh-TW" dirty="0"/>
+            </a:br>
+            <a:r>
+              <a:rPr lang="zh-TW" altLang="en-US" dirty="0"/>
+              <a:t>可諮詢時段</a:t>
+            </a:r>
+          </a:p>
+        </p:txBody>
+      </p:sp>
+      <p:sp>
+        <p:nvSpPr>
+          <p:cNvPr id="10" name="橢圓 9">
+            <a:extLst>
+              <a:ext uri="{FF2B5EF4-FFF2-40B4-BE49-F238E27FC236}">
+                <a16:creationId xmlns:a16="http://schemas.microsoft.com/office/drawing/2014/main" id="{B8EF18E4-6405-4D0C-84AC-36A95F4DBFF5}"/>
+              </a:ext>
+            </a:extLst>
+          </p:cNvPr>
+          <p:cNvSpPr/>
+          <p:nvPr/>
+        </p:nvSpPr>
+        <p:spPr>
+          <a:xfrm>
+            <a:off x="7280230" y="4644011"/>
+            <a:ext cx="1581743" cy="424397"/>
+          </a:xfrm>
+          <a:prstGeom prst="ellipse">
+            <a:avLst/>
+          </a:prstGeom>
+        </p:spPr>
+        <p:style>
+          <a:lnRef idx="2">
+            <a:schemeClr val="accent1">
+              <a:shade val="50000"/>
+            </a:schemeClr>
+          </a:lnRef>
+          <a:fillRef idx="1">
+            <a:schemeClr val="accent1"/>
+          </a:fillRef>
+          <a:effectRef idx="0">
+            <a:schemeClr val="accent1"/>
+          </a:effectRef>
+          <a:fontRef idx="minor">
+            <a:schemeClr val="lt1"/>
+          </a:fontRef>
+        </p:style>
+        <p:txBody>
+          <a:bodyPr rtlCol="0" anchor="ctr"/>
+          <a:lstStyle/>
+          <a:p>
+            <a:pPr algn="ctr"/>
+            <a:r>
+              <a:rPr lang="zh-TW" altLang="en-US" dirty="0"/>
+              <a:t>確認預約</a:t>
+            </a:r>
+          </a:p>
+        </p:txBody>
+      </p:sp>
+      <p:sp>
+        <p:nvSpPr>
+          <p:cNvPr id="11" name="橢圓 10">
+            <a:extLst>
+              <a:ext uri="{FF2B5EF4-FFF2-40B4-BE49-F238E27FC236}">
+                <a16:creationId xmlns:a16="http://schemas.microsoft.com/office/drawing/2014/main" id="{BFBF30C6-88C4-44C0-BE9D-893A386B5682}"/>
+              </a:ext>
+            </a:extLst>
+          </p:cNvPr>
+          <p:cNvSpPr/>
+          <p:nvPr/>
+        </p:nvSpPr>
+        <p:spPr>
+          <a:xfrm>
+            <a:off x="7409843" y="2816780"/>
+            <a:ext cx="1829407" cy="625524"/>
+          </a:xfrm>
+          <a:prstGeom prst="ellipse">
+            <a:avLst/>
+          </a:prstGeom>
+        </p:spPr>
+        <p:style>
+          <a:lnRef idx="2">
+            <a:schemeClr val="accent1">
+              <a:shade val="50000"/>
+            </a:schemeClr>
+          </a:lnRef>
+          <a:fillRef idx="1">
+            <a:schemeClr val="accent1"/>
+          </a:fillRef>
+          <a:effectRef idx="0">
+            <a:schemeClr val="accent1"/>
+          </a:effectRef>
+          <a:fontRef idx="minor">
+            <a:schemeClr val="lt1"/>
+          </a:fontRef>
+        </p:style>
+        <p:txBody>
+          <a:bodyPr rtlCol="0" anchor="ctr"/>
+          <a:lstStyle/>
+          <a:p>
+            <a:pPr algn="ctr"/>
+            <a:r>
+              <a:rPr lang="zh-TW" altLang="en-US" dirty="0"/>
+              <a:t>查詢</a:t>
+            </a:r>
+            <a:r>
+              <a:rPr lang="en-US" altLang="zh-TW" dirty="0"/>
+              <a:t>&amp;</a:t>
+            </a:r>
+            <a:r>
+              <a:rPr lang="zh-TW" altLang="en-US" dirty="0"/>
+              <a:t>整理</a:t>
+            </a:r>
+            <a:br>
+              <a:rPr lang="en-US" altLang="zh-TW" dirty="0"/>
+            </a:br>
+            <a:r>
+              <a:rPr lang="zh-TW" altLang="en-US" dirty="0"/>
+              <a:t>個人資訊</a:t>
+            </a:r>
+          </a:p>
+        </p:txBody>
+      </p:sp>
+      <p:sp>
+        <p:nvSpPr>
+          <p:cNvPr id="12" name="橢圓 11">
+            <a:extLst>
+              <a:ext uri="{FF2B5EF4-FFF2-40B4-BE49-F238E27FC236}">
+                <a16:creationId xmlns:a16="http://schemas.microsoft.com/office/drawing/2014/main" id="{A82AC800-EFEA-40FB-AFE5-C9A6F8C0FAEF}"/>
+              </a:ext>
+            </a:extLst>
+          </p:cNvPr>
+          <p:cNvSpPr/>
+          <p:nvPr/>
+        </p:nvSpPr>
+        <p:spPr>
+          <a:xfrm>
+            <a:off x="4378664" y="1488413"/>
+            <a:ext cx="1038688" cy="580653"/>
+          </a:xfrm>
+          <a:prstGeom prst="ellipse">
+            <a:avLst/>
+          </a:prstGeom>
+        </p:spPr>
+        <p:style>
+          <a:lnRef idx="2">
+            <a:schemeClr val="accent1">
+              <a:shade val="50000"/>
+            </a:schemeClr>
+          </a:lnRef>
+          <a:fillRef idx="1">
+            <a:schemeClr val="accent1"/>
+          </a:fillRef>
+          <a:effectRef idx="0">
+            <a:schemeClr val="accent1"/>
+          </a:effectRef>
+          <a:fontRef idx="minor">
+            <a:schemeClr val="lt1"/>
+          </a:fontRef>
+        </p:style>
+        <p:txBody>
+          <a:bodyPr rtlCol="0" anchor="ctr"/>
+          <a:lstStyle/>
+          <a:p>
+            <a:pPr algn="ctr"/>
+            <a:r>
+              <a:rPr lang="zh-TW" altLang="en-US" dirty="0"/>
+              <a:t>聲音日記</a:t>
+            </a:r>
+          </a:p>
+        </p:txBody>
+      </p:sp>
+      <p:sp>
+        <p:nvSpPr>
+          <p:cNvPr id="13" name="橢圓 12">
+            <a:extLst>
+              <a:ext uri="{FF2B5EF4-FFF2-40B4-BE49-F238E27FC236}">
+                <a16:creationId xmlns:a16="http://schemas.microsoft.com/office/drawing/2014/main" id="{0DC9A92D-DC17-4008-B5BD-2C53B7A11791}"/>
+              </a:ext>
+            </a:extLst>
+          </p:cNvPr>
+          <p:cNvSpPr/>
+          <p:nvPr/>
+        </p:nvSpPr>
+        <p:spPr>
+          <a:xfrm>
+            <a:off x="5480554" y="1348967"/>
+            <a:ext cx="944153" cy="580653"/>
+          </a:xfrm>
+          <a:prstGeom prst="ellipse">
+            <a:avLst/>
+          </a:prstGeom>
+        </p:spPr>
+        <p:style>
+          <a:lnRef idx="2">
+            <a:schemeClr val="accent1">
+              <a:shade val="50000"/>
+            </a:schemeClr>
+          </a:lnRef>
+          <a:fillRef idx="1">
+            <a:schemeClr val="accent1"/>
+          </a:fillRef>
+          <a:effectRef idx="0">
+            <a:schemeClr val="accent1"/>
+          </a:effectRef>
+          <a:fontRef idx="minor">
+            <a:schemeClr val="lt1"/>
+          </a:fontRef>
+        </p:style>
+        <p:txBody>
+          <a:bodyPr rtlCol="0" anchor="ctr"/>
+          <a:lstStyle/>
+          <a:p>
+            <a:pPr algn="ctr"/>
+            <a:r>
+              <a:rPr lang="zh-TW" altLang="en-US" dirty="0"/>
+              <a:t>分析數據</a:t>
+            </a:r>
+          </a:p>
+        </p:txBody>
+      </p:sp>
+      <p:sp>
+        <p:nvSpPr>
+          <p:cNvPr id="14" name="橢圓 13">
+            <a:extLst>
+              <a:ext uri="{FF2B5EF4-FFF2-40B4-BE49-F238E27FC236}">
+                <a16:creationId xmlns:a16="http://schemas.microsoft.com/office/drawing/2014/main" id="{40292B44-AFBC-486F-860F-7EF3C812F09D}"/>
+              </a:ext>
+            </a:extLst>
+          </p:cNvPr>
+          <p:cNvSpPr/>
+          <p:nvPr/>
+        </p:nvSpPr>
+        <p:spPr>
+          <a:xfrm>
+            <a:off x="6465689" y="1537845"/>
+            <a:ext cx="944154" cy="580653"/>
+          </a:xfrm>
+          <a:prstGeom prst="ellipse">
+            <a:avLst/>
+          </a:prstGeom>
+        </p:spPr>
+        <p:style>
+          <a:lnRef idx="2">
+            <a:schemeClr val="accent1">
+              <a:shade val="50000"/>
+            </a:schemeClr>
+          </a:lnRef>
+          <a:fillRef idx="1">
+            <a:schemeClr val="accent1"/>
+          </a:fillRef>
+          <a:effectRef idx="0">
+            <a:schemeClr val="accent1"/>
+          </a:effectRef>
+          <a:fontRef idx="minor">
+            <a:schemeClr val="lt1"/>
+          </a:fontRef>
+        </p:style>
+        <p:txBody>
+          <a:bodyPr rtlCol="0" anchor="ctr"/>
+          <a:lstStyle/>
+          <a:p>
+            <a:pPr algn="ctr"/>
+            <a:r>
+              <a:rPr lang="zh-TW" altLang="en-US" dirty="0"/>
+              <a:t>基本資料</a:t>
+            </a:r>
+          </a:p>
+        </p:txBody>
+      </p:sp>
+      <p:sp>
+        <p:nvSpPr>
+          <p:cNvPr id="15" name="橢圓 14">
+            <a:extLst>
+              <a:ext uri="{FF2B5EF4-FFF2-40B4-BE49-F238E27FC236}">
+                <a16:creationId xmlns:a16="http://schemas.microsoft.com/office/drawing/2014/main" id="{B2BE35B4-CA06-4B9E-81CF-E3E60F9EEDED}"/>
+              </a:ext>
+            </a:extLst>
+          </p:cNvPr>
+          <p:cNvSpPr/>
+          <p:nvPr/>
+        </p:nvSpPr>
+        <p:spPr>
+          <a:xfrm>
+            <a:off x="5431086" y="4126612"/>
+            <a:ext cx="1581743" cy="424397"/>
+          </a:xfrm>
+          <a:prstGeom prst="ellipse">
+            <a:avLst/>
+          </a:prstGeom>
+        </p:spPr>
+        <p:style>
+          <a:lnRef idx="2">
+            <a:schemeClr val="accent1">
+              <a:shade val="50000"/>
+            </a:schemeClr>
+          </a:lnRef>
+          <a:fillRef idx="1">
+            <a:schemeClr val="accent1"/>
+          </a:fillRef>
+          <a:effectRef idx="0">
+            <a:schemeClr val="accent1"/>
+          </a:effectRef>
+          <a:fontRef idx="minor">
+            <a:schemeClr val="lt1"/>
+          </a:fontRef>
+        </p:style>
+        <p:txBody>
+          <a:bodyPr rtlCol="0" anchor="ctr"/>
+          <a:lstStyle/>
+          <a:p>
+            <a:pPr algn="ctr"/>
+            <a:r>
+              <a:rPr lang="zh-TW" altLang="en-US" dirty="0"/>
+              <a:t>預約時段</a:t>
+            </a:r>
+          </a:p>
+        </p:txBody>
+      </p:sp>
+      <p:cxnSp>
+        <p:nvCxnSpPr>
+          <p:cNvPr id="17" name="直線接點 16">
+            <a:extLst>
+              <a:ext uri="{FF2B5EF4-FFF2-40B4-BE49-F238E27FC236}">
+                <a16:creationId xmlns:a16="http://schemas.microsoft.com/office/drawing/2014/main" id="{0E4C7800-8E30-4C77-82DF-032CD41FD188}"/>
+              </a:ext>
+            </a:extLst>
+          </p:cNvPr>
+          <p:cNvCxnSpPr>
+            <a:cxnSpLocks/>
+            <a:stCxn id="7" idx="3"/>
+            <a:endCxn id="3" idx="0"/>
+          </p:cNvCxnSpPr>
+          <p:nvPr/>
+        </p:nvCxnSpPr>
+        <p:spPr>
+          <a:xfrm flipH="1">
+            <a:off x="1725903" y="3385492"/>
+            <a:ext cx="1271523" cy="223006"/>
+          </a:xfrm>
+          <a:prstGeom prst="line">
+            <a:avLst/>
+          </a:prstGeom>
+        </p:spPr>
+        <p:style>
+          <a:lnRef idx="1">
+            <a:schemeClr val="accent1"/>
+          </a:lnRef>
+          <a:fillRef idx="0">
+            <a:schemeClr val="accent1"/>
+          </a:fillRef>
+          <a:effectRef idx="0">
+            <a:schemeClr val="accent1"/>
+          </a:effectRef>
+          <a:fontRef idx="minor">
+            <a:schemeClr val="tx1"/>
+          </a:fontRef>
+        </p:style>
+      </p:cxnSp>
+      <p:cxnSp>
+        <p:nvCxnSpPr>
+          <p:cNvPr id="19" name="直線接點 18">
+            <a:extLst>
+              <a:ext uri="{FF2B5EF4-FFF2-40B4-BE49-F238E27FC236}">
+                <a16:creationId xmlns:a16="http://schemas.microsoft.com/office/drawing/2014/main" id="{1926248A-0DF9-4E3F-95D1-EDBB49E1279A}"/>
+              </a:ext>
+            </a:extLst>
+          </p:cNvPr>
+          <p:cNvCxnSpPr>
+            <a:cxnSpLocks/>
+            <a:stCxn id="2" idx="1"/>
+            <a:endCxn id="3" idx="2"/>
+          </p:cNvCxnSpPr>
+          <p:nvPr/>
+        </p:nvCxnSpPr>
+        <p:spPr>
+          <a:xfrm flipH="1" flipV="1">
+            <a:off x="1725903" y="4644726"/>
+            <a:ext cx="1231659" cy="590052"/>
+          </a:xfrm>
+          <a:prstGeom prst="line">
+            <a:avLst/>
+          </a:prstGeom>
+        </p:spPr>
+        <p:style>
+          <a:lnRef idx="1">
+            <a:schemeClr val="accent1"/>
+          </a:lnRef>
+          <a:fillRef idx="0">
+            <a:schemeClr val="accent1"/>
+          </a:fillRef>
+          <a:effectRef idx="0">
+            <a:schemeClr val="accent1"/>
+          </a:effectRef>
+          <a:fontRef idx="minor">
+            <a:schemeClr val="tx1"/>
+          </a:fontRef>
+        </p:style>
+      </p:cxnSp>
+      <p:cxnSp>
+        <p:nvCxnSpPr>
+          <p:cNvPr id="23" name="直線接點 22">
+            <a:extLst>
+              <a:ext uri="{FF2B5EF4-FFF2-40B4-BE49-F238E27FC236}">
+                <a16:creationId xmlns:a16="http://schemas.microsoft.com/office/drawing/2014/main" id="{CAFD69A0-A986-4F03-B568-94452ED92FBE}"/>
+              </a:ext>
+            </a:extLst>
+          </p:cNvPr>
+          <p:cNvCxnSpPr>
+            <a:cxnSpLocks/>
+            <a:stCxn id="2" idx="5"/>
+            <a:endCxn id="100" idx="2"/>
+          </p:cNvCxnSpPr>
+          <p:nvPr/>
+        </p:nvCxnSpPr>
+        <p:spPr>
+          <a:xfrm>
+            <a:off x="4138577" y="5746677"/>
+            <a:ext cx="1217446" cy="466610"/>
+          </a:xfrm>
+          <a:prstGeom prst="line">
+            <a:avLst/>
+          </a:prstGeom>
+        </p:spPr>
+        <p:style>
+          <a:lnRef idx="1">
+            <a:schemeClr val="accent1"/>
+          </a:lnRef>
+          <a:fillRef idx="0">
+            <a:schemeClr val="accent1"/>
+          </a:fillRef>
+          <a:effectRef idx="0">
+            <a:schemeClr val="accent1"/>
+          </a:effectRef>
+          <a:fontRef idx="minor">
+            <a:schemeClr val="tx1"/>
+          </a:fontRef>
+        </p:style>
+      </p:cxnSp>
+      <p:cxnSp>
+        <p:nvCxnSpPr>
+          <p:cNvPr id="25" name="直線接點 24">
+            <a:extLst>
+              <a:ext uri="{FF2B5EF4-FFF2-40B4-BE49-F238E27FC236}">
+                <a16:creationId xmlns:a16="http://schemas.microsoft.com/office/drawing/2014/main" id="{5F4DB237-86E8-48F3-BB00-27AA67BF0265}"/>
+              </a:ext>
+            </a:extLst>
+          </p:cNvPr>
+          <p:cNvCxnSpPr>
+            <a:cxnSpLocks/>
+            <a:stCxn id="6" idx="0"/>
+            <a:endCxn id="15" idx="3"/>
+          </p:cNvCxnSpPr>
+          <p:nvPr/>
+        </p:nvCxnSpPr>
+        <p:spPr>
+          <a:xfrm flipV="1">
+            <a:off x="4784733" y="4488857"/>
+            <a:ext cx="877994" cy="111269"/>
+          </a:xfrm>
+          <a:prstGeom prst="line">
+            <a:avLst/>
+          </a:prstGeom>
+        </p:spPr>
+        <p:style>
+          <a:lnRef idx="1">
+            <a:schemeClr val="accent1"/>
+          </a:lnRef>
+          <a:fillRef idx="0">
+            <a:schemeClr val="accent1"/>
+          </a:fillRef>
+          <a:effectRef idx="0">
+            <a:schemeClr val="accent1"/>
+          </a:effectRef>
+          <a:fontRef idx="minor">
+            <a:schemeClr val="tx1"/>
+          </a:fontRef>
+        </p:style>
+      </p:cxnSp>
+      <p:cxnSp>
+        <p:nvCxnSpPr>
+          <p:cNvPr id="27" name="直線接點 26">
+            <a:extLst>
+              <a:ext uri="{FF2B5EF4-FFF2-40B4-BE49-F238E27FC236}">
+                <a16:creationId xmlns:a16="http://schemas.microsoft.com/office/drawing/2014/main" id="{93D42244-B9B2-4657-BB4E-34DA074EDDEA}"/>
+              </a:ext>
+            </a:extLst>
+          </p:cNvPr>
+          <p:cNvCxnSpPr>
+            <a:cxnSpLocks/>
+            <a:stCxn id="10" idx="1"/>
+            <a:endCxn id="15" idx="5"/>
+          </p:cNvCxnSpPr>
+          <p:nvPr/>
+        </p:nvCxnSpPr>
+        <p:spPr>
+          <a:xfrm flipH="1" flipV="1">
+            <a:off x="6781188" y="4488857"/>
+            <a:ext cx="730683" cy="217306"/>
+          </a:xfrm>
+          <a:prstGeom prst="line">
+            <a:avLst/>
+          </a:prstGeom>
+        </p:spPr>
+        <p:style>
+          <a:lnRef idx="1">
+            <a:schemeClr val="accent1"/>
+          </a:lnRef>
+          <a:fillRef idx="0">
+            <a:schemeClr val="accent1"/>
+          </a:fillRef>
+          <a:effectRef idx="0">
+            <a:schemeClr val="accent1"/>
+          </a:effectRef>
+          <a:fontRef idx="minor">
+            <a:schemeClr val="tx1"/>
+          </a:fontRef>
+        </p:style>
+      </p:cxnSp>
+      <p:cxnSp>
+        <p:nvCxnSpPr>
+          <p:cNvPr id="29" name="直線接點 28">
+            <a:extLst>
+              <a:ext uri="{FF2B5EF4-FFF2-40B4-BE49-F238E27FC236}">
+                <a16:creationId xmlns:a16="http://schemas.microsoft.com/office/drawing/2014/main" id="{18D720C9-A219-4CA8-8B0F-0CE9727C2347}"/>
+              </a:ext>
+            </a:extLst>
+          </p:cNvPr>
+          <p:cNvCxnSpPr>
+            <a:cxnSpLocks/>
+            <a:stCxn id="10" idx="7"/>
+            <a:endCxn id="4" idx="1"/>
+          </p:cNvCxnSpPr>
+          <p:nvPr/>
+        </p:nvCxnSpPr>
+        <p:spPr>
+          <a:xfrm flipV="1">
+            <a:off x="8630332" y="4157255"/>
+            <a:ext cx="1030992" cy="548908"/>
+          </a:xfrm>
+          <a:prstGeom prst="line">
+            <a:avLst/>
+          </a:prstGeom>
+        </p:spPr>
+        <p:style>
+          <a:lnRef idx="1">
+            <a:schemeClr val="accent1"/>
+          </a:lnRef>
+          <a:fillRef idx="0">
+            <a:schemeClr val="accent1"/>
+          </a:fillRef>
+          <a:effectRef idx="0">
+            <a:schemeClr val="accent1"/>
+          </a:effectRef>
+          <a:fontRef idx="minor">
+            <a:schemeClr val="tx1"/>
+          </a:fontRef>
+        </p:style>
+      </p:cxnSp>
+      <p:cxnSp>
+        <p:nvCxnSpPr>
+          <p:cNvPr id="31" name="直線接點 30">
+            <a:extLst>
+              <a:ext uri="{FF2B5EF4-FFF2-40B4-BE49-F238E27FC236}">
+                <a16:creationId xmlns:a16="http://schemas.microsoft.com/office/drawing/2014/main" id="{71035DAC-4A9E-479A-A72A-5424BB60E27C}"/>
+              </a:ext>
+            </a:extLst>
+          </p:cNvPr>
+          <p:cNvCxnSpPr>
+            <a:cxnSpLocks/>
+            <a:stCxn id="7" idx="7"/>
+            <a:endCxn id="8" idx="3"/>
+          </p:cNvCxnSpPr>
+          <p:nvPr/>
+        </p:nvCxnSpPr>
+        <p:spPr>
+          <a:xfrm flipV="1">
+            <a:off x="4095356" y="2671745"/>
+            <a:ext cx="1304909" cy="201847"/>
+          </a:xfrm>
+          <a:prstGeom prst="line">
+            <a:avLst/>
+          </a:prstGeom>
+        </p:spPr>
+        <p:style>
+          <a:lnRef idx="1">
+            <a:schemeClr val="accent1"/>
+          </a:lnRef>
+          <a:fillRef idx="0">
+            <a:schemeClr val="accent1"/>
+          </a:fillRef>
+          <a:effectRef idx="0">
+            <a:schemeClr val="accent1"/>
+          </a:effectRef>
+          <a:fontRef idx="minor">
+            <a:schemeClr val="tx1"/>
+          </a:fontRef>
+        </p:style>
+      </p:cxnSp>
+      <p:cxnSp>
+        <p:nvCxnSpPr>
+          <p:cNvPr id="33" name="直線接點 32">
+            <a:extLst>
+              <a:ext uri="{FF2B5EF4-FFF2-40B4-BE49-F238E27FC236}">
+                <a16:creationId xmlns:a16="http://schemas.microsoft.com/office/drawing/2014/main" id="{1485D775-1184-49C4-8E80-55B379DE89A5}"/>
+              </a:ext>
+            </a:extLst>
+          </p:cNvPr>
+          <p:cNvCxnSpPr>
+            <a:cxnSpLocks/>
+            <a:stCxn id="11" idx="1"/>
+            <a:endCxn id="8" idx="5"/>
+          </p:cNvCxnSpPr>
+          <p:nvPr/>
+        </p:nvCxnSpPr>
+        <p:spPr>
+          <a:xfrm flipH="1" flipV="1">
+            <a:off x="6548628" y="2671745"/>
+            <a:ext cx="1129125" cy="236641"/>
+          </a:xfrm>
+          <a:prstGeom prst="line">
+            <a:avLst/>
+          </a:prstGeom>
+        </p:spPr>
+        <p:style>
+          <a:lnRef idx="1">
+            <a:schemeClr val="accent1"/>
+          </a:lnRef>
+          <a:fillRef idx="0">
+            <a:schemeClr val="accent1"/>
+          </a:fillRef>
+          <a:effectRef idx="0">
+            <a:schemeClr val="accent1"/>
+          </a:effectRef>
+          <a:fontRef idx="minor">
+            <a:schemeClr val="tx1"/>
+          </a:fontRef>
+        </p:style>
+      </p:cxnSp>
+      <p:cxnSp>
+        <p:nvCxnSpPr>
+          <p:cNvPr id="35" name="直線接點 34">
+            <a:extLst>
+              <a:ext uri="{FF2B5EF4-FFF2-40B4-BE49-F238E27FC236}">
+                <a16:creationId xmlns:a16="http://schemas.microsoft.com/office/drawing/2014/main" id="{BF604639-0FB3-4DD6-AC22-6277F27EBE12}"/>
+              </a:ext>
+            </a:extLst>
+          </p:cNvPr>
+          <p:cNvCxnSpPr>
+            <a:cxnSpLocks/>
+            <a:stCxn id="8" idx="1"/>
+            <a:endCxn id="12" idx="5"/>
+          </p:cNvCxnSpPr>
+          <p:nvPr/>
+        </p:nvCxnSpPr>
+        <p:spPr>
+          <a:xfrm flipH="1" flipV="1">
+            <a:off x="5265240" y="1984031"/>
+            <a:ext cx="135025" cy="267884"/>
+          </a:xfrm>
+          <a:prstGeom prst="line">
+            <a:avLst/>
+          </a:prstGeom>
+        </p:spPr>
+        <p:style>
+          <a:lnRef idx="1">
+            <a:schemeClr val="accent1"/>
+          </a:lnRef>
+          <a:fillRef idx="0">
+            <a:schemeClr val="accent1"/>
+          </a:fillRef>
+          <a:effectRef idx="0">
+            <a:schemeClr val="accent1"/>
+          </a:effectRef>
+          <a:fontRef idx="minor">
+            <a:schemeClr val="tx1"/>
+          </a:fontRef>
+        </p:style>
+      </p:cxnSp>
+      <p:cxnSp>
+        <p:nvCxnSpPr>
+          <p:cNvPr id="37" name="直線接點 36">
+            <a:extLst>
+              <a:ext uri="{FF2B5EF4-FFF2-40B4-BE49-F238E27FC236}">
+                <a16:creationId xmlns:a16="http://schemas.microsoft.com/office/drawing/2014/main" id="{E8C70454-37B6-430D-895C-F73628164775}"/>
+              </a:ext>
+            </a:extLst>
+          </p:cNvPr>
+          <p:cNvCxnSpPr>
+            <a:cxnSpLocks/>
+            <a:stCxn id="8" idx="0"/>
+            <a:endCxn id="13" idx="4"/>
+          </p:cNvCxnSpPr>
+          <p:nvPr/>
+        </p:nvCxnSpPr>
+        <p:spPr>
+          <a:xfrm flipH="1" flipV="1">
+            <a:off x="5952631" y="1929620"/>
+            <a:ext cx="21816" cy="235346"/>
+          </a:xfrm>
+          <a:prstGeom prst="line">
+            <a:avLst/>
+          </a:prstGeom>
+        </p:spPr>
+        <p:style>
+          <a:lnRef idx="1">
+            <a:schemeClr val="accent1"/>
+          </a:lnRef>
+          <a:fillRef idx="0">
+            <a:schemeClr val="accent1"/>
+          </a:fillRef>
+          <a:effectRef idx="0">
+            <a:schemeClr val="accent1"/>
+          </a:effectRef>
+          <a:fontRef idx="minor">
+            <a:schemeClr val="tx1"/>
+          </a:fontRef>
+        </p:style>
+      </p:cxnSp>
+      <p:cxnSp>
+        <p:nvCxnSpPr>
+          <p:cNvPr id="39" name="直線接點 38">
+            <a:extLst>
+              <a:ext uri="{FF2B5EF4-FFF2-40B4-BE49-F238E27FC236}">
+                <a16:creationId xmlns:a16="http://schemas.microsoft.com/office/drawing/2014/main" id="{24133FC1-2F64-4594-92FA-A0590693396D}"/>
+              </a:ext>
+            </a:extLst>
+          </p:cNvPr>
+          <p:cNvCxnSpPr>
+            <a:cxnSpLocks/>
+            <a:stCxn id="8" idx="7"/>
+          </p:cNvCxnSpPr>
+          <p:nvPr/>
+        </p:nvCxnSpPr>
+        <p:spPr>
+          <a:xfrm flipV="1">
+            <a:off x="6548628" y="2107948"/>
+            <a:ext cx="138268" cy="143967"/>
+          </a:xfrm>
+          <a:prstGeom prst="line">
+            <a:avLst/>
+          </a:prstGeom>
+        </p:spPr>
+        <p:style>
+          <a:lnRef idx="1">
+            <a:schemeClr val="accent1"/>
+          </a:lnRef>
+          <a:fillRef idx="0">
+            <a:schemeClr val="accent1"/>
+          </a:fillRef>
+          <a:effectRef idx="0">
+            <a:schemeClr val="accent1"/>
+          </a:effectRef>
+          <a:fontRef idx="minor">
+            <a:schemeClr val="tx1"/>
+          </a:fontRef>
+        </p:style>
+      </p:cxnSp>
+      <p:cxnSp>
+        <p:nvCxnSpPr>
+          <p:cNvPr id="41" name="直線接點 40">
+            <a:extLst>
+              <a:ext uri="{FF2B5EF4-FFF2-40B4-BE49-F238E27FC236}">
+                <a16:creationId xmlns:a16="http://schemas.microsoft.com/office/drawing/2014/main" id="{40BD0918-F09D-4A2C-A314-D49A2D115431}"/>
+              </a:ext>
+            </a:extLst>
+          </p:cNvPr>
+          <p:cNvCxnSpPr>
+            <a:cxnSpLocks/>
+            <a:stCxn id="11" idx="5"/>
+            <a:endCxn id="4" idx="0"/>
+          </p:cNvCxnSpPr>
+          <p:nvPr/>
+        </p:nvCxnSpPr>
+        <p:spPr>
+          <a:xfrm>
+            <a:off x="8971340" y="3350698"/>
+            <a:ext cx="1801994" cy="288442"/>
+          </a:xfrm>
+          <a:prstGeom prst="line">
+            <a:avLst/>
+          </a:prstGeom>
+        </p:spPr>
+        <p:style>
+          <a:lnRef idx="1">
+            <a:schemeClr val="accent1"/>
+          </a:lnRef>
+          <a:fillRef idx="0">
+            <a:schemeClr val="accent1"/>
+          </a:fillRef>
+          <a:effectRef idx="0">
+            <a:schemeClr val="accent1"/>
+          </a:effectRef>
+          <a:fontRef idx="minor">
+            <a:schemeClr val="tx1"/>
+          </a:fontRef>
+        </p:style>
+      </p:cxnSp>
+      <p:cxnSp>
+        <p:nvCxnSpPr>
+          <p:cNvPr id="43" name="直線接點 42">
+            <a:extLst>
+              <a:ext uri="{FF2B5EF4-FFF2-40B4-BE49-F238E27FC236}">
+                <a16:creationId xmlns:a16="http://schemas.microsoft.com/office/drawing/2014/main" id="{D52C6A49-FBC7-4BF0-BB15-E3ADB92C37C2}"/>
+              </a:ext>
+            </a:extLst>
+          </p:cNvPr>
+          <p:cNvCxnSpPr>
+            <a:cxnSpLocks/>
+            <a:stCxn id="4" idx="2"/>
+            <a:endCxn id="9" idx="0"/>
+          </p:cNvCxnSpPr>
+          <p:nvPr/>
+        </p:nvCxnSpPr>
+        <p:spPr>
+          <a:xfrm flipH="1">
+            <a:off x="8963543" y="4675369"/>
+            <a:ext cx="1809791" cy="815358"/>
+          </a:xfrm>
+          <a:prstGeom prst="line">
+            <a:avLst/>
+          </a:prstGeom>
+        </p:spPr>
+        <p:style>
+          <a:lnRef idx="1">
+            <a:schemeClr val="accent1"/>
+          </a:lnRef>
+          <a:fillRef idx="0">
+            <a:schemeClr val="accent1"/>
+          </a:fillRef>
+          <a:effectRef idx="0">
+            <a:schemeClr val="accent1"/>
+          </a:effectRef>
+          <a:fontRef idx="minor">
+            <a:schemeClr val="tx1"/>
+          </a:fontRef>
+        </p:style>
+      </p:cxnSp>
+      <p:cxnSp>
+        <p:nvCxnSpPr>
+          <p:cNvPr id="45" name="直線接點 44">
+            <a:extLst>
+              <a:ext uri="{FF2B5EF4-FFF2-40B4-BE49-F238E27FC236}">
+                <a16:creationId xmlns:a16="http://schemas.microsoft.com/office/drawing/2014/main" id="{19A58DCF-519D-465E-B1B2-0C6B2486B6E3}"/>
+              </a:ext>
+            </a:extLst>
+          </p:cNvPr>
+          <p:cNvCxnSpPr>
+            <a:cxnSpLocks/>
+            <a:stCxn id="15" idx="4"/>
+            <a:endCxn id="5" idx="4"/>
+          </p:cNvCxnSpPr>
+          <p:nvPr/>
+        </p:nvCxnSpPr>
+        <p:spPr>
+          <a:xfrm flipH="1" flipV="1">
+            <a:off x="6217463" y="3772332"/>
+            <a:ext cx="4495" cy="778677"/>
+          </a:xfrm>
+          <a:prstGeom prst="line">
+            <a:avLst/>
+          </a:prstGeom>
+        </p:spPr>
+        <p:style>
+          <a:lnRef idx="1">
+            <a:schemeClr val="accent1"/>
+          </a:lnRef>
+          <a:fillRef idx="0">
+            <a:schemeClr val="accent1"/>
+          </a:fillRef>
+          <a:effectRef idx="0">
+            <a:schemeClr val="accent1"/>
+          </a:effectRef>
+          <a:fontRef idx="minor">
+            <a:schemeClr val="tx1"/>
+          </a:fontRef>
+        </p:style>
+      </p:cxnSp>
+      <p:sp>
+        <p:nvSpPr>
+          <p:cNvPr id="100" name="橢圓 99">
+            <a:extLst>
+              <a:ext uri="{FF2B5EF4-FFF2-40B4-BE49-F238E27FC236}">
+                <a16:creationId xmlns:a16="http://schemas.microsoft.com/office/drawing/2014/main" id="{88CFC36E-11AA-402D-9C3F-2509C3D6A082}"/>
+              </a:ext>
+            </a:extLst>
+          </p:cNvPr>
+          <p:cNvSpPr/>
+          <p:nvPr/>
+        </p:nvSpPr>
+        <p:spPr>
+          <a:xfrm>
+            <a:off x="5356023" y="5945109"/>
+            <a:ext cx="1581743" cy="536355"/>
+          </a:xfrm>
+          <a:prstGeom prst="ellipse">
+            <a:avLst/>
+          </a:prstGeom>
+        </p:spPr>
+        <p:style>
+          <a:lnRef idx="2">
+            <a:schemeClr val="accent1">
+              <a:shade val="50000"/>
+            </a:schemeClr>
+          </a:lnRef>
+          <a:fillRef idx="1">
+            <a:schemeClr val="accent1"/>
+          </a:fillRef>
+          <a:effectRef idx="0">
+            <a:schemeClr val="accent1"/>
+          </a:effectRef>
+          <a:fontRef idx="minor">
+            <a:schemeClr val="lt1"/>
+          </a:fontRef>
+        </p:style>
+        <p:txBody>
+          <a:bodyPr rtlCol="0" anchor="ctr"/>
+          <a:lstStyle/>
+          <a:p>
+            <a:pPr algn="ctr"/>
+            <a:r>
+              <a:rPr lang="zh-TW" altLang="en-US" dirty="0"/>
+              <a:t>諮詢時段</a:t>
+            </a:r>
+          </a:p>
+        </p:txBody>
+      </p:sp>
+      <p:cxnSp>
+        <p:nvCxnSpPr>
+          <p:cNvPr id="103" name="直線接點 102">
+            <a:extLst>
+              <a:ext uri="{FF2B5EF4-FFF2-40B4-BE49-F238E27FC236}">
+                <a16:creationId xmlns:a16="http://schemas.microsoft.com/office/drawing/2014/main" id="{38066C1F-F0EF-4630-81D8-3FF2866333BB}"/>
+              </a:ext>
+            </a:extLst>
+          </p:cNvPr>
+          <p:cNvCxnSpPr>
+            <a:stCxn id="9" idx="2"/>
+            <a:endCxn id="100" idx="6"/>
+          </p:cNvCxnSpPr>
+          <p:nvPr/>
+        </p:nvCxnSpPr>
+        <p:spPr>
+          <a:xfrm flipH="1">
+            <a:off x="6937766" y="5801798"/>
+            <a:ext cx="1079365" cy="411489"/>
+          </a:xfrm>
+          <a:prstGeom prst="line">
+            <a:avLst/>
+          </a:prstGeom>
+        </p:spPr>
+        <p:style>
+          <a:lnRef idx="1">
+            <a:schemeClr val="accent1"/>
+          </a:lnRef>
+          <a:fillRef idx="0">
+            <a:schemeClr val="accent1"/>
+          </a:fillRef>
+          <a:effectRef idx="0">
+            <a:schemeClr val="accent1"/>
+          </a:effectRef>
+          <a:fontRef idx="minor">
+            <a:schemeClr val="tx1"/>
+          </a:fontRef>
+        </p:style>
+      </p:cxnSp>
+      <p:cxnSp>
+        <p:nvCxnSpPr>
+          <p:cNvPr id="107" name="直線接點 106">
+            <a:extLst>
+              <a:ext uri="{FF2B5EF4-FFF2-40B4-BE49-F238E27FC236}">
+                <a16:creationId xmlns:a16="http://schemas.microsoft.com/office/drawing/2014/main" id="{199EEB09-6F37-41F6-82F5-D111FC18C22B}"/>
+              </a:ext>
+            </a:extLst>
+          </p:cNvPr>
+          <p:cNvCxnSpPr>
+            <a:cxnSpLocks/>
+            <a:stCxn id="2" idx="0"/>
+            <a:endCxn id="6" idx="3"/>
+          </p:cNvCxnSpPr>
+          <p:nvPr/>
+        </p:nvCxnSpPr>
+        <p:spPr>
+          <a:xfrm flipV="1">
+            <a:off x="3548070" y="4930493"/>
+            <a:ext cx="677432" cy="198267"/>
+          </a:xfrm>
+          <a:prstGeom prst="line">
+            <a:avLst/>
+          </a:prstGeom>
+        </p:spPr>
+        <p:style>
+          <a:lnRef idx="1">
+            <a:schemeClr val="accent1"/>
+          </a:lnRef>
+          <a:fillRef idx="0">
+            <a:schemeClr val="accent1"/>
+          </a:fillRef>
+          <a:effectRef idx="0">
+            <a:schemeClr val="accent1"/>
+          </a:effectRef>
+          <a:fontRef idx="minor">
+            <a:schemeClr val="tx1"/>
+          </a:fontRef>
+        </p:style>
+      </p:cxnSp>
+      <p:sp>
+        <p:nvSpPr>
+          <p:cNvPr id="116" name="文字方塊 115">
+            <a:extLst>
+              <a:ext uri="{FF2B5EF4-FFF2-40B4-BE49-F238E27FC236}">
+                <a16:creationId xmlns:a16="http://schemas.microsoft.com/office/drawing/2014/main" id="{C763D2E4-787F-4B21-AF72-C395C9B131B3}"/>
+              </a:ext>
+            </a:extLst>
+          </p:cNvPr>
+          <p:cNvSpPr txBox="1"/>
+          <p:nvPr/>
+        </p:nvSpPr>
+        <p:spPr>
+          <a:xfrm>
+            <a:off x="818363" y="4951895"/>
+            <a:ext cx="1051436" cy="400110"/>
+          </a:xfrm>
+          <a:prstGeom prst="rect">
+            <a:avLst/>
+          </a:prstGeom>
+          <a:noFill/>
+        </p:spPr>
+        <p:txBody>
+          <a:bodyPr wrap="square" rtlCol="0">
+            <a:spAutoFit/>
+          </a:bodyPr>
+          <a:lstStyle>
+            <a:defPPr>
+              <a:defRPr lang="zh-TW"/>
+            </a:defPPr>
+            <a:lvl1pPr>
+              <a:defRPr sz="2000">
+                <a:solidFill>
+                  <a:schemeClr val="bg1"/>
+                </a:solidFill>
+                <a:latin typeface="jf open 粉圓 1.1" panose="020F0500000000000000" pitchFamily="34" charset="-120"/>
+                <a:ea typeface="jf open 粉圓 1.1" panose="020F0500000000000000" pitchFamily="34" charset="-120"/>
+              </a:defRPr>
+            </a:lvl1pPr>
+          </a:lstStyle>
+          <a:p>
+            <a:r>
+              <a:rPr lang="zh-TW" altLang="en-US" dirty="0"/>
+              <a:t>使用者</a:t>
+            </a:r>
+          </a:p>
+        </p:txBody>
+      </p:sp>
+      <p:sp>
+        <p:nvSpPr>
+          <p:cNvPr id="117" name="文字方塊 116">
+            <a:extLst>
+              <a:ext uri="{FF2B5EF4-FFF2-40B4-BE49-F238E27FC236}">
+                <a16:creationId xmlns:a16="http://schemas.microsoft.com/office/drawing/2014/main" id="{A10688A0-342D-409C-A1E7-B78742E903BC}"/>
+              </a:ext>
+            </a:extLst>
+          </p:cNvPr>
+          <p:cNvSpPr txBox="1"/>
+          <p:nvPr/>
+        </p:nvSpPr>
+        <p:spPr>
+          <a:xfrm>
+            <a:off x="10461382" y="4986663"/>
+            <a:ext cx="969964" cy="400110"/>
+          </a:xfrm>
+          <a:prstGeom prst="rect">
+            <a:avLst/>
+          </a:prstGeom>
+          <a:noFill/>
+        </p:spPr>
+        <p:txBody>
+          <a:bodyPr wrap="square" rtlCol="0">
+            <a:spAutoFit/>
+          </a:bodyPr>
+          <a:lstStyle>
+            <a:defPPr>
+              <a:defRPr lang="zh-TW"/>
+            </a:defPPr>
+            <a:lvl1pPr>
+              <a:defRPr sz="2000">
+                <a:solidFill>
+                  <a:schemeClr val="bg1"/>
+                </a:solidFill>
+                <a:latin typeface="jf open 粉圓 1.1" panose="020F0500000000000000" pitchFamily="34" charset="-120"/>
+                <a:ea typeface="jf open 粉圓 1.1" panose="020F0500000000000000" pitchFamily="34" charset="-120"/>
+              </a:defRPr>
+            </a:lvl1pPr>
+          </a:lstStyle>
+          <a:p>
+            <a:r>
+              <a:rPr lang="zh-TW" altLang="en-US" dirty="0"/>
+              <a:t>診所</a:t>
+            </a:r>
+          </a:p>
+        </p:txBody>
+      </p:sp>
+      <p:sp>
+        <p:nvSpPr>
+          <p:cNvPr id="54" name="橢圓 53">
+            <a:extLst>
+              <a:ext uri="{FF2B5EF4-FFF2-40B4-BE49-F238E27FC236}">
+                <a16:creationId xmlns:a16="http://schemas.microsoft.com/office/drawing/2014/main" id="{E626DF56-B096-402B-A4C9-E6EB8F6204E2}"/>
+              </a:ext>
+            </a:extLst>
+          </p:cNvPr>
+          <p:cNvSpPr/>
+          <p:nvPr/>
+        </p:nvSpPr>
+        <p:spPr>
+          <a:xfrm>
+            <a:off x="9409719" y="1367273"/>
+            <a:ext cx="1624031" cy="817923"/>
+          </a:xfrm>
+          <a:prstGeom prst="ellipse">
+            <a:avLst/>
+          </a:prstGeom>
+        </p:spPr>
+        <p:style>
+          <a:lnRef idx="2">
+            <a:schemeClr val="accent1">
+              <a:shade val="50000"/>
+            </a:schemeClr>
+          </a:lnRef>
+          <a:fillRef idx="1">
+            <a:schemeClr val="accent1"/>
+          </a:fillRef>
+          <a:effectRef idx="0">
+            <a:schemeClr val="accent1"/>
+          </a:effectRef>
+          <a:fontRef idx="minor">
+            <a:schemeClr val="lt1"/>
+          </a:fontRef>
+        </p:style>
+        <p:txBody>
+          <a:bodyPr rtlCol="0" anchor="ctr"/>
+          <a:lstStyle/>
+          <a:p>
+            <a:pPr algn="ctr"/>
+            <a:r>
+              <a:rPr lang="zh-TW" altLang="en-US" dirty="0"/>
+              <a:t>發表文章</a:t>
+            </a:r>
+          </a:p>
+        </p:txBody>
+      </p:sp>
+      <p:sp>
+        <p:nvSpPr>
+          <p:cNvPr id="61" name="橢圓 60">
+            <a:extLst>
+              <a:ext uri="{FF2B5EF4-FFF2-40B4-BE49-F238E27FC236}">
+                <a16:creationId xmlns:a16="http://schemas.microsoft.com/office/drawing/2014/main" id="{6BF68106-5AF3-43C2-BABF-1F8456158C66}"/>
+              </a:ext>
+            </a:extLst>
+          </p:cNvPr>
+          <p:cNvSpPr/>
+          <p:nvPr/>
+        </p:nvSpPr>
+        <p:spPr>
+          <a:xfrm>
+            <a:off x="1538581" y="1213053"/>
+            <a:ext cx="1624031" cy="817923"/>
+          </a:xfrm>
+          <a:prstGeom prst="ellipse">
+            <a:avLst/>
+          </a:prstGeom>
+        </p:spPr>
+        <p:style>
+          <a:lnRef idx="2">
+            <a:schemeClr val="accent1">
+              <a:shade val="50000"/>
+            </a:schemeClr>
+          </a:lnRef>
+          <a:fillRef idx="1">
+            <a:schemeClr val="accent1"/>
+          </a:fillRef>
+          <a:effectRef idx="0">
+            <a:schemeClr val="accent1"/>
+          </a:effectRef>
+          <a:fontRef idx="minor">
+            <a:schemeClr val="lt1"/>
+          </a:fontRef>
+        </p:style>
+        <p:txBody>
+          <a:bodyPr rtlCol="0" anchor="ctr"/>
+          <a:lstStyle/>
+          <a:p>
+            <a:pPr algn="ctr"/>
+            <a:r>
+              <a:rPr lang="zh-TW" altLang="en-US" dirty="0"/>
+              <a:t>搜尋文章</a:t>
+            </a:r>
+          </a:p>
+        </p:txBody>
+      </p:sp>
+      <p:sp>
+        <p:nvSpPr>
+          <p:cNvPr id="56" name="橢圓 55">
+            <a:extLst>
+              <a:ext uri="{FF2B5EF4-FFF2-40B4-BE49-F238E27FC236}">
+                <a16:creationId xmlns:a16="http://schemas.microsoft.com/office/drawing/2014/main" id="{5E3AF327-C5D6-49D1-A6A2-23F00B34F77C}"/>
+              </a:ext>
+            </a:extLst>
+          </p:cNvPr>
+          <p:cNvSpPr/>
+          <p:nvPr/>
+        </p:nvSpPr>
+        <p:spPr>
+          <a:xfrm>
+            <a:off x="5265240" y="124099"/>
+            <a:ext cx="1462653" cy="580504"/>
+          </a:xfrm>
+          <a:prstGeom prst="ellipse">
+            <a:avLst/>
+          </a:prstGeom>
+        </p:spPr>
+        <p:style>
+          <a:lnRef idx="2">
+            <a:schemeClr val="accent1">
+              <a:shade val="50000"/>
+            </a:schemeClr>
+          </a:lnRef>
+          <a:fillRef idx="1">
+            <a:schemeClr val="accent1"/>
+          </a:fillRef>
+          <a:effectRef idx="0">
+            <a:schemeClr val="accent1"/>
+          </a:effectRef>
+          <a:fontRef idx="minor">
+            <a:schemeClr val="lt1"/>
+          </a:fontRef>
+        </p:style>
+        <p:txBody>
+          <a:bodyPr rtlCol="0" anchor="ctr"/>
+          <a:lstStyle/>
+          <a:p>
+            <a:pPr algn="ctr"/>
+            <a:r>
+              <a:rPr lang="zh-TW" altLang="en-US" dirty="0"/>
+              <a:t>資訊牆</a:t>
+            </a:r>
+          </a:p>
+        </p:txBody>
+      </p:sp>
+      <p:cxnSp>
+        <p:nvCxnSpPr>
+          <p:cNvPr id="67" name="直線接點 66">
+            <a:extLst>
+              <a:ext uri="{FF2B5EF4-FFF2-40B4-BE49-F238E27FC236}">
+                <a16:creationId xmlns:a16="http://schemas.microsoft.com/office/drawing/2014/main" id="{86FF15C9-F99A-4583-ADFC-D7554B51C693}"/>
+              </a:ext>
+            </a:extLst>
+          </p:cNvPr>
+          <p:cNvCxnSpPr>
+            <a:stCxn id="61" idx="4"/>
+            <a:endCxn id="3" idx="0"/>
+          </p:cNvCxnSpPr>
+          <p:nvPr/>
+        </p:nvCxnSpPr>
+        <p:spPr>
+          <a:xfrm flipH="1">
+            <a:off x="1725903" y="2030976"/>
+            <a:ext cx="624694" cy="1577522"/>
+          </a:xfrm>
+          <a:prstGeom prst="line">
+            <a:avLst/>
+          </a:prstGeom>
+        </p:spPr>
+        <p:style>
+          <a:lnRef idx="1">
+            <a:schemeClr val="accent1"/>
+          </a:lnRef>
+          <a:fillRef idx="0">
+            <a:schemeClr val="accent1"/>
+          </a:fillRef>
+          <a:effectRef idx="0">
+            <a:schemeClr val="accent1"/>
+          </a:effectRef>
+          <a:fontRef idx="minor">
+            <a:schemeClr val="tx1"/>
+          </a:fontRef>
+        </p:style>
+      </p:cxnSp>
+      <p:cxnSp>
+        <p:nvCxnSpPr>
+          <p:cNvPr id="69" name="直線接點 68">
+            <a:extLst>
+              <a:ext uri="{FF2B5EF4-FFF2-40B4-BE49-F238E27FC236}">
+                <a16:creationId xmlns:a16="http://schemas.microsoft.com/office/drawing/2014/main" id="{455BD628-0488-403F-9E21-97EECD960E07}"/>
+              </a:ext>
+            </a:extLst>
+          </p:cNvPr>
+          <p:cNvCxnSpPr>
+            <a:stCxn id="54" idx="4"/>
+            <a:endCxn id="4" idx="0"/>
+          </p:cNvCxnSpPr>
+          <p:nvPr/>
+        </p:nvCxnSpPr>
+        <p:spPr>
+          <a:xfrm>
+            <a:off x="10221735" y="2185196"/>
+            <a:ext cx="551599" cy="1453944"/>
+          </a:xfrm>
+          <a:prstGeom prst="line">
+            <a:avLst/>
+          </a:prstGeom>
+        </p:spPr>
+        <p:style>
+          <a:lnRef idx="1">
+            <a:schemeClr val="accent1"/>
+          </a:lnRef>
+          <a:fillRef idx="0">
+            <a:schemeClr val="accent1"/>
+          </a:fillRef>
+          <a:effectRef idx="0">
+            <a:schemeClr val="accent1"/>
+          </a:effectRef>
+          <a:fontRef idx="minor">
+            <a:schemeClr val="tx1"/>
+          </a:fontRef>
+        </p:style>
+      </p:cxnSp>
+      <p:cxnSp>
+        <p:nvCxnSpPr>
+          <p:cNvPr id="71" name="直線接點 70">
+            <a:extLst>
+              <a:ext uri="{FF2B5EF4-FFF2-40B4-BE49-F238E27FC236}">
+                <a16:creationId xmlns:a16="http://schemas.microsoft.com/office/drawing/2014/main" id="{2DEF734D-0D19-4D9D-B022-C36AB3397326}"/>
+              </a:ext>
+            </a:extLst>
+          </p:cNvPr>
+          <p:cNvCxnSpPr>
+            <a:stCxn id="56" idx="6"/>
+            <a:endCxn id="54" idx="1"/>
+          </p:cNvCxnSpPr>
+          <p:nvPr/>
+        </p:nvCxnSpPr>
+        <p:spPr>
+          <a:xfrm>
+            <a:off x="6727893" y="414351"/>
+            <a:ext cx="2919660" cy="1072704"/>
+          </a:xfrm>
+          <a:prstGeom prst="line">
+            <a:avLst/>
+          </a:prstGeom>
+        </p:spPr>
+        <p:style>
+          <a:lnRef idx="1">
+            <a:schemeClr val="accent1"/>
+          </a:lnRef>
+          <a:fillRef idx="0">
+            <a:schemeClr val="accent1"/>
+          </a:fillRef>
+          <a:effectRef idx="0">
+            <a:schemeClr val="accent1"/>
+          </a:effectRef>
+          <a:fontRef idx="minor">
+            <a:schemeClr val="tx1"/>
+          </a:fontRef>
+        </p:style>
+      </p:cxnSp>
+      <p:cxnSp>
+        <p:nvCxnSpPr>
+          <p:cNvPr id="73" name="直線接點 72">
+            <a:extLst>
+              <a:ext uri="{FF2B5EF4-FFF2-40B4-BE49-F238E27FC236}">
+                <a16:creationId xmlns:a16="http://schemas.microsoft.com/office/drawing/2014/main" id="{D44E9798-4BD9-44B2-A58A-17C14AFEEC47}"/>
+              </a:ext>
+            </a:extLst>
+          </p:cNvPr>
+          <p:cNvCxnSpPr>
+            <a:stCxn id="56" idx="2"/>
+            <a:endCxn id="61" idx="7"/>
+          </p:cNvCxnSpPr>
+          <p:nvPr/>
+        </p:nvCxnSpPr>
+        <p:spPr>
+          <a:xfrm flipH="1">
+            <a:off x="2924778" y="414351"/>
+            <a:ext cx="2340462" cy="918484"/>
+          </a:xfrm>
+          <a:prstGeom prst="line">
+            <a:avLst/>
+          </a:prstGeom>
+        </p:spPr>
+        <p:style>
+          <a:lnRef idx="1">
+            <a:schemeClr val="accent1"/>
+          </a:lnRef>
+          <a:fillRef idx="0">
+            <a:schemeClr val="accent1"/>
+          </a:fillRef>
+          <a:effectRef idx="0">
+            <a:schemeClr val="accent1"/>
+          </a:effectRef>
+          <a:fontRef idx="minor">
+            <a:schemeClr val="tx1"/>
+          </a:fontRef>
+        </p:style>
+      </p:cxnSp>
     </p:spTree>
     <p:extLst>
       <p:ext uri="{BB962C8B-B14F-4D97-AF65-F5344CB8AC3E}">

--- a/media/image/心橋/心橋-平面圖.pptx
+++ b/media/image/心橋/心橋-平面圖.pptx
@@ -13,27 +13,29 @@
     <p:sldId id="260" r:id="rId7"/>
     <p:sldId id="261" r:id="rId8"/>
     <p:sldId id="262" r:id="rId9"/>
-    <p:sldId id="263" r:id="rId10"/>
-    <p:sldId id="264" r:id="rId11"/>
+    <p:sldId id="268" r:id="rId10"/>
+    <p:sldId id="263" r:id="rId11"/>
+    <p:sldId id="264" r:id="rId12"/>
+    <p:sldId id="270" r:id="rId13"/>
   </p:sldIdLst>
   <p:sldSz cx="12192000" cy="6858000"/>
   <p:notesSz cx="6858000" cy="9144000"/>
   <p:embeddedFontLst>
     <p:embeddedFont>
       <p:font typeface="jf open 粉圓 1.1" panose="020F0500000000000000" pitchFamily="34" charset="-120"/>
-      <p:regular r:id="rId12"/>
+      <p:regular r:id="rId14"/>
     </p:embeddedFont>
     <p:embeddedFont>
       <p:font typeface="Calibri" panose="020F0502020204030204" pitchFamily="34" charset="0"/>
-      <p:regular r:id="rId13"/>
-      <p:bold r:id="rId14"/>
-      <p:italic r:id="rId15"/>
-      <p:boldItalic r:id="rId16"/>
+      <p:regular r:id="rId15"/>
+      <p:bold r:id="rId16"/>
+      <p:italic r:id="rId17"/>
+      <p:boldItalic r:id="rId18"/>
     </p:embeddedFont>
     <p:embeddedFont>
       <p:font typeface="Calibri Light" panose="020F0302020204030204" pitchFamily="34" charset="0"/>
-      <p:regular r:id="rId17"/>
-      <p:italic r:id="rId18"/>
+      <p:regular r:id="rId19"/>
+      <p:italic r:id="rId20"/>
     </p:embeddedFont>
   </p:embeddedFontLst>
   <p:defaultTextStyle>
@@ -2353,7 +2355,7 @@
           <a:p>
             <a:fld id="{27533797-2D94-41C2-B84E-B7C29C8C4A40}" type="datetimeFigureOut">
               <a:rPr lang="zh-TW" altLang="en-US" smtClean="0"/>
-              <a:t>2021/12/16</a:t>
+              <a:t>2021/12/18</a:t>
             </a:fld>
             <a:endParaRPr lang="zh-TW" altLang="en-US"/>
           </a:p>
@@ -2551,7 +2553,7 @@
           <a:p>
             <a:fld id="{27533797-2D94-41C2-B84E-B7C29C8C4A40}" type="datetimeFigureOut">
               <a:rPr lang="zh-TW" altLang="en-US" smtClean="0"/>
-              <a:t>2021/12/16</a:t>
+              <a:t>2021/12/18</a:t>
             </a:fld>
             <a:endParaRPr lang="zh-TW" altLang="en-US"/>
           </a:p>
@@ -2759,7 +2761,7 @@
           <a:p>
             <a:fld id="{27533797-2D94-41C2-B84E-B7C29C8C4A40}" type="datetimeFigureOut">
               <a:rPr lang="zh-TW" altLang="en-US" smtClean="0"/>
-              <a:t>2021/12/16</a:t>
+              <a:t>2021/12/18</a:t>
             </a:fld>
             <a:endParaRPr lang="zh-TW" altLang="en-US"/>
           </a:p>
@@ -2957,7 +2959,7 @@
           <a:p>
             <a:fld id="{27533797-2D94-41C2-B84E-B7C29C8C4A40}" type="datetimeFigureOut">
               <a:rPr lang="zh-TW" altLang="en-US" smtClean="0"/>
-              <a:t>2021/12/16</a:t>
+              <a:t>2021/12/18</a:t>
             </a:fld>
             <a:endParaRPr lang="zh-TW" altLang="en-US"/>
           </a:p>
@@ -3232,7 +3234,7 @@
           <a:p>
             <a:fld id="{27533797-2D94-41C2-B84E-B7C29C8C4A40}" type="datetimeFigureOut">
               <a:rPr lang="zh-TW" altLang="en-US" smtClean="0"/>
-              <a:t>2021/12/16</a:t>
+              <a:t>2021/12/18</a:t>
             </a:fld>
             <a:endParaRPr lang="zh-TW" altLang="en-US"/>
           </a:p>
@@ -3497,7 +3499,7 @@
           <a:p>
             <a:fld id="{27533797-2D94-41C2-B84E-B7C29C8C4A40}" type="datetimeFigureOut">
               <a:rPr lang="zh-TW" altLang="en-US" smtClean="0"/>
-              <a:t>2021/12/16</a:t>
+              <a:t>2021/12/18</a:t>
             </a:fld>
             <a:endParaRPr lang="zh-TW" altLang="en-US"/>
           </a:p>
@@ -3909,7 +3911,7 @@
           <a:p>
             <a:fld id="{27533797-2D94-41C2-B84E-B7C29C8C4A40}" type="datetimeFigureOut">
               <a:rPr lang="zh-TW" altLang="en-US" smtClean="0"/>
-              <a:t>2021/12/16</a:t>
+              <a:t>2021/12/18</a:t>
             </a:fld>
             <a:endParaRPr lang="zh-TW" altLang="en-US"/>
           </a:p>
@@ -4050,7 +4052,7 @@
           <a:p>
             <a:fld id="{27533797-2D94-41C2-B84E-B7C29C8C4A40}" type="datetimeFigureOut">
               <a:rPr lang="zh-TW" altLang="en-US" smtClean="0"/>
-              <a:t>2021/12/16</a:t>
+              <a:t>2021/12/18</a:t>
             </a:fld>
             <a:endParaRPr lang="zh-TW" altLang="en-US"/>
           </a:p>
@@ -4163,7 +4165,7 @@
           <a:p>
             <a:fld id="{27533797-2D94-41C2-B84E-B7C29C8C4A40}" type="datetimeFigureOut">
               <a:rPr lang="zh-TW" altLang="en-US" smtClean="0"/>
-              <a:t>2021/12/16</a:t>
+              <a:t>2021/12/18</a:t>
             </a:fld>
             <a:endParaRPr lang="zh-TW" altLang="en-US"/>
           </a:p>
@@ -4474,7 +4476,7 @@
           <a:p>
             <a:fld id="{27533797-2D94-41C2-B84E-B7C29C8C4A40}" type="datetimeFigureOut">
               <a:rPr lang="zh-TW" altLang="en-US" smtClean="0"/>
-              <a:t>2021/12/16</a:t>
+              <a:t>2021/12/18</a:t>
             </a:fld>
             <a:endParaRPr lang="zh-TW" altLang="en-US"/>
           </a:p>
@@ -4762,7 +4764,7 @@
           <a:p>
             <a:fld id="{27533797-2D94-41C2-B84E-B7C29C8C4A40}" type="datetimeFigureOut">
               <a:rPr lang="zh-TW" altLang="en-US" smtClean="0"/>
-              <a:t>2021/12/16</a:t>
+              <a:t>2021/12/18</a:t>
             </a:fld>
             <a:endParaRPr lang="zh-TW" altLang="en-US"/>
           </a:p>
@@ -5003,7 +5005,7 @@
           <a:p>
             <a:fld id="{27533797-2D94-41C2-B84E-B7C29C8C4A40}" type="datetimeFigureOut">
               <a:rPr lang="zh-TW" altLang="en-US" smtClean="0"/>
-              <a:t>2021/12/16</a:t>
+              <a:t>2021/12/18</a:t>
             </a:fld>
             <a:endParaRPr lang="zh-TW" altLang="en-US"/>
           </a:p>
@@ -5504,10 +5506,10 @@
       </p:grpSpPr>
       <p:pic>
         <p:nvPicPr>
-          <p:cNvPr id="2" name="圖片 1">
-            <a:extLst>
-              <a:ext uri="{FF2B5EF4-FFF2-40B4-BE49-F238E27FC236}">
-                <a16:creationId xmlns:a16="http://schemas.microsoft.com/office/drawing/2014/main" id="{4FC636D9-2D4D-4F2E-93F8-7ADFC6DDDC9E}"/>
+          <p:cNvPr id="42" name="圖片 41">
+            <a:extLst>
+              <a:ext uri="{FF2B5EF4-FFF2-40B4-BE49-F238E27FC236}">
+                <a16:creationId xmlns:a16="http://schemas.microsoft.com/office/drawing/2014/main" id="{45D16819-8F1B-464D-A6B9-A14FE80F3D65}"/>
               </a:ext>
             </a:extLst>
           </p:cNvPr>
@@ -5519,6 +5521,15 @@
         <p:blipFill>
           <a:blip r:embed="rId2">
             <a:extLst>
+              <a:ext uri="{BEBA8EAE-BF5A-486C-A8C5-ECC9F3942E4B}">
+                <a14:imgProps xmlns:a14="http://schemas.microsoft.com/office/drawing/2010/main">
+                  <a14:imgLayer r:embed="rId3">
+                    <a14:imgEffect>
+                      <a14:backgroundRemoval t="10000" b="90000" l="10000" r="90000"/>
+                    </a14:imgEffect>
+                  </a14:imgLayer>
+                </a14:imgProps>
+              </a:ext>
               <a:ext uri="{28A0092B-C50C-407E-A947-70E740481C1C}">
                 <a14:useLocalDpi xmlns:a14="http://schemas.microsoft.com/office/drawing/2010/main" val="0"/>
               </a:ext>
@@ -5530,8 +5541,8 @@
         </p:blipFill>
         <p:spPr>
           <a:xfrm>
-            <a:off x="482091" y="813334"/>
-            <a:ext cx="11458669" cy="5338891"/>
+            <a:off x="10182156" y="3886705"/>
+            <a:ext cx="1703188" cy="2558837"/>
           </a:xfrm>
           <a:prstGeom prst="rect">
             <a:avLst/>
@@ -5540,10 +5551,10 @@
       </p:pic>
       <p:pic>
         <p:nvPicPr>
-          <p:cNvPr id="17" name="圖片 16">
-            <a:extLst>
-              <a:ext uri="{FF2B5EF4-FFF2-40B4-BE49-F238E27FC236}">
-                <a16:creationId xmlns:a16="http://schemas.microsoft.com/office/drawing/2014/main" id="{574E59E5-08EB-454F-A05A-46CA7D03B669}"/>
+          <p:cNvPr id="40" name="圖片 39">
+            <a:extLst>
+              <a:ext uri="{FF2B5EF4-FFF2-40B4-BE49-F238E27FC236}">
+                <a16:creationId xmlns:a16="http://schemas.microsoft.com/office/drawing/2014/main" id="{9D6D0953-11E1-477A-AF25-7804DD49E3D8}"/>
               </a:ext>
             </a:extLst>
           </p:cNvPr>
@@ -5553,11 +5564,11 @@
           <p:nvPr/>
         </p:nvPicPr>
         <p:blipFill>
-          <a:blip r:embed="rId3">
+          <a:blip r:embed="rId2">
             <a:extLst>
               <a:ext uri="{BEBA8EAE-BF5A-486C-A8C5-ECC9F3942E4B}">
                 <a14:imgProps xmlns:a14="http://schemas.microsoft.com/office/drawing/2010/main">
-                  <a14:imgLayer r:embed="rId4">
+                  <a14:imgLayer r:embed="rId3">
                     <a14:imgEffect>
                       <a14:backgroundRemoval t="10000" b="90000" l="10000" r="90000"/>
                     </a14:imgEffect>
@@ -5575,311 +5586,770 @@
         </p:blipFill>
         <p:spPr>
           <a:xfrm>
-            <a:off x="2680237" y="-85062"/>
-            <a:ext cx="2784559" cy="2476500"/>
+            <a:off x="563450" y="3860523"/>
+            <a:ext cx="1978739" cy="2558837"/>
           </a:xfrm>
           <a:prstGeom prst="rect">
             <a:avLst/>
           </a:prstGeom>
         </p:spPr>
       </p:pic>
-      <p:sp>
-        <p:nvSpPr>
-          <p:cNvPr id="3" name="文字方塊 2">
-            <a:extLst>
-              <a:ext uri="{FF2B5EF4-FFF2-40B4-BE49-F238E27FC236}">
-                <a16:creationId xmlns:a16="http://schemas.microsoft.com/office/drawing/2014/main" id="{23204856-4C81-41DE-BCD1-E251497B8CD7}"/>
-              </a:ext>
-            </a:extLst>
-          </p:cNvPr>
-          <p:cNvSpPr txBox="1"/>
+      <p:pic>
+        <p:nvPicPr>
+          <p:cNvPr id="3" name="圖片 2">
+            <a:extLst>
+              <a:ext uri="{FF2B5EF4-FFF2-40B4-BE49-F238E27FC236}">
+                <a16:creationId xmlns:a16="http://schemas.microsoft.com/office/drawing/2014/main" id="{1A142BA6-7A47-473B-A66D-C84AF33FA084}"/>
+              </a:ext>
+            </a:extLst>
+          </p:cNvPr>
+          <p:cNvPicPr>
+            <a:picLocks noChangeAspect="1"/>
+          </p:cNvPicPr>
           <p:nvPr/>
-        </p:nvSpPr>
+        </p:nvPicPr>
+        <p:blipFill>
+          <a:blip r:embed="rId4">
+            <a:extLst>
+              <a:ext uri="{28A0092B-C50C-407E-A947-70E740481C1C}">
+                <a14:useLocalDpi xmlns:a14="http://schemas.microsoft.com/office/drawing/2010/main" val="0"/>
+              </a:ext>
+            </a:extLst>
+          </a:blip>
+          <a:stretch>
+            <a:fillRect/>
+          </a:stretch>
+        </p:blipFill>
         <p:spPr>
           <a:xfrm>
-            <a:off x="2952565" y="968522"/>
-            <a:ext cx="1743260" cy="400110"/>
+            <a:off x="613893" y="3608498"/>
+            <a:ext cx="2224019" cy="1036228"/>
           </a:xfrm>
           <a:prstGeom prst="rect">
             <a:avLst/>
           </a:prstGeom>
-          <a:noFill/>
-        </p:spPr>
+          <a:ln w="38100" cap="sq">
+            <a:solidFill>
+              <a:srgbClr val="000000"/>
+            </a:solidFill>
+            <a:prstDash val="solid"/>
+            <a:miter lim="800000"/>
+          </a:ln>
+          <a:effectLst>
+            <a:outerShdw blurRad="50800" dist="38100" dir="2700000" algn="tl" rotWithShape="0">
+              <a:srgbClr val="000000">
+                <a:alpha val="43000"/>
+              </a:srgbClr>
+            </a:outerShdw>
+          </a:effectLst>
+        </p:spPr>
+      </p:pic>
+      <p:pic>
+        <p:nvPicPr>
+          <p:cNvPr id="4" name="圖片 3">
+            <a:extLst>
+              <a:ext uri="{FF2B5EF4-FFF2-40B4-BE49-F238E27FC236}">
+                <a16:creationId xmlns:a16="http://schemas.microsoft.com/office/drawing/2014/main" id="{9B64513B-D7A5-4A2A-B6B0-A5EE58DA4B79}"/>
+              </a:ext>
+            </a:extLst>
+          </p:cNvPr>
+          <p:cNvPicPr>
+            <a:picLocks noChangeAspect="1"/>
+          </p:cNvPicPr>
+          <p:nvPr/>
+        </p:nvPicPr>
+        <p:blipFill>
+          <a:blip r:embed="rId5">
+            <a:extLst>
+              <a:ext uri="{28A0092B-C50C-407E-A947-70E740481C1C}">
+                <a14:useLocalDpi xmlns:a14="http://schemas.microsoft.com/office/drawing/2010/main" val="0"/>
+              </a:ext>
+            </a:extLst>
+          </a:blip>
+          <a:stretch>
+            <a:fillRect/>
+          </a:stretch>
+        </p:blipFill>
+        <p:spPr>
+          <a:xfrm>
+            <a:off x="9661324" y="3639140"/>
+            <a:ext cx="2224020" cy="1036229"/>
+          </a:xfrm>
+          <a:prstGeom prst="rect">
+            <a:avLst/>
+          </a:prstGeom>
+          <a:ln w="38100" cap="sq">
+            <a:solidFill>
+              <a:srgbClr val="000000"/>
+            </a:solidFill>
+            <a:prstDash val="solid"/>
+            <a:miter lim="800000"/>
+          </a:ln>
+          <a:effectLst>
+            <a:outerShdw blurRad="50800" dist="38100" dir="2700000" algn="tl" rotWithShape="0">
+              <a:srgbClr val="000000">
+                <a:alpha val="43000"/>
+              </a:srgbClr>
+            </a:outerShdw>
+          </a:effectLst>
+        </p:spPr>
+      </p:pic>
+      <p:sp>
+        <p:nvSpPr>
+          <p:cNvPr id="2" name="橢圓 1">
+            <a:extLst>
+              <a:ext uri="{FF2B5EF4-FFF2-40B4-BE49-F238E27FC236}">
+                <a16:creationId xmlns:a16="http://schemas.microsoft.com/office/drawing/2014/main" id="{54F0A848-E656-4CFC-A73C-126CCEE8A962}"/>
+              </a:ext>
+            </a:extLst>
+          </p:cNvPr>
+          <p:cNvSpPr/>
+          <p:nvPr/>
+        </p:nvSpPr>
+        <p:spPr>
+          <a:xfrm>
+            <a:off x="2712966" y="5128760"/>
+            <a:ext cx="1670207" cy="723935"/>
+          </a:xfrm>
+          <a:prstGeom prst="ellipse">
+            <a:avLst/>
+          </a:prstGeom>
+        </p:spPr>
+        <p:style>
+          <a:lnRef idx="2">
+            <a:schemeClr val="accent1">
+              <a:shade val="50000"/>
+            </a:schemeClr>
+          </a:lnRef>
+          <a:fillRef idx="1">
+            <a:schemeClr val="accent1"/>
+          </a:fillRef>
+          <a:effectRef idx="0">
+            <a:schemeClr val="accent1"/>
+          </a:effectRef>
+          <a:fontRef idx="minor">
+            <a:schemeClr val="lt1"/>
+          </a:fontRef>
+        </p:style>
         <p:txBody>
-          <a:bodyPr wrap="square" rtlCol="0">
-            <a:spAutoFit/>
-          </a:bodyPr>
+          <a:bodyPr rtlCol="0" anchor="ctr"/>
           <a:lstStyle/>
           <a:p>
-            <a:r>
-              <a:rPr lang="zh-TW" altLang="en-US" sz="2000" dirty="0">
-                <a:solidFill>
-                  <a:schemeClr val="bg1"/>
-                </a:solidFill>
-                <a:latin typeface="jf open 粉圓 1.1" panose="020F0500000000000000" pitchFamily="34" charset="-120"/>
-                <a:ea typeface="jf open 粉圓 1.1" panose="020F0500000000000000" pitchFamily="34" charset="-120"/>
-              </a:rPr>
-              <a:t>感測器示意圖</a:t>
+            <a:pPr algn="ctr"/>
+            <a:r>
+              <a:rPr lang="zh-TW" altLang="en-US" dirty="0"/>
+              <a:t>選擇</a:t>
+            </a:r>
+            <a:br>
+              <a:rPr lang="en-US" altLang="zh-TW" dirty="0"/>
+            </a:br>
+            <a:r>
+              <a:rPr lang="zh-TW" altLang="en-US" dirty="0"/>
+              <a:t>諮詢時段</a:t>
             </a:r>
           </a:p>
         </p:txBody>
       </p:sp>
       <p:sp>
         <p:nvSpPr>
-          <p:cNvPr id="4" name="文字方塊 3">
-            <a:extLst>
-              <a:ext uri="{FF2B5EF4-FFF2-40B4-BE49-F238E27FC236}">
-                <a16:creationId xmlns:a16="http://schemas.microsoft.com/office/drawing/2014/main" id="{675D7C05-82EA-4B9E-A9EB-F793FFCFDCBA}"/>
-              </a:ext>
-            </a:extLst>
-          </p:cNvPr>
-          <p:cNvSpPr txBox="1"/>
+          <p:cNvPr id="5" name="橢圓 4">
+            <a:extLst>
+              <a:ext uri="{FF2B5EF4-FFF2-40B4-BE49-F238E27FC236}">
+                <a16:creationId xmlns:a16="http://schemas.microsoft.com/office/drawing/2014/main" id="{12B45662-55A3-4231-A194-9C0264E62B1C}"/>
+              </a:ext>
+            </a:extLst>
+          </p:cNvPr>
+          <p:cNvSpPr/>
           <p:nvPr/>
         </p:nvSpPr>
         <p:spPr>
           <a:xfrm>
-            <a:off x="8450062" y="548787"/>
-            <a:ext cx="1160663" cy="369332"/>
-          </a:xfrm>
-          <a:prstGeom prst="rect">
+            <a:off x="5426591" y="3429000"/>
+            <a:ext cx="1581744" cy="343332"/>
+          </a:xfrm>
+          <a:prstGeom prst="ellipse">
             <a:avLst/>
           </a:prstGeom>
-          <a:noFill/>
-          <a:ln w="19050">
+          <a:solidFill>
+            <a:schemeClr val="accent2"/>
+          </a:solidFill>
+          <a:ln>
             <a:solidFill>
               <a:srgbClr val="FF0000"/>
             </a:solidFill>
           </a:ln>
         </p:spPr>
+        <p:style>
+          <a:lnRef idx="2">
+            <a:schemeClr val="accent1">
+              <a:shade val="50000"/>
+            </a:schemeClr>
+          </a:lnRef>
+          <a:fillRef idx="1">
+            <a:schemeClr val="accent1"/>
+          </a:fillRef>
+          <a:effectRef idx="0">
+            <a:schemeClr val="accent1"/>
+          </a:effectRef>
+          <a:fontRef idx="minor">
+            <a:schemeClr val="lt1"/>
+          </a:fontRef>
+        </p:style>
         <p:txBody>
-          <a:bodyPr wrap="square" rtlCol="0">
-            <a:spAutoFit/>
-          </a:bodyPr>
-          <a:lstStyle>
-            <a:defPPr>
-              <a:defRPr lang="zh-TW"/>
-            </a:defPPr>
-            <a:lvl1pPr>
-              <a:defRPr>
-                <a:latin typeface="jf open 粉圓 1.1" panose="020F0500000000000000" pitchFamily="34" charset="-120"/>
-                <a:ea typeface="jf open 粉圓 1.1" panose="020F0500000000000000" pitchFamily="34" charset="-120"/>
-              </a:defRPr>
-            </a:lvl1pPr>
-          </a:lstStyle>
-          <a:p>
-            <a:r>
-              <a:rPr lang="en-US" altLang="zh-TW" dirty="0"/>
-              <a:t>USB</a:t>
-            </a:r>
-            <a:r>
-              <a:rPr lang="zh-TW" altLang="en-US" dirty="0"/>
-              <a:t>插頭</a:t>
+          <a:bodyPr rtlCol="0" anchor="ctr"/>
+          <a:lstStyle/>
+          <a:p>
+            <a:pPr algn="ctr"/>
+            <a:r>
+              <a:rPr lang="zh-TW" altLang="en-US" b="1" dirty="0"/>
+              <a:t>視訊面談</a:t>
             </a:r>
           </a:p>
         </p:txBody>
       </p:sp>
       <p:sp>
         <p:nvSpPr>
-          <p:cNvPr id="5" name="文字方塊 4">
-            <a:extLst>
-              <a:ext uri="{FF2B5EF4-FFF2-40B4-BE49-F238E27FC236}">
-                <a16:creationId xmlns:a16="http://schemas.microsoft.com/office/drawing/2014/main" id="{77466135-8066-4527-9C73-13067071A617}"/>
-              </a:ext>
-            </a:extLst>
-          </p:cNvPr>
-          <p:cNvSpPr txBox="1"/>
+          <p:cNvPr id="6" name="橢圓 5">
+            <a:extLst>
+              <a:ext uri="{FF2B5EF4-FFF2-40B4-BE49-F238E27FC236}">
+                <a16:creationId xmlns:a16="http://schemas.microsoft.com/office/drawing/2014/main" id="{663B371E-FBE9-4439-9808-34E4152B1FFE}"/>
+              </a:ext>
+            </a:extLst>
+          </p:cNvPr>
+          <p:cNvSpPr/>
           <p:nvPr/>
         </p:nvSpPr>
         <p:spPr>
           <a:xfrm>
-            <a:off x="7741975" y="2174770"/>
-            <a:ext cx="3213717" cy="923330"/>
-          </a:xfrm>
-          <a:prstGeom prst="rect">
+            <a:off x="3993861" y="4600126"/>
+            <a:ext cx="1581743" cy="387049"/>
+          </a:xfrm>
+          <a:prstGeom prst="ellipse">
             <a:avLst/>
           </a:prstGeom>
-          <a:noFill/>
-          <a:ln w="19050">
-            <a:solidFill>
-              <a:srgbClr val="FF0000"/>
-            </a:solidFill>
-          </a:ln>
-        </p:spPr>
+        </p:spPr>
+        <p:style>
+          <a:lnRef idx="2">
+            <a:schemeClr val="accent1">
+              <a:shade val="50000"/>
+            </a:schemeClr>
+          </a:lnRef>
+          <a:fillRef idx="1">
+            <a:schemeClr val="accent1"/>
+          </a:fillRef>
+          <a:effectRef idx="0">
+            <a:schemeClr val="accent1"/>
+          </a:effectRef>
+          <a:fontRef idx="minor">
+            <a:schemeClr val="lt1"/>
+          </a:fontRef>
+        </p:style>
         <p:txBody>
-          <a:bodyPr wrap="square" rtlCol="0">
-            <a:spAutoFit/>
-          </a:bodyPr>
-          <a:lstStyle>
-            <a:defPPr>
-              <a:defRPr lang="zh-TW"/>
-            </a:defPPr>
-            <a:lvl1pPr>
-              <a:defRPr>
-                <a:latin typeface="jf open 粉圓 1.1" panose="020F0500000000000000" pitchFamily="34" charset="-120"/>
-                <a:ea typeface="jf open 粉圓 1.1" panose="020F0500000000000000" pitchFamily="34" charset="-120"/>
-              </a:defRPr>
-            </a:lvl1pPr>
-          </a:lstStyle>
-          <a:p>
-            <a:r>
-              <a:rPr lang="zh-TW" altLang="en-US" b="1" dirty="0">
-                <a:effectLst>
-                  <a:outerShdw blurRad="38100" dist="38100" dir="2700000" algn="tl">
-                    <a:srgbClr val="000000">
-                      <a:alpha val="43137"/>
-                    </a:srgbClr>
-                  </a:outerShdw>
-                </a:effectLst>
-              </a:rPr>
-              <a:t>指套</a:t>
-            </a:r>
-            <a:r>
-              <a:rPr lang="en-US" altLang="zh-TW" b="1" dirty="0">
-                <a:effectLst>
-                  <a:outerShdw blurRad="38100" dist="38100" dir="2700000" algn="tl">
-                    <a:srgbClr val="000000">
-                      <a:alpha val="43137"/>
-                    </a:srgbClr>
-                  </a:outerShdw>
-                </a:effectLst>
-              </a:rPr>
-              <a:t>:</a:t>
-            </a:r>
-          </a:p>
-          <a:p>
+          <a:bodyPr rtlCol="0" anchor="ctr"/>
+          <a:lstStyle/>
+          <a:p>
+            <a:pPr algn="ctr"/>
             <a:r>
               <a:rPr lang="zh-TW" altLang="en-US" dirty="0"/>
-              <a:t>透過偵測手指末端的血液流動</a:t>
-            </a:r>
-            <a:endParaRPr lang="en-US" altLang="zh-TW" dirty="0"/>
-          </a:p>
-          <a:p>
-            <a:r>
-              <a:rPr lang="zh-TW" altLang="en-US" dirty="0"/>
-              <a:t>測量心跳。</a:t>
+              <a:t>發送預約</a:t>
             </a:r>
           </a:p>
         </p:txBody>
       </p:sp>
       <p:sp>
         <p:nvSpPr>
-          <p:cNvPr id="6" name="文字方塊 5">
-            <a:extLst>
-              <a:ext uri="{FF2B5EF4-FFF2-40B4-BE49-F238E27FC236}">
-                <a16:creationId xmlns:a16="http://schemas.microsoft.com/office/drawing/2014/main" id="{E8A9CF19-5628-4A23-B553-C4F0DD29A207}"/>
-              </a:ext>
-            </a:extLst>
-          </p:cNvPr>
-          <p:cNvSpPr txBox="1"/>
+          <p:cNvPr id="7" name="橢圓 6">
+            <a:extLst>
+              <a:ext uri="{FF2B5EF4-FFF2-40B4-BE49-F238E27FC236}">
+                <a16:creationId xmlns:a16="http://schemas.microsoft.com/office/drawing/2014/main" id="{3CCCF0CA-9B97-404B-B33C-6567EE589632}"/>
+              </a:ext>
+            </a:extLst>
+          </p:cNvPr>
+          <p:cNvSpPr/>
           <p:nvPr/>
         </p:nvSpPr>
         <p:spPr>
           <a:xfrm>
-            <a:off x="7381782" y="4459535"/>
-            <a:ext cx="2905218" cy="1200329"/>
-          </a:xfrm>
-          <a:prstGeom prst="rect">
+            <a:off x="2770037" y="2767574"/>
+            <a:ext cx="1552708" cy="723936"/>
+          </a:xfrm>
+          <a:prstGeom prst="ellipse">
             <a:avLst/>
           </a:prstGeom>
-          <a:noFill/>
-          <a:ln w="19050">
-            <a:solidFill>
-              <a:srgbClr val="FF0000"/>
-            </a:solidFill>
-          </a:ln>
-        </p:spPr>
+        </p:spPr>
+        <p:style>
+          <a:lnRef idx="2">
+            <a:schemeClr val="accent1">
+              <a:shade val="50000"/>
+            </a:schemeClr>
+          </a:lnRef>
+          <a:fillRef idx="1">
+            <a:schemeClr val="accent1"/>
+          </a:fillRef>
+          <a:effectRef idx="0">
+            <a:schemeClr val="accent1"/>
+          </a:effectRef>
+          <a:fontRef idx="minor">
+            <a:schemeClr val="lt1"/>
+          </a:fontRef>
+        </p:style>
         <p:txBody>
-          <a:bodyPr wrap="square" rtlCol="0">
-            <a:spAutoFit/>
-          </a:bodyPr>
-          <a:lstStyle>
-            <a:defPPr>
-              <a:defRPr lang="zh-TW"/>
-            </a:defPPr>
-            <a:lvl1pPr>
-              <a:defRPr>
-                <a:latin typeface="jf open 粉圓 1.1" panose="020F0500000000000000" pitchFamily="34" charset="-120"/>
-                <a:ea typeface="jf open 粉圓 1.1" panose="020F0500000000000000" pitchFamily="34" charset="-120"/>
-              </a:defRPr>
-            </a:lvl1pPr>
-          </a:lstStyle>
-          <a:p>
-            <a:r>
-              <a:rPr lang="zh-TW" altLang="en-US" b="1" dirty="0">
-                <a:effectLst>
-                  <a:outerShdw blurRad="38100" dist="38100" dir="2700000" algn="tl">
-                    <a:srgbClr val="000000">
-                      <a:alpha val="43137"/>
-                    </a:srgbClr>
-                  </a:outerShdw>
-                </a:effectLst>
-              </a:rPr>
-              <a:t>溫溼度感測器</a:t>
-            </a:r>
-            <a:r>
-              <a:rPr lang="en-US" altLang="zh-TW" b="1" dirty="0">
-                <a:effectLst>
-                  <a:outerShdw blurRad="38100" dist="38100" dir="2700000" algn="tl">
-                    <a:srgbClr val="000000">
-                      <a:alpha val="43137"/>
-                    </a:srgbClr>
-                  </a:outerShdw>
-                </a:effectLst>
-              </a:rPr>
-              <a:t>:</a:t>
-            </a:r>
-          </a:p>
-          <a:p>
+          <a:bodyPr rtlCol="0" anchor="ctr"/>
+          <a:lstStyle/>
+          <a:p>
+            <a:pPr algn="ctr"/>
             <a:r>
               <a:rPr lang="zh-TW" altLang="en-US" dirty="0"/>
-              <a:t>讓使用者握著，</a:t>
-            </a:r>
-            <a:endParaRPr lang="en-US" altLang="zh-TW" dirty="0"/>
-          </a:p>
-          <a:p>
+              <a:t>輸入</a:t>
+            </a:r>
+            <a:br>
+              <a:rPr lang="en-US" altLang="zh-TW" dirty="0"/>
+            </a:br>
             <a:r>
               <a:rPr lang="zh-TW" altLang="en-US" dirty="0"/>
-              <a:t>偵測手掌溫度與出汗程度，</a:t>
-            </a:r>
-            <a:endParaRPr lang="en-US" altLang="zh-TW" dirty="0"/>
-          </a:p>
-          <a:p>
+              <a:t>個人資訊</a:t>
+            </a:r>
+          </a:p>
+        </p:txBody>
+      </p:sp>
+      <p:sp>
+        <p:nvSpPr>
+          <p:cNvPr id="8" name="橢圓 7">
+            <a:extLst>
+              <a:ext uri="{FF2B5EF4-FFF2-40B4-BE49-F238E27FC236}">
+                <a16:creationId xmlns:a16="http://schemas.microsoft.com/office/drawing/2014/main" id="{5E92D3DB-1E74-49D6-AD6B-D32C7FA6F295}"/>
+              </a:ext>
+            </a:extLst>
+          </p:cNvPr>
+          <p:cNvSpPr/>
+          <p:nvPr/>
+        </p:nvSpPr>
+        <p:spPr>
+          <a:xfrm>
+            <a:off x="5162431" y="2164966"/>
+            <a:ext cx="1624031" cy="593728"/>
+          </a:xfrm>
+          <a:prstGeom prst="ellipse">
+            <a:avLst/>
+          </a:prstGeom>
+        </p:spPr>
+        <p:style>
+          <a:lnRef idx="2">
+            <a:schemeClr val="accent1">
+              <a:shade val="50000"/>
+            </a:schemeClr>
+          </a:lnRef>
+          <a:fillRef idx="1">
+            <a:schemeClr val="accent1"/>
+          </a:fillRef>
+          <a:effectRef idx="0">
+            <a:schemeClr val="accent1"/>
+          </a:effectRef>
+          <a:fontRef idx="minor">
+            <a:schemeClr val="lt1"/>
+          </a:fontRef>
+        </p:style>
+        <p:txBody>
+          <a:bodyPr rtlCol="0" anchor="ctr"/>
+          <a:lstStyle/>
+          <a:p>
+            <a:pPr algn="ctr"/>
             <a:r>
               <a:rPr lang="zh-TW" altLang="en-US" dirty="0"/>
-              <a:t>確認使用者的身理狀況。</a:t>
-            </a:r>
-            <a:endParaRPr lang="en-US" altLang="zh-TW" dirty="0"/>
+              <a:t>個人資訊</a:t>
+            </a:r>
+          </a:p>
+        </p:txBody>
+      </p:sp>
+      <p:sp>
+        <p:nvSpPr>
+          <p:cNvPr id="9" name="橢圓 8">
+            <a:extLst>
+              <a:ext uri="{FF2B5EF4-FFF2-40B4-BE49-F238E27FC236}">
+                <a16:creationId xmlns:a16="http://schemas.microsoft.com/office/drawing/2014/main" id="{635627FB-52C8-4D08-9864-6FB942350E3E}"/>
+              </a:ext>
+            </a:extLst>
+          </p:cNvPr>
+          <p:cNvSpPr/>
+          <p:nvPr/>
+        </p:nvSpPr>
+        <p:spPr>
+          <a:xfrm>
+            <a:off x="8017131" y="5490727"/>
+            <a:ext cx="1892824" cy="622141"/>
+          </a:xfrm>
+          <a:prstGeom prst="ellipse">
+            <a:avLst/>
+          </a:prstGeom>
+        </p:spPr>
+        <p:style>
+          <a:lnRef idx="2">
+            <a:schemeClr val="accent1">
+              <a:shade val="50000"/>
+            </a:schemeClr>
+          </a:lnRef>
+          <a:fillRef idx="1">
+            <a:schemeClr val="accent1"/>
+          </a:fillRef>
+          <a:effectRef idx="0">
+            <a:schemeClr val="accent1"/>
+          </a:effectRef>
+          <a:fontRef idx="minor">
+            <a:schemeClr val="lt1"/>
+          </a:fontRef>
+        </p:style>
+        <p:txBody>
+          <a:bodyPr rtlCol="0" anchor="ctr"/>
+          <a:lstStyle/>
+          <a:p>
+            <a:pPr algn="ctr"/>
+            <a:r>
+              <a:rPr lang="zh-TW" altLang="en-US" dirty="0"/>
+              <a:t>上傳</a:t>
+            </a:r>
+            <a:br>
+              <a:rPr lang="en-US" altLang="zh-TW" dirty="0"/>
+            </a:br>
+            <a:r>
+              <a:rPr lang="zh-TW" altLang="en-US" dirty="0"/>
+              <a:t>可諮詢時段</a:t>
+            </a:r>
+          </a:p>
+        </p:txBody>
+      </p:sp>
+      <p:sp>
+        <p:nvSpPr>
+          <p:cNvPr id="10" name="橢圓 9">
+            <a:extLst>
+              <a:ext uri="{FF2B5EF4-FFF2-40B4-BE49-F238E27FC236}">
+                <a16:creationId xmlns:a16="http://schemas.microsoft.com/office/drawing/2014/main" id="{B8EF18E4-6405-4D0C-84AC-36A95F4DBFF5}"/>
+              </a:ext>
+            </a:extLst>
+          </p:cNvPr>
+          <p:cNvSpPr/>
+          <p:nvPr/>
+        </p:nvSpPr>
+        <p:spPr>
+          <a:xfrm>
+            <a:off x="7280230" y="4644011"/>
+            <a:ext cx="1581743" cy="424397"/>
+          </a:xfrm>
+          <a:prstGeom prst="ellipse">
+            <a:avLst/>
+          </a:prstGeom>
+        </p:spPr>
+        <p:style>
+          <a:lnRef idx="2">
+            <a:schemeClr val="accent1">
+              <a:shade val="50000"/>
+            </a:schemeClr>
+          </a:lnRef>
+          <a:fillRef idx="1">
+            <a:schemeClr val="accent1"/>
+          </a:fillRef>
+          <a:effectRef idx="0">
+            <a:schemeClr val="accent1"/>
+          </a:effectRef>
+          <a:fontRef idx="minor">
+            <a:schemeClr val="lt1"/>
+          </a:fontRef>
+        </p:style>
+        <p:txBody>
+          <a:bodyPr rtlCol="0" anchor="ctr"/>
+          <a:lstStyle/>
+          <a:p>
+            <a:pPr algn="ctr"/>
+            <a:r>
+              <a:rPr lang="zh-TW" altLang="en-US" dirty="0"/>
+              <a:t>確認預約</a:t>
+            </a:r>
+          </a:p>
+        </p:txBody>
+      </p:sp>
+      <p:sp>
+        <p:nvSpPr>
+          <p:cNvPr id="11" name="橢圓 10">
+            <a:extLst>
+              <a:ext uri="{FF2B5EF4-FFF2-40B4-BE49-F238E27FC236}">
+                <a16:creationId xmlns:a16="http://schemas.microsoft.com/office/drawing/2014/main" id="{BFBF30C6-88C4-44C0-BE9D-893A386B5682}"/>
+              </a:ext>
+            </a:extLst>
+          </p:cNvPr>
+          <p:cNvSpPr/>
+          <p:nvPr/>
+        </p:nvSpPr>
+        <p:spPr>
+          <a:xfrm>
+            <a:off x="7409843" y="2816780"/>
+            <a:ext cx="1829407" cy="625524"/>
+          </a:xfrm>
+          <a:prstGeom prst="ellipse">
+            <a:avLst/>
+          </a:prstGeom>
+        </p:spPr>
+        <p:style>
+          <a:lnRef idx="2">
+            <a:schemeClr val="accent1">
+              <a:shade val="50000"/>
+            </a:schemeClr>
+          </a:lnRef>
+          <a:fillRef idx="1">
+            <a:schemeClr val="accent1"/>
+          </a:fillRef>
+          <a:effectRef idx="0">
+            <a:schemeClr val="accent1"/>
+          </a:effectRef>
+          <a:fontRef idx="minor">
+            <a:schemeClr val="lt1"/>
+          </a:fontRef>
+        </p:style>
+        <p:txBody>
+          <a:bodyPr rtlCol="0" anchor="ctr"/>
+          <a:lstStyle/>
+          <a:p>
+            <a:pPr algn="ctr"/>
+            <a:r>
+              <a:rPr lang="zh-TW" altLang="en-US" dirty="0"/>
+              <a:t>查詢</a:t>
+            </a:r>
+            <a:r>
+              <a:rPr lang="en-US" altLang="zh-TW" dirty="0"/>
+              <a:t>&amp;</a:t>
+            </a:r>
+            <a:r>
+              <a:rPr lang="zh-TW" altLang="en-US" dirty="0"/>
+              <a:t>整理</a:t>
+            </a:r>
+            <a:br>
+              <a:rPr lang="en-US" altLang="zh-TW" dirty="0"/>
+            </a:br>
+            <a:r>
+              <a:rPr lang="zh-TW" altLang="en-US" dirty="0"/>
+              <a:t>個人資訊</a:t>
+            </a:r>
+          </a:p>
+        </p:txBody>
+      </p:sp>
+      <p:sp>
+        <p:nvSpPr>
+          <p:cNvPr id="12" name="橢圓 11">
+            <a:extLst>
+              <a:ext uri="{FF2B5EF4-FFF2-40B4-BE49-F238E27FC236}">
+                <a16:creationId xmlns:a16="http://schemas.microsoft.com/office/drawing/2014/main" id="{A82AC800-EFEA-40FB-AFE5-C9A6F8C0FAEF}"/>
+              </a:ext>
+            </a:extLst>
+          </p:cNvPr>
+          <p:cNvSpPr/>
+          <p:nvPr/>
+        </p:nvSpPr>
+        <p:spPr>
+          <a:xfrm>
+            <a:off x="4378664" y="1488413"/>
+            <a:ext cx="1038688" cy="580653"/>
+          </a:xfrm>
+          <a:prstGeom prst="ellipse">
+            <a:avLst/>
+          </a:prstGeom>
+        </p:spPr>
+        <p:style>
+          <a:lnRef idx="2">
+            <a:schemeClr val="accent1">
+              <a:shade val="50000"/>
+            </a:schemeClr>
+          </a:lnRef>
+          <a:fillRef idx="1">
+            <a:schemeClr val="accent1"/>
+          </a:fillRef>
+          <a:effectRef idx="0">
+            <a:schemeClr val="accent1"/>
+          </a:effectRef>
+          <a:fontRef idx="minor">
+            <a:schemeClr val="lt1"/>
+          </a:fontRef>
+        </p:style>
+        <p:txBody>
+          <a:bodyPr rtlCol="0" anchor="ctr"/>
+          <a:lstStyle/>
+          <a:p>
+            <a:pPr algn="ctr"/>
+            <a:r>
+              <a:rPr lang="zh-TW" altLang="en-US" dirty="0"/>
+              <a:t>聲音日記</a:t>
+            </a:r>
+          </a:p>
+        </p:txBody>
+      </p:sp>
+      <p:sp>
+        <p:nvSpPr>
+          <p:cNvPr id="13" name="橢圓 12">
+            <a:extLst>
+              <a:ext uri="{FF2B5EF4-FFF2-40B4-BE49-F238E27FC236}">
+                <a16:creationId xmlns:a16="http://schemas.microsoft.com/office/drawing/2014/main" id="{0DC9A92D-DC17-4008-B5BD-2C53B7A11791}"/>
+              </a:ext>
+            </a:extLst>
+          </p:cNvPr>
+          <p:cNvSpPr/>
+          <p:nvPr/>
+        </p:nvSpPr>
+        <p:spPr>
+          <a:xfrm>
+            <a:off x="5480554" y="1348967"/>
+            <a:ext cx="944153" cy="580653"/>
+          </a:xfrm>
+          <a:prstGeom prst="ellipse">
+            <a:avLst/>
+          </a:prstGeom>
+        </p:spPr>
+        <p:style>
+          <a:lnRef idx="2">
+            <a:schemeClr val="accent1">
+              <a:shade val="50000"/>
+            </a:schemeClr>
+          </a:lnRef>
+          <a:fillRef idx="1">
+            <a:schemeClr val="accent1"/>
+          </a:fillRef>
+          <a:effectRef idx="0">
+            <a:schemeClr val="accent1"/>
+          </a:effectRef>
+          <a:fontRef idx="minor">
+            <a:schemeClr val="lt1"/>
+          </a:fontRef>
+        </p:style>
+        <p:txBody>
+          <a:bodyPr rtlCol="0" anchor="ctr"/>
+          <a:lstStyle/>
+          <a:p>
+            <a:pPr algn="ctr"/>
+            <a:r>
+              <a:rPr lang="zh-TW" altLang="en-US" dirty="0"/>
+              <a:t>分析數據</a:t>
+            </a:r>
+          </a:p>
+        </p:txBody>
+      </p:sp>
+      <p:sp>
+        <p:nvSpPr>
+          <p:cNvPr id="14" name="橢圓 13">
+            <a:extLst>
+              <a:ext uri="{FF2B5EF4-FFF2-40B4-BE49-F238E27FC236}">
+                <a16:creationId xmlns:a16="http://schemas.microsoft.com/office/drawing/2014/main" id="{40292B44-AFBC-486F-860F-7EF3C812F09D}"/>
+              </a:ext>
+            </a:extLst>
+          </p:cNvPr>
+          <p:cNvSpPr/>
+          <p:nvPr/>
+        </p:nvSpPr>
+        <p:spPr>
+          <a:xfrm>
+            <a:off x="6465689" y="1537845"/>
+            <a:ext cx="944154" cy="580653"/>
+          </a:xfrm>
+          <a:prstGeom prst="ellipse">
+            <a:avLst/>
+          </a:prstGeom>
+        </p:spPr>
+        <p:style>
+          <a:lnRef idx="2">
+            <a:schemeClr val="accent1">
+              <a:shade val="50000"/>
+            </a:schemeClr>
+          </a:lnRef>
+          <a:fillRef idx="1">
+            <a:schemeClr val="accent1"/>
+          </a:fillRef>
+          <a:effectRef idx="0">
+            <a:schemeClr val="accent1"/>
+          </a:effectRef>
+          <a:fontRef idx="minor">
+            <a:schemeClr val="lt1"/>
+          </a:fontRef>
+        </p:style>
+        <p:txBody>
+          <a:bodyPr rtlCol="0" anchor="ctr"/>
+          <a:lstStyle/>
+          <a:p>
+            <a:pPr algn="ctr"/>
+            <a:r>
+              <a:rPr lang="zh-TW" altLang="en-US" dirty="0"/>
+              <a:t>基本資料</a:t>
+            </a:r>
+          </a:p>
+        </p:txBody>
+      </p:sp>
+      <p:sp>
+        <p:nvSpPr>
+          <p:cNvPr id="15" name="橢圓 14">
+            <a:extLst>
+              <a:ext uri="{FF2B5EF4-FFF2-40B4-BE49-F238E27FC236}">
+                <a16:creationId xmlns:a16="http://schemas.microsoft.com/office/drawing/2014/main" id="{B2BE35B4-CA06-4B9E-81CF-E3E60F9EEDED}"/>
+              </a:ext>
+            </a:extLst>
+          </p:cNvPr>
+          <p:cNvSpPr/>
+          <p:nvPr/>
+        </p:nvSpPr>
+        <p:spPr>
+          <a:xfrm>
+            <a:off x="5431086" y="4126612"/>
+            <a:ext cx="1581743" cy="424397"/>
+          </a:xfrm>
+          <a:prstGeom prst="ellipse">
+            <a:avLst/>
+          </a:prstGeom>
+        </p:spPr>
+        <p:style>
+          <a:lnRef idx="2">
+            <a:schemeClr val="accent1">
+              <a:shade val="50000"/>
+            </a:schemeClr>
+          </a:lnRef>
+          <a:fillRef idx="1">
+            <a:schemeClr val="accent1"/>
+          </a:fillRef>
+          <a:effectRef idx="0">
+            <a:schemeClr val="accent1"/>
+          </a:effectRef>
+          <a:fontRef idx="minor">
+            <a:schemeClr val="lt1"/>
+          </a:fontRef>
+        </p:style>
+        <p:txBody>
+          <a:bodyPr rtlCol="0" anchor="ctr"/>
+          <a:lstStyle/>
+          <a:p>
+            <a:pPr algn="ctr"/>
+            <a:r>
+              <a:rPr lang="zh-TW" altLang="en-US" dirty="0"/>
+              <a:t>預約時段</a:t>
+            </a:r>
           </a:p>
         </p:txBody>
       </p:sp>
       <p:cxnSp>
         <p:nvCxnSpPr>
-          <p:cNvPr id="10" name="接點: 肘形 9">
-            <a:extLst>
-              <a:ext uri="{FF2B5EF4-FFF2-40B4-BE49-F238E27FC236}">
-                <a16:creationId xmlns:a16="http://schemas.microsoft.com/office/drawing/2014/main" id="{B23E36DA-0E50-4600-9FD0-D84721874CBD}"/>
+          <p:cNvPr id="17" name="直線接點 16">
+            <a:extLst>
+              <a:ext uri="{FF2B5EF4-FFF2-40B4-BE49-F238E27FC236}">
+                <a16:creationId xmlns:a16="http://schemas.microsoft.com/office/drawing/2014/main" id="{0E4C7800-8E30-4C77-82DF-032CD41FD188}"/>
               </a:ext>
             </a:extLst>
           </p:cNvPr>
           <p:cNvCxnSpPr>
-            <a:stCxn id="4" idx="2"/>
+            <a:cxnSpLocks/>
+            <a:stCxn id="7" idx="2"/>
+            <a:endCxn id="3" idx="0"/>
           </p:cNvCxnSpPr>
           <p:nvPr/>
         </p:nvCxnSpPr>
         <p:spPr>
-          <a:xfrm rot="16200000" flipH="1">
-            <a:off x="8841406" y="1107106"/>
-            <a:ext cx="501106" cy="123131"/>
-          </a:xfrm>
-          <a:prstGeom prst="bentConnector3">
+          <a:xfrm flipH="1">
+            <a:off x="1725903" y="3129542"/>
+            <a:ext cx="1044134" cy="478956"/>
+          </a:xfrm>
+          <a:prstGeom prst="line">
             <a:avLst/>
           </a:prstGeom>
-          <a:ln w="28575">
-            <a:solidFill>
-              <a:srgbClr val="FF0000"/>
-            </a:solidFill>
-            <a:tailEnd type="oval"/>
-          </a:ln>
         </p:spPr>
         <p:style>
           <a:lnRef idx="1">
@@ -5898,33 +6368,28 @@
       </p:cxnSp>
       <p:cxnSp>
         <p:nvCxnSpPr>
-          <p:cNvPr id="12" name="接點: 肘形 11">
-            <a:extLst>
-              <a:ext uri="{FF2B5EF4-FFF2-40B4-BE49-F238E27FC236}">
-                <a16:creationId xmlns:a16="http://schemas.microsoft.com/office/drawing/2014/main" id="{AF95D086-CC85-4768-96FC-60C4CD817E57}"/>
+          <p:cNvPr id="19" name="直線接點 18">
+            <a:extLst>
+              <a:ext uri="{FF2B5EF4-FFF2-40B4-BE49-F238E27FC236}">
+                <a16:creationId xmlns:a16="http://schemas.microsoft.com/office/drawing/2014/main" id="{1926248A-0DF9-4E3F-95D1-EDBB49E1279A}"/>
               </a:ext>
             </a:extLst>
           </p:cNvPr>
           <p:cNvCxnSpPr>
             <a:cxnSpLocks/>
-            <a:stCxn id="5" idx="1"/>
+            <a:stCxn id="2" idx="1"/>
+            <a:endCxn id="3" idx="2"/>
           </p:cNvCxnSpPr>
           <p:nvPr/>
         </p:nvCxnSpPr>
         <p:spPr>
-          <a:xfrm rot="10800000">
-            <a:off x="5972175" y="2314575"/>
-            <a:ext cx="1769800" cy="321860"/>
-          </a:xfrm>
-          <a:prstGeom prst="bentConnector3">
+          <a:xfrm flipH="1" flipV="1">
+            <a:off x="1725903" y="4644726"/>
+            <a:ext cx="1231659" cy="590052"/>
+          </a:xfrm>
+          <a:prstGeom prst="line">
             <a:avLst/>
           </a:prstGeom>
-          <a:ln w="28575">
-            <a:solidFill>
-              <a:srgbClr val="FF0000"/>
-            </a:solidFill>
-            <a:tailEnd type="oval"/>
-          </a:ln>
         </p:spPr>
         <p:style>
           <a:lnRef idx="1">
@@ -5943,33 +6408,28 @@
       </p:cxnSp>
       <p:cxnSp>
         <p:nvCxnSpPr>
-          <p:cNvPr id="14" name="接點: 肘形 13">
-            <a:extLst>
-              <a:ext uri="{FF2B5EF4-FFF2-40B4-BE49-F238E27FC236}">
-                <a16:creationId xmlns:a16="http://schemas.microsoft.com/office/drawing/2014/main" id="{C110AC2E-0F87-4E45-B0DB-E113A1CF7738}"/>
+          <p:cNvPr id="23" name="直線接點 22">
+            <a:extLst>
+              <a:ext uri="{FF2B5EF4-FFF2-40B4-BE49-F238E27FC236}">
+                <a16:creationId xmlns:a16="http://schemas.microsoft.com/office/drawing/2014/main" id="{CAFD69A0-A986-4F03-B568-94452ED92FBE}"/>
               </a:ext>
             </a:extLst>
           </p:cNvPr>
           <p:cNvCxnSpPr>
             <a:cxnSpLocks/>
-            <a:stCxn id="6" idx="1"/>
+            <a:stCxn id="2" idx="5"/>
+            <a:endCxn id="100" idx="2"/>
           </p:cNvCxnSpPr>
           <p:nvPr/>
         </p:nvCxnSpPr>
         <p:spPr>
-          <a:xfrm rot="10800000">
-            <a:off x="6238880" y="3905250"/>
-            <a:ext cx="1142903" cy="1154450"/>
-          </a:xfrm>
-          <a:prstGeom prst="bentConnector2">
+          <a:xfrm>
+            <a:off x="4138577" y="5746677"/>
+            <a:ext cx="1217446" cy="466610"/>
+          </a:xfrm>
+          <a:prstGeom prst="line">
             <a:avLst/>
           </a:prstGeom>
-          <a:ln w="28575">
-            <a:solidFill>
-              <a:srgbClr val="FF0000"/>
-            </a:solidFill>
-            <a:tailEnd type="oval"/>
-          </a:ln>
         </p:spPr>
         <p:style>
           <a:lnRef idx="1">
@@ -5986,57 +6446,579 @@
           </a:fontRef>
         </p:style>
       </p:cxnSp>
-      <p:pic>
-        <p:nvPicPr>
-          <p:cNvPr id="19" name="圖片 18">
-            <a:extLst>
-              <a:ext uri="{FF2B5EF4-FFF2-40B4-BE49-F238E27FC236}">
-                <a16:creationId xmlns:a16="http://schemas.microsoft.com/office/drawing/2014/main" id="{9F014704-EF11-4F23-AC51-2A5AABD5CD1E}"/>
-              </a:ext>
-            </a:extLst>
-          </p:cNvPr>
-          <p:cNvPicPr>
-            <a:picLocks noChangeAspect="1"/>
-          </p:cNvPicPr>
+      <p:cxnSp>
+        <p:nvCxnSpPr>
+          <p:cNvPr id="25" name="直線接點 24">
+            <a:extLst>
+              <a:ext uri="{FF2B5EF4-FFF2-40B4-BE49-F238E27FC236}">
+                <a16:creationId xmlns:a16="http://schemas.microsoft.com/office/drawing/2014/main" id="{5F4DB237-86E8-48F3-BB00-27AA67BF0265}"/>
+              </a:ext>
+            </a:extLst>
+          </p:cNvPr>
+          <p:cNvCxnSpPr>
+            <a:cxnSpLocks/>
+            <a:stCxn id="6" idx="0"/>
+            <a:endCxn id="15" idx="3"/>
+          </p:cNvCxnSpPr>
           <p:nvPr/>
-        </p:nvPicPr>
-        <p:blipFill>
-          <a:blip r:embed="rId3">
-            <a:extLst>
-              <a:ext uri="{BEBA8EAE-BF5A-486C-A8C5-ECC9F3942E4B}">
-                <a14:imgProps xmlns:a14="http://schemas.microsoft.com/office/drawing/2010/main">
-                  <a14:imgLayer r:embed="rId4">
-                    <a14:imgEffect>
-                      <a14:backgroundRemoval t="10000" b="90000" l="10000" r="90000"/>
-                    </a14:imgEffect>
-                  </a14:imgLayer>
-                </a14:imgProps>
-              </a:ext>
-              <a:ext uri="{28A0092B-C50C-407E-A947-70E740481C1C}">
-                <a14:useLocalDpi xmlns:a14="http://schemas.microsoft.com/office/drawing/2010/main" val="0"/>
-              </a:ext>
-            </a:extLst>
-          </a:blip>
-          <a:stretch>
-            <a:fillRect/>
-          </a:stretch>
-        </p:blipFill>
-        <p:spPr>
-          <a:xfrm>
-            <a:off x="817860" y="4307654"/>
-            <a:ext cx="4656608" cy="3535577"/>
-          </a:xfrm>
-          <a:prstGeom prst="rect">
+        </p:nvCxnSpPr>
+        <p:spPr>
+          <a:xfrm flipV="1">
+            <a:off x="4784733" y="4488857"/>
+            <a:ext cx="877994" cy="111269"/>
+          </a:xfrm>
+          <a:prstGeom prst="line">
             <a:avLst/>
           </a:prstGeom>
         </p:spPr>
-      </p:pic>
+        <p:style>
+          <a:lnRef idx="1">
+            <a:schemeClr val="accent1"/>
+          </a:lnRef>
+          <a:fillRef idx="0">
+            <a:schemeClr val="accent1"/>
+          </a:fillRef>
+          <a:effectRef idx="0">
+            <a:schemeClr val="accent1"/>
+          </a:effectRef>
+          <a:fontRef idx="minor">
+            <a:schemeClr val="tx1"/>
+          </a:fontRef>
+        </p:style>
+      </p:cxnSp>
+      <p:cxnSp>
+        <p:nvCxnSpPr>
+          <p:cNvPr id="27" name="直線接點 26">
+            <a:extLst>
+              <a:ext uri="{FF2B5EF4-FFF2-40B4-BE49-F238E27FC236}">
+                <a16:creationId xmlns:a16="http://schemas.microsoft.com/office/drawing/2014/main" id="{93D42244-B9B2-4657-BB4E-34DA074EDDEA}"/>
+              </a:ext>
+            </a:extLst>
+          </p:cNvPr>
+          <p:cNvCxnSpPr>
+            <a:cxnSpLocks/>
+            <a:stCxn id="10" idx="1"/>
+            <a:endCxn id="15" idx="5"/>
+          </p:cNvCxnSpPr>
+          <p:nvPr/>
+        </p:nvCxnSpPr>
+        <p:spPr>
+          <a:xfrm flipH="1" flipV="1">
+            <a:off x="6781188" y="4488857"/>
+            <a:ext cx="730683" cy="217306"/>
+          </a:xfrm>
+          <a:prstGeom prst="line">
+            <a:avLst/>
+          </a:prstGeom>
+        </p:spPr>
+        <p:style>
+          <a:lnRef idx="1">
+            <a:schemeClr val="accent1"/>
+          </a:lnRef>
+          <a:fillRef idx="0">
+            <a:schemeClr val="accent1"/>
+          </a:fillRef>
+          <a:effectRef idx="0">
+            <a:schemeClr val="accent1"/>
+          </a:effectRef>
+          <a:fontRef idx="minor">
+            <a:schemeClr val="tx1"/>
+          </a:fontRef>
+        </p:style>
+      </p:cxnSp>
+      <p:cxnSp>
+        <p:nvCxnSpPr>
+          <p:cNvPr id="29" name="直線接點 28">
+            <a:extLst>
+              <a:ext uri="{FF2B5EF4-FFF2-40B4-BE49-F238E27FC236}">
+                <a16:creationId xmlns:a16="http://schemas.microsoft.com/office/drawing/2014/main" id="{18D720C9-A219-4CA8-8B0F-0CE9727C2347}"/>
+              </a:ext>
+            </a:extLst>
+          </p:cNvPr>
+          <p:cNvCxnSpPr>
+            <a:cxnSpLocks/>
+            <a:stCxn id="10" idx="7"/>
+            <a:endCxn id="4" idx="1"/>
+          </p:cNvCxnSpPr>
+          <p:nvPr/>
+        </p:nvCxnSpPr>
+        <p:spPr>
+          <a:xfrm flipV="1">
+            <a:off x="8630332" y="4157255"/>
+            <a:ext cx="1030992" cy="548908"/>
+          </a:xfrm>
+          <a:prstGeom prst="line">
+            <a:avLst/>
+          </a:prstGeom>
+        </p:spPr>
+        <p:style>
+          <a:lnRef idx="1">
+            <a:schemeClr val="accent1"/>
+          </a:lnRef>
+          <a:fillRef idx="0">
+            <a:schemeClr val="accent1"/>
+          </a:fillRef>
+          <a:effectRef idx="0">
+            <a:schemeClr val="accent1"/>
+          </a:effectRef>
+          <a:fontRef idx="minor">
+            <a:schemeClr val="tx1"/>
+          </a:fontRef>
+        </p:style>
+      </p:cxnSp>
+      <p:cxnSp>
+        <p:nvCxnSpPr>
+          <p:cNvPr id="31" name="直線接點 30">
+            <a:extLst>
+              <a:ext uri="{FF2B5EF4-FFF2-40B4-BE49-F238E27FC236}">
+                <a16:creationId xmlns:a16="http://schemas.microsoft.com/office/drawing/2014/main" id="{71035DAC-4A9E-479A-A72A-5424BB60E27C}"/>
+              </a:ext>
+            </a:extLst>
+          </p:cNvPr>
+          <p:cNvCxnSpPr>
+            <a:cxnSpLocks/>
+            <a:stCxn id="7" idx="7"/>
+            <a:endCxn id="8" idx="3"/>
+          </p:cNvCxnSpPr>
+          <p:nvPr/>
+        </p:nvCxnSpPr>
+        <p:spPr>
+          <a:xfrm flipV="1">
+            <a:off x="4095356" y="2671745"/>
+            <a:ext cx="1304909" cy="201847"/>
+          </a:xfrm>
+          <a:prstGeom prst="line">
+            <a:avLst/>
+          </a:prstGeom>
+        </p:spPr>
+        <p:style>
+          <a:lnRef idx="1">
+            <a:schemeClr val="accent1"/>
+          </a:lnRef>
+          <a:fillRef idx="0">
+            <a:schemeClr val="accent1"/>
+          </a:fillRef>
+          <a:effectRef idx="0">
+            <a:schemeClr val="accent1"/>
+          </a:effectRef>
+          <a:fontRef idx="minor">
+            <a:schemeClr val="tx1"/>
+          </a:fontRef>
+        </p:style>
+      </p:cxnSp>
+      <p:cxnSp>
+        <p:nvCxnSpPr>
+          <p:cNvPr id="33" name="直線接點 32">
+            <a:extLst>
+              <a:ext uri="{FF2B5EF4-FFF2-40B4-BE49-F238E27FC236}">
+                <a16:creationId xmlns:a16="http://schemas.microsoft.com/office/drawing/2014/main" id="{1485D775-1184-49C4-8E80-55B379DE89A5}"/>
+              </a:ext>
+            </a:extLst>
+          </p:cNvPr>
+          <p:cNvCxnSpPr>
+            <a:cxnSpLocks/>
+            <a:stCxn id="11" idx="1"/>
+            <a:endCxn id="8" idx="5"/>
+          </p:cNvCxnSpPr>
+          <p:nvPr/>
+        </p:nvCxnSpPr>
+        <p:spPr>
+          <a:xfrm flipH="1" flipV="1">
+            <a:off x="6548628" y="2671745"/>
+            <a:ext cx="1129125" cy="236641"/>
+          </a:xfrm>
+          <a:prstGeom prst="line">
+            <a:avLst/>
+          </a:prstGeom>
+        </p:spPr>
+        <p:style>
+          <a:lnRef idx="1">
+            <a:schemeClr val="accent1"/>
+          </a:lnRef>
+          <a:fillRef idx="0">
+            <a:schemeClr val="accent1"/>
+          </a:fillRef>
+          <a:effectRef idx="0">
+            <a:schemeClr val="accent1"/>
+          </a:effectRef>
+          <a:fontRef idx="minor">
+            <a:schemeClr val="tx1"/>
+          </a:fontRef>
+        </p:style>
+      </p:cxnSp>
+      <p:cxnSp>
+        <p:nvCxnSpPr>
+          <p:cNvPr id="35" name="直線接點 34">
+            <a:extLst>
+              <a:ext uri="{FF2B5EF4-FFF2-40B4-BE49-F238E27FC236}">
+                <a16:creationId xmlns:a16="http://schemas.microsoft.com/office/drawing/2014/main" id="{BF604639-0FB3-4DD6-AC22-6277F27EBE12}"/>
+              </a:ext>
+            </a:extLst>
+          </p:cNvPr>
+          <p:cNvCxnSpPr>
+            <a:cxnSpLocks/>
+            <a:stCxn id="8" idx="1"/>
+            <a:endCxn id="12" idx="5"/>
+          </p:cNvCxnSpPr>
+          <p:nvPr/>
+        </p:nvCxnSpPr>
+        <p:spPr>
+          <a:xfrm flipH="1" flipV="1">
+            <a:off x="5265240" y="1984031"/>
+            <a:ext cx="135025" cy="267884"/>
+          </a:xfrm>
+          <a:prstGeom prst="line">
+            <a:avLst/>
+          </a:prstGeom>
+        </p:spPr>
+        <p:style>
+          <a:lnRef idx="1">
+            <a:schemeClr val="accent1"/>
+          </a:lnRef>
+          <a:fillRef idx="0">
+            <a:schemeClr val="accent1"/>
+          </a:fillRef>
+          <a:effectRef idx="0">
+            <a:schemeClr val="accent1"/>
+          </a:effectRef>
+          <a:fontRef idx="minor">
+            <a:schemeClr val="tx1"/>
+          </a:fontRef>
+        </p:style>
+      </p:cxnSp>
+      <p:cxnSp>
+        <p:nvCxnSpPr>
+          <p:cNvPr id="37" name="直線接點 36">
+            <a:extLst>
+              <a:ext uri="{FF2B5EF4-FFF2-40B4-BE49-F238E27FC236}">
+                <a16:creationId xmlns:a16="http://schemas.microsoft.com/office/drawing/2014/main" id="{E8C70454-37B6-430D-895C-F73628164775}"/>
+              </a:ext>
+            </a:extLst>
+          </p:cNvPr>
+          <p:cNvCxnSpPr>
+            <a:cxnSpLocks/>
+            <a:stCxn id="8" idx="0"/>
+            <a:endCxn id="13" idx="4"/>
+          </p:cNvCxnSpPr>
+          <p:nvPr/>
+        </p:nvCxnSpPr>
+        <p:spPr>
+          <a:xfrm flipH="1" flipV="1">
+            <a:off x="5952631" y="1929620"/>
+            <a:ext cx="21816" cy="235346"/>
+          </a:xfrm>
+          <a:prstGeom prst="line">
+            <a:avLst/>
+          </a:prstGeom>
+        </p:spPr>
+        <p:style>
+          <a:lnRef idx="1">
+            <a:schemeClr val="accent1"/>
+          </a:lnRef>
+          <a:fillRef idx="0">
+            <a:schemeClr val="accent1"/>
+          </a:fillRef>
+          <a:effectRef idx="0">
+            <a:schemeClr val="accent1"/>
+          </a:effectRef>
+          <a:fontRef idx="minor">
+            <a:schemeClr val="tx1"/>
+          </a:fontRef>
+        </p:style>
+      </p:cxnSp>
+      <p:cxnSp>
+        <p:nvCxnSpPr>
+          <p:cNvPr id="39" name="直線接點 38">
+            <a:extLst>
+              <a:ext uri="{FF2B5EF4-FFF2-40B4-BE49-F238E27FC236}">
+                <a16:creationId xmlns:a16="http://schemas.microsoft.com/office/drawing/2014/main" id="{24133FC1-2F64-4594-92FA-A0590693396D}"/>
+              </a:ext>
+            </a:extLst>
+          </p:cNvPr>
+          <p:cNvCxnSpPr>
+            <a:cxnSpLocks/>
+            <a:stCxn id="8" idx="7"/>
+          </p:cNvCxnSpPr>
+          <p:nvPr/>
+        </p:nvCxnSpPr>
+        <p:spPr>
+          <a:xfrm flipV="1">
+            <a:off x="6548628" y="2107948"/>
+            <a:ext cx="138268" cy="143967"/>
+          </a:xfrm>
+          <a:prstGeom prst="line">
+            <a:avLst/>
+          </a:prstGeom>
+        </p:spPr>
+        <p:style>
+          <a:lnRef idx="1">
+            <a:schemeClr val="accent1"/>
+          </a:lnRef>
+          <a:fillRef idx="0">
+            <a:schemeClr val="accent1"/>
+          </a:fillRef>
+          <a:effectRef idx="0">
+            <a:schemeClr val="accent1"/>
+          </a:effectRef>
+          <a:fontRef idx="minor">
+            <a:schemeClr val="tx1"/>
+          </a:fontRef>
+        </p:style>
+      </p:cxnSp>
+      <p:cxnSp>
+        <p:nvCxnSpPr>
+          <p:cNvPr id="41" name="直線接點 40">
+            <a:extLst>
+              <a:ext uri="{FF2B5EF4-FFF2-40B4-BE49-F238E27FC236}">
+                <a16:creationId xmlns:a16="http://schemas.microsoft.com/office/drawing/2014/main" id="{40BD0918-F09D-4A2C-A314-D49A2D115431}"/>
+              </a:ext>
+            </a:extLst>
+          </p:cNvPr>
+          <p:cNvCxnSpPr>
+            <a:cxnSpLocks/>
+            <a:stCxn id="11" idx="6"/>
+            <a:endCxn id="4" idx="0"/>
+          </p:cNvCxnSpPr>
+          <p:nvPr/>
+        </p:nvCxnSpPr>
+        <p:spPr>
+          <a:xfrm>
+            <a:off x="9239250" y="3129542"/>
+            <a:ext cx="1534084" cy="509598"/>
+          </a:xfrm>
+          <a:prstGeom prst="line">
+            <a:avLst/>
+          </a:prstGeom>
+        </p:spPr>
+        <p:style>
+          <a:lnRef idx="1">
+            <a:schemeClr val="accent1"/>
+          </a:lnRef>
+          <a:fillRef idx="0">
+            <a:schemeClr val="accent1"/>
+          </a:fillRef>
+          <a:effectRef idx="0">
+            <a:schemeClr val="accent1"/>
+          </a:effectRef>
+          <a:fontRef idx="minor">
+            <a:schemeClr val="tx1"/>
+          </a:fontRef>
+        </p:style>
+      </p:cxnSp>
+      <p:cxnSp>
+        <p:nvCxnSpPr>
+          <p:cNvPr id="43" name="直線接點 42">
+            <a:extLst>
+              <a:ext uri="{FF2B5EF4-FFF2-40B4-BE49-F238E27FC236}">
+                <a16:creationId xmlns:a16="http://schemas.microsoft.com/office/drawing/2014/main" id="{D52C6A49-FBC7-4BF0-BB15-E3ADB92C37C2}"/>
+              </a:ext>
+            </a:extLst>
+          </p:cNvPr>
+          <p:cNvCxnSpPr>
+            <a:cxnSpLocks/>
+            <a:stCxn id="4" idx="2"/>
+            <a:endCxn id="9" idx="0"/>
+          </p:cNvCxnSpPr>
+          <p:nvPr/>
+        </p:nvCxnSpPr>
+        <p:spPr>
+          <a:xfrm flipH="1">
+            <a:off x="8963543" y="4675369"/>
+            <a:ext cx="1809791" cy="815358"/>
+          </a:xfrm>
+          <a:prstGeom prst="line">
+            <a:avLst/>
+          </a:prstGeom>
+        </p:spPr>
+        <p:style>
+          <a:lnRef idx="1">
+            <a:schemeClr val="accent1"/>
+          </a:lnRef>
+          <a:fillRef idx="0">
+            <a:schemeClr val="accent1"/>
+          </a:fillRef>
+          <a:effectRef idx="0">
+            <a:schemeClr val="accent1"/>
+          </a:effectRef>
+          <a:fontRef idx="minor">
+            <a:schemeClr val="tx1"/>
+          </a:fontRef>
+        </p:style>
+      </p:cxnSp>
+      <p:cxnSp>
+        <p:nvCxnSpPr>
+          <p:cNvPr id="45" name="直線接點 44">
+            <a:extLst>
+              <a:ext uri="{FF2B5EF4-FFF2-40B4-BE49-F238E27FC236}">
+                <a16:creationId xmlns:a16="http://schemas.microsoft.com/office/drawing/2014/main" id="{19A58DCF-519D-465E-B1B2-0C6B2486B6E3}"/>
+              </a:ext>
+            </a:extLst>
+          </p:cNvPr>
+          <p:cNvCxnSpPr>
+            <a:cxnSpLocks/>
+            <a:stCxn id="15" idx="4"/>
+            <a:endCxn id="5" idx="4"/>
+          </p:cNvCxnSpPr>
+          <p:nvPr/>
+        </p:nvCxnSpPr>
+        <p:spPr>
+          <a:xfrm flipH="1" flipV="1">
+            <a:off x="6217463" y="3772332"/>
+            <a:ext cx="4495" cy="778677"/>
+          </a:xfrm>
+          <a:prstGeom prst="line">
+            <a:avLst/>
+          </a:prstGeom>
+        </p:spPr>
+        <p:style>
+          <a:lnRef idx="1">
+            <a:schemeClr val="accent1"/>
+          </a:lnRef>
+          <a:fillRef idx="0">
+            <a:schemeClr val="accent1"/>
+          </a:fillRef>
+          <a:effectRef idx="0">
+            <a:schemeClr val="accent1"/>
+          </a:effectRef>
+          <a:fontRef idx="minor">
+            <a:schemeClr val="tx1"/>
+          </a:fontRef>
+        </p:style>
+      </p:cxnSp>
       <p:sp>
         <p:nvSpPr>
-          <p:cNvPr id="8" name="文字方塊 7">
-            <a:extLst>
-              <a:ext uri="{FF2B5EF4-FFF2-40B4-BE49-F238E27FC236}">
-                <a16:creationId xmlns:a16="http://schemas.microsoft.com/office/drawing/2014/main" id="{3A99E881-D5BA-42F7-BE8F-7B38AF03B204}"/>
+          <p:cNvPr id="100" name="橢圓 99">
+            <a:extLst>
+              <a:ext uri="{FF2B5EF4-FFF2-40B4-BE49-F238E27FC236}">
+                <a16:creationId xmlns:a16="http://schemas.microsoft.com/office/drawing/2014/main" id="{88CFC36E-11AA-402D-9C3F-2509C3D6A082}"/>
+              </a:ext>
+            </a:extLst>
+          </p:cNvPr>
+          <p:cNvSpPr/>
+          <p:nvPr/>
+        </p:nvSpPr>
+        <p:spPr>
+          <a:xfrm>
+            <a:off x="5356023" y="5945109"/>
+            <a:ext cx="1581743" cy="536355"/>
+          </a:xfrm>
+          <a:prstGeom prst="ellipse">
+            <a:avLst/>
+          </a:prstGeom>
+        </p:spPr>
+        <p:style>
+          <a:lnRef idx="2">
+            <a:schemeClr val="accent1">
+              <a:shade val="50000"/>
+            </a:schemeClr>
+          </a:lnRef>
+          <a:fillRef idx="1">
+            <a:schemeClr val="accent1"/>
+          </a:fillRef>
+          <a:effectRef idx="0">
+            <a:schemeClr val="accent1"/>
+          </a:effectRef>
+          <a:fontRef idx="minor">
+            <a:schemeClr val="lt1"/>
+          </a:fontRef>
+        </p:style>
+        <p:txBody>
+          <a:bodyPr rtlCol="0" anchor="ctr"/>
+          <a:lstStyle/>
+          <a:p>
+            <a:pPr algn="ctr"/>
+            <a:r>
+              <a:rPr lang="zh-TW" altLang="en-US" dirty="0"/>
+              <a:t>諮詢時段</a:t>
+            </a:r>
+          </a:p>
+        </p:txBody>
+      </p:sp>
+      <p:cxnSp>
+        <p:nvCxnSpPr>
+          <p:cNvPr id="103" name="直線接點 102">
+            <a:extLst>
+              <a:ext uri="{FF2B5EF4-FFF2-40B4-BE49-F238E27FC236}">
+                <a16:creationId xmlns:a16="http://schemas.microsoft.com/office/drawing/2014/main" id="{38066C1F-F0EF-4630-81D8-3FF2866333BB}"/>
+              </a:ext>
+            </a:extLst>
+          </p:cNvPr>
+          <p:cNvCxnSpPr>
+            <a:stCxn id="9" idx="2"/>
+            <a:endCxn id="100" idx="6"/>
+          </p:cNvCxnSpPr>
+          <p:nvPr/>
+        </p:nvCxnSpPr>
+        <p:spPr>
+          <a:xfrm flipH="1">
+            <a:off x="6937766" y="5801798"/>
+            <a:ext cx="1079365" cy="411489"/>
+          </a:xfrm>
+          <a:prstGeom prst="line">
+            <a:avLst/>
+          </a:prstGeom>
+        </p:spPr>
+        <p:style>
+          <a:lnRef idx="1">
+            <a:schemeClr val="accent1"/>
+          </a:lnRef>
+          <a:fillRef idx="0">
+            <a:schemeClr val="accent1"/>
+          </a:fillRef>
+          <a:effectRef idx="0">
+            <a:schemeClr val="accent1"/>
+          </a:effectRef>
+          <a:fontRef idx="minor">
+            <a:schemeClr val="tx1"/>
+          </a:fontRef>
+        </p:style>
+      </p:cxnSp>
+      <p:cxnSp>
+        <p:nvCxnSpPr>
+          <p:cNvPr id="107" name="直線接點 106">
+            <a:extLst>
+              <a:ext uri="{FF2B5EF4-FFF2-40B4-BE49-F238E27FC236}">
+                <a16:creationId xmlns:a16="http://schemas.microsoft.com/office/drawing/2014/main" id="{199EEB09-6F37-41F6-82F5-D111FC18C22B}"/>
+              </a:ext>
+            </a:extLst>
+          </p:cNvPr>
+          <p:cNvCxnSpPr>
+            <a:cxnSpLocks/>
+            <a:stCxn id="2" idx="0"/>
+            <a:endCxn id="6" idx="3"/>
+          </p:cNvCxnSpPr>
+          <p:nvPr/>
+        </p:nvCxnSpPr>
+        <p:spPr>
+          <a:xfrm flipV="1">
+            <a:off x="3548070" y="4930493"/>
+            <a:ext cx="677432" cy="198267"/>
+          </a:xfrm>
+          <a:prstGeom prst="line">
+            <a:avLst/>
+          </a:prstGeom>
+        </p:spPr>
+        <p:style>
+          <a:lnRef idx="1">
+            <a:schemeClr val="accent1"/>
+          </a:lnRef>
+          <a:fillRef idx="0">
+            <a:schemeClr val="accent1"/>
+          </a:fillRef>
+          <a:effectRef idx="0">
+            <a:schemeClr val="accent1"/>
+          </a:effectRef>
+          <a:fontRef idx="minor">
+            <a:schemeClr val="tx1"/>
+          </a:fontRef>
+        </p:style>
+      </p:cxnSp>
+      <p:sp>
+        <p:nvSpPr>
+          <p:cNvPr id="116" name="文字方塊 115">
+            <a:extLst>
+              <a:ext uri="{FF2B5EF4-FFF2-40B4-BE49-F238E27FC236}">
+                <a16:creationId xmlns:a16="http://schemas.microsoft.com/office/drawing/2014/main" id="{C763D2E4-787F-4B21-AF72-C395C9B131B3}"/>
               </a:ext>
             </a:extLst>
           </p:cNvPr>
@@ -6045,8 +7027,8 @@
         </p:nvSpPr>
         <p:spPr>
           <a:xfrm>
-            <a:off x="1287261" y="5721500"/>
-            <a:ext cx="2598939" cy="707886"/>
+            <a:off x="818363" y="4951895"/>
+            <a:ext cx="1051436" cy="400110"/>
           </a:xfrm>
           <a:prstGeom prst="rect">
             <a:avLst/>
@@ -6072,90 +7054,19 @@
             </a:lvl1pPr>
           </a:lstStyle>
           <a:p>
-            <a:pPr algn="ctr"/>
             <a:r>
               <a:rPr lang="zh-TW" altLang="en-US" dirty="0"/>
-              <a:t>側面</a:t>
-            </a:r>
-            <a:endParaRPr lang="en-US" altLang="zh-TW" dirty="0"/>
-          </a:p>
-          <a:p>
-            <a:pPr algn="ctr"/>
-            <a:r>
-              <a:rPr lang="en-US" altLang="zh-TW" dirty="0"/>
-              <a:t>(“←</a:t>
-            </a:r>
-            <a:r>
-              <a:rPr lang="zh-TW" altLang="en-US" dirty="0"/>
-              <a:t>手背</a:t>
-            </a:r>
-            <a:r>
-              <a:rPr lang="en-US" altLang="zh-TW" dirty="0"/>
-              <a:t>”   ”</a:t>
-            </a:r>
-            <a:r>
-              <a:rPr lang="zh-TW" altLang="en-US" dirty="0"/>
-              <a:t>→手心</a:t>
-            </a:r>
-            <a:r>
-              <a:rPr lang="en-US" altLang="zh-TW" dirty="0"/>
-              <a:t>”)</a:t>
-            </a:r>
-            <a:endParaRPr lang="zh-TW" altLang="en-US" dirty="0"/>
+              <a:t>使用者</a:t>
+            </a:r>
           </a:p>
         </p:txBody>
       </p:sp>
-      <p:pic>
-        <p:nvPicPr>
-          <p:cNvPr id="18" name="圖片 17">
-            <a:extLst>
-              <a:ext uri="{FF2B5EF4-FFF2-40B4-BE49-F238E27FC236}">
-                <a16:creationId xmlns:a16="http://schemas.microsoft.com/office/drawing/2014/main" id="{FDE45464-2AA2-404B-9E0A-F96E48B591F1}"/>
-              </a:ext>
-            </a:extLst>
-          </p:cNvPr>
-          <p:cNvPicPr>
-            <a:picLocks noChangeAspect="1"/>
-          </p:cNvPicPr>
-          <p:nvPr/>
-        </p:nvPicPr>
-        <p:blipFill>
-          <a:blip r:embed="rId3">
-            <a:extLst>
-              <a:ext uri="{BEBA8EAE-BF5A-486C-A8C5-ECC9F3942E4B}">
-                <a14:imgProps xmlns:a14="http://schemas.microsoft.com/office/drawing/2010/main">
-                  <a14:imgLayer r:embed="rId4">
-                    <a14:imgEffect>
-                      <a14:backgroundRemoval t="10000" b="90000" l="10000" r="90000"/>
-                    </a14:imgEffect>
-                  </a14:imgLayer>
-                </a14:imgProps>
-              </a:ext>
-              <a:ext uri="{28A0092B-C50C-407E-A947-70E740481C1C}">
-                <a14:useLocalDpi xmlns:a14="http://schemas.microsoft.com/office/drawing/2010/main" val="0"/>
-              </a:ext>
-            </a:extLst>
-          </a:blip>
-          <a:stretch>
-            <a:fillRect/>
-          </a:stretch>
-        </p:blipFill>
-        <p:spPr>
-          <a:xfrm>
-            <a:off x="4810219" y="4260663"/>
-            <a:ext cx="2784559" cy="2476500"/>
-          </a:xfrm>
-          <a:prstGeom prst="rect">
-            <a:avLst/>
-          </a:prstGeom>
-        </p:spPr>
-      </p:pic>
       <p:sp>
         <p:nvSpPr>
-          <p:cNvPr id="7" name="文字方塊 6">
-            <a:extLst>
-              <a:ext uri="{FF2B5EF4-FFF2-40B4-BE49-F238E27FC236}">
-                <a16:creationId xmlns:a16="http://schemas.microsoft.com/office/drawing/2014/main" id="{B9B74B5A-4C48-47FB-A7E4-58FABF2F526E}"/>
+          <p:cNvPr id="117" name="文字方塊 116">
+            <a:extLst>
+              <a:ext uri="{FF2B5EF4-FFF2-40B4-BE49-F238E27FC236}">
+                <a16:creationId xmlns:a16="http://schemas.microsoft.com/office/drawing/2014/main" id="{A10688A0-342D-409C-A1E7-B78742E903BC}"/>
               </a:ext>
             </a:extLst>
           </p:cNvPr>
@@ -6164,8 +7075,8 @@
         </p:nvSpPr>
         <p:spPr>
           <a:xfrm>
-            <a:off x="5163842" y="5335283"/>
-            <a:ext cx="1757778" cy="400110"/>
+            <a:off x="10461382" y="4986663"/>
+            <a:ext cx="969964" cy="400110"/>
           </a:xfrm>
           <a:prstGeom prst="rect">
             <a:avLst/>
@@ -6193,6 +7104,1059 @@
           <a:p>
             <a:r>
               <a:rPr lang="zh-TW" altLang="en-US" dirty="0"/>
+              <a:t>診所</a:t>
+            </a:r>
+          </a:p>
+        </p:txBody>
+      </p:sp>
+      <p:sp>
+        <p:nvSpPr>
+          <p:cNvPr id="54" name="橢圓 53">
+            <a:extLst>
+              <a:ext uri="{FF2B5EF4-FFF2-40B4-BE49-F238E27FC236}">
+                <a16:creationId xmlns:a16="http://schemas.microsoft.com/office/drawing/2014/main" id="{E626DF56-B096-402B-A4C9-E6EB8F6204E2}"/>
+              </a:ext>
+            </a:extLst>
+          </p:cNvPr>
+          <p:cNvSpPr/>
+          <p:nvPr/>
+        </p:nvSpPr>
+        <p:spPr>
+          <a:xfrm>
+            <a:off x="9409719" y="1367273"/>
+            <a:ext cx="1624031" cy="817923"/>
+          </a:xfrm>
+          <a:prstGeom prst="ellipse">
+            <a:avLst/>
+          </a:prstGeom>
+        </p:spPr>
+        <p:style>
+          <a:lnRef idx="2">
+            <a:schemeClr val="accent1">
+              <a:shade val="50000"/>
+            </a:schemeClr>
+          </a:lnRef>
+          <a:fillRef idx="1">
+            <a:schemeClr val="accent1"/>
+          </a:fillRef>
+          <a:effectRef idx="0">
+            <a:schemeClr val="accent1"/>
+          </a:effectRef>
+          <a:fontRef idx="minor">
+            <a:schemeClr val="lt1"/>
+          </a:fontRef>
+        </p:style>
+        <p:txBody>
+          <a:bodyPr rtlCol="0" anchor="ctr"/>
+          <a:lstStyle/>
+          <a:p>
+            <a:pPr algn="ctr"/>
+            <a:r>
+              <a:rPr lang="zh-TW" altLang="en-US" dirty="0"/>
+              <a:t>發表文章</a:t>
+            </a:r>
+          </a:p>
+        </p:txBody>
+      </p:sp>
+      <p:sp>
+        <p:nvSpPr>
+          <p:cNvPr id="61" name="橢圓 60">
+            <a:extLst>
+              <a:ext uri="{FF2B5EF4-FFF2-40B4-BE49-F238E27FC236}">
+                <a16:creationId xmlns:a16="http://schemas.microsoft.com/office/drawing/2014/main" id="{6BF68106-5AF3-43C2-BABF-1F8456158C66}"/>
+              </a:ext>
+            </a:extLst>
+          </p:cNvPr>
+          <p:cNvSpPr/>
+          <p:nvPr/>
+        </p:nvSpPr>
+        <p:spPr>
+          <a:xfrm>
+            <a:off x="1538581" y="1213053"/>
+            <a:ext cx="1624031" cy="817923"/>
+          </a:xfrm>
+          <a:prstGeom prst="ellipse">
+            <a:avLst/>
+          </a:prstGeom>
+        </p:spPr>
+        <p:style>
+          <a:lnRef idx="2">
+            <a:schemeClr val="accent1">
+              <a:shade val="50000"/>
+            </a:schemeClr>
+          </a:lnRef>
+          <a:fillRef idx="1">
+            <a:schemeClr val="accent1"/>
+          </a:fillRef>
+          <a:effectRef idx="0">
+            <a:schemeClr val="accent1"/>
+          </a:effectRef>
+          <a:fontRef idx="minor">
+            <a:schemeClr val="lt1"/>
+          </a:fontRef>
+        </p:style>
+        <p:txBody>
+          <a:bodyPr rtlCol="0" anchor="ctr"/>
+          <a:lstStyle/>
+          <a:p>
+            <a:pPr algn="ctr"/>
+            <a:r>
+              <a:rPr lang="zh-TW" altLang="en-US" dirty="0"/>
+              <a:t>搜尋文章</a:t>
+            </a:r>
+          </a:p>
+        </p:txBody>
+      </p:sp>
+      <p:sp>
+        <p:nvSpPr>
+          <p:cNvPr id="56" name="橢圓 55">
+            <a:extLst>
+              <a:ext uri="{FF2B5EF4-FFF2-40B4-BE49-F238E27FC236}">
+                <a16:creationId xmlns:a16="http://schemas.microsoft.com/office/drawing/2014/main" id="{5E3AF327-C5D6-49D1-A6A2-23F00B34F77C}"/>
+              </a:ext>
+            </a:extLst>
+          </p:cNvPr>
+          <p:cNvSpPr/>
+          <p:nvPr/>
+        </p:nvSpPr>
+        <p:spPr>
+          <a:xfrm>
+            <a:off x="5265240" y="124099"/>
+            <a:ext cx="1462653" cy="580504"/>
+          </a:xfrm>
+          <a:prstGeom prst="ellipse">
+            <a:avLst/>
+          </a:prstGeom>
+        </p:spPr>
+        <p:style>
+          <a:lnRef idx="2">
+            <a:schemeClr val="accent1">
+              <a:shade val="50000"/>
+            </a:schemeClr>
+          </a:lnRef>
+          <a:fillRef idx="1">
+            <a:schemeClr val="accent1"/>
+          </a:fillRef>
+          <a:effectRef idx="0">
+            <a:schemeClr val="accent1"/>
+          </a:effectRef>
+          <a:fontRef idx="minor">
+            <a:schemeClr val="lt1"/>
+          </a:fontRef>
+        </p:style>
+        <p:txBody>
+          <a:bodyPr rtlCol="0" anchor="ctr"/>
+          <a:lstStyle/>
+          <a:p>
+            <a:pPr algn="ctr"/>
+            <a:r>
+              <a:rPr lang="zh-TW" altLang="en-US" dirty="0"/>
+              <a:t>資訊牆</a:t>
+            </a:r>
+          </a:p>
+        </p:txBody>
+      </p:sp>
+      <p:cxnSp>
+        <p:nvCxnSpPr>
+          <p:cNvPr id="67" name="直線接點 66">
+            <a:extLst>
+              <a:ext uri="{FF2B5EF4-FFF2-40B4-BE49-F238E27FC236}">
+                <a16:creationId xmlns:a16="http://schemas.microsoft.com/office/drawing/2014/main" id="{86FF15C9-F99A-4583-ADFC-D7554B51C693}"/>
+              </a:ext>
+            </a:extLst>
+          </p:cNvPr>
+          <p:cNvCxnSpPr>
+            <a:stCxn id="61" idx="4"/>
+            <a:endCxn id="3" idx="0"/>
+          </p:cNvCxnSpPr>
+          <p:nvPr/>
+        </p:nvCxnSpPr>
+        <p:spPr>
+          <a:xfrm flipH="1">
+            <a:off x="1725903" y="2030976"/>
+            <a:ext cx="624694" cy="1577522"/>
+          </a:xfrm>
+          <a:prstGeom prst="line">
+            <a:avLst/>
+          </a:prstGeom>
+        </p:spPr>
+        <p:style>
+          <a:lnRef idx="1">
+            <a:schemeClr val="accent1"/>
+          </a:lnRef>
+          <a:fillRef idx="0">
+            <a:schemeClr val="accent1"/>
+          </a:fillRef>
+          <a:effectRef idx="0">
+            <a:schemeClr val="accent1"/>
+          </a:effectRef>
+          <a:fontRef idx="minor">
+            <a:schemeClr val="tx1"/>
+          </a:fontRef>
+        </p:style>
+      </p:cxnSp>
+      <p:cxnSp>
+        <p:nvCxnSpPr>
+          <p:cNvPr id="69" name="直線接點 68">
+            <a:extLst>
+              <a:ext uri="{FF2B5EF4-FFF2-40B4-BE49-F238E27FC236}">
+                <a16:creationId xmlns:a16="http://schemas.microsoft.com/office/drawing/2014/main" id="{455BD628-0488-403F-9E21-97EECD960E07}"/>
+              </a:ext>
+            </a:extLst>
+          </p:cNvPr>
+          <p:cNvCxnSpPr>
+            <a:stCxn id="54" idx="4"/>
+            <a:endCxn id="4" idx="0"/>
+          </p:cNvCxnSpPr>
+          <p:nvPr/>
+        </p:nvCxnSpPr>
+        <p:spPr>
+          <a:xfrm>
+            <a:off x="10221735" y="2185196"/>
+            <a:ext cx="551599" cy="1453944"/>
+          </a:xfrm>
+          <a:prstGeom prst="line">
+            <a:avLst/>
+          </a:prstGeom>
+        </p:spPr>
+        <p:style>
+          <a:lnRef idx="1">
+            <a:schemeClr val="accent1"/>
+          </a:lnRef>
+          <a:fillRef idx="0">
+            <a:schemeClr val="accent1"/>
+          </a:fillRef>
+          <a:effectRef idx="0">
+            <a:schemeClr val="accent1"/>
+          </a:effectRef>
+          <a:fontRef idx="minor">
+            <a:schemeClr val="tx1"/>
+          </a:fontRef>
+        </p:style>
+      </p:cxnSp>
+      <p:cxnSp>
+        <p:nvCxnSpPr>
+          <p:cNvPr id="71" name="直線接點 70">
+            <a:extLst>
+              <a:ext uri="{FF2B5EF4-FFF2-40B4-BE49-F238E27FC236}">
+                <a16:creationId xmlns:a16="http://schemas.microsoft.com/office/drawing/2014/main" id="{2DEF734D-0D19-4D9D-B022-C36AB3397326}"/>
+              </a:ext>
+            </a:extLst>
+          </p:cNvPr>
+          <p:cNvCxnSpPr>
+            <a:stCxn id="56" idx="6"/>
+            <a:endCxn id="54" idx="1"/>
+          </p:cNvCxnSpPr>
+          <p:nvPr/>
+        </p:nvCxnSpPr>
+        <p:spPr>
+          <a:xfrm>
+            <a:off x="6727893" y="414351"/>
+            <a:ext cx="2919660" cy="1072704"/>
+          </a:xfrm>
+          <a:prstGeom prst="line">
+            <a:avLst/>
+          </a:prstGeom>
+        </p:spPr>
+        <p:style>
+          <a:lnRef idx="1">
+            <a:schemeClr val="accent1"/>
+          </a:lnRef>
+          <a:fillRef idx="0">
+            <a:schemeClr val="accent1"/>
+          </a:fillRef>
+          <a:effectRef idx="0">
+            <a:schemeClr val="accent1"/>
+          </a:effectRef>
+          <a:fontRef idx="minor">
+            <a:schemeClr val="tx1"/>
+          </a:fontRef>
+        </p:style>
+      </p:cxnSp>
+      <p:cxnSp>
+        <p:nvCxnSpPr>
+          <p:cNvPr id="73" name="直線接點 72">
+            <a:extLst>
+              <a:ext uri="{FF2B5EF4-FFF2-40B4-BE49-F238E27FC236}">
+                <a16:creationId xmlns:a16="http://schemas.microsoft.com/office/drawing/2014/main" id="{D44E9798-4BD9-44B2-A58A-17C14AFEEC47}"/>
+              </a:ext>
+            </a:extLst>
+          </p:cNvPr>
+          <p:cNvCxnSpPr>
+            <a:stCxn id="56" idx="2"/>
+            <a:endCxn id="61" idx="7"/>
+          </p:cNvCxnSpPr>
+          <p:nvPr/>
+        </p:nvCxnSpPr>
+        <p:spPr>
+          <a:xfrm flipH="1">
+            <a:off x="2924778" y="414351"/>
+            <a:ext cx="2340462" cy="918484"/>
+          </a:xfrm>
+          <a:prstGeom prst="line">
+            <a:avLst/>
+          </a:prstGeom>
+        </p:spPr>
+        <p:style>
+          <a:lnRef idx="1">
+            <a:schemeClr val="accent1"/>
+          </a:lnRef>
+          <a:fillRef idx="0">
+            <a:schemeClr val="accent1"/>
+          </a:fillRef>
+          <a:effectRef idx="0">
+            <a:schemeClr val="accent1"/>
+          </a:effectRef>
+          <a:fontRef idx="minor">
+            <a:schemeClr val="tx1"/>
+          </a:fontRef>
+        </p:style>
+      </p:cxnSp>
+    </p:spTree>
+    <p:extLst>
+      <p:ext uri="{BB962C8B-B14F-4D97-AF65-F5344CB8AC3E}">
+        <p14:creationId xmlns:p14="http://schemas.microsoft.com/office/powerpoint/2010/main" val="1777714717"/>
+      </p:ext>
+    </p:extLst>
+  </p:cSld>
+  <p:clrMapOvr>
+    <a:masterClrMapping/>
+  </p:clrMapOvr>
+</p:sld>
+</file>
+
+<file path=ppt/slides/slide11.xml><?xml version="1.0" encoding="utf-8"?>
+<p:sld xmlns:a="http://schemas.openxmlformats.org/drawingml/2006/main" xmlns:r="http://schemas.openxmlformats.org/officeDocument/2006/relationships" xmlns:p="http://schemas.openxmlformats.org/presentationml/2006/main">
+  <p:cSld>
+    <p:spTree>
+      <p:nvGrpSpPr>
+        <p:cNvPr id="1" name=""/>
+        <p:cNvGrpSpPr/>
+        <p:nvPr/>
+      </p:nvGrpSpPr>
+      <p:grpSpPr>
+        <a:xfrm>
+          <a:off x="0" y="0"/>
+          <a:ext cx="0" cy="0"/>
+          <a:chOff x="0" y="0"/>
+          <a:chExt cx="0" cy="0"/>
+        </a:xfrm>
+      </p:grpSpPr>
+      <p:pic>
+        <p:nvPicPr>
+          <p:cNvPr id="2" name="圖片 1">
+            <a:extLst>
+              <a:ext uri="{FF2B5EF4-FFF2-40B4-BE49-F238E27FC236}">
+                <a16:creationId xmlns:a16="http://schemas.microsoft.com/office/drawing/2014/main" id="{4FC636D9-2D4D-4F2E-93F8-7ADFC6DDDC9E}"/>
+              </a:ext>
+            </a:extLst>
+          </p:cNvPr>
+          <p:cNvPicPr>
+            <a:picLocks noChangeAspect="1"/>
+          </p:cNvPicPr>
+          <p:nvPr/>
+        </p:nvPicPr>
+        <p:blipFill>
+          <a:blip r:embed="rId2">
+            <a:extLst>
+              <a:ext uri="{28A0092B-C50C-407E-A947-70E740481C1C}">
+                <a14:useLocalDpi xmlns:a14="http://schemas.microsoft.com/office/drawing/2010/main" val="0"/>
+              </a:ext>
+            </a:extLst>
+          </a:blip>
+          <a:stretch>
+            <a:fillRect/>
+          </a:stretch>
+        </p:blipFill>
+        <p:spPr>
+          <a:xfrm>
+            <a:off x="482091" y="813334"/>
+            <a:ext cx="11458669" cy="5338891"/>
+          </a:xfrm>
+          <a:prstGeom prst="rect">
+            <a:avLst/>
+          </a:prstGeom>
+        </p:spPr>
+      </p:pic>
+      <p:sp>
+        <p:nvSpPr>
+          <p:cNvPr id="3" name="文字方塊 2">
+            <a:extLst>
+              <a:ext uri="{FF2B5EF4-FFF2-40B4-BE49-F238E27FC236}">
+                <a16:creationId xmlns:a16="http://schemas.microsoft.com/office/drawing/2014/main" id="{23204856-4C81-41DE-BCD1-E251497B8CD7}"/>
+              </a:ext>
+            </a:extLst>
+          </p:cNvPr>
+          <p:cNvSpPr txBox="1"/>
+          <p:nvPr/>
+        </p:nvSpPr>
+        <p:spPr>
+          <a:xfrm>
+            <a:off x="2586730" y="582501"/>
+            <a:ext cx="2143310" cy="461665"/>
+          </a:xfrm>
+          <a:prstGeom prst="rect">
+            <a:avLst/>
+          </a:prstGeom>
+          <a:noFill/>
+          <a:ln w="19050">
+            <a:solidFill>
+              <a:srgbClr val="FF0000"/>
+            </a:solidFill>
+          </a:ln>
+        </p:spPr>
+        <p:txBody>
+          <a:bodyPr wrap="square" rtlCol="0">
+            <a:spAutoFit/>
+          </a:bodyPr>
+          <a:lstStyle>
+            <a:defPPr>
+              <a:defRPr lang="zh-TW"/>
+            </a:defPPr>
+            <a:lvl1pPr>
+              <a:defRPr b="1">
+                <a:effectLst>
+                  <a:outerShdw blurRad="38100" dist="38100" dir="2700000" algn="tl">
+                    <a:srgbClr val="000000">
+                      <a:alpha val="43137"/>
+                    </a:srgbClr>
+                  </a:outerShdw>
+                </a:effectLst>
+                <a:latin typeface="jf open 粉圓 1.1" panose="020F0500000000000000" pitchFamily="34" charset="-120"/>
+                <a:ea typeface="jf open 粉圓 1.1" panose="020F0500000000000000" pitchFamily="34" charset="-120"/>
+              </a:defRPr>
+            </a:lvl1pPr>
+          </a:lstStyle>
+          <a:p>
+            <a:pPr algn="ctr"/>
+            <a:r>
+              <a:rPr lang="zh-TW" altLang="en-US" sz="2400" dirty="0">
+                <a:effectLst/>
+              </a:rPr>
+              <a:t>感測器示意圖</a:t>
+            </a:r>
+          </a:p>
+        </p:txBody>
+      </p:sp>
+      <p:sp>
+        <p:nvSpPr>
+          <p:cNvPr id="4" name="文字方塊 3">
+            <a:extLst>
+              <a:ext uri="{FF2B5EF4-FFF2-40B4-BE49-F238E27FC236}">
+                <a16:creationId xmlns:a16="http://schemas.microsoft.com/office/drawing/2014/main" id="{675D7C05-82EA-4B9E-A9EB-F793FFCFDCBA}"/>
+              </a:ext>
+            </a:extLst>
+          </p:cNvPr>
+          <p:cNvSpPr txBox="1"/>
+          <p:nvPr/>
+        </p:nvSpPr>
+        <p:spPr>
+          <a:xfrm>
+            <a:off x="7586821" y="145372"/>
+            <a:ext cx="1924942" cy="923330"/>
+          </a:xfrm>
+          <a:prstGeom prst="rect">
+            <a:avLst/>
+          </a:prstGeom>
+          <a:noFill/>
+          <a:ln w="19050">
+            <a:solidFill>
+              <a:srgbClr val="FF0000"/>
+            </a:solidFill>
+          </a:ln>
+        </p:spPr>
+        <p:txBody>
+          <a:bodyPr wrap="square" rtlCol="0">
+            <a:spAutoFit/>
+          </a:bodyPr>
+          <a:lstStyle>
+            <a:defPPr>
+              <a:defRPr lang="zh-TW"/>
+            </a:defPPr>
+            <a:lvl1pPr>
+              <a:defRPr>
+                <a:latin typeface="jf open 粉圓 1.1" panose="020F0500000000000000" pitchFamily="34" charset="-120"/>
+                <a:ea typeface="jf open 粉圓 1.1" panose="020F0500000000000000" pitchFamily="34" charset="-120"/>
+              </a:defRPr>
+            </a:lvl1pPr>
+          </a:lstStyle>
+          <a:p>
+            <a:r>
+              <a:rPr lang="en-US" altLang="zh-TW" b="1" dirty="0">
+                <a:effectLst>
+                  <a:outerShdw blurRad="38100" dist="38100" dir="2700000" algn="tl">
+                    <a:srgbClr val="000000">
+                      <a:alpha val="43137"/>
+                    </a:srgbClr>
+                  </a:outerShdw>
+                </a:effectLst>
+              </a:rPr>
+              <a:t>USB-C</a:t>
+            </a:r>
+            <a:r>
+              <a:rPr lang="zh-TW" altLang="en-US" b="1" dirty="0">
+                <a:effectLst>
+                  <a:outerShdw blurRad="38100" dist="38100" dir="2700000" algn="tl">
+                    <a:srgbClr val="000000">
+                      <a:alpha val="43137"/>
+                    </a:srgbClr>
+                  </a:outerShdw>
+                </a:effectLst>
+              </a:rPr>
+              <a:t>插頭</a:t>
+            </a:r>
+            <a:endParaRPr lang="en-US" altLang="zh-TW" b="1" dirty="0">
+              <a:effectLst>
+                <a:outerShdw blurRad="38100" dist="38100" dir="2700000" algn="tl">
+                  <a:srgbClr val="000000">
+                    <a:alpha val="43137"/>
+                  </a:srgbClr>
+                </a:outerShdw>
+              </a:effectLst>
+            </a:endParaRPr>
+          </a:p>
+          <a:p>
+            <a:r>
+              <a:rPr lang="en-US" altLang="zh-TW" dirty="0"/>
+              <a:t>(</a:t>
+            </a:r>
+            <a:r>
+              <a:rPr lang="zh-TW" altLang="en-US" dirty="0"/>
+              <a:t>如果技術可行，</a:t>
+            </a:r>
+            <a:endParaRPr lang="en-US" altLang="zh-TW" dirty="0"/>
+          </a:p>
+          <a:p>
+            <a:r>
+              <a:rPr lang="zh-TW" altLang="en-US" dirty="0"/>
+              <a:t>也可以使用藍芽</a:t>
+            </a:r>
+            <a:r>
+              <a:rPr lang="en-US" altLang="zh-TW" dirty="0"/>
+              <a:t>)</a:t>
+            </a:r>
+            <a:endParaRPr lang="zh-TW" altLang="en-US" dirty="0"/>
+          </a:p>
+        </p:txBody>
+      </p:sp>
+      <p:sp>
+        <p:nvSpPr>
+          <p:cNvPr id="5" name="文字方塊 4">
+            <a:extLst>
+              <a:ext uri="{FF2B5EF4-FFF2-40B4-BE49-F238E27FC236}">
+                <a16:creationId xmlns:a16="http://schemas.microsoft.com/office/drawing/2014/main" id="{77466135-8066-4527-9C73-13067071A617}"/>
+              </a:ext>
+            </a:extLst>
+          </p:cNvPr>
+          <p:cNvSpPr txBox="1"/>
+          <p:nvPr/>
+        </p:nvSpPr>
+        <p:spPr>
+          <a:xfrm>
+            <a:off x="7741975" y="2174770"/>
+            <a:ext cx="3213717" cy="923330"/>
+          </a:xfrm>
+          <a:prstGeom prst="rect">
+            <a:avLst/>
+          </a:prstGeom>
+          <a:noFill/>
+          <a:ln w="19050">
+            <a:solidFill>
+              <a:srgbClr val="FF0000"/>
+            </a:solidFill>
+          </a:ln>
+        </p:spPr>
+        <p:txBody>
+          <a:bodyPr wrap="square" rtlCol="0">
+            <a:spAutoFit/>
+          </a:bodyPr>
+          <a:lstStyle>
+            <a:defPPr>
+              <a:defRPr lang="zh-TW"/>
+            </a:defPPr>
+            <a:lvl1pPr>
+              <a:defRPr>
+                <a:latin typeface="jf open 粉圓 1.1" panose="020F0500000000000000" pitchFamily="34" charset="-120"/>
+                <a:ea typeface="jf open 粉圓 1.1" panose="020F0500000000000000" pitchFamily="34" charset="-120"/>
+              </a:defRPr>
+            </a:lvl1pPr>
+          </a:lstStyle>
+          <a:p>
+            <a:r>
+              <a:rPr lang="zh-TW" altLang="en-US" b="1" dirty="0">
+                <a:effectLst>
+                  <a:outerShdw blurRad="38100" dist="38100" dir="2700000" algn="tl">
+                    <a:srgbClr val="000000">
+                      <a:alpha val="43137"/>
+                    </a:srgbClr>
+                  </a:outerShdw>
+                </a:effectLst>
+              </a:rPr>
+              <a:t>指套</a:t>
+            </a:r>
+            <a:r>
+              <a:rPr lang="en-US" altLang="zh-TW" b="1" dirty="0">
+                <a:effectLst>
+                  <a:outerShdw blurRad="38100" dist="38100" dir="2700000" algn="tl">
+                    <a:srgbClr val="000000">
+                      <a:alpha val="43137"/>
+                    </a:srgbClr>
+                  </a:outerShdw>
+                </a:effectLst>
+              </a:rPr>
+              <a:t>:</a:t>
+            </a:r>
+          </a:p>
+          <a:p>
+            <a:r>
+              <a:rPr lang="zh-TW" altLang="en-US" dirty="0"/>
+              <a:t>透過偵測手指末端的血液流動</a:t>
+            </a:r>
+            <a:endParaRPr lang="en-US" altLang="zh-TW" dirty="0"/>
+          </a:p>
+          <a:p>
+            <a:r>
+              <a:rPr lang="zh-TW" altLang="en-US" dirty="0"/>
+              <a:t>測量心跳。</a:t>
+            </a:r>
+          </a:p>
+        </p:txBody>
+      </p:sp>
+      <p:sp>
+        <p:nvSpPr>
+          <p:cNvPr id="6" name="文字方塊 5">
+            <a:extLst>
+              <a:ext uri="{FF2B5EF4-FFF2-40B4-BE49-F238E27FC236}">
+                <a16:creationId xmlns:a16="http://schemas.microsoft.com/office/drawing/2014/main" id="{E8A9CF19-5628-4A23-B553-C4F0DD29A207}"/>
+              </a:ext>
+            </a:extLst>
+          </p:cNvPr>
+          <p:cNvSpPr txBox="1"/>
+          <p:nvPr/>
+        </p:nvSpPr>
+        <p:spPr>
+          <a:xfrm>
+            <a:off x="7381782" y="4459535"/>
+            <a:ext cx="2905218" cy="1200329"/>
+          </a:xfrm>
+          <a:prstGeom prst="rect">
+            <a:avLst/>
+          </a:prstGeom>
+          <a:noFill/>
+          <a:ln w="19050">
+            <a:solidFill>
+              <a:srgbClr val="FF0000"/>
+            </a:solidFill>
+          </a:ln>
+        </p:spPr>
+        <p:txBody>
+          <a:bodyPr wrap="square" rtlCol="0">
+            <a:spAutoFit/>
+          </a:bodyPr>
+          <a:lstStyle>
+            <a:defPPr>
+              <a:defRPr lang="zh-TW"/>
+            </a:defPPr>
+            <a:lvl1pPr>
+              <a:defRPr>
+                <a:latin typeface="jf open 粉圓 1.1" panose="020F0500000000000000" pitchFamily="34" charset="-120"/>
+                <a:ea typeface="jf open 粉圓 1.1" panose="020F0500000000000000" pitchFamily="34" charset="-120"/>
+              </a:defRPr>
+            </a:lvl1pPr>
+          </a:lstStyle>
+          <a:p>
+            <a:r>
+              <a:rPr lang="zh-TW" altLang="en-US" b="1" dirty="0">
+                <a:effectLst>
+                  <a:outerShdw blurRad="38100" dist="38100" dir="2700000" algn="tl">
+                    <a:srgbClr val="000000">
+                      <a:alpha val="43137"/>
+                    </a:srgbClr>
+                  </a:outerShdw>
+                </a:effectLst>
+              </a:rPr>
+              <a:t>溫溼度感測器</a:t>
+            </a:r>
+            <a:r>
+              <a:rPr lang="en-US" altLang="zh-TW" b="1" dirty="0">
+                <a:effectLst>
+                  <a:outerShdw blurRad="38100" dist="38100" dir="2700000" algn="tl">
+                    <a:srgbClr val="000000">
+                      <a:alpha val="43137"/>
+                    </a:srgbClr>
+                  </a:outerShdw>
+                </a:effectLst>
+              </a:rPr>
+              <a:t>:</a:t>
+            </a:r>
+          </a:p>
+          <a:p>
+            <a:r>
+              <a:rPr lang="zh-TW" altLang="en-US" dirty="0"/>
+              <a:t>讓使用者握著，</a:t>
+            </a:r>
+            <a:endParaRPr lang="en-US" altLang="zh-TW" dirty="0"/>
+          </a:p>
+          <a:p>
+            <a:r>
+              <a:rPr lang="zh-TW" altLang="en-US" dirty="0"/>
+              <a:t>偵測手掌溫度與出汗程度，</a:t>
+            </a:r>
+            <a:endParaRPr lang="en-US" altLang="zh-TW" dirty="0"/>
+          </a:p>
+          <a:p>
+            <a:r>
+              <a:rPr lang="zh-TW" altLang="en-US" dirty="0"/>
+              <a:t>確認使用者的身理狀況。</a:t>
+            </a:r>
+            <a:endParaRPr lang="en-US" altLang="zh-TW" dirty="0"/>
+          </a:p>
+        </p:txBody>
+      </p:sp>
+      <p:cxnSp>
+        <p:nvCxnSpPr>
+          <p:cNvPr id="10" name="接點: 肘形 9">
+            <a:extLst>
+              <a:ext uri="{FF2B5EF4-FFF2-40B4-BE49-F238E27FC236}">
+                <a16:creationId xmlns:a16="http://schemas.microsoft.com/office/drawing/2014/main" id="{B23E36DA-0E50-4600-9FD0-D84721874CBD}"/>
+              </a:ext>
+            </a:extLst>
+          </p:cNvPr>
+          <p:cNvCxnSpPr>
+            <a:cxnSpLocks/>
+            <a:stCxn id="4" idx="2"/>
+          </p:cNvCxnSpPr>
+          <p:nvPr/>
+        </p:nvCxnSpPr>
+        <p:spPr>
+          <a:xfrm rot="16200000" flipH="1">
+            <a:off x="8536599" y="1081394"/>
+            <a:ext cx="435222" cy="409837"/>
+          </a:xfrm>
+          <a:prstGeom prst="bentConnector3">
+            <a:avLst>
+              <a:gd name="adj1" fmla="val 50000"/>
+            </a:avLst>
+          </a:prstGeom>
+          <a:ln w="28575">
+            <a:solidFill>
+              <a:srgbClr val="FF0000"/>
+            </a:solidFill>
+            <a:tailEnd type="oval"/>
+          </a:ln>
+        </p:spPr>
+        <p:style>
+          <a:lnRef idx="1">
+            <a:schemeClr val="accent1"/>
+          </a:lnRef>
+          <a:fillRef idx="0">
+            <a:schemeClr val="accent1"/>
+          </a:fillRef>
+          <a:effectRef idx="0">
+            <a:schemeClr val="accent1"/>
+          </a:effectRef>
+          <a:fontRef idx="minor">
+            <a:schemeClr val="tx1"/>
+          </a:fontRef>
+        </p:style>
+      </p:cxnSp>
+      <p:cxnSp>
+        <p:nvCxnSpPr>
+          <p:cNvPr id="12" name="接點: 肘形 11">
+            <a:extLst>
+              <a:ext uri="{FF2B5EF4-FFF2-40B4-BE49-F238E27FC236}">
+                <a16:creationId xmlns:a16="http://schemas.microsoft.com/office/drawing/2014/main" id="{AF95D086-CC85-4768-96FC-60C4CD817E57}"/>
+              </a:ext>
+            </a:extLst>
+          </p:cNvPr>
+          <p:cNvCxnSpPr>
+            <a:cxnSpLocks/>
+            <a:stCxn id="5" idx="1"/>
+          </p:cNvCxnSpPr>
+          <p:nvPr/>
+        </p:nvCxnSpPr>
+        <p:spPr>
+          <a:xfrm rot="10800000">
+            <a:off x="5972175" y="2314575"/>
+            <a:ext cx="1769800" cy="321860"/>
+          </a:xfrm>
+          <a:prstGeom prst="bentConnector3">
+            <a:avLst/>
+          </a:prstGeom>
+          <a:ln w="28575">
+            <a:solidFill>
+              <a:srgbClr val="FF0000"/>
+            </a:solidFill>
+            <a:tailEnd type="oval"/>
+          </a:ln>
+        </p:spPr>
+        <p:style>
+          <a:lnRef idx="1">
+            <a:schemeClr val="accent1"/>
+          </a:lnRef>
+          <a:fillRef idx="0">
+            <a:schemeClr val="accent1"/>
+          </a:fillRef>
+          <a:effectRef idx="0">
+            <a:schemeClr val="accent1"/>
+          </a:effectRef>
+          <a:fontRef idx="minor">
+            <a:schemeClr val="tx1"/>
+          </a:fontRef>
+        </p:style>
+      </p:cxnSp>
+      <p:cxnSp>
+        <p:nvCxnSpPr>
+          <p:cNvPr id="14" name="接點: 肘形 13">
+            <a:extLst>
+              <a:ext uri="{FF2B5EF4-FFF2-40B4-BE49-F238E27FC236}">
+                <a16:creationId xmlns:a16="http://schemas.microsoft.com/office/drawing/2014/main" id="{C110AC2E-0F87-4E45-B0DB-E113A1CF7738}"/>
+              </a:ext>
+            </a:extLst>
+          </p:cNvPr>
+          <p:cNvCxnSpPr>
+            <a:cxnSpLocks/>
+            <a:stCxn id="6" idx="1"/>
+          </p:cNvCxnSpPr>
+          <p:nvPr/>
+        </p:nvCxnSpPr>
+        <p:spPr>
+          <a:xfrm rot="10800000">
+            <a:off x="6238880" y="3905250"/>
+            <a:ext cx="1142903" cy="1154450"/>
+          </a:xfrm>
+          <a:prstGeom prst="bentConnector2">
+            <a:avLst/>
+          </a:prstGeom>
+          <a:ln w="28575">
+            <a:solidFill>
+              <a:srgbClr val="FF0000"/>
+            </a:solidFill>
+            <a:tailEnd type="oval"/>
+          </a:ln>
+        </p:spPr>
+        <p:style>
+          <a:lnRef idx="1">
+            <a:schemeClr val="accent1"/>
+          </a:lnRef>
+          <a:fillRef idx="0">
+            <a:schemeClr val="accent1"/>
+          </a:fillRef>
+          <a:effectRef idx="0">
+            <a:schemeClr val="accent1"/>
+          </a:effectRef>
+          <a:fontRef idx="minor">
+            <a:schemeClr val="tx1"/>
+          </a:fontRef>
+        </p:style>
+      </p:cxnSp>
+      <p:pic>
+        <p:nvPicPr>
+          <p:cNvPr id="19" name="圖片 18">
+            <a:extLst>
+              <a:ext uri="{FF2B5EF4-FFF2-40B4-BE49-F238E27FC236}">
+                <a16:creationId xmlns:a16="http://schemas.microsoft.com/office/drawing/2014/main" id="{9F014704-EF11-4F23-AC51-2A5AABD5CD1E}"/>
+              </a:ext>
+            </a:extLst>
+          </p:cNvPr>
+          <p:cNvPicPr>
+            <a:picLocks noChangeAspect="1"/>
+          </p:cNvPicPr>
+          <p:nvPr/>
+        </p:nvPicPr>
+        <p:blipFill>
+          <a:blip r:embed="rId3">
+            <a:extLst>
+              <a:ext uri="{BEBA8EAE-BF5A-486C-A8C5-ECC9F3942E4B}">
+                <a14:imgProps xmlns:a14="http://schemas.microsoft.com/office/drawing/2010/main">
+                  <a14:imgLayer r:embed="rId4">
+                    <a14:imgEffect>
+                      <a14:backgroundRemoval t="10000" b="90000" l="10000" r="90000"/>
+                    </a14:imgEffect>
+                  </a14:imgLayer>
+                </a14:imgProps>
+              </a:ext>
+              <a:ext uri="{28A0092B-C50C-407E-A947-70E740481C1C}">
+                <a14:useLocalDpi xmlns:a14="http://schemas.microsoft.com/office/drawing/2010/main" val="0"/>
+              </a:ext>
+            </a:extLst>
+          </a:blip>
+          <a:stretch>
+            <a:fillRect/>
+          </a:stretch>
+        </p:blipFill>
+        <p:spPr>
+          <a:xfrm>
+            <a:off x="817860" y="4307654"/>
+            <a:ext cx="4656608" cy="3535577"/>
+          </a:xfrm>
+          <a:prstGeom prst="rect">
+            <a:avLst/>
+          </a:prstGeom>
+        </p:spPr>
+      </p:pic>
+      <p:sp>
+        <p:nvSpPr>
+          <p:cNvPr id="8" name="文字方塊 7">
+            <a:extLst>
+              <a:ext uri="{FF2B5EF4-FFF2-40B4-BE49-F238E27FC236}">
+                <a16:creationId xmlns:a16="http://schemas.microsoft.com/office/drawing/2014/main" id="{3A99E881-D5BA-42F7-BE8F-7B38AF03B204}"/>
+              </a:ext>
+            </a:extLst>
+          </p:cNvPr>
+          <p:cNvSpPr txBox="1"/>
+          <p:nvPr/>
+        </p:nvSpPr>
+        <p:spPr>
+          <a:xfrm>
+            <a:off x="1287261" y="5721500"/>
+            <a:ext cx="2598939" cy="707886"/>
+          </a:xfrm>
+          <a:prstGeom prst="rect">
+            <a:avLst/>
+          </a:prstGeom>
+          <a:noFill/>
+        </p:spPr>
+        <p:txBody>
+          <a:bodyPr wrap="square" rtlCol="0">
+            <a:spAutoFit/>
+          </a:bodyPr>
+          <a:lstStyle>
+            <a:defPPr>
+              <a:defRPr lang="zh-TW"/>
+            </a:defPPr>
+            <a:lvl1pPr>
+              <a:defRPr sz="2000">
+                <a:solidFill>
+                  <a:schemeClr val="bg1"/>
+                </a:solidFill>
+                <a:latin typeface="jf open 粉圓 1.1" panose="020F0500000000000000" pitchFamily="34" charset="-120"/>
+                <a:ea typeface="jf open 粉圓 1.1" panose="020F0500000000000000" pitchFamily="34" charset="-120"/>
+              </a:defRPr>
+            </a:lvl1pPr>
+          </a:lstStyle>
+          <a:p>
+            <a:pPr algn="ctr"/>
+            <a:r>
+              <a:rPr lang="zh-TW" altLang="en-US" dirty="0"/>
+              <a:t>側面</a:t>
+            </a:r>
+            <a:endParaRPr lang="en-US" altLang="zh-TW" dirty="0"/>
+          </a:p>
+          <a:p>
+            <a:pPr algn="ctr"/>
+            <a:r>
+              <a:rPr lang="en-US" altLang="zh-TW" dirty="0"/>
+              <a:t>(“←</a:t>
+            </a:r>
+            <a:r>
+              <a:rPr lang="zh-TW" altLang="en-US" dirty="0"/>
+              <a:t>手背</a:t>
+            </a:r>
+            <a:r>
+              <a:rPr lang="en-US" altLang="zh-TW" dirty="0"/>
+              <a:t>”   ”</a:t>
+            </a:r>
+            <a:r>
+              <a:rPr lang="zh-TW" altLang="en-US" dirty="0"/>
+              <a:t>→手心</a:t>
+            </a:r>
+            <a:r>
+              <a:rPr lang="en-US" altLang="zh-TW" dirty="0"/>
+              <a:t>”)</a:t>
+            </a:r>
+            <a:endParaRPr lang="zh-TW" altLang="en-US" dirty="0"/>
+          </a:p>
+        </p:txBody>
+      </p:sp>
+      <p:pic>
+        <p:nvPicPr>
+          <p:cNvPr id="18" name="圖片 17">
+            <a:extLst>
+              <a:ext uri="{FF2B5EF4-FFF2-40B4-BE49-F238E27FC236}">
+                <a16:creationId xmlns:a16="http://schemas.microsoft.com/office/drawing/2014/main" id="{FDE45464-2AA2-404B-9E0A-F96E48B591F1}"/>
+              </a:ext>
+            </a:extLst>
+          </p:cNvPr>
+          <p:cNvPicPr>
+            <a:picLocks noChangeAspect="1"/>
+          </p:cNvPicPr>
+          <p:nvPr/>
+        </p:nvPicPr>
+        <p:blipFill>
+          <a:blip r:embed="rId3">
+            <a:extLst>
+              <a:ext uri="{BEBA8EAE-BF5A-486C-A8C5-ECC9F3942E4B}">
+                <a14:imgProps xmlns:a14="http://schemas.microsoft.com/office/drawing/2010/main">
+                  <a14:imgLayer r:embed="rId4">
+                    <a14:imgEffect>
+                      <a14:backgroundRemoval t="10000" b="90000" l="10000" r="90000"/>
+                    </a14:imgEffect>
+                  </a14:imgLayer>
+                </a14:imgProps>
+              </a:ext>
+              <a:ext uri="{28A0092B-C50C-407E-A947-70E740481C1C}">
+                <a14:useLocalDpi xmlns:a14="http://schemas.microsoft.com/office/drawing/2010/main" val="0"/>
+              </a:ext>
+            </a:extLst>
+          </a:blip>
+          <a:stretch>
+            <a:fillRect/>
+          </a:stretch>
+        </p:blipFill>
+        <p:spPr>
+          <a:xfrm>
+            <a:off x="4810219" y="4260663"/>
+            <a:ext cx="2784559" cy="2476500"/>
+          </a:xfrm>
+          <a:prstGeom prst="rect">
+            <a:avLst/>
+          </a:prstGeom>
+        </p:spPr>
+      </p:pic>
+      <p:sp>
+        <p:nvSpPr>
+          <p:cNvPr id="7" name="文字方塊 6">
+            <a:extLst>
+              <a:ext uri="{FF2B5EF4-FFF2-40B4-BE49-F238E27FC236}">
+                <a16:creationId xmlns:a16="http://schemas.microsoft.com/office/drawing/2014/main" id="{B9B74B5A-4C48-47FB-A7E4-58FABF2F526E}"/>
+              </a:ext>
+            </a:extLst>
+          </p:cNvPr>
+          <p:cNvSpPr txBox="1"/>
+          <p:nvPr/>
+        </p:nvSpPr>
+        <p:spPr>
+          <a:xfrm>
+            <a:off x="5163842" y="5335283"/>
+            <a:ext cx="1757778" cy="400110"/>
+          </a:xfrm>
+          <a:prstGeom prst="rect">
+            <a:avLst/>
+          </a:prstGeom>
+          <a:noFill/>
+        </p:spPr>
+        <p:txBody>
+          <a:bodyPr wrap="square" rtlCol="0">
+            <a:spAutoFit/>
+          </a:bodyPr>
+          <a:lstStyle>
+            <a:defPPr>
+              <a:defRPr lang="zh-TW"/>
+            </a:defPPr>
+            <a:lvl1pPr>
+              <a:defRPr sz="2000">
+                <a:solidFill>
+                  <a:schemeClr val="bg1"/>
+                </a:solidFill>
+                <a:latin typeface="jf open 粉圓 1.1" panose="020F0500000000000000" pitchFamily="34" charset="-120"/>
+                <a:ea typeface="jf open 粉圓 1.1" panose="020F0500000000000000" pitchFamily="34" charset="-120"/>
+              </a:defRPr>
+            </a:lvl1pPr>
+          </a:lstStyle>
+          <a:p>
+            <a:r>
+              <a:rPr lang="zh-TW" altLang="en-US" dirty="0"/>
               <a:t>正面</a:t>
             </a:r>
             <a:r>
@@ -6215,6 +8179,433 @@
     <p:extLst>
       <p:ext uri="{BB962C8B-B14F-4D97-AF65-F5344CB8AC3E}">
         <p14:creationId xmlns:p14="http://schemas.microsoft.com/office/powerpoint/2010/main" val="1628178475"/>
+      </p:ext>
+    </p:extLst>
+  </p:cSld>
+  <p:clrMapOvr>
+    <a:masterClrMapping/>
+  </p:clrMapOvr>
+</p:sld>
+</file>
+
+<file path=ppt/slides/slide12.xml><?xml version="1.0" encoding="utf-8"?>
+<p:sld xmlns:a="http://schemas.openxmlformats.org/drawingml/2006/main" xmlns:r="http://schemas.openxmlformats.org/officeDocument/2006/relationships" xmlns:p="http://schemas.openxmlformats.org/presentationml/2006/main">
+  <p:cSld>
+    <p:spTree>
+      <p:nvGrpSpPr>
+        <p:cNvPr id="1" name=""/>
+        <p:cNvGrpSpPr/>
+        <p:nvPr/>
+      </p:nvGrpSpPr>
+      <p:grpSpPr>
+        <a:xfrm>
+          <a:off x="0" y="0"/>
+          <a:ext cx="0" cy="0"/>
+          <a:chOff x="0" y="0"/>
+          <a:chExt cx="0" cy="0"/>
+        </a:xfrm>
+      </p:grpSpPr>
+      <p:pic>
+        <p:nvPicPr>
+          <p:cNvPr id="3" name="圖片 2">
+            <a:extLst>
+              <a:ext uri="{FF2B5EF4-FFF2-40B4-BE49-F238E27FC236}">
+                <a16:creationId xmlns:a16="http://schemas.microsoft.com/office/drawing/2014/main" id="{43E330AC-0390-4BA1-8161-5DEF2EA63B4D}"/>
+              </a:ext>
+            </a:extLst>
+          </p:cNvPr>
+          <p:cNvPicPr>
+            <a:picLocks noChangeAspect="1"/>
+          </p:cNvPicPr>
+          <p:nvPr/>
+        </p:nvPicPr>
+        <p:blipFill rotWithShape="1">
+          <a:blip r:embed="rId2"/>
+          <a:srcRect l="20833" t="25833" r="19444" b="27084"/>
+          <a:stretch/>
+        </p:blipFill>
+        <p:spPr>
+          <a:xfrm>
+            <a:off x="4059841" y="3248025"/>
+            <a:ext cx="2762250" cy="2177681"/>
+          </a:xfrm>
+          <a:prstGeom prst="rect">
+            <a:avLst/>
+          </a:prstGeom>
+          <a:ln w="38100" cap="sq">
+            <a:solidFill>
+              <a:srgbClr val="000000"/>
+            </a:solidFill>
+            <a:prstDash val="solid"/>
+            <a:miter lim="800000"/>
+          </a:ln>
+          <a:effectLst>
+            <a:outerShdw blurRad="50800" dist="38100" dir="2700000" algn="tl" rotWithShape="0">
+              <a:srgbClr val="000000">
+                <a:alpha val="43000"/>
+              </a:srgbClr>
+            </a:outerShdw>
+          </a:effectLst>
+        </p:spPr>
+      </p:pic>
+      <p:pic>
+        <p:nvPicPr>
+          <p:cNvPr id="4" name="圖片 3">
+            <a:extLst>
+              <a:ext uri="{FF2B5EF4-FFF2-40B4-BE49-F238E27FC236}">
+                <a16:creationId xmlns:a16="http://schemas.microsoft.com/office/drawing/2014/main" id="{ABF17A04-EF90-4933-A08B-ADB5D4D44BC1}"/>
+              </a:ext>
+            </a:extLst>
+          </p:cNvPr>
+          <p:cNvPicPr>
+            <a:picLocks noChangeAspect="1"/>
+          </p:cNvPicPr>
+          <p:nvPr/>
+        </p:nvPicPr>
+        <p:blipFill rotWithShape="1">
+          <a:blip r:embed="rId3"/>
+          <a:srcRect l="26518" r="26594"/>
+          <a:stretch/>
+        </p:blipFill>
+        <p:spPr>
+          <a:xfrm>
+            <a:off x="1929716" y="2340157"/>
+            <a:ext cx="1276351" cy="2177681"/>
+          </a:xfrm>
+          <a:prstGeom prst="rect">
+            <a:avLst/>
+          </a:prstGeom>
+          <a:ln w="38100" cap="sq">
+            <a:solidFill>
+              <a:srgbClr val="000000"/>
+            </a:solidFill>
+            <a:prstDash val="solid"/>
+            <a:miter lim="800000"/>
+          </a:ln>
+          <a:effectLst>
+            <a:outerShdw blurRad="50800" dist="38100" dir="2700000" algn="tl" rotWithShape="0">
+              <a:srgbClr val="000000">
+                <a:alpha val="43000"/>
+              </a:srgbClr>
+            </a:outerShdw>
+          </a:effectLst>
+        </p:spPr>
+      </p:pic>
+      <p:pic>
+        <p:nvPicPr>
+          <p:cNvPr id="5" name="圖片 4">
+            <a:extLst>
+              <a:ext uri="{FF2B5EF4-FFF2-40B4-BE49-F238E27FC236}">
+                <a16:creationId xmlns:a16="http://schemas.microsoft.com/office/drawing/2014/main" id="{49891917-B82A-42AB-960C-4D1D74B7DD0A}"/>
+              </a:ext>
+            </a:extLst>
+          </p:cNvPr>
+          <p:cNvPicPr>
+            <a:picLocks noChangeAspect="1"/>
+          </p:cNvPicPr>
+          <p:nvPr/>
+        </p:nvPicPr>
+        <p:blipFill rotWithShape="1">
+          <a:blip r:embed="rId4"/>
+          <a:srcRect l="7834" t="13000" r="9333" b="13833"/>
+          <a:stretch/>
+        </p:blipFill>
+        <p:spPr>
+          <a:xfrm>
+            <a:off x="7670200" y="2147884"/>
+            <a:ext cx="2900742" cy="2562225"/>
+          </a:xfrm>
+          <a:prstGeom prst="rect">
+            <a:avLst/>
+          </a:prstGeom>
+          <a:ln w="38100" cap="sq">
+            <a:solidFill>
+              <a:srgbClr val="000000"/>
+            </a:solidFill>
+            <a:prstDash val="solid"/>
+            <a:miter lim="800000"/>
+          </a:ln>
+          <a:effectLst>
+            <a:outerShdw blurRad="50800" dist="38100" dir="2700000" algn="tl" rotWithShape="0">
+              <a:srgbClr val="000000">
+                <a:alpha val="43000"/>
+              </a:srgbClr>
+            </a:outerShdw>
+          </a:effectLst>
+        </p:spPr>
+      </p:pic>
+      <p:pic>
+        <p:nvPicPr>
+          <p:cNvPr id="6" name="圖片 5">
+            <a:extLst>
+              <a:ext uri="{FF2B5EF4-FFF2-40B4-BE49-F238E27FC236}">
+                <a16:creationId xmlns:a16="http://schemas.microsoft.com/office/drawing/2014/main" id="{3F1E222A-4F21-4685-B80C-728F512B4FCE}"/>
+              </a:ext>
+            </a:extLst>
+          </p:cNvPr>
+          <p:cNvPicPr>
+            <a:picLocks noChangeAspect="1"/>
+          </p:cNvPicPr>
+          <p:nvPr/>
+        </p:nvPicPr>
+        <p:blipFill rotWithShape="1">
+          <a:blip r:embed="rId5"/>
+          <a:srcRect t="20400" b="18800"/>
+          <a:stretch/>
+        </p:blipFill>
+        <p:spPr>
+          <a:xfrm>
+            <a:off x="3714750" y="867957"/>
+            <a:ext cx="3452432" cy="2099079"/>
+          </a:xfrm>
+          <a:prstGeom prst="rect">
+            <a:avLst/>
+          </a:prstGeom>
+          <a:ln w="38100" cap="sq">
+            <a:solidFill>
+              <a:srgbClr val="000000"/>
+            </a:solidFill>
+            <a:prstDash val="solid"/>
+            <a:miter lim="800000"/>
+          </a:ln>
+          <a:effectLst>
+            <a:outerShdw blurRad="50800" dist="38100" dir="2700000" algn="tl" rotWithShape="0">
+              <a:srgbClr val="000000">
+                <a:alpha val="43000"/>
+              </a:srgbClr>
+            </a:outerShdw>
+          </a:effectLst>
+        </p:spPr>
+      </p:pic>
+      <p:sp>
+        <p:nvSpPr>
+          <p:cNvPr id="7" name="文字方塊 6">
+            <a:extLst>
+              <a:ext uri="{FF2B5EF4-FFF2-40B4-BE49-F238E27FC236}">
+                <a16:creationId xmlns:a16="http://schemas.microsoft.com/office/drawing/2014/main" id="{40E89934-B3A1-4AFF-BB60-3444D5510EB1}"/>
+              </a:ext>
+            </a:extLst>
+          </p:cNvPr>
+          <p:cNvSpPr txBox="1"/>
+          <p:nvPr/>
+        </p:nvSpPr>
+        <p:spPr>
+          <a:xfrm>
+            <a:off x="2053541" y="4857750"/>
+            <a:ext cx="1028700" cy="369332"/>
+          </a:xfrm>
+          <a:prstGeom prst="rect">
+            <a:avLst/>
+          </a:prstGeom>
+          <a:noFill/>
+          <a:ln w="19050">
+            <a:solidFill>
+              <a:schemeClr val="tx1"/>
+            </a:solidFill>
+          </a:ln>
+        </p:spPr>
+        <p:txBody>
+          <a:bodyPr rot="0" spcFirstLastPara="0" vertOverflow="overflow" horzOverflow="overflow" vert="horz" wrap="square" lIns="91440" tIns="45720" rIns="91440" bIns="45720" numCol="1" spcCol="0" rtlCol="0" fromWordArt="0" anchor="t" anchorCtr="0" forceAA="0" compatLnSpc="1">
+            <a:prstTxWarp prst="textNoShape">
+              <a:avLst/>
+            </a:prstTxWarp>
+            <a:spAutoFit/>
+          </a:bodyPr>
+          <a:lstStyle>
+            <a:defPPr>
+              <a:defRPr lang="zh-TW"/>
+            </a:defPPr>
+            <a:lvl1pPr>
+              <a:defRPr>
+                <a:latin typeface="jf open 粉圓 1.1" panose="020F0500000000000000" pitchFamily="34" charset="-120"/>
+                <a:ea typeface="jf open 粉圓 1.1" panose="020F0500000000000000" pitchFamily="34" charset="-120"/>
+              </a:defRPr>
+            </a:lvl1pPr>
+          </a:lstStyle>
+          <a:p>
+            <a:pPr algn="ctr"/>
+            <a:r>
+              <a:rPr lang="en-US" altLang="zh-TW" dirty="0"/>
+              <a:t>USB-C</a:t>
+            </a:r>
+            <a:endParaRPr lang="zh-TW" altLang="en-US" dirty="0"/>
+          </a:p>
+        </p:txBody>
+      </p:sp>
+      <p:sp>
+        <p:nvSpPr>
+          <p:cNvPr id="8" name="文字方塊 7">
+            <a:extLst>
+              <a:ext uri="{FF2B5EF4-FFF2-40B4-BE49-F238E27FC236}">
+                <a16:creationId xmlns:a16="http://schemas.microsoft.com/office/drawing/2014/main" id="{5BCA86C5-1C56-496C-8898-271C91C7ADBB}"/>
+              </a:ext>
+            </a:extLst>
+          </p:cNvPr>
+          <p:cNvSpPr txBox="1"/>
+          <p:nvPr/>
+        </p:nvSpPr>
+        <p:spPr>
+          <a:xfrm>
+            <a:off x="4996766" y="268952"/>
+            <a:ext cx="1028700" cy="369332"/>
+          </a:xfrm>
+          <a:prstGeom prst="rect">
+            <a:avLst/>
+          </a:prstGeom>
+          <a:noFill/>
+          <a:ln w="19050">
+            <a:solidFill>
+              <a:schemeClr val="tx1"/>
+            </a:solidFill>
+          </a:ln>
+        </p:spPr>
+        <p:txBody>
+          <a:bodyPr rot="0" spcFirstLastPara="0" vertOverflow="overflow" horzOverflow="overflow" vert="horz" wrap="square" lIns="91440" tIns="45720" rIns="91440" bIns="45720" numCol="1" spcCol="0" rtlCol="0" fromWordArt="0" anchor="t" anchorCtr="0" forceAA="0" compatLnSpc="1">
+            <a:prstTxWarp prst="textNoShape">
+              <a:avLst/>
+            </a:prstTxWarp>
+            <a:spAutoFit/>
+          </a:bodyPr>
+          <a:lstStyle>
+            <a:defPPr>
+              <a:defRPr lang="zh-TW"/>
+            </a:defPPr>
+            <a:lvl1pPr>
+              <a:defRPr>
+                <a:latin typeface="jf open 粉圓 1.1" panose="020F0500000000000000" pitchFamily="34" charset="-120"/>
+                <a:ea typeface="jf open 粉圓 1.1" panose="020F0500000000000000" pitchFamily="34" charset="-120"/>
+              </a:defRPr>
+            </a:lvl1pPr>
+          </a:lstStyle>
+          <a:p>
+            <a:pPr algn="ctr"/>
+            <a:r>
+              <a:rPr lang="zh-TW" altLang="en-US" dirty="0"/>
+              <a:t>指套</a:t>
+            </a:r>
+          </a:p>
+        </p:txBody>
+      </p:sp>
+      <p:sp>
+        <p:nvSpPr>
+          <p:cNvPr id="9" name="文字方塊 8">
+            <a:extLst>
+              <a:ext uri="{FF2B5EF4-FFF2-40B4-BE49-F238E27FC236}">
+                <a16:creationId xmlns:a16="http://schemas.microsoft.com/office/drawing/2014/main" id="{0224B0FF-5FF7-4BA1-A107-B19A5D91A04F}"/>
+              </a:ext>
+            </a:extLst>
+          </p:cNvPr>
+          <p:cNvSpPr txBox="1"/>
+          <p:nvPr/>
+        </p:nvSpPr>
+        <p:spPr>
+          <a:xfrm>
+            <a:off x="4563378" y="5795852"/>
+            <a:ext cx="1895475" cy="646331"/>
+          </a:xfrm>
+          <a:prstGeom prst="rect">
+            <a:avLst/>
+          </a:prstGeom>
+          <a:noFill/>
+          <a:ln w="19050">
+            <a:solidFill>
+              <a:schemeClr val="tx1"/>
+            </a:solidFill>
+          </a:ln>
+        </p:spPr>
+        <p:txBody>
+          <a:bodyPr rot="0" spcFirstLastPara="0" vertOverflow="overflow" horzOverflow="overflow" vert="horz" wrap="square" lIns="91440" tIns="45720" rIns="91440" bIns="45720" numCol="1" spcCol="0" rtlCol="0" fromWordArt="0" anchor="t" anchorCtr="0" forceAA="0" compatLnSpc="1">
+            <a:prstTxWarp prst="textNoShape">
+              <a:avLst/>
+            </a:prstTxWarp>
+            <a:spAutoFit/>
+          </a:bodyPr>
+          <a:lstStyle>
+            <a:defPPr>
+              <a:defRPr lang="zh-TW"/>
+            </a:defPPr>
+            <a:lvl1pPr>
+              <a:defRPr>
+                <a:latin typeface="jf open 粉圓 1.1" panose="020F0500000000000000" pitchFamily="34" charset="-120"/>
+                <a:ea typeface="jf open 粉圓 1.1" panose="020F0500000000000000" pitchFamily="34" charset="-120"/>
+              </a:defRPr>
+            </a:lvl1pPr>
+          </a:lstStyle>
+          <a:p>
+            <a:pPr algn="ctr"/>
+            <a:r>
+              <a:rPr lang="en-US" altLang="zh-TW" dirty="0"/>
+              <a:t>Keyes</a:t>
+            </a:r>
+            <a:r>
+              <a:rPr lang="zh-TW" altLang="en-US" dirty="0"/>
+              <a:t>手指偵測心跳模組</a:t>
+            </a:r>
+          </a:p>
+        </p:txBody>
+      </p:sp>
+      <p:sp>
+        <p:nvSpPr>
+          <p:cNvPr id="10" name="文字方塊 9">
+            <a:extLst>
+              <a:ext uri="{FF2B5EF4-FFF2-40B4-BE49-F238E27FC236}">
+                <a16:creationId xmlns:a16="http://schemas.microsoft.com/office/drawing/2014/main" id="{8FADC9D5-48BE-48F3-B6CD-6B54CEA1FD93}"/>
+              </a:ext>
+            </a:extLst>
+          </p:cNvPr>
+          <p:cNvSpPr txBox="1"/>
+          <p:nvPr/>
+        </p:nvSpPr>
+        <p:spPr>
+          <a:xfrm>
+            <a:off x="8242984" y="5042416"/>
+            <a:ext cx="1895475" cy="646331"/>
+          </a:xfrm>
+          <a:prstGeom prst="rect">
+            <a:avLst/>
+          </a:prstGeom>
+          <a:noFill/>
+          <a:ln w="19050">
+            <a:solidFill>
+              <a:schemeClr val="tx1"/>
+            </a:solidFill>
+          </a:ln>
+        </p:spPr>
+        <p:txBody>
+          <a:bodyPr rot="0" spcFirstLastPara="0" vertOverflow="overflow" horzOverflow="overflow" vert="horz" wrap="square" lIns="91440" tIns="45720" rIns="91440" bIns="45720" numCol="1" spcCol="0" rtlCol="0" fromWordArt="0" anchor="t" anchorCtr="0" forceAA="0" compatLnSpc="1">
+            <a:prstTxWarp prst="textNoShape">
+              <a:avLst/>
+            </a:prstTxWarp>
+            <a:spAutoFit/>
+          </a:bodyPr>
+          <a:lstStyle>
+            <a:defPPr>
+              <a:defRPr lang="zh-TW"/>
+            </a:defPPr>
+            <a:lvl1pPr>
+              <a:defRPr>
+                <a:latin typeface="jf open 粉圓 1.1" panose="020F0500000000000000" pitchFamily="34" charset="-120"/>
+                <a:ea typeface="jf open 粉圓 1.1" panose="020F0500000000000000" pitchFamily="34" charset="-120"/>
+              </a:defRPr>
+            </a:lvl1pPr>
+          </a:lstStyle>
+          <a:p>
+            <a:pPr algn="ctr"/>
+            <a:r>
+              <a:rPr lang="en-US" altLang="zh-TW" dirty="0"/>
+              <a:t>DHT-11</a:t>
+            </a:r>
+            <a:r>
+              <a:rPr lang="zh-TW" altLang="en-US" dirty="0"/>
+              <a:t>溫溼度感測器模組</a:t>
+            </a:r>
+          </a:p>
+        </p:txBody>
+      </p:sp>
+    </p:spTree>
+    <p:extLst>
+      <p:ext uri="{BB962C8B-B14F-4D97-AF65-F5344CB8AC3E}">
+        <p14:creationId xmlns:p14="http://schemas.microsoft.com/office/powerpoint/2010/main" val="5372026"/>
       </p:ext>
     </p:extLst>
   </p:cSld>
@@ -8291,6 +10682,158 @@
           </a:fontRef>
         </p:style>
       </p:cxnSp>
+      <p:sp>
+        <p:nvSpPr>
+          <p:cNvPr id="2" name="矩形 1">
+            <a:extLst>
+              <a:ext uri="{FF2B5EF4-FFF2-40B4-BE49-F238E27FC236}">
+                <a16:creationId xmlns:a16="http://schemas.microsoft.com/office/drawing/2014/main" id="{5D6B4CCA-DB05-4299-A27C-0C3B82CFA942}"/>
+              </a:ext>
+            </a:extLst>
+          </p:cNvPr>
+          <p:cNvSpPr/>
+          <p:nvPr/>
+        </p:nvSpPr>
+        <p:spPr>
+          <a:xfrm>
+            <a:off x="736848" y="456574"/>
+            <a:ext cx="2482602" cy="923330"/>
+          </a:xfrm>
+          <a:prstGeom prst="rect">
+            <a:avLst/>
+          </a:prstGeom>
+          <a:noFill/>
+          <a:ln w="19050">
+            <a:solidFill>
+              <a:srgbClr val="88001B"/>
+            </a:solidFill>
+            <a:prstDash val="solid"/>
+          </a:ln>
+        </p:spPr>
+        <p:txBody>
+          <a:bodyPr wrap="square" rtlCol="0">
+            <a:spAutoFit/>
+          </a:bodyPr>
+          <a:lstStyle/>
+          <a:p>
+            <a:r>
+              <a:rPr lang="zh-TW" altLang="en-US" dirty="0">
+                <a:solidFill>
+                  <a:schemeClr val="tx1"/>
+                </a:solidFill>
+                <a:latin typeface="jf open 粉圓 1.1" panose="020F0500000000000000" pitchFamily="34" charset="-120"/>
+                <a:ea typeface="jf open 粉圓 1.1" panose="020F0500000000000000" pitchFamily="34" charset="-120"/>
+              </a:rPr>
+              <a:t>考慮加入一些預設場景</a:t>
+            </a:r>
+            <a:endParaRPr lang="en-US" altLang="zh-TW" dirty="0">
+              <a:solidFill>
+                <a:schemeClr val="tx1"/>
+              </a:solidFill>
+              <a:latin typeface="jf open 粉圓 1.1" panose="020F0500000000000000" pitchFamily="34" charset="-120"/>
+              <a:ea typeface="jf open 粉圓 1.1" panose="020F0500000000000000" pitchFamily="34" charset="-120"/>
+            </a:endParaRPr>
+          </a:p>
+          <a:p>
+            <a:r>
+              <a:rPr lang="zh-TW" altLang="en-US" dirty="0">
+                <a:solidFill>
+                  <a:schemeClr val="tx1"/>
+                </a:solidFill>
+                <a:latin typeface="jf open 粉圓 1.1" panose="020F0500000000000000" pitchFamily="34" charset="-120"/>
+                <a:ea typeface="jf open 粉圓 1.1" panose="020F0500000000000000" pitchFamily="34" charset="-120"/>
+              </a:rPr>
+              <a:t>可以讓使用者替換</a:t>
+            </a:r>
+            <a:endParaRPr lang="en-US" altLang="zh-TW" dirty="0">
+              <a:solidFill>
+                <a:schemeClr val="tx1"/>
+              </a:solidFill>
+              <a:latin typeface="jf open 粉圓 1.1" panose="020F0500000000000000" pitchFamily="34" charset="-120"/>
+              <a:ea typeface="jf open 粉圓 1.1" panose="020F0500000000000000" pitchFamily="34" charset="-120"/>
+            </a:endParaRPr>
+          </a:p>
+          <a:p>
+            <a:r>
+              <a:rPr lang="en-US" altLang="zh-TW" dirty="0">
+                <a:solidFill>
+                  <a:schemeClr val="tx1"/>
+                </a:solidFill>
+                <a:latin typeface="jf open 粉圓 1.1" panose="020F0500000000000000" pitchFamily="34" charset="-120"/>
+                <a:ea typeface="jf open 粉圓 1.1" panose="020F0500000000000000" pitchFamily="34" charset="-120"/>
+              </a:rPr>
+              <a:t>(</a:t>
+            </a:r>
+            <a:r>
+              <a:rPr lang="zh-TW" altLang="en-US" dirty="0">
+                <a:solidFill>
+                  <a:schemeClr val="tx1"/>
+                </a:solidFill>
+                <a:latin typeface="jf open 粉圓 1.1" panose="020F0500000000000000" pitchFamily="34" charset="-120"/>
+                <a:ea typeface="jf open 粉圓 1.1" panose="020F0500000000000000" pitchFamily="34" charset="-120"/>
+              </a:rPr>
+              <a:t>星空、草原、海洋</a:t>
+            </a:r>
+            <a:r>
+              <a:rPr lang="en-US" altLang="zh-TW" dirty="0">
+                <a:solidFill>
+                  <a:schemeClr val="tx1"/>
+                </a:solidFill>
+                <a:latin typeface="jf open 粉圓 1.1" panose="020F0500000000000000" pitchFamily="34" charset="-120"/>
+                <a:ea typeface="jf open 粉圓 1.1" panose="020F0500000000000000" pitchFamily="34" charset="-120"/>
+              </a:rPr>
+              <a:t>…)</a:t>
+            </a:r>
+          </a:p>
+        </p:txBody>
+      </p:sp>
+      <p:cxnSp>
+        <p:nvCxnSpPr>
+          <p:cNvPr id="13" name="接點: 肘形 12">
+            <a:extLst>
+              <a:ext uri="{FF2B5EF4-FFF2-40B4-BE49-F238E27FC236}">
+                <a16:creationId xmlns:a16="http://schemas.microsoft.com/office/drawing/2014/main" id="{CE7D0910-3B36-4B1F-A8FE-3268233983C4}"/>
+              </a:ext>
+            </a:extLst>
+          </p:cNvPr>
+          <p:cNvCxnSpPr>
+            <a:cxnSpLocks/>
+            <a:stCxn id="2" idx="2"/>
+          </p:cNvCxnSpPr>
+          <p:nvPr/>
+        </p:nvCxnSpPr>
+        <p:spPr>
+          <a:xfrm rot="16200000" flipH="1">
+            <a:off x="1157518" y="2200534"/>
+            <a:ext cx="2325314" cy="684053"/>
+          </a:xfrm>
+          <a:prstGeom prst="bentConnector3">
+            <a:avLst>
+              <a:gd name="adj1" fmla="val 50000"/>
+            </a:avLst>
+          </a:prstGeom>
+          <a:ln w="38100">
+            <a:solidFill>
+              <a:srgbClr val="88001B"/>
+            </a:solidFill>
+            <a:tailEnd type="oval"/>
+          </a:ln>
+        </p:spPr>
+        <p:style>
+          <a:lnRef idx="1">
+            <a:schemeClr val="accent1"/>
+          </a:lnRef>
+          <a:fillRef idx="0">
+            <a:schemeClr val="accent1"/>
+          </a:fillRef>
+          <a:effectRef idx="0">
+            <a:schemeClr val="accent1"/>
+          </a:effectRef>
+          <a:fontRef idx="minor">
+            <a:schemeClr val="tx1"/>
+          </a:fontRef>
+        </p:style>
+      </p:cxnSp>
     </p:spTree>
     <p:extLst>
       <p:ext uri="{BB962C8B-B14F-4D97-AF65-F5344CB8AC3E}">
@@ -9121,7 +11664,7 @@
           <a:p>
             <a:r>
               <a:rPr lang="zh-TW" altLang="en-US" dirty="0"/>
-              <a:t>並透過浮動面板顯示心理量表的題目，</a:t>
+              <a:t>並透過浮動面板顯示心理量表的題目。</a:t>
             </a:r>
             <a:endParaRPr lang="en-US" altLang="zh-TW" dirty="0"/>
           </a:p>
@@ -9426,6 +11969,9 @@
           <a:prstGeom prst="rect">
             <a:avLst/>
           </a:prstGeom>
+          <a:solidFill>
+            <a:srgbClr val="88001B"/>
+          </a:solidFill>
           <a:ln w="38100" cap="sq">
             <a:solidFill>
               <a:srgbClr val="000000"/>
@@ -9457,7 +12003,7 @@
         <p:spPr>
           <a:xfrm>
             <a:off x="311968" y="360668"/>
-            <a:ext cx="3471169" cy="1200329"/>
+            <a:ext cx="3471169" cy="923330"/>
           </a:xfrm>
           <a:prstGeom prst="rect">
             <a:avLst/>
@@ -9515,13 +12061,6 @@
           <a:p>
             <a:r>
               <a:rPr lang="zh-TW" altLang="en-US" dirty="0"/>
-              <a:t>進行一些細部的偵測，</a:t>
-            </a:r>
-            <a:endParaRPr lang="en-US" altLang="zh-TW" dirty="0"/>
-          </a:p>
-          <a:p>
-            <a:r>
-              <a:rPr lang="zh-TW" altLang="en-US" dirty="0"/>
               <a:t>藉此簡易評估使用者的身心狀況。</a:t>
             </a:r>
           </a:p>
@@ -9611,7 +12150,7 @@
         <p:spPr>
           <a:xfrm>
             <a:off x="9715091" y="1997839"/>
-            <a:ext cx="2121763" cy="2862322"/>
+            <a:ext cx="2318744" cy="3200876"/>
           </a:xfrm>
           <a:prstGeom prst="rect">
             <a:avLst/>
@@ -9653,7 +12192,19 @@
           <a:p>
             <a:r>
               <a:rPr lang="zh-TW" altLang="en-US" dirty="0"/>
-              <a:t>偵測一些細部表情或皮膚狀況</a:t>
+              <a:t>偵測一些</a:t>
+            </a:r>
+            <a:r>
+              <a:rPr lang="zh-TW" altLang="en-US" b="1" dirty="0"/>
+              <a:t>細部表情</a:t>
+            </a:r>
+            <a:r>
+              <a:rPr lang="zh-TW" altLang="en-US" dirty="0"/>
+              <a:t>或</a:t>
+            </a:r>
+            <a:r>
+              <a:rPr lang="zh-TW" altLang="en-US" b="1" dirty="0"/>
+              <a:t>皮膚狀況</a:t>
             </a:r>
             <a:br>
               <a:rPr lang="en-US" altLang="zh-TW" dirty="0"/>
@@ -9676,36 +12227,36 @@
           </a:p>
           <a:p>
             <a:r>
-              <a:rPr lang="en-US" altLang="zh-TW" dirty="0"/>
-              <a:t>※</a:t>
-            </a:r>
-            <a:r>
-              <a:rPr lang="zh-TW" altLang="en-US" dirty="0"/>
-              <a:t>如果</a:t>
-            </a:r>
-            <a:r>
-              <a:rPr lang="en-US" altLang="zh-TW" dirty="0"/>
-              <a:t>VIVE Flow</a:t>
-            </a:r>
-            <a:r>
-              <a:rPr lang="zh-TW" altLang="en-US" dirty="0"/>
-              <a:t>沒辦法使用</a:t>
-            </a:r>
-            <a:r>
-              <a:rPr lang="en-US" altLang="zh-TW" dirty="0"/>
-              <a:t>VIVE</a:t>
-            </a:r>
-            <a:r>
-              <a:rPr lang="zh-TW" altLang="en-US" dirty="0"/>
+              <a:rPr lang="en-US" altLang="zh-TW" sz="1600" dirty="0"/>
+              <a:t>※VIVE</a:t>
+            </a:r>
+            <a:r>
+              <a:rPr lang="zh-TW" altLang="en-US" sz="1600" dirty="0"/>
               <a:t> </a:t>
             </a:r>
             <a:r>
-              <a:rPr lang="en-US" altLang="zh-TW" dirty="0"/>
+              <a:rPr lang="en-US" altLang="zh-TW" sz="1600" dirty="0"/>
               <a:t>Facial</a:t>
             </a:r>
             <a:r>
-              <a:rPr lang="zh-TW" altLang="en-US" dirty="0"/>
-              <a:t>，那就考慮改成上傳照片偵測臉部情緒。</a:t>
+              <a:rPr lang="zh-TW" altLang="en-US" sz="1600" dirty="0"/>
+              <a:t>在我們查過以後，只適用於</a:t>
+            </a:r>
+            <a:r>
+              <a:rPr lang="en-US" altLang="zh-TW" sz="1600" dirty="0"/>
+              <a:t>VIVE Pro</a:t>
+            </a:r>
+            <a:r>
+              <a:rPr lang="zh-TW" altLang="en-US" sz="1600" dirty="0"/>
+              <a:t>系列。如果可以改用</a:t>
+            </a:r>
+            <a:r>
+              <a:rPr lang="en-US" altLang="zh-TW" sz="1600" dirty="0"/>
+              <a:t>VIVE Pro</a:t>
+            </a:r>
+            <a:r>
+              <a:rPr lang="zh-TW" altLang="en-US" sz="1600" dirty="0"/>
+              <a:t>系列的設備去實作，就能保留這個功能，否則可能需要放棄這項功能。</a:t>
             </a:r>
           </a:p>
         </p:txBody>
@@ -9825,8 +12376,8 @@
         </p:nvCxnSpPr>
         <p:spPr>
           <a:xfrm>
-            <a:off x="3783137" y="960833"/>
-            <a:ext cx="930906" cy="1285217"/>
+            <a:off x="3783137" y="822333"/>
+            <a:ext cx="930906" cy="1423717"/>
           </a:xfrm>
           <a:prstGeom prst="bentConnector2">
             <a:avLst/>
@@ -9865,14 +12416,15 @@
             </a:extLst>
           </p:cNvPr>
           <p:cNvCxnSpPr>
+            <a:cxnSpLocks/>
             <a:stCxn id="4" idx="2"/>
           </p:cNvCxnSpPr>
           <p:nvPr/>
         </p:nvCxnSpPr>
         <p:spPr>
-          <a:xfrm rot="16200000" flipH="1">
-            <a:off x="6003088" y="2812213"/>
-            <a:ext cx="2820504" cy="318069"/>
+          <a:xfrm rot="5400000">
+            <a:off x="5512527" y="2626037"/>
+            <a:ext cx="2806821" cy="676738"/>
           </a:xfrm>
           <a:prstGeom prst="bentConnector3">
             <a:avLst/>
@@ -9911,14 +12463,15 @@
             </a:extLst>
           </p:cNvPr>
           <p:cNvCxnSpPr>
+            <a:cxnSpLocks/>
             <a:stCxn id="5" idx="1"/>
           </p:cNvCxnSpPr>
           <p:nvPr/>
         </p:nvCxnSpPr>
         <p:spPr>
           <a:xfrm rot="10800000" flipV="1">
-            <a:off x="7181851" y="3429000"/>
-            <a:ext cx="2533241" cy="209550"/>
+            <a:off x="7181901" y="3598276"/>
+            <a:ext cx="2533191" cy="40279"/>
           </a:xfrm>
           <a:prstGeom prst="bentConnector3">
             <a:avLst/>
@@ -10130,7 +12683,7 @@
         </p:nvSpPr>
         <p:spPr>
           <a:xfrm>
-            <a:off x="9072978" y="1125242"/>
+            <a:off x="9615382" y="2425378"/>
             <a:ext cx="1447060" cy="301842"/>
           </a:xfrm>
           <a:prstGeom prst="rect">
@@ -10188,7 +12741,7 @@
         </p:nvSpPr>
         <p:spPr>
           <a:xfrm>
-            <a:off x="8188910" y="1419313"/>
+            <a:off x="8731314" y="2719449"/>
             <a:ext cx="3215196" cy="1660122"/>
           </a:xfrm>
           <a:prstGeom prst="rect">
@@ -10244,7 +12797,7 @@
         </p:nvSpPr>
         <p:spPr>
           <a:xfrm>
-            <a:off x="8979946" y="1780266"/>
+            <a:off x="9522350" y="3080402"/>
             <a:ext cx="1633123" cy="954107"/>
           </a:xfrm>
           <a:prstGeom prst="rect">
@@ -10829,12 +13382,14 @@
           <p:nvPr/>
         </p:nvCxnSpPr>
         <p:spPr>
-          <a:xfrm rot="5400000" flipH="1" flipV="1">
-            <a:off x="6066897" y="547956"/>
-            <a:ext cx="2075413" cy="1842086"/>
-          </a:xfrm>
-          <a:prstGeom prst="bentConnector2">
-            <a:avLst/>
+          <a:xfrm flipV="1">
+            <a:off x="5907540" y="431292"/>
+            <a:ext cx="2118106" cy="1111829"/>
+          </a:xfrm>
+          <a:prstGeom prst="bentConnector3">
+            <a:avLst>
+              <a:gd name="adj1" fmla="val 50000"/>
+            </a:avLst>
           </a:prstGeom>
           <a:ln w="28575">
             <a:solidFill>
@@ -10974,6 +13529,233 @@
               <a:srgbClr val="00B0F0"/>
             </a:solidFill>
             <a:tailEnd type="none"/>
+          </a:ln>
+        </p:spPr>
+        <p:style>
+          <a:lnRef idx="1">
+            <a:schemeClr val="accent1"/>
+          </a:lnRef>
+          <a:fillRef idx="0">
+            <a:schemeClr val="accent1"/>
+          </a:fillRef>
+          <a:effectRef idx="0">
+            <a:schemeClr val="accent1"/>
+          </a:effectRef>
+          <a:fontRef idx="minor">
+            <a:schemeClr val="tx1"/>
+          </a:fontRef>
+        </p:style>
+      </p:cxnSp>
+      <p:sp>
+        <p:nvSpPr>
+          <p:cNvPr id="13" name="矩形 12">
+            <a:extLst>
+              <a:ext uri="{FF2B5EF4-FFF2-40B4-BE49-F238E27FC236}">
+                <a16:creationId xmlns:a16="http://schemas.microsoft.com/office/drawing/2014/main" id="{7C54ED8E-C441-4A56-BA5A-8331B920A9EB}"/>
+              </a:ext>
+            </a:extLst>
+          </p:cNvPr>
+          <p:cNvSpPr/>
+          <p:nvPr/>
+        </p:nvSpPr>
+        <p:spPr>
+          <a:xfrm>
+            <a:off x="7357223" y="1062981"/>
+            <a:ext cx="2834342" cy="1200329"/>
+          </a:xfrm>
+          <a:prstGeom prst="rect">
+            <a:avLst/>
+          </a:prstGeom>
+          <a:noFill/>
+          <a:ln w="19050">
+            <a:solidFill>
+              <a:srgbClr val="88001B"/>
+            </a:solidFill>
+          </a:ln>
+        </p:spPr>
+        <p:txBody>
+          <a:bodyPr wrap="square" rtlCol="0">
+            <a:spAutoFit/>
+          </a:bodyPr>
+          <a:lstStyle/>
+          <a:p>
+            <a:r>
+              <a:rPr lang="zh-TW" altLang="en-US" dirty="0">
+                <a:solidFill>
+                  <a:schemeClr val="tx1"/>
+                </a:solidFill>
+                <a:latin typeface="jf open 粉圓 1.1" panose="020F0500000000000000" pitchFamily="34" charset="-120"/>
+                <a:ea typeface="jf open 粉圓 1.1" panose="020F0500000000000000" pitchFamily="34" charset="-120"/>
+              </a:rPr>
+              <a:t>心跳偵測：</a:t>
+            </a:r>
+            <a:endParaRPr lang="en-US" altLang="zh-TW" dirty="0">
+              <a:solidFill>
+                <a:schemeClr val="tx1"/>
+              </a:solidFill>
+              <a:latin typeface="jf open 粉圓 1.1" panose="020F0500000000000000" pitchFamily="34" charset="-120"/>
+              <a:ea typeface="jf open 粉圓 1.1" panose="020F0500000000000000" pitchFamily="34" charset="-120"/>
+            </a:endParaRPr>
+          </a:p>
+          <a:p>
+            <a:r>
+              <a:rPr lang="zh-TW" altLang="en-US" dirty="0">
+                <a:latin typeface="jf open 粉圓 1.1" panose="020F0500000000000000" pitchFamily="34" charset="-120"/>
+                <a:ea typeface="jf open 粉圓 1.1" panose="020F0500000000000000" pitchFamily="34" charset="-120"/>
+              </a:rPr>
+              <a:t>在諮商過程中，</a:t>
+            </a:r>
+            <a:endParaRPr lang="en-US" altLang="zh-TW" dirty="0">
+              <a:latin typeface="jf open 粉圓 1.1" panose="020F0500000000000000" pitchFamily="34" charset="-120"/>
+              <a:ea typeface="jf open 粉圓 1.1" panose="020F0500000000000000" pitchFamily="34" charset="-120"/>
+            </a:endParaRPr>
+          </a:p>
+          <a:p>
+            <a:r>
+              <a:rPr lang="zh-TW" altLang="en-US" dirty="0">
+                <a:latin typeface="jf open 粉圓 1.1" panose="020F0500000000000000" pitchFamily="34" charset="-120"/>
+                <a:ea typeface="jf open 粉圓 1.1" panose="020F0500000000000000" pitchFamily="34" charset="-120"/>
+              </a:rPr>
+              <a:t>諮商師可以藉由心跳數據，調整諮商的過程內容。</a:t>
+            </a:r>
+            <a:endParaRPr lang="zh-TW" altLang="en-US" dirty="0">
+              <a:solidFill>
+                <a:schemeClr val="tx1"/>
+              </a:solidFill>
+              <a:latin typeface="jf open 粉圓 1.1" panose="020F0500000000000000" pitchFamily="34" charset="-120"/>
+              <a:ea typeface="jf open 粉圓 1.1" panose="020F0500000000000000" pitchFamily="34" charset="-120"/>
+            </a:endParaRPr>
+          </a:p>
+        </p:txBody>
+      </p:sp>
+      <p:sp>
+        <p:nvSpPr>
+          <p:cNvPr id="14" name="橢圓 13">
+            <a:extLst>
+              <a:ext uri="{FF2B5EF4-FFF2-40B4-BE49-F238E27FC236}">
+                <a16:creationId xmlns:a16="http://schemas.microsoft.com/office/drawing/2014/main" id="{782FB24C-8C1D-445A-981C-BFE2572DAD0F}"/>
+              </a:ext>
+            </a:extLst>
+          </p:cNvPr>
+          <p:cNvSpPr/>
+          <p:nvPr/>
+        </p:nvSpPr>
+        <p:spPr>
+          <a:xfrm>
+            <a:off x="3713805" y="2734373"/>
+            <a:ext cx="227880" cy="391692"/>
+          </a:xfrm>
+          <a:prstGeom prst="ellipse">
+            <a:avLst/>
+          </a:prstGeom>
+          <a:solidFill>
+            <a:srgbClr val="88001B"/>
+          </a:solidFill>
+          <a:ln>
+            <a:solidFill>
+              <a:srgbClr val="88001B"/>
+            </a:solidFill>
+          </a:ln>
+        </p:spPr>
+        <p:style>
+          <a:lnRef idx="2">
+            <a:schemeClr val="accent1">
+              <a:shade val="50000"/>
+            </a:schemeClr>
+          </a:lnRef>
+          <a:fillRef idx="1">
+            <a:schemeClr val="accent1"/>
+          </a:fillRef>
+          <a:effectRef idx="0">
+            <a:schemeClr val="accent1"/>
+          </a:effectRef>
+          <a:fontRef idx="minor">
+            <a:schemeClr val="lt1"/>
+          </a:fontRef>
+        </p:style>
+        <p:txBody>
+          <a:bodyPr rtlCol="0" anchor="ctr"/>
+          <a:lstStyle/>
+          <a:p>
+            <a:pPr algn="ctr"/>
+            <a:endParaRPr lang="zh-TW" altLang="en-US"/>
+          </a:p>
+        </p:txBody>
+      </p:sp>
+      <p:cxnSp>
+        <p:nvCxnSpPr>
+          <p:cNvPr id="23" name="直線單箭頭接點 22">
+            <a:extLst>
+              <a:ext uri="{FF2B5EF4-FFF2-40B4-BE49-F238E27FC236}">
+                <a16:creationId xmlns:a16="http://schemas.microsoft.com/office/drawing/2014/main" id="{C9A876C9-C084-4343-82A7-9AE0E3BADFF9}"/>
+              </a:ext>
+            </a:extLst>
+          </p:cNvPr>
+          <p:cNvCxnSpPr>
+            <a:cxnSpLocks/>
+            <a:stCxn id="13" idx="1"/>
+            <a:endCxn id="14" idx="6"/>
+          </p:cNvCxnSpPr>
+          <p:nvPr/>
+        </p:nvCxnSpPr>
+        <p:spPr>
+          <a:xfrm flipH="1">
+            <a:off x="3941685" y="1663146"/>
+            <a:ext cx="3415538" cy="1267073"/>
+          </a:xfrm>
+          <a:prstGeom prst="straightConnector1">
+            <a:avLst/>
+          </a:prstGeom>
+          <a:ln w="28575">
+            <a:solidFill>
+              <a:srgbClr val="88001B"/>
+            </a:solidFill>
+            <a:tailEnd type="triangle"/>
+          </a:ln>
+        </p:spPr>
+        <p:style>
+          <a:lnRef idx="1">
+            <a:schemeClr val="accent1"/>
+          </a:lnRef>
+          <a:fillRef idx="0">
+            <a:schemeClr val="accent1"/>
+          </a:fillRef>
+          <a:effectRef idx="0">
+            <a:schemeClr val="accent1"/>
+          </a:effectRef>
+          <a:fontRef idx="minor">
+            <a:schemeClr val="tx1"/>
+          </a:fontRef>
+        </p:style>
+      </p:cxnSp>
+      <p:cxnSp>
+        <p:nvCxnSpPr>
+          <p:cNvPr id="26" name="直線單箭頭接點 25">
+            <a:extLst>
+              <a:ext uri="{FF2B5EF4-FFF2-40B4-BE49-F238E27FC236}">
+                <a16:creationId xmlns:a16="http://schemas.microsoft.com/office/drawing/2014/main" id="{50EBA924-4DDE-444E-8DDA-C3D8A1B0F7DF}"/>
+              </a:ext>
+            </a:extLst>
+          </p:cNvPr>
+          <p:cNvCxnSpPr>
+            <a:cxnSpLocks/>
+            <a:stCxn id="13" idx="1"/>
+          </p:cNvCxnSpPr>
+          <p:nvPr/>
+        </p:nvCxnSpPr>
+        <p:spPr>
+          <a:xfrm flipH="1">
+            <a:off x="3311709" y="1663146"/>
+            <a:ext cx="4045514" cy="3073665"/>
+          </a:xfrm>
+          <a:prstGeom prst="straightConnector1">
+            <a:avLst/>
+          </a:prstGeom>
+          <a:ln w="28575">
+            <a:solidFill>
+              <a:srgbClr val="88001B"/>
+            </a:solidFill>
+            <a:tailEnd type="triangle"/>
           </a:ln>
         </p:spPr>
         <p:style>
@@ -11023,10 +13805,10 @@
       </p:grpSpPr>
       <p:pic>
         <p:nvPicPr>
-          <p:cNvPr id="42" name="圖片 41">
-            <a:extLst>
-              <a:ext uri="{FF2B5EF4-FFF2-40B4-BE49-F238E27FC236}">
-                <a16:creationId xmlns:a16="http://schemas.microsoft.com/office/drawing/2014/main" id="{45D16819-8F1B-464D-A6B9-A14FE80F3D65}"/>
+          <p:cNvPr id="3" name="圖片 2">
+            <a:extLst>
+              <a:ext uri="{FF2B5EF4-FFF2-40B4-BE49-F238E27FC236}">
+                <a16:creationId xmlns:a16="http://schemas.microsoft.com/office/drawing/2014/main" id="{76C24108-E4C4-4792-8C05-0816FDF397E3}"/>
               </a:ext>
             </a:extLst>
           </p:cNvPr>
@@ -11038,15 +13820,6 @@
         <p:blipFill>
           <a:blip r:embed="rId2">
             <a:extLst>
-              <a:ext uri="{BEBA8EAE-BF5A-486C-A8C5-ECC9F3942E4B}">
-                <a14:imgProps xmlns:a14="http://schemas.microsoft.com/office/drawing/2010/main">
-                  <a14:imgLayer r:embed="rId3">
-                    <a14:imgEffect>
-                      <a14:backgroundRemoval t="10000" b="90000" l="10000" r="90000"/>
-                    </a14:imgEffect>
-                  </a14:imgLayer>
-                </a14:imgProps>
-              </a:ext>
               <a:ext uri="{28A0092B-C50C-407E-A947-70E740481C1C}">
                 <a14:useLocalDpi xmlns:a14="http://schemas.microsoft.com/office/drawing/2010/main" val="0"/>
               </a:ext>
@@ -11058,89 +13831,8 @@
         </p:blipFill>
         <p:spPr>
           <a:xfrm>
-            <a:off x="10182156" y="3886705"/>
-            <a:ext cx="1703188" cy="2558837"/>
-          </a:xfrm>
-          <a:prstGeom prst="rect">
-            <a:avLst/>
-          </a:prstGeom>
-        </p:spPr>
-      </p:pic>
-      <p:pic>
-        <p:nvPicPr>
-          <p:cNvPr id="40" name="圖片 39">
-            <a:extLst>
-              <a:ext uri="{FF2B5EF4-FFF2-40B4-BE49-F238E27FC236}">
-                <a16:creationId xmlns:a16="http://schemas.microsoft.com/office/drawing/2014/main" id="{9D6D0953-11E1-477A-AF25-7804DD49E3D8}"/>
-              </a:ext>
-            </a:extLst>
-          </p:cNvPr>
-          <p:cNvPicPr>
-            <a:picLocks noChangeAspect="1"/>
-          </p:cNvPicPr>
-          <p:nvPr/>
-        </p:nvPicPr>
-        <p:blipFill>
-          <a:blip r:embed="rId2">
-            <a:extLst>
-              <a:ext uri="{BEBA8EAE-BF5A-486C-A8C5-ECC9F3942E4B}">
-                <a14:imgProps xmlns:a14="http://schemas.microsoft.com/office/drawing/2010/main">
-                  <a14:imgLayer r:embed="rId3">
-                    <a14:imgEffect>
-                      <a14:backgroundRemoval t="10000" b="90000" l="10000" r="90000"/>
-                    </a14:imgEffect>
-                  </a14:imgLayer>
-                </a14:imgProps>
-              </a:ext>
-              <a:ext uri="{28A0092B-C50C-407E-A947-70E740481C1C}">
-                <a14:useLocalDpi xmlns:a14="http://schemas.microsoft.com/office/drawing/2010/main" val="0"/>
-              </a:ext>
-            </a:extLst>
-          </a:blip>
-          <a:stretch>
-            <a:fillRect/>
-          </a:stretch>
-        </p:blipFill>
-        <p:spPr>
-          <a:xfrm>
-            <a:off x="563450" y="3860523"/>
-            <a:ext cx="1978739" cy="2558837"/>
-          </a:xfrm>
-          <a:prstGeom prst="rect">
-            <a:avLst/>
-          </a:prstGeom>
-        </p:spPr>
-      </p:pic>
-      <p:pic>
-        <p:nvPicPr>
-          <p:cNvPr id="3" name="圖片 2">
-            <a:extLst>
-              <a:ext uri="{FF2B5EF4-FFF2-40B4-BE49-F238E27FC236}">
-                <a16:creationId xmlns:a16="http://schemas.microsoft.com/office/drawing/2014/main" id="{1A142BA6-7A47-473B-A66D-C84AF33FA084}"/>
-              </a:ext>
-            </a:extLst>
-          </p:cNvPr>
-          <p:cNvPicPr>
-            <a:picLocks noChangeAspect="1"/>
-          </p:cNvPicPr>
-          <p:nvPr/>
-        </p:nvPicPr>
-        <p:blipFill>
-          <a:blip r:embed="rId4">
-            <a:extLst>
-              <a:ext uri="{28A0092B-C50C-407E-A947-70E740481C1C}">
-                <a14:useLocalDpi xmlns:a14="http://schemas.microsoft.com/office/drawing/2010/main" val="0"/>
-              </a:ext>
-            </a:extLst>
-          </a:blip>
-          <a:stretch>
-            <a:fillRect/>
-          </a:stretch>
-        </p:blipFill>
-        <p:spPr>
-          <a:xfrm>
-            <a:off x="613893" y="3608498"/>
-            <a:ext cx="2224019" cy="1036228"/>
+            <a:off x="2004122" y="1894954"/>
+            <a:ext cx="8015812" cy="3734775"/>
           </a:xfrm>
           <a:prstGeom prst="rect">
             <a:avLst/>
@@ -11161,1381 +13853,12 @@
           </a:effectLst>
         </p:spPr>
       </p:pic>
-      <p:pic>
-        <p:nvPicPr>
-          <p:cNvPr id="4" name="圖片 3">
-            <a:extLst>
-              <a:ext uri="{FF2B5EF4-FFF2-40B4-BE49-F238E27FC236}">
-                <a16:creationId xmlns:a16="http://schemas.microsoft.com/office/drawing/2014/main" id="{9B64513B-D7A5-4A2A-B6B0-A5EE58DA4B79}"/>
-              </a:ext>
-            </a:extLst>
-          </p:cNvPr>
-          <p:cNvPicPr>
-            <a:picLocks noChangeAspect="1"/>
-          </p:cNvPicPr>
-          <p:nvPr/>
-        </p:nvPicPr>
-        <p:blipFill>
-          <a:blip r:embed="rId5">
-            <a:extLst>
-              <a:ext uri="{28A0092B-C50C-407E-A947-70E740481C1C}">
-                <a14:useLocalDpi xmlns:a14="http://schemas.microsoft.com/office/drawing/2010/main" val="0"/>
-              </a:ext>
-            </a:extLst>
-          </a:blip>
-          <a:stretch>
-            <a:fillRect/>
-          </a:stretch>
-        </p:blipFill>
-        <p:spPr>
-          <a:xfrm>
-            <a:off x="9661324" y="3639140"/>
-            <a:ext cx="2224020" cy="1036229"/>
-          </a:xfrm>
-          <a:prstGeom prst="rect">
-            <a:avLst/>
-          </a:prstGeom>
-          <a:ln w="38100" cap="sq">
-            <a:solidFill>
-              <a:srgbClr val="000000"/>
-            </a:solidFill>
-            <a:prstDash val="solid"/>
-            <a:miter lim="800000"/>
-          </a:ln>
-          <a:effectLst>
-            <a:outerShdw blurRad="50800" dist="38100" dir="2700000" algn="tl" rotWithShape="0">
-              <a:srgbClr val="000000">
-                <a:alpha val="43000"/>
-              </a:srgbClr>
-            </a:outerShdw>
-          </a:effectLst>
-        </p:spPr>
-      </p:pic>
       <p:sp>
         <p:nvSpPr>
-          <p:cNvPr id="2" name="橢圓 1">
-            <a:extLst>
-              <a:ext uri="{FF2B5EF4-FFF2-40B4-BE49-F238E27FC236}">
-                <a16:creationId xmlns:a16="http://schemas.microsoft.com/office/drawing/2014/main" id="{54F0A848-E656-4CFC-A73C-126CCEE8A962}"/>
-              </a:ext>
-            </a:extLst>
-          </p:cNvPr>
-          <p:cNvSpPr/>
-          <p:nvPr/>
-        </p:nvSpPr>
-        <p:spPr>
-          <a:xfrm>
-            <a:off x="2712966" y="5128760"/>
-            <a:ext cx="1670207" cy="723935"/>
-          </a:xfrm>
-          <a:prstGeom prst="ellipse">
-            <a:avLst/>
-          </a:prstGeom>
-        </p:spPr>
-        <p:style>
-          <a:lnRef idx="2">
-            <a:schemeClr val="accent1">
-              <a:shade val="50000"/>
-            </a:schemeClr>
-          </a:lnRef>
-          <a:fillRef idx="1">
-            <a:schemeClr val="accent1"/>
-          </a:fillRef>
-          <a:effectRef idx="0">
-            <a:schemeClr val="accent1"/>
-          </a:effectRef>
-          <a:fontRef idx="minor">
-            <a:schemeClr val="lt1"/>
-          </a:fontRef>
-        </p:style>
-        <p:txBody>
-          <a:bodyPr rtlCol="0" anchor="ctr"/>
-          <a:lstStyle/>
-          <a:p>
-            <a:pPr algn="ctr"/>
-            <a:r>
-              <a:rPr lang="zh-TW" altLang="en-US" dirty="0"/>
-              <a:t>選擇</a:t>
-            </a:r>
-            <a:br>
-              <a:rPr lang="en-US" altLang="zh-TW" dirty="0"/>
-            </a:br>
-            <a:r>
-              <a:rPr lang="zh-TW" altLang="en-US" dirty="0"/>
-              <a:t>諮詢時段</a:t>
-            </a:r>
-          </a:p>
-        </p:txBody>
-      </p:sp>
-      <p:sp>
-        <p:nvSpPr>
-          <p:cNvPr id="5" name="橢圓 4">
-            <a:extLst>
-              <a:ext uri="{FF2B5EF4-FFF2-40B4-BE49-F238E27FC236}">
-                <a16:creationId xmlns:a16="http://schemas.microsoft.com/office/drawing/2014/main" id="{12B45662-55A3-4231-A194-9C0264E62B1C}"/>
-              </a:ext>
-            </a:extLst>
-          </p:cNvPr>
-          <p:cNvSpPr/>
-          <p:nvPr/>
-        </p:nvSpPr>
-        <p:spPr>
-          <a:xfrm>
-            <a:off x="5426591" y="3429000"/>
-            <a:ext cx="1581744" cy="343332"/>
-          </a:xfrm>
-          <a:prstGeom prst="ellipse">
-            <a:avLst/>
-          </a:prstGeom>
-          <a:solidFill>
-            <a:schemeClr val="accent2"/>
-          </a:solidFill>
-          <a:ln>
-            <a:solidFill>
-              <a:srgbClr val="FF0000"/>
-            </a:solidFill>
-          </a:ln>
-        </p:spPr>
-        <p:style>
-          <a:lnRef idx="2">
-            <a:schemeClr val="accent1">
-              <a:shade val="50000"/>
-            </a:schemeClr>
-          </a:lnRef>
-          <a:fillRef idx="1">
-            <a:schemeClr val="accent1"/>
-          </a:fillRef>
-          <a:effectRef idx="0">
-            <a:schemeClr val="accent1"/>
-          </a:effectRef>
-          <a:fontRef idx="minor">
-            <a:schemeClr val="lt1"/>
-          </a:fontRef>
-        </p:style>
-        <p:txBody>
-          <a:bodyPr rtlCol="0" anchor="ctr"/>
-          <a:lstStyle/>
-          <a:p>
-            <a:pPr algn="ctr"/>
-            <a:r>
-              <a:rPr lang="zh-TW" altLang="en-US" b="1" dirty="0"/>
-              <a:t>視訊面談</a:t>
-            </a:r>
-          </a:p>
-        </p:txBody>
-      </p:sp>
-      <p:sp>
-        <p:nvSpPr>
-          <p:cNvPr id="6" name="橢圓 5">
-            <a:extLst>
-              <a:ext uri="{FF2B5EF4-FFF2-40B4-BE49-F238E27FC236}">
-                <a16:creationId xmlns:a16="http://schemas.microsoft.com/office/drawing/2014/main" id="{663B371E-FBE9-4439-9808-34E4152B1FFE}"/>
-              </a:ext>
-            </a:extLst>
-          </p:cNvPr>
-          <p:cNvSpPr/>
-          <p:nvPr/>
-        </p:nvSpPr>
-        <p:spPr>
-          <a:xfrm>
-            <a:off x="3993861" y="4600126"/>
-            <a:ext cx="1581743" cy="387049"/>
-          </a:xfrm>
-          <a:prstGeom prst="ellipse">
-            <a:avLst/>
-          </a:prstGeom>
-        </p:spPr>
-        <p:style>
-          <a:lnRef idx="2">
-            <a:schemeClr val="accent1">
-              <a:shade val="50000"/>
-            </a:schemeClr>
-          </a:lnRef>
-          <a:fillRef idx="1">
-            <a:schemeClr val="accent1"/>
-          </a:fillRef>
-          <a:effectRef idx="0">
-            <a:schemeClr val="accent1"/>
-          </a:effectRef>
-          <a:fontRef idx="minor">
-            <a:schemeClr val="lt1"/>
-          </a:fontRef>
-        </p:style>
-        <p:txBody>
-          <a:bodyPr rtlCol="0" anchor="ctr"/>
-          <a:lstStyle/>
-          <a:p>
-            <a:pPr algn="ctr"/>
-            <a:r>
-              <a:rPr lang="zh-TW" altLang="en-US" dirty="0"/>
-              <a:t>發送預約</a:t>
-            </a:r>
-          </a:p>
-        </p:txBody>
-      </p:sp>
-      <p:sp>
-        <p:nvSpPr>
-          <p:cNvPr id="7" name="橢圓 6">
-            <a:extLst>
-              <a:ext uri="{FF2B5EF4-FFF2-40B4-BE49-F238E27FC236}">
-                <a16:creationId xmlns:a16="http://schemas.microsoft.com/office/drawing/2014/main" id="{3CCCF0CA-9B97-404B-B33C-6567EE589632}"/>
-              </a:ext>
-            </a:extLst>
-          </p:cNvPr>
-          <p:cNvSpPr/>
-          <p:nvPr/>
-        </p:nvSpPr>
-        <p:spPr>
-          <a:xfrm>
-            <a:off x="2770037" y="2767574"/>
-            <a:ext cx="1552708" cy="723936"/>
-          </a:xfrm>
-          <a:prstGeom prst="ellipse">
-            <a:avLst/>
-          </a:prstGeom>
-        </p:spPr>
-        <p:style>
-          <a:lnRef idx="2">
-            <a:schemeClr val="accent1">
-              <a:shade val="50000"/>
-            </a:schemeClr>
-          </a:lnRef>
-          <a:fillRef idx="1">
-            <a:schemeClr val="accent1"/>
-          </a:fillRef>
-          <a:effectRef idx="0">
-            <a:schemeClr val="accent1"/>
-          </a:effectRef>
-          <a:fontRef idx="minor">
-            <a:schemeClr val="lt1"/>
-          </a:fontRef>
-        </p:style>
-        <p:txBody>
-          <a:bodyPr rtlCol="0" anchor="ctr"/>
-          <a:lstStyle/>
-          <a:p>
-            <a:pPr algn="ctr"/>
-            <a:r>
-              <a:rPr lang="zh-TW" altLang="en-US" dirty="0"/>
-              <a:t>輸入</a:t>
-            </a:r>
-            <a:br>
-              <a:rPr lang="en-US" altLang="zh-TW" dirty="0"/>
-            </a:br>
-            <a:r>
-              <a:rPr lang="zh-TW" altLang="en-US" dirty="0"/>
-              <a:t>個人資訊</a:t>
-            </a:r>
-          </a:p>
-        </p:txBody>
-      </p:sp>
-      <p:sp>
-        <p:nvSpPr>
-          <p:cNvPr id="8" name="橢圓 7">
-            <a:extLst>
-              <a:ext uri="{FF2B5EF4-FFF2-40B4-BE49-F238E27FC236}">
-                <a16:creationId xmlns:a16="http://schemas.microsoft.com/office/drawing/2014/main" id="{5E92D3DB-1E74-49D6-AD6B-D32C7FA6F295}"/>
-              </a:ext>
-            </a:extLst>
-          </p:cNvPr>
-          <p:cNvSpPr/>
-          <p:nvPr/>
-        </p:nvSpPr>
-        <p:spPr>
-          <a:xfrm>
-            <a:off x="5162431" y="2164966"/>
-            <a:ext cx="1624031" cy="593728"/>
-          </a:xfrm>
-          <a:prstGeom prst="ellipse">
-            <a:avLst/>
-          </a:prstGeom>
-        </p:spPr>
-        <p:style>
-          <a:lnRef idx="2">
-            <a:schemeClr val="accent1">
-              <a:shade val="50000"/>
-            </a:schemeClr>
-          </a:lnRef>
-          <a:fillRef idx="1">
-            <a:schemeClr val="accent1"/>
-          </a:fillRef>
-          <a:effectRef idx="0">
-            <a:schemeClr val="accent1"/>
-          </a:effectRef>
-          <a:fontRef idx="minor">
-            <a:schemeClr val="lt1"/>
-          </a:fontRef>
-        </p:style>
-        <p:txBody>
-          <a:bodyPr rtlCol="0" anchor="ctr"/>
-          <a:lstStyle/>
-          <a:p>
-            <a:pPr algn="ctr"/>
-            <a:r>
-              <a:rPr lang="zh-TW" altLang="en-US" dirty="0"/>
-              <a:t>個人資訊</a:t>
-            </a:r>
-          </a:p>
-        </p:txBody>
-      </p:sp>
-      <p:sp>
-        <p:nvSpPr>
-          <p:cNvPr id="9" name="橢圓 8">
-            <a:extLst>
-              <a:ext uri="{FF2B5EF4-FFF2-40B4-BE49-F238E27FC236}">
-                <a16:creationId xmlns:a16="http://schemas.microsoft.com/office/drawing/2014/main" id="{635627FB-52C8-4D08-9864-6FB942350E3E}"/>
-              </a:ext>
-            </a:extLst>
-          </p:cNvPr>
-          <p:cNvSpPr/>
-          <p:nvPr/>
-        </p:nvSpPr>
-        <p:spPr>
-          <a:xfrm>
-            <a:off x="8017131" y="5490727"/>
-            <a:ext cx="1892824" cy="622141"/>
-          </a:xfrm>
-          <a:prstGeom prst="ellipse">
-            <a:avLst/>
-          </a:prstGeom>
-        </p:spPr>
-        <p:style>
-          <a:lnRef idx="2">
-            <a:schemeClr val="accent1">
-              <a:shade val="50000"/>
-            </a:schemeClr>
-          </a:lnRef>
-          <a:fillRef idx="1">
-            <a:schemeClr val="accent1"/>
-          </a:fillRef>
-          <a:effectRef idx="0">
-            <a:schemeClr val="accent1"/>
-          </a:effectRef>
-          <a:fontRef idx="minor">
-            <a:schemeClr val="lt1"/>
-          </a:fontRef>
-        </p:style>
-        <p:txBody>
-          <a:bodyPr rtlCol="0" anchor="ctr"/>
-          <a:lstStyle/>
-          <a:p>
-            <a:pPr algn="ctr"/>
-            <a:r>
-              <a:rPr lang="zh-TW" altLang="en-US" dirty="0"/>
-              <a:t>上傳</a:t>
-            </a:r>
-            <a:br>
-              <a:rPr lang="en-US" altLang="zh-TW" dirty="0"/>
-            </a:br>
-            <a:r>
-              <a:rPr lang="zh-TW" altLang="en-US" dirty="0"/>
-              <a:t>可諮詢時段</a:t>
-            </a:r>
-          </a:p>
-        </p:txBody>
-      </p:sp>
-      <p:sp>
-        <p:nvSpPr>
-          <p:cNvPr id="10" name="橢圓 9">
-            <a:extLst>
-              <a:ext uri="{FF2B5EF4-FFF2-40B4-BE49-F238E27FC236}">
-                <a16:creationId xmlns:a16="http://schemas.microsoft.com/office/drawing/2014/main" id="{B8EF18E4-6405-4D0C-84AC-36A95F4DBFF5}"/>
-              </a:ext>
-            </a:extLst>
-          </p:cNvPr>
-          <p:cNvSpPr/>
-          <p:nvPr/>
-        </p:nvSpPr>
-        <p:spPr>
-          <a:xfrm>
-            <a:off x="7280230" y="4644011"/>
-            <a:ext cx="1581743" cy="424397"/>
-          </a:xfrm>
-          <a:prstGeom prst="ellipse">
-            <a:avLst/>
-          </a:prstGeom>
-        </p:spPr>
-        <p:style>
-          <a:lnRef idx="2">
-            <a:schemeClr val="accent1">
-              <a:shade val="50000"/>
-            </a:schemeClr>
-          </a:lnRef>
-          <a:fillRef idx="1">
-            <a:schemeClr val="accent1"/>
-          </a:fillRef>
-          <a:effectRef idx="0">
-            <a:schemeClr val="accent1"/>
-          </a:effectRef>
-          <a:fontRef idx="minor">
-            <a:schemeClr val="lt1"/>
-          </a:fontRef>
-        </p:style>
-        <p:txBody>
-          <a:bodyPr rtlCol="0" anchor="ctr"/>
-          <a:lstStyle/>
-          <a:p>
-            <a:pPr algn="ctr"/>
-            <a:r>
-              <a:rPr lang="zh-TW" altLang="en-US" dirty="0"/>
-              <a:t>確認預約</a:t>
-            </a:r>
-          </a:p>
-        </p:txBody>
-      </p:sp>
-      <p:sp>
-        <p:nvSpPr>
-          <p:cNvPr id="11" name="橢圓 10">
-            <a:extLst>
-              <a:ext uri="{FF2B5EF4-FFF2-40B4-BE49-F238E27FC236}">
-                <a16:creationId xmlns:a16="http://schemas.microsoft.com/office/drawing/2014/main" id="{BFBF30C6-88C4-44C0-BE9D-893A386B5682}"/>
-              </a:ext>
-            </a:extLst>
-          </p:cNvPr>
-          <p:cNvSpPr/>
-          <p:nvPr/>
-        </p:nvSpPr>
-        <p:spPr>
-          <a:xfrm>
-            <a:off x="7409843" y="2816780"/>
-            <a:ext cx="1829407" cy="625524"/>
-          </a:xfrm>
-          <a:prstGeom prst="ellipse">
-            <a:avLst/>
-          </a:prstGeom>
-        </p:spPr>
-        <p:style>
-          <a:lnRef idx="2">
-            <a:schemeClr val="accent1">
-              <a:shade val="50000"/>
-            </a:schemeClr>
-          </a:lnRef>
-          <a:fillRef idx="1">
-            <a:schemeClr val="accent1"/>
-          </a:fillRef>
-          <a:effectRef idx="0">
-            <a:schemeClr val="accent1"/>
-          </a:effectRef>
-          <a:fontRef idx="minor">
-            <a:schemeClr val="lt1"/>
-          </a:fontRef>
-        </p:style>
-        <p:txBody>
-          <a:bodyPr rtlCol="0" anchor="ctr"/>
-          <a:lstStyle/>
-          <a:p>
-            <a:pPr algn="ctr"/>
-            <a:r>
-              <a:rPr lang="zh-TW" altLang="en-US" dirty="0"/>
-              <a:t>查詢</a:t>
-            </a:r>
-            <a:r>
-              <a:rPr lang="en-US" altLang="zh-TW" dirty="0"/>
-              <a:t>&amp;</a:t>
-            </a:r>
-            <a:r>
-              <a:rPr lang="zh-TW" altLang="en-US" dirty="0"/>
-              <a:t>整理</a:t>
-            </a:r>
-            <a:br>
-              <a:rPr lang="en-US" altLang="zh-TW" dirty="0"/>
-            </a:br>
-            <a:r>
-              <a:rPr lang="zh-TW" altLang="en-US" dirty="0"/>
-              <a:t>個人資訊</a:t>
-            </a:r>
-          </a:p>
-        </p:txBody>
-      </p:sp>
-      <p:sp>
-        <p:nvSpPr>
-          <p:cNvPr id="12" name="橢圓 11">
-            <a:extLst>
-              <a:ext uri="{FF2B5EF4-FFF2-40B4-BE49-F238E27FC236}">
-                <a16:creationId xmlns:a16="http://schemas.microsoft.com/office/drawing/2014/main" id="{A82AC800-EFEA-40FB-AFE5-C9A6F8C0FAEF}"/>
-              </a:ext>
-            </a:extLst>
-          </p:cNvPr>
-          <p:cNvSpPr/>
-          <p:nvPr/>
-        </p:nvSpPr>
-        <p:spPr>
-          <a:xfrm>
-            <a:off x="4378664" y="1488413"/>
-            <a:ext cx="1038688" cy="580653"/>
-          </a:xfrm>
-          <a:prstGeom prst="ellipse">
-            <a:avLst/>
-          </a:prstGeom>
-        </p:spPr>
-        <p:style>
-          <a:lnRef idx="2">
-            <a:schemeClr val="accent1">
-              <a:shade val="50000"/>
-            </a:schemeClr>
-          </a:lnRef>
-          <a:fillRef idx="1">
-            <a:schemeClr val="accent1"/>
-          </a:fillRef>
-          <a:effectRef idx="0">
-            <a:schemeClr val="accent1"/>
-          </a:effectRef>
-          <a:fontRef idx="minor">
-            <a:schemeClr val="lt1"/>
-          </a:fontRef>
-        </p:style>
-        <p:txBody>
-          <a:bodyPr rtlCol="0" anchor="ctr"/>
-          <a:lstStyle/>
-          <a:p>
-            <a:pPr algn="ctr"/>
-            <a:r>
-              <a:rPr lang="zh-TW" altLang="en-US" dirty="0"/>
-              <a:t>聲音日記</a:t>
-            </a:r>
-          </a:p>
-        </p:txBody>
-      </p:sp>
-      <p:sp>
-        <p:nvSpPr>
-          <p:cNvPr id="13" name="橢圓 12">
-            <a:extLst>
-              <a:ext uri="{FF2B5EF4-FFF2-40B4-BE49-F238E27FC236}">
-                <a16:creationId xmlns:a16="http://schemas.microsoft.com/office/drawing/2014/main" id="{0DC9A92D-DC17-4008-B5BD-2C53B7A11791}"/>
-              </a:ext>
-            </a:extLst>
-          </p:cNvPr>
-          <p:cNvSpPr/>
-          <p:nvPr/>
-        </p:nvSpPr>
-        <p:spPr>
-          <a:xfrm>
-            <a:off x="5480554" y="1348967"/>
-            <a:ext cx="944153" cy="580653"/>
-          </a:xfrm>
-          <a:prstGeom prst="ellipse">
-            <a:avLst/>
-          </a:prstGeom>
-        </p:spPr>
-        <p:style>
-          <a:lnRef idx="2">
-            <a:schemeClr val="accent1">
-              <a:shade val="50000"/>
-            </a:schemeClr>
-          </a:lnRef>
-          <a:fillRef idx="1">
-            <a:schemeClr val="accent1"/>
-          </a:fillRef>
-          <a:effectRef idx="0">
-            <a:schemeClr val="accent1"/>
-          </a:effectRef>
-          <a:fontRef idx="minor">
-            <a:schemeClr val="lt1"/>
-          </a:fontRef>
-        </p:style>
-        <p:txBody>
-          <a:bodyPr rtlCol="0" anchor="ctr"/>
-          <a:lstStyle/>
-          <a:p>
-            <a:pPr algn="ctr"/>
-            <a:r>
-              <a:rPr lang="zh-TW" altLang="en-US" dirty="0"/>
-              <a:t>分析數據</a:t>
-            </a:r>
-          </a:p>
-        </p:txBody>
-      </p:sp>
-      <p:sp>
-        <p:nvSpPr>
-          <p:cNvPr id="14" name="橢圓 13">
-            <a:extLst>
-              <a:ext uri="{FF2B5EF4-FFF2-40B4-BE49-F238E27FC236}">
-                <a16:creationId xmlns:a16="http://schemas.microsoft.com/office/drawing/2014/main" id="{40292B44-AFBC-486F-860F-7EF3C812F09D}"/>
-              </a:ext>
-            </a:extLst>
-          </p:cNvPr>
-          <p:cNvSpPr/>
-          <p:nvPr/>
-        </p:nvSpPr>
-        <p:spPr>
-          <a:xfrm>
-            <a:off x="6465689" y="1537845"/>
-            <a:ext cx="944154" cy="580653"/>
-          </a:xfrm>
-          <a:prstGeom prst="ellipse">
-            <a:avLst/>
-          </a:prstGeom>
-        </p:spPr>
-        <p:style>
-          <a:lnRef idx="2">
-            <a:schemeClr val="accent1">
-              <a:shade val="50000"/>
-            </a:schemeClr>
-          </a:lnRef>
-          <a:fillRef idx="1">
-            <a:schemeClr val="accent1"/>
-          </a:fillRef>
-          <a:effectRef idx="0">
-            <a:schemeClr val="accent1"/>
-          </a:effectRef>
-          <a:fontRef idx="minor">
-            <a:schemeClr val="lt1"/>
-          </a:fontRef>
-        </p:style>
-        <p:txBody>
-          <a:bodyPr rtlCol="0" anchor="ctr"/>
-          <a:lstStyle/>
-          <a:p>
-            <a:pPr algn="ctr"/>
-            <a:r>
-              <a:rPr lang="zh-TW" altLang="en-US" dirty="0"/>
-              <a:t>基本資料</a:t>
-            </a:r>
-          </a:p>
-        </p:txBody>
-      </p:sp>
-      <p:sp>
-        <p:nvSpPr>
-          <p:cNvPr id="15" name="橢圓 14">
-            <a:extLst>
-              <a:ext uri="{FF2B5EF4-FFF2-40B4-BE49-F238E27FC236}">
-                <a16:creationId xmlns:a16="http://schemas.microsoft.com/office/drawing/2014/main" id="{B2BE35B4-CA06-4B9E-81CF-E3E60F9EEDED}"/>
-              </a:ext>
-            </a:extLst>
-          </p:cNvPr>
-          <p:cNvSpPr/>
-          <p:nvPr/>
-        </p:nvSpPr>
-        <p:spPr>
-          <a:xfrm>
-            <a:off x="5431086" y="4126612"/>
-            <a:ext cx="1581743" cy="424397"/>
-          </a:xfrm>
-          <a:prstGeom prst="ellipse">
-            <a:avLst/>
-          </a:prstGeom>
-        </p:spPr>
-        <p:style>
-          <a:lnRef idx="2">
-            <a:schemeClr val="accent1">
-              <a:shade val="50000"/>
-            </a:schemeClr>
-          </a:lnRef>
-          <a:fillRef idx="1">
-            <a:schemeClr val="accent1"/>
-          </a:fillRef>
-          <a:effectRef idx="0">
-            <a:schemeClr val="accent1"/>
-          </a:effectRef>
-          <a:fontRef idx="minor">
-            <a:schemeClr val="lt1"/>
-          </a:fontRef>
-        </p:style>
-        <p:txBody>
-          <a:bodyPr rtlCol="0" anchor="ctr"/>
-          <a:lstStyle/>
-          <a:p>
-            <a:pPr algn="ctr"/>
-            <a:r>
-              <a:rPr lang="zh-TW" altLang="en-US" dirty="0"/>
-              <a:t>預約時段</a:t>
-            </a:r>
-          </a:p>
-        </p:txBody>
-      </p:sp>
-      <p:cxnSp>
-        <p:nvCxnSpPr>
-          <p:cNvPr id="17" name="直線接點 16">
-            <a:extLst>
-              <a:ext uri="{FF2B5EF4-FFF2-40B4-BE49-F238E27FC236}">
-                <a16:creationId xmlns:a16="http://schemas.microsoft.com/office/drawing/2014/main" id="{0E4C7800-8E30-4C77-82DF-032CD41FD188}"/>
-              </a:ext>
-            </a:extLst>
-          </p:cNvPr>
-          <p:cNvCxnSpPr>
-            <a:cxnSpLocks/>
-            <a:stCxn id="7" idx="3"/>
-            <a:endCxn id="3" idx="0"/>
-          </p:cNvCxnSpPr>
-          <p:nvPr/>
-        </p:nvCxnSpPr>
-        <p:spPr>
-          <a:xfrm flipH="1">
-            <a:off x="1725903" y="3385492"/>
-            <a:ext cx="1271523" cy="223006"/>
-          </a:xfrm>
-          <a:prstGeom prst="line">
-            <a:avLst/>
-          </a:prstGeom>
-        </p:spPr>
-        <p:style>
-          <a:lnRef idx="1">
-            <a:schemeClr val="accent1"/>
-          </a:lnRef>
-          <a:fillRef idx="0">
-            <a:schemeClr val="accent1"/>
-          </a:fillRef>
-          <a:effectRef idx="0">
-            <a:schemeClr val="accent1"/>
-          </a:effectRef>
-          <a:fontRef idx="minor">
-            <a:schemeClr val="tx1"/>
-          </a:fontRef>
-        </p:style>
-      </p:cxnSp>
-      <p:cxnSp>
-        <p:nvCxnSpPr>
-          <p:cNvPr id="19" name="直線接點 18">
-            <a:extLst>
-              <a:ext uri="{FF2B5EF4-FFF2-40B4-BE49-F238E27FC236}">
-                <a16:creationId xmlns:a16="http://schemas.microsoft.com/office/drawing/2014/main" id="{1926248A-0DF9-4E3F-95D1-EDBB49E1279A}"/>
-              </a:ext>
-            </a:extLst>
-          </p:cNvPr>
-          <p:cNvCxnSpPr>
-            <a:cxnSpLocks/>
-            <a:stCxn id="2" idx="1"/>
-            <a:endCxn id="3" idx="2"/>
-          </p:cNvCxnSpPr>
-          <p:nvPr/>
-        </p:nvCxnSpPr>
-        <p:spPr>
-          <a:xfrm flipH="1" flipV="1">
-            <a:off x="1725903" y="4644726"/>
-            <a:ext cx="1231659" cy="590052"/>
-          </a:xfrm>
-          <a:prstGeom prst="line">
-            <a:avLst/>
-          </a:prstGeom>
-        </p:spPr>
-        <p:style>
-          <a:lnRef idx="1">
-            <a:schemeClr val="accent1"/>
-          </a:lnRef>
-          <a:fillRef idx="0">
-            <a:schemeClr val="accent1"/>
-          </a:fillRef>
-          <a:effectRef idx="0">
-            <a:schemeClr val="accent1"/>
-          </a:effectRef>
-          <a:fontRef idx="minor">
-            <a:schemeClr val="tx1"/>
-          </a:fontRef>
-        </p:style>
-      </p:cxnSp>
-      <p:cxnSp>
-        <p:nvCxnSpPr>
-          <p:cNvPr id="23" name="直線接點 22">
-            <a:extLst>
-              <a:ext uri="{FF2B5EF4-FFF2-40B4-BE49-F238E27FC236}">
-                <a16:creationId xmlns:a16="http://schemas.microsoft.com/office/drawing/2014/main" id="{CAFD69A0-A986-4F03-B568-94452ED92FBE}"/>
-              </a:ext>
-            </a:extLst>
-          </p:cNvPr>
-          <p:cNvCxnSpPr>
-            <a:cxnSpLocks/>
-            <a:stCxn id="2" idx="5"/>
-            <a:endCxn id="100" idx="2"/>
-          </p:cNvCxnSpPr>
-          <p:nvPr/>
-        </p:nvCxnSpPr>
-        <p:spPr>
-          <a:xfrm>
-            <a:off x="4138577" y="5746677"/>
-            <a:ext cx="1217446" cy="466610"/>
-          </a:xfrm>
-          <a:prstGeom prst="line">
-            <a:avLst/>
-          </a:prstGeom>
-        </p:spPr>
-        <p:style>
-          <a:lnRef idx="1">
-            <a:schemeClr val="accent1"/>
-          </a:lnRef>
-          <a:fillRef idx="0">
-            <a:schemeClr val="accent1"/>
-          </a:fillRef>
-          <a:effectRef idx="0">
-            <a:schemeClr val="accent1"/>
-          </a:effectRef>
-          <a:fontRef idx="minor">
-            <a:schemeClr val="tx1"/>
-          </a:fontRef>
-        </p:style>
-      </p:cxnSp>
-      <p:cxnSp>
-        <p:nvCxnSpPr>
-          <p:cNvPr id="25" name="直線接點 24">
-            <a:extLst>
-              <a:ext uri="{FF2B5EF4-FFF2-40B4-BE49-F238E27FC236}">
-                <a16:creationId xmlns:a16="http://schemas.microsoft.com/office/drawing/2014/main" id="{5F4DB237-86E8-48F3-BB00-27AA67BF0265}"/>
-              </a:ext>
-            </a:extLst>
-          </p:cNvPr>
-          <p:cNvCxnSpPr>
-            <a:cxnSpLocks/>
-            <a:stCxn id="6" idx="0"/>
-            <a:endCxn id="15" idx="3"/>
-          </p:cNvCxnSpPr>
-          <p:nvPr/>
-        </p:nvCxnSpPr>
-        <p:spPr>
-          <a:xfrm flipV="1">
-            <a:off x="4784733" y="4488857"/>
-            <a:ext cx="877994" cy="111269"/>
-          </a:xfrm>
-          <a:prstGeom prst="line">
-            <a:avLst/>
-          </a:prstGeom>
-        </p:spPr>
-        <p:style>
-          <a:lnRef idx="1">
-            <a:schemeClr val="accent1"/>
-          </a:lnRef>
-          <a:fillRef idx="0">
-            <a:schemeClr val="accent1"/>
-          </a:fillRef>
-          <a:effectRef idx="0">
-            <a:schemeClr val="accent1"/>
-          </a:effectRef>
-          <a:fontRef idx="minor">
-            <a:schemeClr val="tx1"/>
-          </a:fontRef>
-        </p:style>
-      </p:cxnSp>
-      <p:cxnSp>
-        <p:nvCxnSpPr>
-          <p:cNvPr id="27" name="直線接點 26">
-            <a:extLst>
-              <a:ext uri="{FF2B5EF4-FFF2-40B4-BE49-F238E27FC236}">
-                <a16:creationId xmlns:a16="http://schemas.microsoft.com/office/drawing/2014/main" id="{93D42244-B9B2-4657-BB4E-34DA074EDDEA}"/>
-              </a:ext>
-            </a:extLst>
-          </p:cNvPr>
-          <p:cNvCxnSpPr>
-            <a:cxnSpLocks/>
-            <a:stCxn id="10" idx="1"/>
-            <a:endCxn id="15" idx="5"/>
-          </p:cNvCxnSpPr>
-          <p:nvPr/>
-        </p:nvCxnSpPr>
-        <p:spPr>
-          <a:xfrm flipH="1" flipV="1">
-            <a:off x="6781188" y="4488857"/>
-            <a:ext cx="730683" cy="217306"/>
-          </a:xfrm>
-          <a:prstGeom prst="line">
-            <a:avLst/>
-          </a:prstGeom>
-        </p:spPr>
-        <p:style>
-          <a:lnRef idx="1">
-            <a:schemeClr val="accent1"/>
-          </a:lnRef>
-          <a:fillRef idx="0">
-            <a:schemeClr val="accent1"/>
-          </a:fillRef>
-          <a:effectRef idx="0">
-            <a:schemeClr val="accent1"/>
-          </a:effectRef>
-          <a:fontRef idx="minor">
-            <a:schemeClr val="tx1"/>
-          </a:fontRef>
-        </p:style>
-      </p:cxnSp>
-      <p:cxnSp>
-        <p:nvCxnSpPr>
-          <p:cNvPr id="29" name="直線接點 28">
-            <a:extLst>
-              <a:ext uri="{FF2B5EF4-FFF2-40B4-BE49-F238E27FC236}">
-                <a16:creationId xmlns:a16="http://schemas.microsoft.com/office/drawing/2014/main" id="{18D720C9-A219-4CA8-8B0F-0CE9727C2347}"/>
-              </a:ext>
-            </a:extLst>
-          </p:cNvPr>
-          <p:cNvCxnSpPr>
-            <a:cxnSpLocks/>
-            <a:stCxn id="10" idx="7"/>
-            <a:endCxn id="4" idx="1"/>
-          </p:cNvCxnSpPr>
-          <p:nvPr/>
-        </p:nvCxnSpPr>
-        <p:spPr>
-          <a:xfrm flipV="1">
-            <a:off x="8630332" y="4157255"/>
-            <a:ext cx="1030992" cy="548908"/>
-          </a:xfrm>
-          <a:prstGeom prst="line">
-            <a:avLst/>
-          </a:prstGeom>
-        </p:spPr>
-        <p:style>
-          <a:lnRef idx="1">
-            <a:schemeClr val="accent1"/>
-          </a:lnRef>
-          <a:fillRef idx="0">
-            <a:schemeClr val="accent1"/>
-          </a:fillRef>
-          <a:effectRef idx="0">
-            <a:schemeClr val="accent1"/>
-          </a:effectRef>
-          <a:fontRef idx="minor">
-            <a:schemeClr val="tx1"/>
-          </a:fontRef>
-        </p:style>
-      </p:cxnSp>
-      <p:cxnSp>
-        <p:nvCxnSpPr>
-          <p:cNvPr id="31" name="直線接點 30">
-            <a:extLst>
-              <a:ext uri="{FF2B5EF4-FFF2-40B4-BE49-F238E27FC236}">
-                <a16:creationId xmlns:a16="http://schemas.microsoft.com/office/drawing/2014/main" id="{71035DAC-4A9E-479A-A72A-5424BB60E27C}"/>
-              </a:ext>
-            </a:extLst>
-          </p:cNvPr>
-          <p:cNvCxnSpPr>
-            <a:cxnSpLocks/>
-            <a:stCxn id="7" idx="7"/>
-            <a:endCxn id="8" idx="3"/>
-          </p:cNvCxnSpPr>
-          <p:nvPr/>
-        </p:nvCxnSpPr>
-        <p:spPr>
-          <a:xfrm flipV="1">
-            <a:off x="4095356" y="2671745"/>
-            <a:ext cx="1304909" cy="201847"/>
-          </a:xfrm>
-          <a:prstGeom prst="line">
-            <a:avLst/>
-          </a:prstGeom>
-        </p:spPr>
-        <p:style>
-          <a:lnRef idx="1">
-            <a:schemeClr val="accent1"/>
-          </a:lnRef>
-          <a:fillRef idx="0">
-            <a:schemeClr val="accent1"/>
-          </a:fillRef>
-          <a:effectRef idx="0">
-            <a:schemeClr val="accent1"/>
-          </a:effectRef>
-          <a:fontRef idx="minor">
-            <a:schemeClr val="tx1"/>
-          </a:fontRef>
-        </p:style>
-      </p:cxnSp>
-      <p:cxnSp>
-        <p:nvCxnSpPr>
-          <p:cNvPr id="33" name="直線接點 32">
-            <a:extLst>
-              <a:ext uri="{FF2B5EF4-FFF2-40B4-BE49-F238E27FC236}">
-                <a16:creationId xmlns:a16="http://schemas.microsoft.com/office/drawing/2014/main" id="{1485D775-1184-49C4-8E80-55B379DE89A5}"/>
-              </a:ext>
-            </a:extLst>
-          </p:cNvPr>
-          <p:cNvCxnSpPr>
-            <a:cxnSpLocks/>
-            <a:stCxn id="11" idx="1"/>
-            <a:endCxn id="8" idx="5"/>
-          </p:cNvCxnSpPr>
-          <p:nvPr/>
-        </p:nvCxnSpPr>
-        <p:spPr>
-          <a:xfrm flipH="1" flipV="1">
-            <a:off x="6548628" y="2671745"/>
-            <a:ext cx="1129125" cy="236641"/>
-          </a:xfrm>
-          <a:prstGeom prst="line">
-            <a:avLst/>
-          </a:prstGeom>
-        </p:spPr>
-        <p:style>
-          <a:lnRef idx="1">
-            <a:schemeClr val="accent1"/>
-          </a:lnRef>
-          <a:fillRef idx="0">
-            <a:schemeClr val="accent1"/>
-          </a:fillRef>
-          <a:effectRef idx="0">
-            <a:schemeClr val="accent1"/>
-          </a:effectRef>
-          <a:fontRef idx="minor">
-            <a:schemeClr val="tx1"/>
-          </a:fontRef>
-        </p:style>
-      </p:cxnSp>
-      <p:cxnSp>
-        <p:nvCxnSpPr>
-          <p:cNvPr id="35" name="直線接點 34">
-            <a:extLst>
-              <a:ext uri="{FF2B5EF4-FFF2-40B4-BE49-F238E27FC236}">
-                <a16:creationId xmlns:a16="http://schemas.microsoft.com/office/drawing/2014/main" id="{BF604639-0FB3-4DD6-AC22-6277F27EBE12}"/>
-              </a:ext>
-            </a:extLst>
-          </p:cNvPr>
-          <p:cNvCxnSpPr>
-            <a:cxnSpLocks/>
-            <a:stCxn id="8" idx="1"/>
-            <a:endCxn id="12" idx="5"/>
-          </p:cNvCxnSpPr>
-          <p:nvPr/>
-        </p:nvCxnSpPr>
-        <p:spPr>
-          <a:xfrm flipH="1" flipV="1">
-            <a:off x="5265240" y="1984031"/>
-            <a:ext cx="135025" cy="267884"/>
-          </a:xfrm>
-          <a:prstGeom prst="line">
-            <a:avLst/>
-          </a:prstGeom>
-        </p:spPr>
-        <p:style>
-          <a:lnRef idx="1">
-            <a:schemeClr val="accent1"/>
-          </a:lnRef>
-          <a:fillRef idx="0">
-            <a:schemeClr val="accent1"/>
-          </a:fillRef>
-          <a:effectRef idx="0">
-            <a:schemeClr val="accent1"/>
-          </a:effectRef>
-          <a:fontRef idx="minor">
-            <a:schemeClr val="tx1"/>
-          </a:fontRef>
-        </p:style>
-      </p:cxnSp>
-      <p:cxnSp>
-        <p:nvCxnSpPr>
-          <p:cNvPr id="37" name="直線接點 36">
-            <a:extLst>
-              <a:ext uri="{FF2B5EF4-FFF2-40B4-BE49-F238E27FC236}">
-                <a16:creationId xmlns:a16="http://schemas.microsoft.com/office/drawing/2014/main" id="{E8C70454-37B6-430D-895C-F73628164775}"/>
-              </a:ext>
-            </a:extLst>
-          </p:cNvPr>
-          <p:cNvCxnSpPr>
-            <a:cxnSpLocks/>
-            <a:stCxn id="8" idx="0"/>
-            <a:endCxn id="13" idx="4"/>
-          </p:cNvCxnSpPr>
-          <p:nvPr/>
-        </p:nvCxnSpPr>
-        <p:spPr>
-          <a:xfrm flipH="1" flipV="1">
-            <a:off x="5952631" y="1929620"/>
-            <a:ext cx="21816" cy="235346"/>
-          </a:xfrm>
-          <a:prstGeom prst="line">
-            <a:avLst/>
-          </a:prstGeom>
-        </p:spPr>
-        <p:style>
-          <a:lnRef idx="1">
-            <a:schemeClr val="accent1"/>
-          </a:lnRef>
-          <a:fillRef idx="0">
-            <a:schemeClr val="accent1"/>
-          </a:fillRef>
-          <a:effectRef idx="0">
-            <a:schemeClr val="accent1"/>
-          </a:effectRef>
-          <a:fontRef idx="minor">
-            <a:schemeClr val="tx1"/>
-          </a:fontRef>
-        </p:style>
-      </p:cxnSp>
-      <p:cxnSp>
-        <p:nvCxnSpPr>
-          <p:cNvPr id="39" name="直線接點 38">
-            <a:extLst>
-              <a:ext uri="{FF2B5EF4-FFF2-40B4-BE49-F238E27FC236}">
-                <a16:creationId xmlns:a16="http://schemas.microsoft.com/office/drawing/2014/main" id="{24133FC1-2F64-4594-92FA-A0590693396D}"/>
-              </a:ext>
-            </a:extLst>
-          </p:cNvPr>
-          <p:cNvCxnSpPr>
-            <a:cxnSpLocks/>
-            <a:stCxn id="8" idx="7"/>
-          </p:cNvCxnSpPr>
-          <p:nvPr/>
-        </p:nvCxnSpPr>
-        <p:spPr>
-          <a:xfrm flipV="1">
-            <a:off x="6548628" y="2107948"/>
-            <a:ext cx="138268" cy="143967"/>
-          </a:xfrm>
-          <a:prstGeom prst="line">
-            <a:avLst/>
-          </a:prstGeom>
-        </p:spPr>
-        <p:style>
-          <a:lnRef idx="1">
-            <a:schemeClr val="accent1"/>
-          </a:lnRef>
-          <a:fillRef idx="0">
-            <a:schemeClr val="accent1"/>
-          </a:fillRef>
-          <a:effectRef idx="0">
-            <a:schemeClr val="accent1"/>
-          </a:effectRef>
-          <a:fontRef idx="minor">
-            <a:schemeClr val="tx1"/>
-          </a:fontRef>
-        </p:style>
-      </p:cxnSp>
-      <p:cxnSp>
-        <p:nvCxnSpPr>
-          <p:cNvPr id="41" name="直線接點 40">
-            <a:extLst>
-              <a:ext uri="{FF2B5EF4-FFF2-40B4-BE49-F238E27FC236}">
-                <a16:creationId xmlns:a16="http://schemas.microsoft.com/office/drawing/2014/main" id="{40BD0918-F09D-4A2C-A314-D49A2D115431}"/>
-              </a:ext>
-            </a:extLst>
-          </p:cNvPr>
-          <p:cNvCxnSpPr>
-            <a:cxnSpLocks/>
-            <a:stCxn id="11" idx="5"/>
-            <a:endCxn id="4" idx="0"/>
-          </p:cNvCxnSpPr>
-          <p:nvPr/>
-        </p:nvCxnSpPr>
-        <p:spPr>
-          <a:xfrm>
-            <a:off x="8971340" y="3350698"/>
-            <a:ext cx="1801994" cy="288442"/>
-          </a:xfrm>
-          <a:prstGeom prst="line">
-            <a:avLst/>
-          </a:prstGeom>
-        </p:spPr>
-        <p:style>
-          <a:lnRef idx="1">
-            <a:schemeClr val="accent1"/>
-          </a:lnRef>
-          <a:fillRef idx="0">
-            <a:schemeClr val="accent1"/>
-          </a:fillRef>
-          <a:effectRef idx="0">
-            <a:schemeClr val="accent1"/>
-          </a:effectRef>
-          <a:fontRef idx="minor">
-            <a:schemeClr val="tx1"/>
-          </a:fontRef>
-        </p:style>
-      </p:cxnSp>
-      <p:cxnSp>
-        <p:nvCxnSpPr>
-          <p:cNvPr id="43" name="直線接點 42">
-            <a:extLst>
-              <a:ext uri="{FF2B5EF4-FFF2-40B4-BE49-F238E27FC236}">
-                <a16:creationId xmlns:a16="http://schemas.microsoft.com/office/drawing/2014/main" id="{D52C6A49-FBC7-4BF0-BB15-E3ADB92C37C2}"/>
-              </a:ext>
-            </a:extLst>
-          </p:cNvPr>
-          <p:cNvCxnSpPr>
-            <a:cxnSpLocks/>
-            <a:stCxn id="4" idx="2"/>
-            <a:endCxn id="9" idx="0"/>
-          </p:cNvCxnSpPr>
-          <p:nvPr/>
-        </p:nvCxnSpPr>
-        <p:spPr>
-          <a:xfrm flipH="1">
-            <a:off x="8963543" y="4675369"/>
-            <a:ext cx="1809791" cy="815358"/>
-          </a:xfrm>
-          <a:prstGeom prst="line">
-            <a:avLst/>
-          </a:prstGeom>
-        </p:spPr>
-        <p:style>
-          <a:lnRef idx="1">
-            <a:schemeClr val="accent1"/>
-          </a:lnRef>
-          <a:fillRef idx="0">
-            <a:schemeClr val="accent1"/>
-          </a:fillRef>
-          <a:effectRef idx="0">
-            <a:schemeClr val="accent1"/>
-          </a:effectRef>
-          <a:fontRef idx="minor">
-            <a:schemeClr val="tx1"/>
-          </a:fontRef>
-        </p:style>
-      </p:cxnSp>
-      <p:cxnSp>
-        <p:nvCxnSpPr>
-          <p:cNvPr id="45" name="直線接點 44">
-            <a:extLst>
-              <a:ext uri="{FF2B5EF4-FFF2-40B4-BE49-F238E27FC236}">
-                <a16:creationId xmlns:a16="http://schemas.microsoft.com/office/drawing/2014/main" id="{19A58DCF-519D-465E-B1B2-0C6B2486B6E3}"/>
-              </a:ext>
-            </a:extLst>
-          </p:cNvPr>
-          <p:cNvCxnSpPr>
-            <a:cxnSpLocks/>
-            <a:stCxn id="15" idx="4"/>
-            <a:endCxn id="5" idx="4"/>
-          </p:cNvCxnSpPr>
-          <p:nvPr/>
-        </p:nvCxnSpPr>
-        <p:spPr>
-          <a:xfrm flipH="1" flipV="1">
-            <a:off x="6217463" y="3772332"/>
-            <a:ext cx="4495" cy="778677"/>
-          </a:xfrm>
-          <a:prstGeom prst="line">
-            <a:avLst/>
-          </a:prstGeom>
-        </p:spPr>
-        <p:style>
-          <a:lnRef idx="1">
-            <a:schemeClr val="accent1"/>
-          </a:lnRef>
-          <a:fillRef idx="0">
-            <a:schemeClr val="accent1"/>
-          </a:fillRef>
-          <a:effectRef idx="0">
-            <a:schemeClr val="accent1"/>
-          </a:effectRef>
-          <a:fontRef idx="minor">
-            <a:schemeClr val="tx1"/>
-          </a:fontRef>
-        </p:style>
-      </p:cxnSp>
-      <p:sp>
-        <p:nvSpPr>
-          <p:cNvPr id="100" name="橢圓 99">
-            <a:extLst>
-              <a:ext uri="{FF2B5EF4-FFF2-40B4-BE49-F238E27FC236}">
-                <a16:creationId xmlns:a16="http://schemas.microsoft.com/office/drawing/2014/main" id="{88CFC36E-11AA-402D-9C3F-2509C3D6A082}"/>
-              </a:ext>
-            </a:extLst>
-          </p:cNvPr>
-          <p:cNvSpPr/>
-          <p:nvPr/>
-        </p:nvSpPr>
-        <p:spPr>
-          <a:xfrm>
-            <a:off x="5356023" y="5945109"/>
-            <a:ext cx="1581743" cy="536355"/>
-          </a:xfrm>
-          <a:prstGeom prst="ellipse">
-            <a:avLst/>
-          </a:prstGeom>
-        </p:spPr>
-        <p:style>
-          <a:lnRef idx="2">
-            <a:schemeClr val="accent1">
-              <a:shade val="50000"/>
-            </a:schemeClr>
-          </a:lnRef>
-          <a:fillRef idx="1">
-            <a:schemeClr val="accent1"/>
-          </a:fillRef>
-          <a:effectRef idx="0">
-            <a:schemeClr val="accent1"/>
-          </a:effectRef>
-          <a:fontRef idx="minor">
-            <a:schemeClr val="lt1"/>
-          </a:fontRef>
-        </p:style>
-        <p:txBody>
-          <a:bodyPr rtlCol="0" anchor="ctr"/>
-          <a:lstStyle/>
-          <a:p>
-            <a:pPr algn="ctr"/>
-            <a:r>
-              <a:rPr lang="zh-TW" altLang="en-US" dirty="0"/>
-              <a:t>諮詢時段</a:t>
-            </a:r>
-          </a:p>
-        </p:txBody>
-      </p:sp>
-      <p:cxnSp>
-        <p:nvCxnSpPr>
-          <p:cNvPr id="103" name="直線接點 102">
-            <a:extLst>
-              <a:ext uri="{FF2B5EF4-FFF2-40B4-BE49-F238E27FC236}">
-                <a16:creationId xmlns:a16="http://schemas.microsoft.com/office/drawing/2014/main" id="{38066C1F-F0EF-4630-81D8-3FF2866333BB}"/>
-              </a:ext>
-            </a:extLst>
-          </p:cNvPr>
-          <p:cNvCxnSpPr>
-            <a:stCxn id="9" idx="2"/>
-            <a:endCxn id="100" idx="6"/>
-          </p:cNvCxnSpPr>
-          <p:nvPr/>
-        </p:nvCxnSpPr>
-        <p:spPr>
-          <a:xfrm flipH="1">
-            <a:off x="6937766" y="5801798"/>
-            <a:ext cx="1079365" cy="411489"/>
-          </a:xfrm>
-          <a:prstGeom prst="line">
-            <a:avLst/>
-          </a:prstGeom>
-        </p:spPr>
-        <p:style>
-          <a:lnRef idx="1">
-            <a:schemeClr val="accent1"/>
-          </a:lnRef>
-          <a:fillRef idx="0">
-            <a:schemeClr val="accent1"/>
-          </a:fillRef>
-          <a:effectRef idx="0">
-            <a:schemeClr val="accent1"/>
-          </a:effectRef>
-          <a:fontRef idx="minor">
-            <a:schemeClr val="tx1"/>
-          </a:fontRef>
-        </p:style>
-      </p:cxnSp>
-      <p:cxnSp>
-        <p:nvCxnSpPr>
-          <p:cNvPr id="107" name="直線接點 106">
-            <a:extLst>
-              <a:ext uri="{FF2B5EF4-FFF2-40B4-BE49-F238E27FC236}">
-                <a16:creationId xmlns:a16="http://schemas.microsoft.com/office/drawing/2014/main" id="{199EEB09-6F37-41F6-82F5-D111FC18C22B}"/>
-              </a:ext>
-            </a:extLst>
-          </p:cNvPr>
-          <p:cNvCxnSpPr>
-            <a:cxnSpLocks/>
-            <a:stCxn id="2" idx="0"/>
-            <a:endCxn id="6" idx="3"/>
-          </p:cNvCxnSpPr>
-          <p:nvPr/>
-        </p:nvCxnSpPr>
-        <p:spPr>
-          <a:xfrm flipV="1">
-            <a:off x="3548070" y="4930493"/>
-            <a:ext cx="677432" cy="198267"/>
-          </a:xfrm>
-          <a:prstGeom prst="line">
-            <a:avLst/>
-          </a:prstGeom>
-        </p:spPr>
-        <p:style>
-          <a:lnRef idx="1">
-            <a:schemeClr val="accent1"/>
-          </a:lnRef>
-          <a:fillRef idx="0">
-            <a:schemeClr val="accent1"/>
-          </a:fillRef>
-          <a:effectRef idx="0">
-            <a:schemeClr val="accent1"/>
-          </a:effectRef>
-          <a:fontRef idx="minor">
-            <a:schemeClr val="tx1"/>
-          </a:fontRef>
-        </p:style>
-      </p:cxnSp>
-      <p:sp>
-        <p:nvSpPr>
-          <p:cNvPr id="116" name="文字方塊 115">
-            <a:extLst>
-              <a:ext uri="{FF2B5EF4-FFF2-40B4-BE49-F238E27FC236}">
-                <a16:creationId xmlns:a16="http://schemas.microsoft.com/office/drawing/2014/main" id="{C763D2E4-787F-4B21-AF72-C395C9B131B3}"/>
+          <p:cNvPr id="4" name="文字方塊 3">
+            <a:extLst>
+              <a:ext uri="{FF2B5EF4-FFF2-40B4-BE49-F238E27FC236}">
+                <a16:creationId xmlns:a16="http://schemas.microsoft.com/office/drawing/2014/main" id="{3697A660-69A3-4FF9-B328-0CBC394D0D14}"/>
               </a:ext>
             </a:extLst>
           </p:cNvPr>
@@ -12544,16 +13867,24 @@
         </p:nvSpPr>
         <p:spPr>
           <a:xfrm>
-            <a:off x="818363" y="4951895"/>
-            <a:ext cx="1051436" cy="400110"/>
+            <a:off x="861134" y="186431"/>
+            <a:ext cx="4722920" cy="1477328"/>
           </a:xfrm>
           <a:prstGeom prst="rect">
             <a:avLst/>
           </a:prstGeom>
           <a:noFill/>
+          <a:ln w="19050">
+            <a:solidFill>
+              <a:srgbClr val="88001B"/>
+            </a:solidFill>
+          </a:ln>
         </p:spPr>
         <p:txBody>
-          <a:bodyPr wrap="square" rtlCol="0">
+          <a:bodyPr rot="0" spcFirstLastPara="0" vertOverflow="overflow" horzOverflow="overflow" vert="horz" wrap="square" lIns="91440" tIns="45720" rIns="91440" bIns="45720" numCol="1" spcCol="0" rtlCol="0" fromWordArt="0" anchor="t" anchorCtr="0" forceAA="0" compatLnSpc="1">
+            <a:prstTxWarp prst="textNoShape">
+              <a:avLst/>
+            </a:prstTxWarp>
             <a:spAutoFit/>
           </a:bodyPr>
           <a:lstStyle>
@@ -12561,10 +13892,7 @@
               <a:defRPr lang="zh-TW"/>
             </a:defPPr>
             <a:lvl1pPr>
-              <a:defRPr sz="2000">
-                <a:solidFill>
-                  <a:schemeClr val="bg1"/>
-                </a:solidFill>
+              <a:defRPr>
                 <a:latin typeface="jf open 粉圓 1.1" panose="020F0500000000000000" pitchFamily="34" charset="-120"/>
                 <a:ea typeface="jf open 粉圓 1.1" panose="020F0500000000000000" pitchFamily="34" charset="-120"/>
               </a:defRPr>
@@ -12572,18 +13900,89 @@
           </a:lstStyle>
           <a:p>
             <a:r>
+              <a:rPr lang="zh-TW" altLang="en-US" b="1" dirty="0">
+                <a:effectLst>
+                  <a:outerShdw blurRad="38100" dist="38100" dir="2700000" algn="tl">
+                    <a:srgbClr val="000000">
+                      <a:alpha val="43137"/>
+                    </a:srgbClr>
+                  </a:outerShdw>
+                </a:effectLst>
+              </a:rPr>
+              <a:t>特殊症狀治療</a:t>
+            </a:r>
+            <a:r>
+              <a:rPr lang="en-US" altLang="zh-TW" b="1" dirty="0">
+                <a:effectLst>
+                  <a:outerShdw blurRad="38100" dist="38100" dir="2700000" algn="tl">
+                    <a:srgbClr val="000000">
+                      <a:alpha val="43137"/>
+                    </a:srgbClr>
+                  </a:outerShdw>
+                </a:effectLst>
+              </a:rPr>
+              <a:t>:</a:t>
+            </a:r>
+          </a:p>
+          <a:p>
+            <a:r>
               <a:rPr lang="zh-TW" altLang="en-US" dirty="0"/>
-              <a:t>使用者</a:t>
+              <a:t>由諮商師評估後，提供給使用者的功能，</a:t>
+            </a:r>
+            <a:endParaRPr lang="en-US" altLang="zh-TW" dirty="0"/>
+          </a:p>
+          <a:p>
+            <a:r>
+              <a:rPr lang="zh-TW" altLang="en-US" dirty="0"/>
+              <a:t>針對像</a:t>
+            </a:r>
+            <a:r>
+              <a:rPr lang="zh-TW" altLang="en-US" u="sng" dirty="0"/>
+              <a:t>懼高症</a:t>
+            </a:r>
+            <a:r>
+              <a:rPr lang="zh-TW" altLang="en-US" dirty="0"/>
+              <a:t>、</a:t>
+            </a:r>
+            <a:r>
+              <a:rPr lang="zh-TW" altLang="en-US" u="sng" dirty="0"/>
+              <a:t>幽閉恐懼症</a:t>
+            </a:r>
+            <a:r>
+              <a:rPr lang="zh-TW" altLang="en-US" dirty="0"/>
+              <a:t>等病人，</a:t>
+            </a:r>
+            <a:endParaRPr lang="en-US" altLang="zh-TW" dirty="0"/>
+          </a:p>
+          <a:p>
+            <a:r>
+              <a:rPr lang="zh-TW" altLang="en-US" dirty="0"/>
+              <a:t>藉由</a:t>
+            </a:r>
+            <a:r>
+              <a:rPr lang="en-US" altLang="zh-TW" dirty="0"/>
+              <a:t>VR</a:t>
+            </a:r>
+            <a:r>
+              <a:rPr lang="zh-TW" altLang="en-US" dirty="0"/>
+              <a:t>場景提供空間，搭配諮商師從旁協助，</a:t>
+            </a:r>
+            <a:endParaRPr lang="en-US" altLang="zh-TW" dirty="0"/>
+          </a:p>
+          <a:p>
+            <a:r>
+              <a:rPr lang="zh-TW" altLang="en-US" dirty="0"/>
+              <a:t>讓使用者慢慢克服心理創傷。</a:t>
             </a:r>
           </a:p>
         </p:txBody>
       </p:sp>
       <p:sp>
         <p:nvSpPr>
-          <p:cNvPr id="117" name="文字方塊 116">
-            <a:extLst>
-              <a:ext uri="{FF2B5EF4-FFF2-40B4-BE49-F238E27FC236}">
-                <a16:creationId xmlns:a16="http://schemas.microsoft.com/office/drawing/2014/main" id="{A10688A0-342D-409C-A1E7-B78742E903BC}"/>
+          <p:cNvPr id="5" name="文字方塊 4">
+            <a:extLst>
+              <a:ext uri="{FF2B5EF4-FFF2-40B4-BE49-F238E27FC236}">
+                <a16:creationId xmlns:a16="http://schemas.microsoft.com/office/drawing/2014/main" id="{A13167DB-DA66-4402-B670-4667DEA3D9B6}"/>
               </a:ext>
             </a:extLst>
           </p:cNvPr>
@@ -12592,16 +13991,24 @@
         </p:nvSpPr>
         <p:spPr>
           <a:xfrm>
-            <a:off x="10461382" y="4986663"/>
-            <a:ext cx="969964" cy="400110"/>
+            <a:off x="8647968" y="6019060"/>
+            <a:ext cx="2743932" cy="369332"/>
           </a:xfrm>
           <a:prstGeom prst="rect">
             <a:avLst/>
           </a:prstGeom>
           <a:noFill/>
+          <a:ln w="19050">
+            <a:solidFill>
+              <a:srgbClr val="88001B"/>
+            </a:solidFill>
+          </a:ln>
         </p:spPr>
         <p:txBody>
-          <a:bodyPr wrap="square" rtlCol="0">
+          <a:bodyPr rot="0" spcFirstLastPara="0" vertOverflow="overflow" horzOverflow="overflow" vert="horz" wrap="square" lIns="91440" tIns="45720" rIns="91440" bIns="45720" numCol="1" spcCol="0" rtlCol="0" fromWordArt="0" anchor="t" anchorCtr="0" forceAA="0" compatLnSpc="1">
+            <a:prstTxWarp prst="textNoShape">
+              <a:avLst/>
+            </a:prstTxWarp>
             <a:spAutoFit/>
           </a:bodyPr>
           <a:lstStyle>
@@ -12609,10 +14016,14 @@
               <a:defRPr lang="zh-TW"/>
             </a:defPPr>
             <a:lvl1pPr>
-              <a:defRPr sz="2000">
-                <a:solidFill>
-                  <a:schemeClr val="bg1"/>
-                </a:solidFill>
+              <a:defRPr b="1">
+                <a:effectLst>
+                  <a:outerShdw blurRad="38100" dist="38100" dir="2700000" algn="tl">
+                    <a:srgbClr val="000000">
+                      <a:alpha val="43137"/>
+                    </a:srgbClr>
+                  </a:outerShdw>
+                </a:effectLst>
                 <a:latin typeface="jf open 粉圓 1.1" panose="020F0500000000000000" pitchFamily="34" charset="-120"/>
                 <a:ea typeface="jf open 粉圓 1.1" panose="020F0500000000000000" pitchFamily="34" charset="-120"/>
               </a:defRPr>
@@ -12620,299 +14031,48 @@
           </a:lstStyle>
           <a:p>
             <a:r>
-              <a:rPr lang="zh-TW" altLang="en-US" dirty="0"/>
-              <a:t>診所</a:t>
-            </a:r>
-          </a:p>
-        </p:txBody>
-      </p:sp>
-      <p:sp>
-        <p:nvSpPr>
-          <p:cNvPr id="54" name="橢圓 53">
-            <a:extLst>
-              <a:ext uri="{FF2B5EF4-FFF2-40B4-BE49-F238E27FC236}">
-                <a16:creationId xmlns:a16="http://schemas.microsoft.com/office/drawing/2014/main" id="{E626DF56-B096-402B-A4C9-E6EB8F6204E2}"/>
-              </a:ext>
-            </a:extLst>
-          </p:cNvPr>
-          <p:cNvSpPr/>
-          <p:nvPr/>
-        </p:nvSpPr>
-        <p:spPr>
-          <a:xfrm>
-            <a:off x="9409719" y="1367273"/>
-            <a:ext cx="1624031" cy="817923"/>
-          </a:xfrm>
-          <a:prstGeom prst="ellipse">
-            <a:avLst/>
-          </a:prstGeom>
-        </p:spPr>
-        <p:style>
-          <a:lnRef idx="2">
-            <a:schemeClr val="accent1">
-              <a:shade val="50000"/>
-            </a:schemeClr>
-          </a:lnRef>
-          <a:fillRef idx="1">
-            <a:schemeClr val="accent1"/>
-          </a:fillRef>
-          <a:effectRef idx="0">
-            <a:schemeClr val="accent1"/>
-          </a:effectRef>
-          <a:fontRef idx="minor">
-            <a:schemeClr val="lt1"/>
-          </a:fontRef>
-        </p:style>
-        <p:txBody>
-          <a:bodyPr rtlCol="0" anchor="ctr"/>
-          <a:lstStyle/>
-          <a:p>
-            <a:pPr algn="ctr"/>
-            <a:r>
-              <a:rPr lang="zh-TW" altLang="en-US" dirty="0"/>
-              <a:t>發表文章</a:t>
-            </a:r>
-          </a:p>
-        </p:txBody>
-      </p:sp>
-      <p:sp>
-        <p:nvSpPr>
-          <p:cNvPr id="61" name="橢圓 60">
-            <a:extLst>
-              <a:ext uri="{FF2B5EF4-FFF2-40B4-BE49-F238E27FC236}">
-                <a16:creationId xmlns:a16="http://schemas.microsoft.com/office/drawing/2014/main" id="{6BF68106-5AF3-43C2-BABF-1F8456158C66}"/>
-              </a:ext>
-            </a:extLst>
-          </p:cNvPr>
-          <p:cNvSpPr/>
-          <p:nvPr/>
-        </p:nvSpPr>
-        <p:spPr>
-          <a:xfrm>
-            <a:off x="1538581" y="1213053"/>
-            <a:ext cx="1624031" cy="817923"/>
-          </a:xfrm>
-          <a:prstGeom prst="ellipse">
-            <a:avLst/>
-          </a:prstGeom>
-        </p:spPr>
-        <p:style>
-          <a:lnRef idx="2">
-            <a:schemeClr val="accent1">
-              <a:shade val="50000"/>
-            </a:schemeClr>
-          </a:lnRef>
-          <a:fillRef idx="1">
-            <a:schemeClr val="accent1"/>
-          </a:fillRef>
-          <a:effectRef idx="0">
-            <a:schemeClr val="accent1"/>
-          </a:effectRef>
-          <a:fontRef idx="minor">
-            <a:schemeClr val="lt1"/>
-          </a:fontRef>
-        </p:style>
-        <p:txBody>
-          <a:bodyPr rtlCol="0" anchor="ctr"/>
-          <a:lstStyle/>
-          <a:p>
-            <a:pPr algn="ctr"/>
-            <a:r>
-              <a:rPr lang="zh-TW" altLang="en-US" dirty="0"/>
-              <a:t>搜尋文章</a:t>
-            </a:r>
-          </a:p>
-        </p:txBody>
-      </p:sp>
-      <p:sp>
-        <p:nvSpPr>
-          <p:cNvPr id="56" name="橢圓 55">
-            <a:extLst>
-              <a:ext uri="{FF2B5EF4-FFF2-40B4-BE49-F238E27FC236}">
-                <a16:creationId xmlns:a16="http://schemas.microsoft.com/office/drawing/2014/main" id="{5E3AF327-C5D6-49D1-A6A2-23F00B34F77C}"/>
-              </a:ext>
-            </a:extLst>
-          </p:cNvPr>
-          <p:cNvSpPr/>
-          <p:nvPr/>
-        </p:nvSpPr>
-        <p:spPr>
-          <a:xfrm>
-            <a:off x="5265240" y="124099"/>
-            <a:ext cx="1462653" cy="580504"/>
-          </a:xfrm>
-          <a:prstGeom prst="ellipse">
-            <a:avLst/>
-          </a:prstGeom>
-        </p:spPr>
-        <p:style>
-          <a:lnRef idx="2">
-            <a:schemeClr val="accent1">
-              <a:shade val="50000"/>
-            </a:schemeClr>
-          </a:lnRef>
-          <a:fillRef idx="1">
-            <a:schemeClr val="accent1"/>
-          </a:fillRef>
-          <a:effectRef idx="0">
-            <a:schemeClr val="accent1"/>
-          </a:effectRef>
-          <a:fontRef idx="minor">
-            <a:schemeClr val="lt1"/>
-          </a:fontRef>
-        </p:style>
-        <p:txBody>
-          <a:bodyPr rtlCol="0" anchor="ctr"/>
-          <a:lstStyle/>
-          <a:p>
-            <a:pPr algn="ctr"/>
-            <a:r>
-              <a:rPr lang="zh-TW" altLang="en-US" dirty="0"/>
-              <a:t>資訊牆</a:t>
+              <a:rPr lang="en-US" altLang="zh-TW" b="0" dirty="0">
+                <a:effectLst/>
+              </a:rPr>
+              <a:t>※</a:t>
+            </a:r>
+            <a:r>
+              <a:rPr lang="zh-TW" altLang="en-US" b="0" dirty="0">
+                <a:effectLst/>
+              </a:rPr>
+              <a:t>目前還在評估可行性。</a:t>
             </a:r>
           </a:p>
         </p:txBody>
       </p:sp>
       <p:cxnSp>
         <p:nvCxnSpPr>
-          <p:cNvPr id="67" name="直線接點 66">
-            <a:extLst>
-              <a:ext uri="{FF2B5EF4-FFF2-40B4-BE49-F238E27FC236}">
-                <a16:creationId xmlns:a16="http://schemas.microsoft.com/office/drawing/2014/main" id="{86FF15C9-F99A-4583-ADFC-D7554B51C693}"/>
+          <p:cNvPr id="7" name="接點: 肘形 6">
+            <a:extLst>
+              <a:ext uri="{FF2B5EF4-FFF2-40B4-BE49-F238E27FC236}">
+                <a16:creationId xmlns:a16="http://schemas.microsoft.com/office/drawing/2014/main" id="{B88E977B-B8F1-4223-A94A-3ECCEAEFF89A}"/>
               </a:ext>
             </a:extLst>
           </p:cNvPr>
           <p:cNvCxnSpPr>
-            <a:stCxn id="61" idx="4"/>
-            <a:endCxn id="3" idx="0"/>
+            <a:stCxn id="4" idx="3"/>
           </p:cNvCxnSpPr>
           <p:nvPr/>
         </p:nvCxnSpPr>
         <p:spPr>
-          <a:xfrm flipH="1">
-            <a:off x="1725903" y="2030976"/>
-            <a:ext cx="624694" cy="1577522"/>
-          </a:xfrm>
-          <a:prstGeom prst="line">
+          <a:xfrm>
+            <a:off x="5584054" y="925095"/>
+            <a:ext cx="754602" cy="1400855"/>
+          </a:xfrm>
+          <a:prstGeom prst="bentConnector2">
             <a:avLst/>
           </a:prstGeom>
-        </p:spPr>
-        <p:style>
-          <a:lnRef idx="1">
-            <a:schemeClr val="accent1"/>
-          </a:lnRef>
-          <a:fillRef idx="0">
-            <a:schemeClr val="accent1"/>
-          </a:fillRef>
-          <a:effectRef idx="0">
-            <a:schemeClr val="accent1"/>
-          </a:effectRef>
-          <a:fontRef idx="minor">
-            <a:schemeClr val="tx1"/>
-          </a:fontRef>
-        </p:style>
-      </p:cxnSp>
-      <p:cxnSp>
-        <p:nvCxnSpPr>
-          <p:cNvPr id="69" name="直線接點 68">
-            <a:extLst>
-              <a:ext uri="{FF2B5EF4-FFF2-40B4-BE49-F238E27FC236}">
-                <a16:creationId xmlns:a16="http://schemas.microsoft.com/office/drawing/2014/main" id="{455BD628-0488-403F-9E21-97EECD960E07}"/>
-              </a:ext>
-            </a:extLst>
-          </p:cNvPr>
-          <p:cNvCxnSpPr>
-            <a:stCxn id="54" idx="4"/>
-            <a:endCxn id="4" idx="0"/>
-          </p:cNvCxnSpPr>
-          <p:nvPr/>
-        </p:nvCxnSpPr>
-        <p:spPr>
-          <a:xfrm>
-            <a:off x="10221735" y="2185196"/>
-            <a:ext cx="551599" cy="1453944"/>
-          </a:xfrm>
-          <a:prstGeom prst="line">
-            <a:avLst/>
-          </a:prstGeom>
-        </p:spPr>
-        <p:style>
-          <a:lnRef idx="1">
-            <a:schemeClr val="accent1"/>
-          </a:lnRef>
-          <a:fillRef idx="0">
-            <a:schemeClr val="accent1"/>
-          </a:fillRef>
-          <a:effectRef idx="0">
-            <a:schemeClr val="accent1"/>
-          </a:effectRef>
-          <a:fontRef idx="minor">
-            <a:schemeClr val="tx1"/>
-          </a:fontRef>
-        </p:style>
-      </p:cxnSp>
-      <p:cxnSp>
-        <p:nvCxnSpPr>
-          <p:cNvPr id="71" name="直線接點 70">
-            <a:extLst>
-              <a:ext uri="{FF2B5EF4-FFF2-40B4-BE49-F238E27FC236}">
-                <a16:creationId xmlns:a16="http://schemas.microsoft.com/office/drawing/2014/main" id="{2DEF734D-0D19-4D9D-B022-C36AB3397326}"/>
-              </a:ext>
-            </a:extLst>
-          </p:cNvPr>
-          <p:cNvCxnSpPr>
-            <a:stCxn id="56" idx="6"/>
-            <a:endCxn id="54" idx="1"/>
-          </p:cNvCxnSpPr>
-          <p:nvPr/>
-        </p:nvCxnSpPr>
-        <p:spPr>
-          <a:xfrm>
-            <a:off x="6727893" y="414351"/>
-            <a:ext cx="2919660" cy="1072704"/>
-          </a:xfrm>
-          <a:prstGeom prst="line">
-            <a:avLst/>
-          </a:prstGeom>
-        </p:spPr>
-        <p:style>
-          <a:lnRef idx="1">
-            <a:schemeClr val="accent1"/>
-          </a:lnRef>
-          <a:fillRef idx="0">
-            <a:schemeClr val="accent1"/>
-          </a:fillRef>
-          <a:effectRef idx="0">
-            <a:schemeClr val="accent1"/>
-          </a:effectRef>
-          <a:fontRef idx="minor">
-            <a:schemeClr val="tx1"/>
-          </a:fontRef>
-        </p:style>
-      </p:cxnSp>
-      <p:cxnSp>
-        <p:nvCxnSpPr>
-          <p:cNvPr id="73" name="直線接點 72">
-            <a:extLst>
-              <a:ext uri="{FF2B5EF4-FFF2-40B4-BE49-F238E27FC236}">
-                <a16:creationId xmlns:a16="http://schemas.microsoft.com/office/drawing/2014/main" id="{D44E9798-4BD9-44B2-A58A-17C14AFEEC47}"/>
-              </a:ext>
-            </a:extLst>
-          </p:cNvPr>
-          <p:cNvCxnSpPr>
-            <a:stCxn id="56" idx="2"/>
-            <a:endCxn id="61" idx="7"/>
-          </p:cNvCxnSpPr>
-          <p:nvPr/>
-        </p:nvCxnSpPr>
-        <p:spPr>
-          <a:xfrm flipH="1">
-            <a:off x="2924778" y="414351"/>
-            <a:ext cx="2340462" cy="918484"/>
-          </a:xfrm>
-          <a:prstGeom prst="line">
-            <a:avLst/>
-          </a:prstGeom>
+          <a:ln w="28575">
+            <a:solidFill>
+              <a:srgbClr val="88001B"/>
+            </a:solidFill>
+            <a:tailEnd type="oval"/>
+          </a:ln>
         </p:spPr>
         <p:style>
           <a:lnRef idx="1">
@@ -12932,7 +14092,7 @@
     </p:spTree>
     <p:extLst>
       <p:ext uri="{BB962C8B-B14F-4D97-AF65-F5344CB8AC3E}">
-        <p14:creationId xmlns:p14="http://schemas.microsoft.com/office/powerpoint/2010/main" val="1777714717"/>
+        <p14:creationId xmlns:p14="http://schemas.microsoft.com/office/powerpoint/2010/main" val="3069068981"/>
       </p:ext>
     </p:extLst>
   </p:cSld>
